--- a/manual (drafts)/Sunset_Slides_UniKlu.pptx
+++ b/manual (drafts)/Sunset_Slides_UniKlu.pptx
@@ -1389,7 +1389,7 @@
             </a:pPr>
             <a:r>
               <a:rPr lang="de-DE" sz="1100" dirty="0" smtClean="0"/>
-              <a:t>31.08.2017 </a:t>
+              <a:t>07.03.2020 </a:t>
             </a:r>
             <a:r>
               <a:rPr lang="de-DE" sz="1100" dirty="0" smtClean="0"/>
@@ -1888,7 +1888,7 @@
             </a:pPr>
             <a:r>
               <a:rPr lang="en-GB" dirty="0" smtClean="0"/>
-              <a:t>31.08.2017 </a:t>
+              <a:t>07.03.2020 </a:t>
             </a:r>
             <a:r>
               <a:rPr lang="en-GB" dirty="0" smtClean="0"/>
@@ -2396,7 +2396,7 @@
             </a:pPr>
             <a:r>
               <a:rPr lang="de-DE" sz="1100" dirty="0" smtClean="0"/>
-              <a:t>31.08.2017 </a:t>
+              <a:t>07.03.2020 </a:t>
             </a:r>
             <a:r>
               <a:rPr lang="de-DE" sz="1100" dirty="0" smtClean="0"/>
@@ -3413,7 +3413,7 @@
             </a:pPr>
             <a:r>
               <a:rPr lang="en-GB" dirty="0" smtClean="0"/>
-              <a:t>31.08.2017 </a:t>
+              <a:t>07.03.2020 </a:t>
             </a:r>
             <a:r>
               <a:rPr lang="en-GB" dirty="0" smtClean="0"/>
@@ -5002,7 +5002,7 @@
           <a:p>
             <a:r>
               <a:rPr lang="en-US" dirty="0" smtClean="0"/>
-              <a:t>Console-Output</a:t>
+              <a:t>Console-I/O</a:t>
             </a:r>
             <a:endParaRPr lang="en-US" dirty="0"/>
           </a:p>
@@ -5192,23 +5192,56 @@
           <a:p>
             <a:r>
               <a:rPr lang="en-US" dirty="0" smtClean="0">
-                <a:solidFill>
-                  <a:schemeClr val="bg1">
-                    <a:lumMod val="50000"/>
-                  </a:schemeClr>
-                </a:solidFill>
                 <a:latin typeface="+mj-lt"/>
                 <a:cs typeface="Courier New" panose="02070309020205020404" pitchFamily="49" charset="0"/>
               </a:rPr>
-              <a:t>Reading values from the console (user-input) is subject of ongoing development (will be a feature in future versions)</a:t>
-            </a:r>
-            <a:r>
-              <a:rPr lang="en-US" dirty="0" smtClean="0"/>
-              <a:t/>
-            </a:r>
-            <a:br>
-              <a:rPr lang="en-US" dirty="0" smtClean="0"/>
-            </a:br>
+              <a:t>Reading values from the console (user-input) is possible by the functions </a:t>
+            </a:r>
+            <a:r>
+              <a:rPr lang="en-US" b="1" i="1" dirty="0" err="1" smtClean="0">
+                <a:latin typeface="Courier New" panose="02070309020205020404" pitchFamily="49" charset="0"/>
+                <a:cs typeface="Courier New" panose="02070309020205020404" pitchFamily="49" charset="0"/>
+              </a:rPr>
+              <a:t>readInt</a:t>
+            </a:r>
+            <a:r>
+              <a:rPr lang="en-US" dirty="0" smtClean="0">
+                <a:latin typeface="+mj-lt"/>
+                <a:cs typeface="Courier New" panose="02070309020205020404" pitchFamily="49" charset="0"/>
+              </a:rPr>
+              <a:t>, </a:t>
+            </a:r>
+            <a:r>
+              <a:rPr lang="en-US" b="1" i="1" dirty="0" err="1">
+                <a:latin typeface="Courier New" panose="02070309020205020404" pitchFamily="49" charset="0"/>
+                <a:cs typeface="Courier New" panose="02070309020205020404" pitchFamily="49" charset="0"/>
+              </a:rPr>
+              <a:t>readGF</a:t>
+            </a:r>
+            <a:r>
+              <a:rPr lang="en-US" dirty="0" smtClean="0">
+                <a:latin typeface="+mj-lt"/>
+                <a:cs typeface="Courier New" panose="02070309020205020404" pitchFamily="49" charset="0"/>
+              </a:rPr>
+              <a:t>, …, all of which take one parameter of type </a:t>
+            </a:r>
+            <a:r>
+              <a:rPr lang="en-US" b="1" dirty="0">
+                <a:solidFill>
+                  <a:srgbClr val="7030A0"/>
+                </a:solidFill>
+                <a:latin typeface="Courier New" panose="02070309020205020404" pitchFamily="49" charset="0"/>
+                <a:cs typeface="Courier New" panose="02070309020205020404" pitchFamily="49" charset="0"/>
+              </a:rPr>
+              <a:t>String</a:t>
+            </a:r>
+            <a:r>
+              <a:rPr lang="en-US" dirty="0" smtClean="0">
+                <a:latin typeface="+mj-lt"/>
+                <a:cs typeface="Courier New" panose="02070309020205020404" pitchFamily="49" charset="0"/>
+              </a:rPr>
+              <a:t> to prompt the user.</a:t>
+            </a:r>
             <a:endParaRPr lang="en-US" dirty="0" smtClean="0"/>
           </a:p>
         </p:txBody>
@@ -9799,7 +9832,7 @@
           <a:graphicData uri="http://schemas.openxmlformats.org/presentationml/2006/ole">
             <mc:AlternateContent xmlns:mc="http://schemas.openxmlformats.org/markup-compatibility/2006">
               <mc:Choice xmlns:v="urn:schemas-microsoft-com:vml" Requires="v">
-                <p:oleObj spid="_x0000_s2123" name="Visio" r:id="rId3" imgW="4276641" imgH="2038259" progId="Visio.Drawing.15">
+                <p:oleObj spid="_x0000_s2128" name="Visio" r:id="rId3" imgW="4276641" imgH="2038259" progId="Visio.Drawing.15">
                   <p:embed/>
                 </p:oleObj>
               </mc:Choice>
@@ -10200,23 +10233,7 @@
                   <a:schemeClr val="bg2"/>
                 </a:solidFill>
               </a:rPr>
-              <a:t>Institute of Applied Informatics </a:t>
-            </a:r>
-            <a:r>
-              <a:rPr lang="en-US" sz="1400" dirty="0" smtClean="0">
-                <a:solidFill>
-                  <a:schemeClr val="bg2"/>
-                </a:solidFill>
-              </a:rPr>
-              <a:t>– </a:t>
-            </a:r>
-            <a:r>
-              <a:rPr lang="en-US" sz="1400" dirty="0" smtClean="0">
-                <a:solidFill>
-                  <a:schemeClr val="bg2"/>
-                </a:solidFill>
-              </a:rPr>
-              <a:t>System </a:t>
+              <a:t>Institute of Applied Informatics – System </a:t>
             </a:r>
             <a:endParaRPr lang="en-US" sz="1400" dirty="0">
               <a:solidFill>
@@ -11026,7 +11043,7 @@
           <a:graphicData uri="http://schemas.openxmlformats.org/presentationml/2006/ole">
             <mc:AlternateContent xmlns:mc="http://schemas.openxmlformats.org/markup-compatibility/2006">
               <mc:Choice xmlns:v="urn:schemas-microsoft-com:vml" Requires="v">
-                <p:oleObj spid="_x0000_s3136" name="Formel" r:id="rId3" imgW="6832600" imgH="749300" progId="Equation.3">
+                <p:oleObj spid="_x0000_s3141" name="Formel" r:id="rId3" imgW="6832600" imgH="749300" progId="Equation.3">
                   <p:embed/>
                 </p:oleObj>
               </mc:Choice>
@@ -12113,7 +12130,7 @@
           <a:graphicData uri="http://schemas.openxmlformats.org/presentationml/2006/ole">
             <mc:AlternateContent xmlns:mc="http://schemas.openxmlformats.org/markup-compatibility/2006">
               <mc:Choice xmlns:v="urn:schemas-microsoft-com:vml" Requires="v">
-                <p:oleObj spid="_x0000_s4159" name="Visio" r:id="rId3" imgW="3202054" imgH="945155" progId="Visio.Drawing.11">
+                <p:oleObj spid="_x0000_s4164" name="Visio" r:id="rId3" imgW="3202054" imgH="945155" progId="Visio.Drawing.11">
                   <p:embed/>
                 </p:oleObj>
               </mc:Choice>
@@ -17814,11 +17831,11 @@
                   <a:srgbClr val="0000FF"/>
                 </a:solidFill>
               </a:rPr>
-              <a:t>local v</a:t>
+              <a:t>local</a:t>
             </a:r>
             <a:r>
               <a:rPr lang="en-US" dirty="0" smtClean="0"/>
-              <a:t>ariables.</a:t>
+              <a:t> variables.</a:t>
             </a:r>
           </a:p>
           <a:p>
@@ -19336,12 +19353,6 @@
             </a:r>
           </a:p>
           <a:p>
-            <a:r>
-              <a:rPr lang="en-US" dirty="0" smtClean="0"/>
-              <a:t>Calls by reference and calls by value</a:t>
-            </a:r>
-          </a:p>
-          <a:p>
             <a:pPr marL="92075" indent="0">
               <a:buNone/>
             </a:pPr>
@@ -19351,7 +19362,15 @@
                   <a:srgbClr val="0000FF"/>
                 </a:solidFill>
               </a:rPr>
-              <a:t>Examples:</a:t>
+              <a:t>Examples</a:t>
+            </a:r>
+            <a:r>
+              <a:rPr lang="en-US" u="sng" dirty="0" smtClean="0">
+                <a:solidFill>
+                  <a:srgbClr val="0000FF"/>
+                </a:solidFill>
+              </a:rPr>
+              <a:t>:</a:t>
             </a:r>
           </a:p>
           <a:p>

--- a/manual (drafts)/Sunset_Slides_UniKlu.pptx
+++ b/manual (drafts)/Sunset_Slides_UniKlu.pptx
@@ -11047,7 +11047,7 @@
           <a:graphicData uri="http://schemas.openxmlformats.org/presentationml/2006/ole">
             <mc:AlternateContent xmlns:mc="http://schemas.openxmlformats.org/markup-compatibility/2006">
               <mc:Choice xmlns:v="urn:schemas-microsoft-com:vml" Requires="v">
-                <p:oleObj spid="_x0000_s2178" name="Visio" r:id="rId3" imgW="4276641" imgH="2038259" progId="Visio.Drawing.15">
+                <p:oleObj spid="_x0000_s2179" name="Visio" r:id="rId3" imgW="4276641" imgH="2038259" progId="Visio.Drawing.15">
                   <p:embed/>
                 </p:oleObj>
               </mc:Choice>
@@ -13933,7 +13933,7 @@
           <a:graphicData uri="http://schemas.openxmlformats.org/presentationml/2006/ole">
             <mc:AlternateContent xmlns:mc="http://schemas.openxmlformats.org/markup-compatibility/2006">
               <mc:Choice xmlns:v="urn:schemas-microsoft-com:vml" Requires="v">
-                <p:oleObj spid="_x0000_s3191" name="Formel" r:id="rId3" imgW="6832600" imgH="749300" progId="Equation.3">
+                <p:oleObj spid="_x0000_s3192" name="Formel" r:id="rId3" imgW="6832600" imgH="749300" progId="Equation.3">
                   <p:embed/>
                 </p:oleObj>
               </mc:Choice>
@@ -14964,7 +14964,7 @@
           <a:graphicData uri="http://schemas.openxmlformats.org/presentationml/2006/ole">
             <mc:AlternateContent xmlns:mc="http://schemas.openxmlformats.org/markup-compatibility/2006">
               <mc:Choice xmlns:v="urn:schemas-microsoft-com:vml" Requires="v">
-                <p:oleObj spid="_x0000_s4214" name="Visio" r:id="rId3" imgW="3202054" imgH="945155" progId="Visio.Drawing.11">
+                <p:oleObj spid="_x0000_s4215" name="Visio" r:id="rId3" imgW="3202054" imgH="945155" progId="Visio.Drawing.11">
                   <p:embed/>
                 </p:oleObj>
               </mc:Choice>
@@ -27361,7 +27361,7 @@
           </a:p>
           <a:p>
             <a:r>
-              <a:rPr lang="de-AT" smtClean="0"/>
+              <a:rPr lang="de-AT" dirty="0" err="1" smtClean="0"/>
               <a:t>Elliptic</a:t>
             </a:r>
             <a:r>

--- a/manual (drafts)/Sunset_Slides_UniKlu.pptx
+++ b/manual (drafts)/Sunset_Slides_UniKlu.pptx
@@ -11047,7 +11047,7 @@
           <a:graphicData uri="http://schemas.openxmlformats.org/presentationml/2006/ole">
             <mc:AlternateContent xmlns:mc="http://schemas.openxmlformats.org/markup-compatibility/2006">
               <mc:Choice xmlns:v="urn:schemas-microsoft-com:vml" Requires="v">
-                <p:oleObj spid="_x0000_s2179" name="Visio" r:id="rId3" imgW="4276641" imgH="2038259" progId="Visio.Drawing.15">
+                <p:oleObj spid="_x0000_s2187" name="Visio" r:id="rId3" imgW="4276641" imgH="2038259" progId="Visio.Drawing.15">
                   <p:embed/>
                 </p:oleObj>
               </mc:Choice>
@@ -13933,7 +13933,7 @@
           <a:graphicData uri="http://schemas.openxmlformats.org/presentationml/2006/ole">
             <mc:AlternateContent xmlns:mc="http://schemas.openxmlformats.org/markup-compatibility/2006">
               <mc:Choice xmlns:v="urn:schemas-microsoft-com:vml" Requires="v">
-                <p:oleObj spid="_x0000_s3192" name="Formel" r:id="rId3" imgW="6832600" imgH="749300" progId="Equation.3">
+                <p:oleObj spid="_x0000_s3200" name="Formel" r:id="rId3" imgW="6832600" imgH="749300" progId="Equation.3">
                   <p:embed/>
                 </p:oleObj>
               </mc:Choice>
@@ -14964,7 +14964,7 @@
           <a:graphicData uri="http://schemas.openxmlformats.org/presentationml/2006/ole">
             <mc:AlternateContent xmlns:mc="http://schemas.openxmlformats.org/markup-compatibility/2006">
               <mc:Choice xmlns:v="urn:schemas-microsoft-com:vml" Requires="v">
-                <p:oleObj spid="_x0000_s4215" name="Visio" r:id="rId3" imgW="3202054" imgH="945155" progId="Visio.Drawing.11">
+                <p:oleObj spid="_x0000_s4223" name="Visio" r:id="rId3" imgW="3202054" imgH="945155" progId="Visio.Drawing.11">
                   <p:embed/>
                 </p:oleObj>
               </mc:Choice>
@@ -27140,11 +27140,7 @@
             </a:r>
             <a:r>
               <a:rPr lang="de-AT" dirty="0" smtClean="0"/>
-              <a:t> </a:t>
-            </a:r>
-            <a:r>
-              <a:rPr lang="de-AT" dirty="0" smtClean="0"/>
-              <a:t>(</a:t>
+              <a:t> (</a:t>
             </a:r>
             <a:r>
               <a:rPr lang="de-AT" dirty="0" err="1" smtClean="0"/>
@@ -27183,15 +27179,33 @@
           <a:p>
             <a:r>
               <a:rPr lang="de-AT" dirty="0" err="1" smtClean="0"/>
-              <a:t>the</a:t>
+              <a:t>Definitions</a:t>
             </a:r>
             <a:r>
               <a:rPr lang="de-AT" dirty="0" smtClean="0"/>
-              <a:t> break </a:t>
+              <a:t> of </a:t>
             </a:r>
             <a:r>
               <a:rPr lang="de-AT" dirty="0" err="1" smtClean="0"/>
-              <a:t>statement</a:t>
+              <a:t>arrays</a:t>
+            </a:r>
+            <a:r>
+              <a:rPr lang="de-AT" dirty="0" smtClean="0"/>
+              <a:t> of type </a:t>
+            </a:r>
+            <a:r>
+              <a:rPr lang="de-AT" sz="1800" b="1" dirty="0">
+                <a:solidFill>
+                  <a:srgbClr val="7030A0"/>
+                </a:solidFill>
+                <a:latin typeface="Courier" pitchFamily="49" charset="0"/>
+                <a:cs typeface="Courier New" panose="02070309020205020404" pitchFamily="49" charset="0"/>
+              </a:rPr>
+              <a:t>Z()[] </a:t>
+            </a:r>
+            <a:r>
+              <a:rPr lang="de-AT" dirty="0" err="1" smtClean="0"/>
+              <a:t>have</a:t>
             </a:r>
             <a:r>
               <a:rPr lang="de-AT" dirty="0" smtClean="0"/>
@@ -27199,7 +27213,7 @@
             </a:r>
             <a:r>
               <a:rPr lang="de-AT" dirty="0" err="1" smtClean="0"/>
-              <a:t>sometimes</a:t>
+              <a:t>parsing</a:t>
             </a:r>
             <a:r>
               <a:rPr lang="de-AT" dirty="0" smtClean="0"/>
@@ -27207,15 +27221,7 @@
             </a:r>
             <a:r>
               <a:rPr lang="de-AT" dirty="0" err="1" smtClean="0"/>
-              <a:t>does</a:t>
-            </a:r>
-            <a:r>
-              <a:rPr lang="de-AT" dirty="0" smtClean="0"/>
-              <a:t> not </a:t>
-            </a:r>
-            <a:r>
-              <a:rPr lang="de-AT" dirty="0" err="1" smtClean="0"/>
-              <a:t>properly</a:t>
+              <a:t>issues</a:t>
             </a:r>
             <a:r>
               <a:rPr lang="de-AT" dirty="0" smtClean="0"/>
@@ -27223,7 +27229,7 @@
             </a:r>
             <a:r>
               <a:rPr lang="de-AT" dirty="0" err="1" smtClean="0"/>
-              <a:t>exit</a:t>
+              <a:t>if</a:t>
             </a:r>
             <a:r>
               <a:rPr lang="de-AT" dirty="0" smtClean="0"/>
@@ -27239,15 +27245,15 @@
             </a:r>
             <a:r>
               <a:rPr lang="de-AT" dirty="0" err="1" smtClean="0"/>
-              <a:t>surrounding</a:t>
+              <a:t>number</a:t>
             </a:r>
             <a:r>
               <a:rPr lang="de-AT" dirty="0" smtClean="0"/>
-              <a:t> block in </a:t>
+              <a:t> of </a:t>
             </a:r>
             <a:r>
               <a:rPr lang="de-AT" dirty="0" err="1" smtClean="0"/>
-              <a:t>nested</a:t>
+              <a:t>elements</a:t>
             </a:r>
             <a:r>
               <a:rPr lang="de-AT" dirty="0" smtClean="0"/>
@@ -27255,109 +27261,555 @@
             </a:r>
             <a:r>
               <a:rPr lang="de-AT" dirty="0" err="1" smtClean="0"/>
-              <a:t>constructs</a:t>
-            </a:r>
-            <a:endParaRPr lang="de-AT" dirty="0" smtClean="0"/>
-          </a:p>
-          <a:p>
-            <a:pPr lvl="1"/>
-            <a:r>
-              <a:rPr lang="de-AT" sz="2000" dirty="0" smtClean="0"/>
-              <a:t>Workaround: </a:t>
-            </a:r>
-            <a:r>
-              <a:rPr lang="de-AT" sz="2000" dirty="0" err="1" smtClean="0"/>
-              <a:t>to</a:t>
-            </a:r>
-            <a:r>
-              <a:rPr lang="de-AT" sz="2000" dirty="0" smtClean="0"/>
+              <a:t>is</a:t>
+            </a:r>
+            <a:r>
+              <a:rPr lang="de-AT" dirty="0" smtClean="0"/>
+              <a:t> not a </a:t>
+            </a:r>
+            <a:r>
+              <a:rPr lang="de-AT" dirty="0" err="1" smtClean="0"/>
+              <a:t>numeric</a:t>
+            </a:r>
+            <a:r>
+              <a:rPr lang="de-AT" dirty="0" smtClean="0"/>
               <a:t> </a:t>
             </a:r>
             <a:r>
-              <a:rPr lang="de-AT" sz="2000" dirty="0" err="1" smtClean="0"/>
-              <a:t>exit</a:t>
-            </a:r>
-            <a:r>
-              <a:rPr lang="de-AT" sz="2000" dirty="0" smtClean="0"/>
+              <a:rPr lang="de-AT" dirty="0" err="1" smtClean="0"/>
+              <a:t>token</a:t>
+            </a:r>
+            <a:r>
+              <a:rPr lang="de-AT" dirty="0" smtClean="0"/>
+              <a:t>.</a:t>
+            </a:r>
+            <a:br>
+              <a:rPr lang="de-AT" dirty="0" smtClean="0"/>
+            </a:br>
+            <a:r>
+              <a:rPr lang="de-AT" u="sng" dirty="0" err="1" smtClean="0"/>
+              <a:t>Example</a:t>
+            </a:r>
+            <a:r>
+              <a:rPr lang="de-AT" dirty="0" smtClean="0"/>
+              <a:t>: </a:t>
+            </a:r>
+            <a:br>
+              <a:rPr lang="de-AT" dirty="0" smtClean="0"/>
+            </a:br>
+            <a:r>
+              <a:rPr lang="de-AT" sz="1800" b="1" dirty="0" err="1">
+                <a:solidFill>
+                  <a:srgbClr val="7030A0"/>
+                </a:solidFill>
+                <a:latin typeface="Courier" pitchFamily="49" charset="0"/>
+                <a:cs typeface="Courier New" panose="02070309020205020404" pitchFamily="49" charset="0"/>
+              </a:rPr>
+              <a:t>const</a:t>
+            </a:r>
+            <a:r>
+              <a:rPr lang="de-AT" sz="1800" dirty="0" smtClean="0">
+                <a:latin typeface="Courier" pitchFamily="49" charset="0"/>
+              </a:rPr>
+              <a:t> n: </a:t>
+            </a:r>
+            <a:r>
+              <a:rPr lang="de-AT" sz="1800" b="1" dirty="0">
+                <a:solidFill>
+                  <a:srgbClr val="7030A0"/>
+                </a:solidFill>
+                <a:latin typeface="Courier" pitchFamily="49" charset="0"/>
+                <a:cs typeface="Courier New" panose="02070309020205020404" pitchFamily="49" charset="0"/>
+              </a:rPr>
+              <a:t>Integer</a:t>
+            </a:r>
+            <a:r>
+              <a:rPr lang="de-AT" sz="1800" dirty="0" smtClean="0">
+                <a:latin typeface="Courier" pitchFamily="49" charset="0"/>
+              </a:rPr>
+              <a:t> := 10;</a:t>
+            </a:r>
+            <a:br>
+              <a:rPr lang="de-AT" sz="1800" dirty="0" smtClean="0">
+                <a:latin typeface="Courier" pitchFamily="49" charset="0"/>
+              </a:rPr>
+            </a:br>
+            <a:r>
+              <a:rPr lang="de-AT" sz="1800" dirty="0" smtClean="0">
+                <a:latin typeface="Courier" pitchFamily="49" charset="0"/>
+              </a:rPr>
+              <a:t>A: </a:t>
+            </a:r>
+            <a:r>
+              <a:rPr lang="de-AT" sz="1800" b="1" dirty="0">
+                <a:solidFill>
+                  <a:srgbClr val="7030A0"/>
+                </a:solidFill>
+                <a:latin typeface="Courier" pitchFamily="49" charset="0"/>
+                <a:cs typeface="Courier New" panose="02070309020205020404" pitchFamily="49" charset="0"/>
+              </a:rPr>
+              <a:t>Z</a:t>
+            </a:r>
+            <a:r>
+              <a:rPr lang="de-AT" sz="1800" dirty="0" smtClean="0">
+                <a:latin typeface="Courier" pitchFamily="49" charset="0"/>
+              </a:rPr>
+              <a:t>(13)[]; </a:t>
+            </a:r>
+            <a:r>
+              <a:rPr lang="de-AT" sz="1800" dirty="0">
+                <a:solidFill>
+                  <a:srgbClr val="339933"/>
+                </a:solidFill>
+                <a:latin typeface="Courier New" panose="02070309020205020404" pitchFamily="49" charset="0"/>
+                <a:cs typeface="Courier New" panose="02070309020205020404" pitchFamily="49" charset="0"/>
+              </a:rPr>
+              <a:t>// </a:t>
+            </a:r>
+            <a:r>
+              <a:rPr lang="de-AT" sz="1800" dirty="0" err="1">
+                <a:solidFill>
+                  <a:srgbClr val="339933"/>
+                </a:solidFill>
+                <a:latin typeface="Courier New" panose="02070309020205020404" pitchFamily="49" charset="0"/>
+                <a:cs typeface="Courier New" panose="02070309020205020404" pitchFamily="49" charset="0"/>
+              </a:rPr>
+              <a:t>array</a:t>
+            </a:r>
+            <a:r>
+              <a:rPr lang="de-AT" sz="1800" dirty="0">
+                <a:solidFill>
+                  <a:srgbClr val="339933"/>
+                </a:solidFill>
+                <a:latin typeface="Courier New" panose="02070309020205020404" pitchFamily="49" charset="0"/>
+                <a:cs typeface="Courier New" panose="02070309020205020404" pitchFamily="49" charset="0"/>
+              </a:rPr>
+              <a:t> </a:t>
+            </a:r>
+            <a:r>
+              <a:rPr lang="de-AT" sz="1800" dirty="0" err="1">
+                <a:solidFill>
+                  <a:srgbClr val="339933"/>
+                </a:solidFill>
+                <a:latin typeface="Courier New" panose="02070309020205020404" pitchFamily="49" charset="0"/>
+                <a:cs typeface="Courier New" panose="02070309020205020404" pitchFamily="49" charset="0"/>
+              </a:rPr>
+              <a:t>over</a:t>
+            </a:r>
+            <a:r>
+              <a:rPr lang="de-AT" sz="1800" dirty="0">
+                <a:solidFill>
+                  <a:srgbClr val="339933"/>
+                </a:solidFill>
+                <a:latin typeface="Courier New" panose="02070309020205020404" pitchFamily="49" charset="0"/>
+                <a:cs typeface="Courier New" panose="02070309020205020404" pitchFamily="49" charset="0"/>
+              </a:rPr>
               <a:t> a </a:t>
             </a:r>
             <a:r>
-              <a:rPr lang="de-AT" sz="2000" dirty="0" err="1" smtClean="0"/>
-              <a:t>loop</a:t>
-            </a:r>
-            <a:r>
-              <a:rPr lang="de-AT" sz="2000" dirty="0" smtClean="0"/>
-              <a:t>, </a:t>
-            </a:r>
-            <a:r>
-              <a:rPr lang="de-AT" sz="2000" dirty="0" err="1" smtClean="0"/>
-              <a:t>set</a:t>
-            </a:r>
-            <a:r>
-              <a:rPr lang="de-AT" sz="2000" dirty="0" smtClean="0"/>
+              <a:rPr lang="de-AT" sz="1800" dirty="0" err="1">
+                <a:solidFill>
+                  <a:srgbClr val="339933"/>
+                </a:solidFill>
+                <a:latin typeface="Courier New" panose="02070309020205020404" pitchFamily="49" charset="0"/>
+                <a:cs typeface="Courier New" panose="02070309020205020404" pitchFamily="49" charset="0"/>
+              </a:rPr>
+              <a:t>polynomial</a:t>
+            </a:r>
+            <a:r>
+              <a:rPr lang="de-AT" sz="1800" dirty="0">
+                <a:solidFill>
+                  <a:srgbClr val="339933"/>
+                </a:solidFill>
+                <a:latin typeface="Courier New" panose="02070309020205020404" pitchFamily="49" charset="0"/>
+                <a:cs typeface="Courier New" panose="02070309020205020404" pitchFamily="49" charset="0"/>
+              </a:rPr>
+              <a:t> ring</a:t>
+            </a:r>
+            <a:r>
+              <a:rPr lang="de-AT" sz="1800" dirty="0" smtClean="0">
+                <a:latin typeface="Courier" pitchFamily="49" charset="0"/>
+              </a:rPr>
+              <a:t/>
+            </a:r>
+            <a:br>
+              <a:rPr lang="de-AT" sz="1800" dirty="0" smtClean="0">
+                <a:latin typeface="Courier" pitchFamily="49" charset="0"/>
+              </a:rPr>
+            </a:br>
+            <a:r>
+              <a:rPr lang="de-AT" sz="1800" dirty="0">
+                <a:solidFill>
+                  <a:srgbClr val="339933"/>
+                </a:solidFill>
+                <a:latin typeface="Courier New" panose="02070309020205020404" pitchFamily="49" charset="0"/>
+                <a:cs typeface="Courier New" panose="02070309020205020404" pitchFamily="49" charset="0"/>
+              </a:rPr>
+              <a:t>// </a:t>
+            </a:r>
+            <a:r>
+              <a:rPr lang="de-AT" sz="1800" dirty="0" err="1">
+                <a:solidFill>
+                  <a:srgbClr val="339933"/>
+                </a:solidFill>
+                <a:latin typeface="Courier New" panose="02070309020205020404" pitchFamily="49" charset="0"/>
+                <a:cs typeface="Courier New" panose="02070309020205020404" pitchFamily="49" charset="0"/>
+              </a:rPr>
+              <a:t>Instantiation</a:t>
+            </a:r>
+            <a:r>
+              <a:rPr lang="de-AT" sz="1800" dirty="0">
+                <a:solidFill>
+                  <a:srgbClr val="339933"/>
+                </a:solidFill>
+                <a:latin typeface="Courier New" panose="02070309020205020404" pitchFamily="49" charset="0"/>
+                <a:cs typeface="Courier New" panose="02070309020205020404" pitchFamily="49" charset="0"/>
+              </a:rPr>
               <a:t> </a:t>
             </a:r>
             <a:r>
-              <a:rPr lang="de-AT" sz="2000" dirty="0" err="1" smtClean="0"/>
-              <a:t>the</a:t>
-            </a:r>
-            <a:r>
-              <a:rPr lang="de-AT" sz="2000" dirty="0" smtClean="0"/>
+              <a:rPr lang="de-AT" sz="1800" dirty="0" err="1">
+                <a:solidFill>
+                  <a:srgbClr val="339933"/>
+                </a:solidFill>
+                <a:latin typeface="Courier New" panose="02070309020205020404" pitchFamily="49" charset="0"/>
+                <a:cs typeface="Courier New" panose="02070309020205020404" pitchFamily="49" charset="0"/>
+              </a:rPr>
+              <a:t>with</a:t>
+            </a:r>
+            <a:r>
+              <a:rPr lang="de-AT" sz="1800" dirty="0">
+                <a:solidFill>
+                  <a:srgbClr val="339933"/>
+                </a:solidFill>
+                <a:latin typeface="Courier New" panose="02070309020205020404" pitchFamily="49" charset="0"/>
+                <a:cs typeface="Courier New" panose="02070309020205020404" pitchFamily="49" charset="0"/>
+              </a:rPr>
               <a:t> </a:t>
             </a:r>
             <a:r>
-              <a:rPr lang="de-AT" sz="2000" dirty="0" err="1" smtClean="0"/>
-              <a:t>local</a:t>
-            </a:r>
-            <a:r>
-              <a:rPr lang="de-AT" sz="2000" dirty="0" smtClean="0"/>
-              <a:t> variables so </a:t>
-            </a:r>
-            <a:r>
-              <a:rPr lang="de-AT" sz="2000" dirty="0" err="1" smtClean="0"/>
-              <a:t>that</a:t>
-            </a:r>
-            <a:r>
-              <a:rPr lang="de-AT" sz="2000" dirty="0" smtClean="0"/>
+              <a:rPr lang="de-AT" sz="1800" dirty="0" err="1" smtClean="0">
+                <a:solidFill>
+                  <a:srgbClr val="339933"/>
+                </a:solidFill>
+                <a:latin typeface="Courier New" panose="02070309020205020404" pitchFamily="49" charset="0"/>
+                <a:cs typeface="Courier New" panose="02070309020205020404" pitchFamily="49" charset="0"/>
+              </a:rPr>
+              <a:t>new</a:t>
+            </a:r>
+            <a:r>
+              <a:rPr lang="de-AT" sz="1800" dirty="0" smtClean="0">
+                <a:solidFill>
+                  <a:srgbClr val="339933"/>
+                </a:solidFill>
+                <a:latin typeface="Courier New" panose="02070309020205020404" pitchFamily="49" charset="0"/>
+                <a:cs typeface="Courier New" panose="02070309020205020404" pitchFamily="49" charset="0"/>
+              </a:rPr>
               <a:t> </a:t>
             </a:r>
             <a:r>
-              <a:rPr lang="de-AT" sz="2000" dirty="0" err="1" smtClean="0"/>
-              <a:t>the</a:t>
-            </a:r>
-            <a:r>
-              <a:rPr lang="de-AT" sz="2000" dirty="0" smtClean="0"/>
+              <a:rPr lang="de-AT" sz="1800" dirty="0" err="1" smtClean="0">
+                <a:solidFill>
+                  <a:srgbClr val="339933"/>
+                </a:solidFill>
+                <a:latin typeface="Courier New" panose="02070309020205020404" pitchFamily="49" charset="0"/>
+                <a:cs typeface="Courier New" panose="02070309020205020404" pitchFamily="49" charset="0"/>
+              </a:rPr>
+              <a:t>operator</a:t>
+            </a:r>
+            <a:r>
+              <a:rPr lang="de-AT" sz="1800" dirty="0">
+                <a:solidFill>
+                  <a:srgbClr val="339933"/>
+                </a:solidFill>
+                <a:latin typeface="Courier New" panose="02070309020205020404" pitchFamily="49" charset="0"/>
+                <a:cs typeface="Courier New" panose="02070309020205020404" pitchFamily="49" charset="0"/>
+              </a:rPr>
+              <a:t/>
+            </a:r>
+            <a:br>
+              <a:rPr lang="de-AT" sz="1800" dirty="0">
+                <a:solidFill>
+                  <a:srgbClr val="339933"/>
+                </a:solidFill>
+                <a:latin typeface="Courier New" panose="02070309020205020404" pitchFamily="49" charset="0"/>
+                <a:cs typeface="Courier New" panose="02070309020205020404" pitchFamily="49" charset="0"/>
+              </a:rPr>
+            </a:br>
+            <a:r>
+              <a:rPr lang="de-AT" sz="1800" dirty="0" smtClean="0">
+                <a:latin typeface="Courier" pitchFamily="49" charset="0"/>
+              </a:rPr>
+              <a:t>A := </a:t>
+            </a:r>
+            <a:r>
+              <a:rPr lang="de-AT" sz="1800" b="1" dirty="0" err="1">
+                <a:solidFill>
+                  <a:srgbClr val="7030A0"/>
+                </a:solidFill>
+                <a:latin typeface="Courier" pitchFamily="49" charset="0"/>
+                <a:cs typeface="Courier New" panose="02070309020205020404" pitchFamily="49" charset="0"/>
+              </a:rPr>
+              <a:t>new</a:t>
+            </a:r>
+            <a:r>
+              <a:rPr lang="de-AT" sz="1800" dirty="0" smtClean="0">
+                <a:latin typeface="Courier" pitchFamily="49" charset="0"/>
+              </a:rPr>
               <a:t> </a:t>
             </a:r>
             <a:r>
-              <a:rPr lang="de-AT" sz="2000" dirty="0" err="1" smtClean="0"/>
-              <a:t>loop</a:t>
-            </a:r>
-            <a:r>
-              <a:rPr lang="de-AT" sz="2000" dirty="0" smtClean="0"/>
+              <a:rPr lang="de-AT" sz="1800" b="1" dirty="0">
+                <a:solidFill>
+                  <a:srgbClr val="7030A0"/>
+                </a:solidFill>
+                <a:latin typeface="Courier" pitchFamily="49" charset="0"/>
+                <a:cs typeface="Courier New" panose="02070309020205020404" pitchFamily="49" charset="0"/>
+              </a:rPr>
+              <a:t>Z</a:t>
+            </a:r>
+            <a:r>
+              <a:rPr lang="de-AT" sz="1800" dirty="0" smtClean="0">
+                <a:latin typeface="Courier" pitchFamily="49" charset="0"/>
+              </a:rPr>
+              <a:t>(13)[n]</a:t>
+            </a:r>
+            <a:r>
+              <a:rPr lang="de-AT" sz="1800" dirty="0" smtClean="0">
+                <a:latin typeface="Courier" pitchFamily="49" charset="0"/>
+              </a:rPr>
               <a:t> </a:t>
             </a:r>
             <a:r>
-              <a:rPr lang="de-AT" sz="2000" dirty="0" err="1" smtClean="0"/>
-              <a:t>termination</a:t>
-            </a:r>
-            <a:r>
-              <a:rPr lang="de-AT" sz="2000" dirty="0" smtClean="0"/>
+              <a:rPr lang="de-AT" sz="1800" dirty="0">
+                <a:solidFill>
+                  <a:srgbClr val="339933"/>
+                </a:solidFill>
+                <a:latin typeface="Courier New" panose="02070309020205020404" pitchFamily="49" charset="0"/>
+                <a:cs typeface="Courier New" panose="02070309020205020404" pitchFamily="49" charset="0"/>
+              </a:rPr>
+              <a:t>// </a:t>
+            </a:r>
+            <a:r>
+              <a:rPr lang="de-AT" sz="1800" dirty="0" err="1">
+                <a:solidFill>
+                  <a:srgbClr val="339933"/>
+                </a:solidFill>
+                <a:latin typeface="Courier New" panose="02070309020205020404" pitchFamily="49" charset="0"/>
+                <a:cs typeface="Courier New" panose="02070309020205020404" pitchFamily="49" charset="0"/>
+              </a:rPr>
+              <a:t>this</a:t>
+            </a:r>
+            <a:r>
+              <a:rPr lang="de-AT" sz="1800" dirty="0">
+                <a:solidFill>
+                  <a:srgbClr val="339933"/>
+                </a:solidFill>
+                <a:latin typeface="Courier New" panose="02070309020205020404" pitchFamily="49" charset="0"/>
+                <a:cs typeface="Courier New" panose="02070309020205020404" pitchFamily="49" charset="0"/>
+              </a:rPr>
+              <a:t> will not parse (BUG</a:t>
+            </a:r>
+            <a:r>
+              <a:rPr lang="de-AT" sz="1800" dirty="0" smtClean="0">
+                <a:solidFill>
+                  <a:srgbClr val="339933"/>
+                </a:solidFill>
+                <a:latin typeface="Courier New" panose="02070309020205020404" pitchFamily="49" charset="0"/>
+                <a:cs typeface="Courier New" panose="02070309020205020404" pitchFamily="49" charset="0"/>
+              </a:rPr>
+              <a:t>)</a:t>
+            </a:r>
+            <a:br>
+              <a:rPr lang="de-AT" sz="1800" dirty="0" smtClean="0">
+                <a:solidFill>
+                  <a:srgbClr val="339933"/>
+                </a:solidFill>
+                <a:latin typeface="Courier New" panose="02070309020205020404" pitchFamily="49" charset="0"/>
+                <a:cs typeface="Courier New" panose="02070309020205020404" pitchFamily="49" charset="0"/>
+              </a:rPr>
+            </a:br>
+            <a:r>
+              <a:rPr lang="de-AT" u="sng" dirty="0"/>
+              <a:t>Workaround</a:t>
+            </a:r>
+            <a:r>
+              <a:rPr lang="de-AT" dirty="0" smtClean="0"/>
+              <a:t>: </a:t>
+            </a:r>
+            <a:r>
+              <a:rPr lang="de-AT" dirty="0" err="1" smtClean="0"/>
+              <a:t>first</a:t>
+            </a:r>
+            <a:r>
+              <a:rPr lang="de-AT" dirty="0" smtClean="0"/>
               <a:t> </a:t>
             </a:r>
             <a:r>
-              <a:rPr lang="de-AT" sz="2000" dirty="0" err="1" smtClean="0"/>
-              <a:t>condition</a:t>
-            </a:r>
-            <a:r>
-              <a:rPr lang="de-AT" sz="2000" dirty="0" smtClean="0"/>
+              <a:rPr lang="de-AT" dirty="0" err="1" smtClean="0"/>
+              <a:t>token</a:t>
+            </a:r>
+            <a:r>
+              <a:rPr lang="de-AT" dirty="0" smtClean="0"/>
+              <a:t> must </a:t>
+            </a:r>
+            <a:r>
+              <a:rPr lang="de-AT" dirty="0" err="1" smtClean="0"/>
+              <a:t>be</a:t>
+            </a:r>
+            <a:r>
+              <a:rPr lang="de-AT" dirty="0" smtClean="0"/>
+              <a:t> a </a:t>
+            </a:r>
+            <a:r>
+              <a:rPr lang="de-AT" dirty="0" err="1" smtClean="0"/>
+              <a:t>number</a:t>
+            </a:r>
+            <a:r>
+              <a:rPr lang="de-AT" dirty="0" smtClean="0"/>
+              <a:t>; </a:t>
+            </a:r>
+            <a:r>
+              <a:rPr lang="de-AT" dirty="0" err="1" smtClean="0"/>
+              <a:t>add</a:t>
+            </a:r>
+            <a:r>
+              <a:rPr lang="de-AT" dirty="0" smtClean="0"/>
               <a:t> </a:t>
             </a:r>
             <a:r>
-              <a:rPr lang="de-AT" sz="2000" dirty="0" err="1" smtClean="0"/>
-              <a:t>fires</a:t>
-            </a:r>
-            <a:endParaRPr lang="de-AT" sz="2000" dirty="0" smtClean="0"/>
+              <a:rPr lang="de-AT" dirty="0" err="1" smtClean="0"/>
+              <a:t>zero</a:t>
+            </a:r>
+            <a:r>
+              <a:rPr lang="de-AT" dirty="0" smtClean="0"/>
+              <a:t>: </a:t>
+            </a:r>
+            <a:r>
+              <a:rPr lang="de-AT" sz="2000" dirty="0" smtClean="0">
+                <a:latin typeface="Courier" pitchFamily="49" charset="0"/>
+              </a:rPr>
+              <a:t>0+…</a:t>
+            </a:r>
+            <a:r>
+              <a:rPr lang="de-AT" sz="1800" dirty="0">
+                <a:solidFill>
+                  <a:srgbClr val="339933"/>
+                </a:solidFill>
+                <a:latin typeface="Courier New" panose="02070309020205020404" pitchFamily="49" charset="0"/>
+                <a:cs typeface="Courier New" panose="02070309020205020404" pitchFamily="49" charset="0"/>
+              </a:rPr>
+              <a:t/>
+            </a:r>
+            <a:br>
+              <a:rPr lang="de-AT" sz="1800" dirty="0">
+                <a:solidFill>
+                  <a:srgbClr val="339933"/>
+                </a:solidFill>
+                <a:latin typeface="Courier New" panose="02070309020205020404" pitchFamily="49" charset="0"/>
+                <a:cs typeface="Courier New" panose="02070309020205020404" pitchFamily="49" charset="0"/>
+              </a:rPr>
+            </a:br>
+            <a:r>
+              <a:rPr lang="de-AT" sz="1800" dirty="0">
+                <a:latin typeface="Courier" pitchFamily="49" charset="0"/>
+              </a:rPr>
+              <a:t>A := </a:t>
+            </a:r>
+            <a:r>
+              <a:rPr lang="de-AT" sz="1800" b="1" dirty="0" err="1">
+                <a:solidFill>
+                  <a:srgbClr val="7030A0"/>
+                </a:solidFill>
+                <a:latin typeface="Courier" pitchFamily="49" charset="0"/>
+                <a:cs typeface="Courier New" panose="02070309020205020404" pitchFamily="49" charset="0"/>
+              </a:rPr>
+              <a:t>new</a:t>
+            </a:r>
+            <a:r>
+              <a:rPr lang="de-AT" sz="1800" dirty="0">
+                <a:latin typeface="Courier" pitchFamily="49" charset="0"/>
+              </a:rPr>
+              <a:t> </a:t>
+            </a:r>
+            <a:r>
+              <a:rPr lang="de-AT" sz="1800" b="1" dirty="0">
+                <a:solidFill>
+                  <a:srgbClr val="7030A0"/>
+                </a:solidFill>
+                <a:latin typeface="Courier" pitchFamily="49" charset="0"/>
+                <a:cs typeface="Courier New" panose="02070309020205020404" pitchFamily="49" charset="0"/>
+              </a:rPr>
+              <a:t>Z</a:t>
+            </a:r>
+            <a:r>
+              <a:rPr lang="de-AT" sz="1800" dirty="0">
+                <a:latin typeface="Courier" pitchFamily="49" charset="0"/>
+              </a:rPr>
+              <a:t>(13</a:t>
+            </a:r>
+            <a:r>
+              <a:rPr lang="de-AT" sz="1800" dirty="0" smtClean="0">
+                <a:latin typeface="Courier" pitchFamily="49" charset="0"/>
+              </a:rPr>
+              <a:t>)[0+n</a:t>
+            </a:r>
+            <a:r>
+              <a:rPr lang="de-AT" sz="1800" dirty="0">
+                <a:latin typeface="Courier" pitchFamily="49" charset="0"/>
+              </a:rPr>
+              <a:t>] </a:t>
+            </a:r>
+            <a:r>
+              <a:rPr lang="de-AT" sz="1800" dirty="0">
+                <a:solidFill>
+                  <a:srgbClr val="339933"/>
+                </a:solidFill>
+                <a:latin typeface="Courier New" panose="02070309020205020404" pitchFamily="49" charset="0"/>
+                <a:cs typeface="Courier New" panose="02070309020205020404" pitchFamily="49" charset="0"/>
+              </a:rPr>
+              <a:t>// </a:t>
+            </a:r>
+            <a:r>
+              <a:rPr lang="de-AT" sz="1800" dirty="0" err="1">
+                <a:solidFill>
+                  <a:srgbClr val="339933"/>
+                </a:solidFill>
+                <a:latin typeface="Courier New" panose="02070309020205020404" pitchFamily="49" charset="0"/>
+                <a:cs typeface="Courier New" panose="02070309020205020404" pitchFamily="49" charset="0"/>
+              </a:rPr>
+              <a:t>this</a:t>
+            </a:r>
+            <a:r>
+              <a:rPr lang="de-AT" sz="1800" dirty="0">
+                <a:solidFill>
+                  <a:srgbClr val="339933"/>
+                </a:solidFill>
+                <a:latin typeface="Courier New" panose="02070309020205020404" pitchFamily="49" charset="0"/>
+                <a:cs typeface="Courier New" panose="02070309020205020404" pitchFamily="49" charset="0"/>
+              </a:rPr>
+              <a:t> will </a:t>
+            </a:r>
+            <a:r>
+              <a:rPr lang="de-AT" sz="1800" dirty="0" err="1" smtClean="0">
+                <a:solidFill>
+                  <a:srgbClr val="339933"/>
+                </a:solidFill>
+                <a:latin typeface="Courier New" panose="02070309020205020404" pitchFamily="49" charset="0"/>
+                <a:cs typeface="Courier New" panose="02070309020205020404" pitchFamily="49" charset="0"/>
+              </a:rPr>
+              <a:t>work</a:t>
+            </a:r>
+            <a:r>
+              <a:rPr lang="de-AT" sz="1800" dirty="0" smtClean="0">
+                <a:solidFill>
+                  <a:srgbClr val="339933"/>
+                </a:solidFill>
+                <a:latin typeface="Courier New" panose="02070309020205020404" pitchFamily="49" charset="0"/>
+                <a:cs typeface="Courier New" panose="02070309020205020404" pitchFamily="49" charset="0"/>
+              </a:rPr>
+              <a:t> (but not „[n+0]“!)</a:t>
+            </a:r>
           </a:p>
           <a:p>
             <a:r>
@@ -27460,216 +27912,213 @@
               <a:rPr lang="de-AT" dirty="0" err="1" smtClean="0"/>
               <a:t>settings</a:t>
             </a:r>
-            <a:endParaRPr lang="de-AT" dirty="0" smtClean="0"/>
-          </a:p>
-          <a:p>
-            <a:pPr lvl="1"/>
-            <a:r>
-              <a:rPr lang="de-AT" sz="2000" dirty="0" smtClean="0"/>
-              <a:t>Workaround: …</a:t>
-            </a:r>
-            <a:r>
-              <a:rPr lang="de-AT" sz="2000" dirty="0" err="1" smtClean="0"/>
+            <a:r>
+              <a:rPr lang="de-AT" dirty="0" smtClean="0"/>
+              <a:t/>
+            </a:r>
+            <a:br>
+              <a:rPr lang="de-AT" dirty="0" smtClean="0"/>
+            </a:br>
+            <a:r>
+              <a:rPr lang="de-AT" u="sng" dirty="0" smtClean="0"/>
+              <a:t>Workaround</a:t>
+            </a:r>
+            <a:r>
+              <a:rPr lang="de-AT" dirty="0" smtClean="0"/>
+              <a:t>: …</a:t>
+            </a:r>
+            <a:r>
+              <a:rPr lang="de-AT" dirty="0" err="1" smtClean="0"/>
               <a:t>unless</a:t>
             </a:r>
             <a:r>
-              <a:rPr lang="de-AT" sz="2000" dirty="0" smtClean="0"/>
+              <a:rPr lang="de-AT" dirty="0" smtClean="0"/>
               <a:t> </a:t>
             </a:r>
             <a:r>
-              <a:rPr lang="de-AT" sz="2000" dirty="0" err="1" smtClean="0"/>
+              <a:rPr lang="de-AT" dirty="0" err="1" smtClean="0"/>
               <a:t>you</a:t>
             </a:r>
             <a:r>
-              <a:rPr lang="de-AT" sz="2000" dirty="0" smtClean="0"/>
+              <a:rPr lang="de-AT" dirty="0" smtClean="0"/>
               <a:t> </a:t>
             </a:r>
             <a:r>
-              <a:rPr lang="de-AT" sz="2000" dirty="0" err="1" smtClean="0"/>
+              <a:rPr lang="de-AT" dirty="0" err="1" smtClean="0"/>
               <a:t>are</a:t>
             </a:r>
             <a:r>
-              <a:rPr lang="de-AT" sz="2000" dirty="0" smtClean="0"/>
+              <a:rPr lang="de-AT" dirty="0" smtClean="0"/>
               <a:t> </a:t>
             </a:r>
             <a:r>
-              <a:rPr lang="de-AT" sz="2000" dirty="0" err="1" smtClean="0"/>
+              <a:rPr lang="de-AT" dirty="0" err="1" smtClean="0"/>
               <a:t>willing</a:t>
             </a:r>
             <a:r>
-              <a:rPr lang="de-AT" sz="2000" dirty="0" smtClean="0"/>
+              <a:rPr lang="de-AT" dirty="0" smtClean="0"/>
               <a:t> </a:t>
             </a:r>
             <a:r>
-              <a:rPr lang="de-AT" sz="2000" dirty="0" err="1" smtClean="0"/>
+              <a:rPr lang="de-AT" dirty="0" err="1" smtClean="0"/>
               <a:t>to</a:t>
             </a:r>
             <a:r>
-              <a:rPr lang="de-AT" sz="2000" dirty="0" smtClean="0"/>
+              <a:rPr lang="de-AT" dirty="0" smtClean="0"/>
               <a:t> </a:t>
             </a:r>
             <a:r>
-              <a:rPr lang="de-AT" sz="2000" dirty="0" err="1" smtClean="0"/>
+              <a:rPr lang="de-AT" dirty="0" err="1" smtClean="0"/>
               <a:t>wait</a:t>
             </a:r>
             <a:r>
-              <a:rPr lang="de-AT" sz="2000" dirty="0" smtClean="0"/>
+              <a:rPr lang="de-AT" dirty="0" smtClean="0"/>
               <a:t> </a:t>
             </a:r>
             <a:r>
-              <a:rPr lang="de-AT" sz="2000" dirty="0" err="1" smtClean="0"/>
+              <a:rPr lang="de-AT" dirty="0" err="1" smtClean="0"/>
               <a:t>really</a:t>
             </a:r>
             <a:r>
-              <a:rPr lang="de-AT" sz="2000" dirty="0" smtClean="0"/>
+              <a:rPr lang="de-AT" dirty="0" smtClean="0"/>
               <a:t> </a:t>
             </a:r>
             <a:r>
-              <a:rPr lang="de-AT" sz="2000" dirty="0" err="1" smtClean="0"/>
+              <a:rPr lang="de-AT" dirty="0" err="1" smtClean="0"/>
               <a:t>long</a:t>
             </a:r>
             <a:r>
-              <a:rPr lang="de-AT" sz="2000" dirty="0" smtClean="0"/>
+              <a:rPr lang="de-AT" dirty="0" smtClean="0"/>
+              <a:t> for </a:t>
+            </a:r>
+            <a:r>
+              <a:rPr lang="de-AT" dirty="0" err="1" smtClean="0"/>
+              <a:t>the</a:t>
+            </a:r>
+            <a:r>
+              <a:rPr lang="de-AT" dirty="0" smtClean="0"/>
               <a:t> </a:t>
             </a:r>
             <a:r>
-              <a:rPr lang="de-AT" sz="2000" dirty="0" err="1" smtClean="0"/>
-              <a:t>for</a:t>
-            </a:r>
-            <a:r>
-              <a:rPr lang="de-AT" sz="2000" dirty="0" smtClean="0"/>
+              <a:rPr lang="de-AT" dirty="0" err="1" smtClean="0"/>
+              <a:t>arithmetic</a:t>
+            </a:r>
+            <a:r>
+              <a:rPr lang="de-AT" dirty="0" smtClean="0"/>
               <a:t> </a:t>
             </a:r>
             <a:r>
-              <a:rPr lang="de-AT" sz="2000" dirty="0" err="1" smtClean="0"/>
-              <a:t>the</a:t>
-            </a:r>
-            <a:r>
-              <a:rPr lang="de-AT" sz="2000" dirty="0" smtClean="0"/>
+              <a:rPr lang="de-AT" dirty="0" err="1" smtClean="0"/>
+              <a:t>to</a:t>
+            </a:r>
+            <a:r>
+              <a:rPr lang="de-AT" dirty="0" smtClean="0"/>
               <a:t> </a:t>
             </a:r>
             <a:r>
-              <a:rPr lang="de-AT" sz="2000" dirty="0" err="1" smtClean="0"/>
-              <a:t>arithmetic</a:t>
-            </a:r>
-            <a:r>
-              <a:rPr lang="de-AT" sz="2000" dirty="0" smtClean="0"/>
+              <a:rPr lang="de-AT" dirty="0" err="1" smtClean="0"/>
+              <a:t>complete</a:t>
+            </a:r>
+            <a:r>
+              <a:rPr lang="de-AT" dirty="0" smtClean="0"/>
+              <a:t>, </a:t>
+            </a:r>
+            <a:r>
+              <a:rPr lang="de-AT" dirty="0" err="1" smtClean="0"/>
+              <a:t>you</a:t>
+            </a:r>
+            <a:r>
+              <a:rPr lang="de-AT" dirty="0" smtClean="0"/>
               <a:t> </a:t>
             </a:r>
             <a:r>
-              <a:rPr lang="de-AT" sz="2000" dirty="0" err="1" smtClean="0"/>
-              <a:t>to</a:t>
-            </a:r>
-            <a:r>
-              <a:rPr lang="de-AT" sz="2000" dirty="0" smtClean="0"/>
+              <a:rPr lang="de-AT" dirty="0" err="1" smtClean="0"/>
+              <a:t>should</a:t>
+            </a:r>
+            <a:r>
+              <a:rPr lang="de-AT" dirty="0" smtClean="0"/>
+              <a:t> do </a:t>
+            </a:r>
+            <a:r>
+              <a:rPr lang="de-AT" dirty="0" err="1" smtClean="0"/>
+              <a:t>prototyping</a:t>
+            </a:r>
+            <a:r>
+              <a:rPr lang="de-AT" dirty="0" smtClean="0"/>
               <a:t> </a:t>
             </a:r>
             <a:r>
-              <a:rPr lang="de-AT" sz="2000" dirty="0" err="1" smtClean="0"/>
-              <a:t>complete</a:t>
-            </a:r>
-            <a:r>
-              <a:rPr lang="de-AT" sz="2000" dirty="0" smtClean="0"/>
-              <a:t>, </a:t>
-            </a:r>
-            <a:r>
-              <a:rPr lang="de-AT" sz="2000" dirty="0" err="1" smtClean="0"/>
-              <a:t>you</a:t>
-            </a:r>
-            <a:r>
-              <a:rPr lang="de-AT" sz="2000" dirty="0" smtClean="0"/>
+              <a:rPr lang="de-AT" dirty="0" err="1" smtClean="0"/>
+              <a:t>and</a:t>
+            </a:r>
+            <a:r>
+              <a:rPr lang="de-AT" dirty="0" smtClean="0"/>
               <a:t> </a:t>
             </a:r>
             <a:r>
-              <a:rPr lang="de-AT" sz="2000" dirty="0" err="1" smtClean="0"/>
-              <a:t>should</a:t>
-            </a:r>
-            <a:r>
-              <a:rPr lang="de-AT" sz="2000" dirty="0" smtClean="0"/>
-              <a:t> do </a:t>
-            </a:r>
-            <a:r>
-              <a:rPr lang="de-AT" sz="2000" dirty="0" err="1" smtClean="0"/>
-              <a:t>prototyping</a:t>
-            </a:r>
-            <a:r>
-              <a:rPr lang="de-AT" sz="2000" dirty="0" smtClean="0"/>
+              <a:rPr lang="de-AT" dirty="0" err="1" smtClean="0"/>
+              <a:t>demonstrations</a:t>
+            </a:r>
+            <a:r>
+              <a:rPr lang="de-AT" dirty="0" smtClean="0"/>
               <a:t> </a:t>
             </a:r>
             <a:r>
-              <a:rPr lang="de-AT" sz="2000" dirty="0" err="1" smtClean="0"/>
-              <a:t>and</a:t>
-            </a:r>
-            <a:r>
-              <a:rPr lang="de-AT" sz="2000" dirty="0" smtClean="0"/>
+              <a:rPr lang="de-AT" dirty="0" err="1" smtClean="0"/>
+              <a:t>with</a:t>
+            </a:r>
+            <a:r>
+              <a:rPr lang="de-AT" dirty="0" smtClean="0"/>
               <a:t> </a:t>
             </a:r>
             <a:r>
-              <a:rPr lang="de-AT" sz="2000" dirty="0" err="1" smtClean="0"/>
-              <a:t>demonstrations</a:t>
-            </a:r>
-            <a:r>
-              <a:rPr lang="de-AT" sz="2000" dirty="0" smtClean="0"/>
+              <a:rPr lang="de-AT" dirty="0" err="1" smtClean="0"/>
+              <a:t>small</a:t>
+            </a:r>
+            <a:r>
+              <a:rPr lang="de-AT" dirty="0" smtClean="0"/>
               <a:t> </a:t>
             </a:r>
             <a:r>
-              <a:rPr lang="de-AT" sz="2000" dirty="0" err="1" smtClean="0"/>
+              <a:rPr lang="de-AT" dirty="0" err="1" smtClean="0"/>
+              <a:t>paramters</a:t>
+            </a:r>
+            <a:r>
+              <a:rPr lang="de-AT" dirty="0" smtClean="0"/>
+              <a:t> </a:t>
+            </a:r>
+            <a:r>
+              <a:rPr lang="de-AT" dirty="0" err="1" smtClean="0"/>
               <a:t>with</a:t>
             </a:r>
             <a:r>
-              <a:rPr lang="de-AT" sz="2000" dirty="0" smtClean="0"/>
+              <a:rPr lang="de-AT" dirty="0" smtClean="0"/>
               <a:t> </a:t>
             </a:r>
             <a:r>
-              <a:rPr lang="de-AT" sz="2000" dirty="0" err="1" smtClean="0"/>
-              <a:t>small</a:t>
-            </a:r>
-            <a:r>
-              <a:rPr lang="de-AT" sz="2000" dirty="0" smtClean="0"/>
+              <a:rPr lang="de-AT" dirty="0" smtClean="0">
+                <a:sym typeface="Symbol" panose="05050102010706020507" pitchFamily="18" charset="2"/>
+              </a:rPr>
+              <a:t> 10 </a:t>
+            </a:r>
+            <a:r>
+              <a:rPr lang="de-AT" dirty="0" err="1" smtClean="0"/>
+              <a:t>bits</a:t>
+            </a:r>
+            <a:r>
+              <a:rPr lang="de-AT" dirty="0" smtClean="0"/>
               <a:t> </a:t>
             </a:r>
-            <a:r>
-              <a:rPr lang="de-AT" sz="2000" dirty="0" err="1" smtClean="0"/>
-              <a:t>paramters</a:t>
-            </a:r>
-            <a:r>
-              <a:rPr lang="de-AT" sz="2000" dirty="0" smtClean="0"/>
-              <a:t> </a:t>
-            </a:r>
-            <a:r>
-              <a:rPr lang="de-AT" sz="2000" dirty="0" err="1" smtClean="0"/>
-              <a:t>with</a:t>
-            </a:r>
-            <a:r>
-              <a:rPr lang="de-AT" sz="2000" dirty="0" smtClean="0"/>
-              <a:t> </a:t>
-            </a:r>
-            <a:r>
-              <a:rPr lang="de-AT" sz="2000" dirty="0" smtClean="0">
-                <a:sym typeface="Symbol" panose="05050102010706020507" pitchFamily="18" charset="2"/>
-              </a:rPr>
-              <a:t> 10 </a:t>
-            </a:r>
-            <a:r>
-              <a:rPr lang="de-AT" sz="2000" dirty="0" err="1" smtClean="0"/>
-              <a:t>bits</a:t>
-            </a:r>
-            <a:r>
-              <a:rPr lang="de-AT" sz="2000" dirty="0" smtClean="0"/>
-              <a:t> </a:t>
-            </a:r>
-            <a:endParaRPr lang="de-AT" dirty="0"/>
-          </a:p>
-          <a:p>
-            <a:pPr marL="92075" indent="0">
-              <a:buNone/>
-            </a:pPr>
-            <a:endParaRPr lang="de-AT" dirty="0" smtClean="0"/>
-          </a:p>
-          <a:p>
-            <a:pPr marL="92075" indent="0" algn="ctr">
-              <a:buNone/>
-            </a:pPr>
+            <a:br>
+              <a:rPr lang="de-AT" dirty="0" smtClean="0"/>
+            </a:br>
+            <a:r>
+              <a:rPr lang="de-AT" dirty="0" smtClean="0"/>
+              <a:t/>
+            </a:r>
+            <a:br>
+              <a:rPr lang="de-AT" dirty="0" smtClean="0"/>
+            </a:br>
             <a:r>
               <a:rPr lang="de-AT" dirty="0" smtClean="0"/>
               <a:t>…</a:t>

--- a/manual (drafts)/Sunset_Slides_UniKlu.pptx
+++ b/manual (drafts)/Sunset_Slides_UniKlu.pptx
@@ -6,10 +6,10 @@
     <p:sldMasterId id="2147483676" r:id="rId2"/>
   </p:sldMasterIdLst>
   <p:notesMasterIdLst>
-    <p:notesMasterId r:id="rId41"/>
+    <p:notesMasterId r:id="rId42"/>
   </p:notesMasterIdLst>
   <p:handoutMasterIdLst>
-    <p:handoutMasterId r:id="rId42"/>
+    <p:handoutMasterId r:id="rId43"/>
   </p:handoutMasterIdLst>
   <p:sldIdLst>
     <p:sldId id="327" r:id="rId3"/>
@@ -38,18 +38,19 @@
     <p:sldId id="346" r:id="rId26"/>
     <p:sldId id="355" r:id="rId27"/>
     <p:sldId id="349" r:id="rId28"/>
-    <p:sldId id="354" r:id="rId29"/>
-    <p:sldId id="350" r:id="rId30"/>
-    <p:sldId id="351" r:id="rId31"/>
-    <p:sldId id="352" r:id="rId32"/>
-    <p:sldId id="353" r:id="rId33"/>
-    <p:sldId id="359" r:id="rId34"/>
-    <p:sldId id="360" r:id="rId35"/>
-    <p:sldId id="361" r:id="rId36"/>
-    <p:sldId id="362" r:id="rId37"/>
-    <p:sldId id="363" r:id="rId38"/>
-    <p:sldId id="364" r:id="rId39"/>
-    <p:sldId id="365" r:id="rId40"/>
+    <p:sldId id="367" r:id="rId29"/>
+    <p:sldId id="354" r:id="rId30"/>
+    <p:sldId id="350" r:id="rId31"/>
+    <p:sldId id="351" r:id="rId32"/>
+    <p:sldId id="352" r:id="rId33"/>
+    <p:sldId id="353" r:id="rId34"/>
+    <p:sldId id="359" r:id="rId35"/>
+    <p:sldId id="360" r:id="rId36"/>
+    <p:sldId id="361" r:id="rId37"/>
+    <p:sldId id="362" r:id="rId38"/>
+    <p:sldId id="363" r:id="rId39"/>
+    <p:sldId id="364" r:id="rId40"/>
+    <p:sldId id="365" r:id="rId41"/>
   </p:sldIdLst>
   <p:sldSz cx="9144000" cy="6858000" type="screen4x3"/>
   <p:notesSz cx="7104063" cy="10233025"/>
@@ -963,7 +964,7 @@
             <a:fld id="{68FC7329-13F1-4106-8B1F-49048DAA8415}" type="slidenum">
               <a:rPr lang="de-DE" smtClean="0"/>
               <a:pPr/>
-              <a:t>30</a:t>
+              <a:t>31</a:t>
             </a:fld>
             <a:endParaRPr lang="de-DE"/>
           </a:p>
@@ -1048,7 +1049,7 @@
             <a:fld id="{68FC7329-13F1-4106-8B1F-49048DAA8415}" type="slidenum">
               <a:rPr lang="de-DE" smtClean="0"/>
               <a:pPr/>
-              <a:t>31</a:t>
+              <a:t>32</a:t>
             </a:fld>
             <a:endParaRPr lang="de-DE"/>
           </a:p>
@@ -4352,8 +4353,8 @@
         </p:nvSpPr>
         <p:spPr bwMode="auto">
           <a:xfrm>
-            <a:off x="3308642" y="4405313"/>
-            <a:ext cx="2533065" cy="824841"/>
+            <a:off x="3288733" y="4405313"/>
+            <a:ext cx="2572884" cy="1083374"/>
           </a:xfrm>
           <a:prstGeom prst="rect">
             <a:avLst/>
@@ -4417,28 +4418,27 @@
               </a:spcBef>
             </a:pPr>
             <a:r>
-              <a:rPr lang="en-US" sz="1400" dirty="0" err="1" smtClean="0">
+              <a:rPr lang="en-US" sz="1400" dirty="0" smtClean="0">
                 <a:solidFill>
                   <a:schemeClr val="bg2"/>
                 </a:solidFill>
               </a:rPr>
-              <a:t>Informatik</a:t>
-            </a:r>
+              <a:t>Institute of Applied Informatics</a:t>
+            </a:r>
+          </a:p>
+          <a:p>
+            <a:pPr algn="ctr">
+              <a:spcBef>
+                <a:spcPct val="20000"/>
+              </a:spcBef>
+            </a:pPr>
             <a:r>
               <a:rPr lang="en-US" sz="1400" dirty="0" smtClean="0">
                 <a:solidFill>
                   <a:schemeClr val="bg2"/>
                 </a:solidFill>
               </a:rPr>
-              <a:t> – </a:t>
-            </a:r>
-            <a:r>
-              <a:rPr lang="en-US" sz="1400" dirty="0" err="1" smtClean="0">
-                <a:solidFill>
-                  <a:schemeClr val="bg2"/>
-                </a:solidFill>
-              </a:rPr>
-              <a:t>Systemsicherheit</a:t>
+              <a:t>Cybersecurity</a:t>
             </a:r>
             <a:endParaRPr lang="en-US" sz="1400" dirty="0">
               <a:solidFill>
@@ -11047,7 +11047,7 @@
           <a:graphicData uri="http://schemas.openxmlformats.org/presentationml/2006/ole">
             <mc:AlternateContent xmlns:mc="http://schemas.openxmlformats.org/markup-compatibility/2006">
               <mc:Choice xmlns:v="urn:schemas-microsoft-com:vml" Requires="v">
-                <p:oleObj spid="_x0000_s2187" name="Visio" r:id="rId3" imgW="4276641" imgH="2038259" progId="Visio.Drawing.15">
+                <p:oleObj spid="_x0000_s2194" name="Visio" r:id="rId3" imgW="4276641" imgH="2038259" progId="Visio.Drawing.15">
                   <p:embed/>
                 </p:oleObj>
               </mc:Choice>
@@ -13933,7 +13933,7 @@
           <a:graphicData uri="http://schemas.openxmlformats.org/presentationml/2006/ole">
             <mc:AlternateContent xmlns:mc="http://schemas.openxmlformats.org/markup-compatibility/2006">
               <mc:Choice xmlns:v="urn:schemas-microsoft-com:vml" Requires="v">
-                <p:oleObj spid="_x0000_s3200" name="Formel" r:id="rId3" imgW="6832600" imgH="749300" progId="Equation.3">
+                <p:oleObj spid="_x0000_s3207" name="Formel" r:id="rId3" imgW="6832600" imgH="749300" progId="Equation.3">
                   <p:embed/>
                 </p:oleObj>
               </mc:Choice>
@@ -14964,7 +14964,7 @@
           <a:graphicData uri="http://schemas.openxmlformats.org/presentationml/2006/ole">
             <mc:AlternateContent xmlns:mc="http://schemas.openxmlformats.org/markup-compatibility/2006">
               <mc:Choice xmlns:v="urn:schemas-microsoft-com:vml" Requires="v">
-                <p:oleObj spid="_x0000_s4223" name="Visio" r:id="rId3" imgW="3202054" imgH="945155" progId="Visio.Drawing.11">
+                <p:oleObj spid="_x0000_s4230" name="Visio" r:id="rId3" imgW="3202054" imgH="945155" progId="Visio.Drawing.11">
                   <p:embed/>
                 </p:oleObj>
               </mc:Choice>
@@ -15126,6 +15126,1053 @@
       </p:grpSpPr>
       <p:sp>
         <p:nvSpPr>
+          <p:cNvPr id="2" name="Titel 1"/>
+          <p:cNvSpPr>
+            <a:spLocks noGrp="1"/>
+          </p:cNvSpPr>
+          <p:nvPr>
+            <p:ph type="title"/>
+          </p:nvPr>
+        </p:nvSpPr>
+        <p:spPr/>
+        <p:txBody>
+          <a:bodyPr/>
+          <a:lstStyle/>
+          <a:p>
+            <a:r>
+              <a:rPr lang="de-AT" dirty="0" smtClean="0"/>
+              <a:t>AES </a:t>
+            </a:r>
+            <a:r>
+              <a:rPr lang="de-AT" dirty="0" err="1" smtClean="0"/>
+              <a:t>Sbox</a:t>
+            </a:r>
+            <a:r>
+              <a:rPr lang="de-AT" dirty="0" smtClean="0"/>
+              <a:t> in </a:t>
+            </a:r>
+            <a:r>
+              <a:rPr lang="de-AT" dirty="0" err="1" smtClean="0"/>
+              <a:t>FFapl</a:t>
+            </a:r>
+            <a:endParaRPr lang="de-AT" dirty="0"/>
+          </a:p>
+        </p:txBody>
+      </p:sp>
+      <p:sp>
+        <p:nvSpPr>
+          <p:cNvPr id="3" name="Textplatzhalter 2"/>
+          <p:cNvSpPr>
+            <a:spLocks noGrp="1"/>
+          </p:cNvSpPr>
+          <p:nvPr>
+            <p:ph type="body" sz="half" idx="1"/>
+          </p:nvPr>
+        </p:nvSpPr>
+        <p:spPr>
+          <a:xfrm>
+            <a:off x="304800" y="838200"/>
+            <a:ext cx="8534400" cy="5486400"/>
+          </a:xfrm>
+        </p:spPr>
+        <p:txBody>
+          <a:bodyPr/>
+          <a:lstStyle/>
+          <a:p>
+            <a:pPr marL="92075" indent="0">
+              <a:buNone/>
+            </a:pPr>
+            <a:r>
+              <a:rPr lang="de-AT" sz="1600" b="1" kern="1200" dirty="0" err="1">
+                <a:solidFill>
+                  <a:srgbClr val="7030A0"/>
+                </a:solidFill>
+                <a:latin typeface="Courier New" panose="02070309020205020404" pitchFamily="49" charset="0"/>
+                <a:cs typeface="Courier New" panose="02070309020205020404" pitchFamily="49" charset="0"/>
+              </a:rPr>
+              <a:t>function</a:t>
+            </a:r>
+            <a:r>
+              <a:rPr lang="de-AT" sz="1600" dirty="0" smtClean="0">
+                <a:latin typeface="Courier New" panose="02070309020205020404" pitchFamily="49" charset="0"/>
+                <a:cs typeface="Courier New" panose="02070309020205020404" pitchFamily="49" charset="0"/>
+              </a:rPr>
+              <a:t> </a:t>
+            </a:r>
+            <a:r>
+              <a:rPr lang="de-AT" sz="1600" dirty="0" err="1">
+                <a:latin typeface="Courier New" panose="02070309020205020404" pitchFamily="49" charset="0"/>
+                <a:cs typeface="Courier New" panose="02070309020205020404" pitchFamily="49" charset="0"/>
+              </a:rPr>
+              <a:t>Sbox</a:t>
+            </a:r>
+            <a:r>
+              <a:rPr lang="de-AT" sz="1600" dirty="0">
+                <a:latin typeface="Courier New" panose="02070309020205020404" pitchFamily="49" charset="0"/>
+                <a:cs typeface="Courier New" panose="02070309020205020404" pitchFamily="49" charset="0"/>
+              </a:rPr>
+              <a:t>(s: </a:t>
+            </a:r>
+            <a:r>
+              <a:rPr lang="de-AT" sz="1600" b="1" kern="1200" dirty="0">
+                <a:solidFill>
+                  <a:srgbClr val="7030A0"/>
+                </a:solidFill>
+                <a:latin typeface="Courier New" panose="02070309020205020404" pitchFamily="49" charset="0"/>
+                <a:cs typeface="Courier New" panose="02070309020205020404" pitchFamily="49" charset="0"/>
+              </a:rPr>
+              <a:t>GF</a:t>
+            </a:r>
+            <a:r>
+              <a:rPr lang="de-AT" sz="1600" dirty="0">
+                <a:latin typeface="Courier New" panose="02070309020205020404" pitchFamily="49" charset="0"/>
+                <a:cs typeface="Courier New" panose="02070309020205020404" pitchFamily="49" charset="0"/>
+              </a:rPr>
+              <a:t>) : </a:t>
+            </a:r>
+            <a:r>
+              <a:rPr lang="de-AT" sz="1600" b="1" kern="1200" dirty="0">
+                <a:solidFill>
+                  <a:srgbClr val="7030A0"/>
+                </a:solidFill>
+                <a:latin typeface="Courier New" panose="02070309020205020404" pitchFamily="49" charset="0"/>
+                <a:cs typeface="Courier New" panose="02070309020205020404" pitchFamily="49" charset="0"/>
+              </a:rPr>
+              <a:t>GF</a:t>
+            </a:r>
+            <a:r>
+              <a:rPr lang="de-AT" sz="1600" dirty="0">
+                <a:latin typeface="Courier New" panose="02070309020205020404" pitchFamily="49" charset="0"/>
+                <a:cs typeface="Courier New" panose="02070309020205020404" pitchFamily="49" charset="0"/>
+              </a:rPr>
+              <a:t> {</a:t>
+            </a:r>
+          </a:p>
+          <a:p>
+            <a:pPr marL="92075" indent="0">
+              <a:buNone/>
+            </a:pPr>
+            <a:r>
+              <a:rPr lang="de-AT" sz="1600" dirty="0">
+                <a:latin typeface="Courier New" panose="02070309020205020404" pitchFamily="49" charset="0"/>
+                <a:cs typeface="Courier New" panose="02070309020205020404" pitchFamily="49" charset="0"/>
+              </a:rPr>
+              <a:t>	</a:t>
+            </a:r>
+            <a:r>
+              <a:rPr lang="de-AT" sz="1600" dirty="0" smtClean="0">
+                <a:latin typeface="Courier New" panose="02070309020205020404" pitchFamily="49" charset="0"/>
+                <a:cs typeface="Courier New" panose="02070309020205020404" pitchFamily="49" charset="0"/>
+              </a:rPr>
+              <a:t>a</a:t>
+            </a:r>
+            <a:r>
+              <a:rPr lang="de-AT" sz="1600" dirty="0">
+                <a:latin typeface="Courier New" panose="02070309020205020404" pitchFamily="49" charset="0"/>
+                <a:cs typeface="Courier New" panose="02070309020205020404" pitchFamily="49" charset="0"/>
+              </a:rPr>
+              <a:t>, c, </a:t>
+            </a:r>
+            <a:r>
+              <a:rPr lang="de-AT" sz="1600" dirty="0" err="1">
+                <a:latin typeface="Courier New" panose="02070309020205020404" pitchFamily="49" charset="0"/>
+                <a:cs typeface="Courier New" panose="02070309020205020404" pitchFamily="49" charset="0"/>
+              </a:rPr>
+              <a:t>result</a:t>
+            </a:r>
+            <a:r>
+              <a:rPr lang="de-AT" sz="1600" dirty="0">
+                <a:latin typeface="Courier New" panose="02070309020205020404" pitchFamily="49" charset="0"/>
+                <a:cs typeface="Courier New" panose="02070309020205020404" pitchFamily="49" charset="0"/>
+              </a:rPr>
+              <a:t>: </a:t>
+            </a:r>
+            <a:r>
+              <a:rPr lang="de-AT" sz="1600" b="1" kern="1200" dirty="0">
+                <a:solidFill>
+                  <a:srgbClr val="7030A0"/>
+                </a:solidFill>
+                <a:latin typeface="Courier New" panose="02070309020205020404" pitchFamily="49" charset="0"/>
+                <a:cs typeface="Courier New" panose="02070309020205020404" pitchFamily="49" charset="0"/>
+              </a:rPr>
+              <a:t>GF(2</a:t>
+            </a:r>
+            <a:r>
+              <a:rPr lang="de-AT" sz="1600" dirty="0">
+                <a:latin typeface="Courier New" panose="02070309020205020404" pitchFamily="49" charset="0"/>
+                <a:cs typeface="Courier New" panose="02070309020205020404" pitchFamily="49" charset="0"/>
+              </a:rPr>
+              <a:t>, [x^8+x^4+x^3+x+1]);</a:t>
+            </a:r>
+          </a:p>
+          <a:p>
+            <a:pPr marL="92075" indent="0">
+              <a:buNone/>
+            </a:pPr>
+            <a:r>
+              <a:rPr lang="de-AT" sz="1600" dirty="0">
+                <a:latin typeface="Courier New" panose="02070309020205020404" pitchFamily="49" charset="0"/>
+                <a:cs typeface="Courier New" panose="02070309020205020404" pitchFamily="49" charset="0"/>
+              </a:rPr>
+              <a:t>	</a:t>
+            </a:r>
+            <a:r>
+              <a:rPr lang="de-AT" sz="1600" dirty="0" smtClean="0">
+                <a:latin typeface="Courier New" panose="02070309020205020404" pitchFamily="49" charset="0"/>
+                <a:cs typeface="Courier New" panose="02070309020205020404" pitchFamily="49" charset="0"/>
+              </a:rPr>
+              <a:t>b</a:t>
+            </a:r>
+            <a:r>
+              <a:rPr lang="de-AT" sz="1600" dirty="0">
+                <a:latin typeface="Courier New" panose="02070309020205020404" pitchFamily="49" charset="0"/>
+                <a:cs typeface="Courier New" panose="02070309020205020404" pitchFamily="49" charset="0"/>
+              </a:rPr>
+              <a:t>: </a:t>
+            </a:r>
+            <a:r>
+              <a:rPr lang="de-AT" sz="1600" b="1" kern="1200" dirty="0">
+                <a:solidFill>
+                  <a:srgbClr val="7030A0"/>
+                </a:solidFill>
+                <a:latin typeface="Courier New" panose="02070309020205020404" pitchFamily="49" charset="0"/>
+                <a:cs typeface="Courier New" panose="02070309020205020404" pitchFamily="49" charset="0"/>
+              </a:rPr>
+              <a:t>Integer</a:t>
+            </a:r>
+            <a:r>
+              <a:rPr lang="de-AT" sz="1600" dirty="0">
+                <a:latin typeface="Courier New" panose="02070309020205020404" pitchFamily="49" charset="0"/>
+                <a:cs typeface="Courier New" panose="02070309020205020404" pitchFamily="49" charset="0"/>
+              </a:rPr>
+              <a:t>[];</a:t>
+            </a:r>
+          </a:p>
+          <a:p>
+            <a:pPr marL="92075" indent="0">
+              <a:buNone/>
+            </a:pPr>
+            <a:r>
+              <a:rPr lang="de-AT" sz="1600" dirty="0">
+                <a:latin typeface="Courier New" panose="02070309020205020404" pitchFamily="49" charset="0"/>
+                <a:cs typeface="Courier New" panose="02070309020205020404" pitchFamily="49" charset="0"/>
+              </a:rPr>
+              <a:t>	</a:t>
+            </a:r>
+            <a:r>
+              <a:rPr lang="de-AT" sz="1600" dirty="0" smtClean="0">
+                <a:latin typeface="Courier New" panose="02070309020205020404" pitchFamily="49" charset="0"/>
+                <a:cs typeface="Courier New" panose="02070309020205020404" pitchFamily="49" charset="0"/>
+              </a:rPr>
+              <a:t>b </a:t>
+            </a:r>
+            <a:r>
+              <a:rPr lang="de-AT" sz="1600" dirty="0">
+                <a:latin typeface="Courier New" panose="02070309020205020404" pitchFamily="49" charset="0"/>
+                <a:cs typeface="Courier New" panose="02070309020205020404" pitchFamily="49" charset="0"/>
+              </a:rPr>
+              <a:t>:= </a:t>
+            </a:r>
+            <a:r>
+              <a:rPr lang="de-AT" sz="1600" b="1" kern="1200" dirty="0" err="1">
+                <a:solidFill>
+                  <a:srgbClr val="7030A0"/>
+                </a:solidFill>
+                <a:latin typeface="Courier New" panose="02070309020205020404" pitchFamily="49" charset="0"/>
+                <a:cs typeface="Courier New" panose="02070309020205020404" pitchFamily="49" charset="0"/>
+              </a:rPr>
+              <a:t>new</a:t>
+            </a:r>
+            <a:r>
+              <a:rPr lang="de-AT" sz="1600" dirty="0">
+                <a:latin typeface="Courier New" panose="02070309020205020404" pitchFamily="49" charset="0"/>
+                <a:cs typeface="Courier New" panose="02070309020205020404" pitchFamily="49" charset="0"/>
+              </a:rPr>
+              <a:t> </a:t>
+            </a:r>
+            <a:r>
+              <a:rPr lang="de-AT" sz="1600" b="1" kern="1200" dirty="0">
+                <a:solidFill>
+                  <a:srgbClr val="7030A0"/>
+                </a:solidFill>
+                <a:latin typeface="Courier New" panose="02070309020205020404" pitchFamily="49" charset="0"/>
+                <a:cs typeface="Courier New" panose="02070309020205020404" pitchFamily="49" charset="0"/>
+              </a:rPr>
+              <a:t>Integer[8</a:t>
+            </a:r>
+            <a:r>
+              <a:rPr lang="de-AT" sz="1600" dirty="0">
+                <a:latin typeface="Courier New" panose="02070309020205020404" pitchFamily="49" charset="0"/>
+                <a:cs typeface="Courier New" panose="02070309020205020404" pitchFamily="49" charset="0"/>
+              </a:rPr>
+              <a:t>];	</a:t>
+            </a:r>
+          </a:p>
+          <a:p>
+            <a:pPr marL="92075" indent="0">
+              <a:buNone/>
+            </a:pPr>
+            <a:r>
+              <a:rPr lang="de-AT" sz="1600" dirty="0">
+                <a:latin typeface="Courier New" panose="02070309020205020404" pitchFamily="49" charset="0"/>
+                <a:cs typeface="Courier New" panose="02070309020205020404" pitchFamily="49" charset="0"/>
+              </a:rPr>
+              <a:t>	</a:t>
+            </a:r>
+            <a:r>
+              <a:rPr lang="de-AT" sz="1600" b="1" kern="1200" dirty="0" err="1">
+                <a:solidFill>
+                  <a:srgbClr val="7030A0"/>
+                </a:solidFill>
+                <a:latin typeface="Courier New" panose="02070309020205020404" pitchFamily="49" charset="0"/>
+                <a:cs typeface="Courier New" panose="02070309020205020404" pitchFamily="49" charset="0"/>
+              </a:rPr>
+              <a:t>if</a:t>
+            </a:r>
+            <a:r>
+              <a:rPr lang="de-AT" sz="1600" dirty="0" smtClean="0">
+                <a:latin typeface="Courier New" panose="02070309020205020404" pitchFamily="49" charset="0"/>
+                <a:cs typeface="Courier New" panose="02070309020205020404" pitchFamily="49" charset="0"/>
+              </a:rPr>
+              <a:t> </a:t>
+            </a:r>
+            <a:r>
+              <a:rPr lang="de-AT" sz="1600" dirty="0">
+                <a:latin typeface="Courier New" panose="02070309020205020404" pitchFamily="49" charset="0"/>
+                <a:cs typeface="Courier New" panose="02070309020205020404" pitchFamily="49" charset="0"/>
+              </a:rPr>
+              <a:t>(s == [0]) { </a:t>
+            </a:r>
+            <a:r>
+              <a:rPr lang="de-AT" sz="1600" dirty="0" smtClean="0">
+                <a:latin typeface="Courier New" panose="02070309020205020404" pitchFamily="49" charset="0"/>
+                <a:cs typeface="Courier New" panose="02070309020205020404" pitchFamily="49" charset="0"/>
+              </a:rPr>
+              <a:t>a </a:t>
+            </a:r>
+            <a:r>
+              <a:rPr lang="de-AT" sz="1600" dirty="0">
+                <a:latin typeface="Courier New" panose="02070309020205020404" pitchFamily="49" charset="0"/>
+                <a:cs typeface="Courier New" panose="02070309020205020404" pitchFamily="49" charset="0"/>
+              </a:rPr>
+              <a:t>:= [0]; </a:t>
+            </a:r>
+            <a:r>
+              <a:rPr lang="de-AT" sz="1600" dirty="0" smtClean="0">
+                <a:latin typeface="Courier New" panose="02070309020205020404" pitchFamily="49" charset="0"/>
+                <a:cs typeface="Courier New" panose="02070309020205020404" pitchFamily="49" charset="0"/>
+              </a:rPr>
+              <a:t>} </a:t>
+            </a:r>
+            <a:r>
+              <a:rPr lang="de-AT" sz="1600" dirty="0">
+                <a:solidFill>
+                  <a:srgbClr val="339933"/>
+                </a:solidFill>
+                <a:latin typeface="Courier New" panose="02070309020205020404" pitchFamily="49" charset="0"/>
+                <a:cs typeface="Courier New" panose="02070309020205020404" pitchFamily="49" charset="0"/>
+              </a:rPr>
+              <a:t>// 0 </a:t>
+            </a:r>
+            <a:r>
+              <a:rPr lang="de-AT" sz="1600" dirty="0" err="1">
+                <a:solidFill>
+                  <a:srgbClr val="339933"/>
+                </a:solidFill>
+                <a:latin typeface="Courier New" panose="02070309020205020404" pitchFamily="49" charset="0"/>
+                <a:cs typeface="Courier New" panose="02070309020205020404" pitchFamily="49" charset="0"/>
+              </a:rPr>
+              <a:t>is</a:t>
+            </a:r>
+            <a:r>
+              <a:rPr lang="de-AT" sz="1600" dirty="0">
+                <a:solidFill>
+                  <a:srgbClr val="339933"/>
+                </a:solidFill>
+                <a:latin typeface="Courier New" panose="02070309020205020404" pitchFamily="49" charset="0"/>
+                <a:cs typeface="Courier New" panose="02070309020205020404" pitchFamily="49" charset="0"/>
+              </a:rPr>
+              <a:t> </a:t>
+            </a:r>
+            <a:r>
+              <a:rPr lang="de-AT" sz="1600" dirty="0" err="1">
+                <a:solidFill>
+                  <a:srgbClr val="339933"/>
+                </a:solidFill>
+                <a:latin typeface="Courier New" panose="02070309020205020404" pitchFamily="49" charset="0"/>
+                <a:cs typeface="Courier New" panose="02070309020205020404" pitchFamily="49" charset="0"/>
+              </a:rPr>
+              <a:t>self</a:t>
+            </a:r>
+            <a:r>
+              <a:rPr lang="de-AT" sz="1600" dirty="0">
+                <a:solidFill>
+                  <a:srgbClr val="339933"/>
+                </a:solidFill>
+                <a:latin typeface="Courier New" panose="02070309020205020404" pitchFamily="49" charset="0"/>
+                <a:cs typeface="Courier New" panose="02070309020205020404" pitchFamily="49" charset="0"/>
+              </a:rPr>
+              <a:t>-inverse</a:t>
+            </a:r>
+            <a:endParaRPr lang="de-AT" sz="1600" dirty="0">
+              <a:solidFill>
+                <a:srgbClr val="339933"/>
+              </a:solidFill>
+              <a:latin typeface="Courier New" panose="02070309020205020404" pitchFamily="49" charset="0"/>
+              <a:cs typeface="Courier New" panose="02070309020205020404" pitchFamily="49" charset="0"/>
+            </a:endParaRPr>
+          </a:p>
+          <a:p>
+            <a:pPr marL="92075" indent="0">
+              <a:buNone/>
+            </a:pPr>
+            <a:r>
+              <a:rPr lang="de-AT" sz="1600" dirty="0">
+                <a:latin typeface="Courier New" panose="02070309020205020404" pitchFamily="49" charset="0"/>
+                <a:cs typeface="Courier New" panose="02070309020205020404" pitchFamily="49" charset="0"/>
+              </a:rPr>
+              <a:t>	</a:t>
+            </a:r>
+            <a:r>
+              <a:rPr lang="de-AT" sz="1600" b="1" kern="1200" dirty="0" err="1">
+                <a:solidFill>
+                  <a:srgbClr val="7030A0"/>
+                </a:solidFill>
+                <a:latin typeface="Courier New" panose="02070309020205020404" pitchFamily="49" charset="0"/>
+                <a:cs typeface="Courier New" panose="02070309020205020404" pitchFamily="49" charset="0"/>
+              </a:rPr>
+              <a:t>else</a:t>
+            </a:r>
+            <a:r>
+              <a:rPr lang="de-AT" sz="1600" dirty="0" smtClean="0">
+                <a:latin typeface="Courier New" panose="02070309020205020404" pitchFamily="49" charset="0"/>
+                <a:cs typeface="Courier New" panose="02070309020205020404" pitchFamily="49" charset="0"/>
+              </a:rPr>
+              <a:t> </a:t>
+            </a:r>
+            <a:r>
+              <a:rPr lang="de-AT" sz="1600" dirty="0">
+                <a:latin typeface="Courier New" panose="02070309020205020404" pitchFamily="49" charset="0"/>
+                <a:cs typeface="Courier New" panose="02070309020205020404" pitchFamily="49" charset="0"/>
+              </a:rPr>
+              <a:t>{ </a:t>
+            </a:r>
+            <a:r>
+              <a:rPr lang="de-AT" sz="1600" dirty="0" smtClean="0">
+                <a:latin typeface="Courier New" panose="02070309020205020404" pitchFamily="49" charset="0"/>
+                <a:cs typeface="Courier New" panose="02070309020205020404" pitchFamily="49" charset="0"/>
+              </a:rPr>
+              <a:t>a </a:t>
+            </a:r>
+            <a:r>
+              <a:rPr lang="de-AT" sz="1600" dirty="0">
+                <a:latin typeface="Courier New" panose="02070309020205020404" pitchFamily="49" charset="0"/>
+                <a:cs typeface="Courier New" panose="02070309020205020404" pitchFamily="49" charset="0"/>
+              </a:rPr>
+              <a:t>:= s^-1</a:t>
+            </a:r>
+            <a:r>
+              <a:rPr lang="de-AT" sz="1600" dirty="0" smtClean="0">
+                <a:latin typeface="Courier New" panose="02070309020205020404" pitchFamily="49" charset="0"/>
+                <a:cs typeface="Courier New" panose="02070309020205020404" pitchFamily="49" charset="0"/>
+              </a:rPr>
+              <a:t>; }</a:t>
+            </a:r>
+            <a:endParaRPr lang="de-AT" sz="1600" dirty="0">
+              <a:latin typeface="Courier New" panose="02070309020205020404" pitchFamily="49" charset="0"/>
+              <a:cs typeface="Courier New" panose="02070309020205020404" pitchFamily="49" charset="0"/>
+            </a:endParaRPr>
+          </a:p>
+          <a:p>
+            <a:pPr marL="92075" indent="0">
+              <a:buNone/>
+            </a:pPr>
+            <a:r>
+              <a:rPr lang="de-AT" sz="1600" dirty="0">
+                <a:latin typeface="Courier New" panose="02070309020205020404" pitchFamily="49" charset="0"/>
+                <a:cs typeface="Courier New" panose="02070309020205020404" pitchFamily="49" charset="0"/>
+              </a:rPr>
+              <a:t>	</a:t>
+            </a:r>
+            <a:r>
+              <a:rPr lang="de-AT" sz="1600" dirty="0" smtClean="0">
+                <a:latin typeface="Courier New" panose="02070309020205020404" pitchFamily="49" charset="0"/>
+                <a:cs typeface="Courier New" panose="02070309020205020404" pitchFamily="49" charset="0"/>
+              </a:rPr>
+              <a:t>c </a:t>
+            </a:r>
+            <a:r>
+              <a:rPr lang="de-AT" sz="1600" dirty="0">
+                <a:latin typeface="Courier New" panose="02070309020205020404" pitchFamily="49" charset="0"/>
+                <a:cs typeface="Courier New" panose="02070309020205020404" pitchFamily="49" charset="0"/>
+              </a:rPr>
+              <a:t>:= [x^6 + x^5 + x + 1];</a:t>
+            </a:r>
+          </a:p>
+          <a:p>
+            <a:pPr marL="92075" indent="0">
+              <a:buNone/>
+            </a:pPr>
+            <a:r>
+              <a:rPr lang="de-AT" sz="1600" dirty="0">
+                <a:latin typeface="Courier New" panose="02070309020205020404" pitchFamily="49" charset="0"/>
+                <a:cs typeface="Courier New" panose="02070309020205020404" pitchFamily="49" charset="0"/>
+              </a:rPr>
+              <a:t>	</a:t>
+            </a:r>
+            <a:r>
+              <a:rPr lang="de-AT" sz="1600" b="1" kern="1200" dirty="0">
+                <a:solidFill>
+                  <a:srgbClr val="7030A0"/>
+                </a:solidFill>
+                <a:latin typeface="Courier New" panose="02070309020205020404" pitchFamily="49" charset="0"/>
+                <a:cs typeface="Courier New" panose="02070309020205020404" pitchFamily="49" charset="0"/>
+              </a:rPr>
+              <a:t>for</a:t>
+            </a:r>
+            <a:r>
+              <a:rPr lang="de-AT" sz="1600" dirty="0" smtClean="0">
+                <a:latin typeface="Courier New" panose="02070309020205020404" pitchFamily="49" charset="0"/>
+                <a:cs typeface="Courier New" panose="02070309020205020404" pitchFamily="49" charset="0"/>
+              </a:rPr>
+              <a:t> </a:t>
+            </a:r>
+            <a:r>
+              <a:rPr lang="de-AT" sz="1600" dirty="0">
+                <a:latin typeface="Courier New" panose="02070309020205020404" pitchFamily="49" charset="0"/>
+                <a:cs typeface="Courier New" panose="02070309020205020404" pitchFamily="49" charset="0"/>
+              </a:rPr>
+              <a:t>i = 0 </a:t>
+            </a:r>
+            <a:r>
+              <a:rPr lang="de-AT" sz="1600" b="1" kern="1200" dirty="0" err="1">
+                <a:solidFill>
+                  <a:srgbClr val="7030A0"/>
+                </a:solidFill>
+                <a:latin typeface="Courier New" panose="02070309020205020404" pitchFamily="49" charset="0"/>
+                <a:cs typeface="Courier New" panose="02070309020205020404" pitchFamily="49" charset="0"/>
+              </a:rPr>
+              <a:t>to</a:t>
+            </a:r>
+            <a:r>
+              <a:rPr lang="de-AT" sz="1600" dirty="0">
+                <a:latin typeface="Courier New" panose="02070309020205020404" pitchFamily="49" charset="0"/>
+                <a:cs typeface="Courier New" panose="02070309020205020404" pitchFamily="49" charset="0"/>
+              </a:rPr>
+              <a:t> 7 {</a:t>
+            </a:r>
+          </a:p>
+          <a:p>
+            <a:pPr marL="92075" indent="0">
+              <a:buNone/>
+            </a:pPr>
+            <a:r>
+              <a:rPr lang="de-AT" sz="1600" dirty="0">
+                <a:latin typeface="Courier New" panose="02070309020205020404" pitchFamily="49" charset="0"/>
+                <a:cs typeface="Courier New" panose="02070309020205020404" pitchFamily="49" charset="0"/>
+              </a:rPr>
+              <a:t>		</a:t>
+            </a:r>
+            <a:r>
+              <a:rPr lang="de-AT" sz="1600" dirty="0" smtClean="0">
+                <a:latin typeface="Courier New" panose="02070309020205020404" pitchFamily="49" charset="0"/>
+                <a:cs typeface="Courier New" panose="02070309020205020404" pitchFamily="49" charset="0"/>
+              </a:rPr>
+              <a:t>b[i</a:t>
+            </a:r>
+            <a:r>
+              <a:rPr lang="de-AT" sz="1600" dirty="0">
+                <a:latin typeface="Courier New" panose="02070309020205020404" pitchFamily="49" charset="0"/>
+                <a:cs typeface="Courier New" panose="02070309020205020404" pitchFamily="49" charset="0"/>
+              </a:rPr>
+              <a:t>] := (</a:t>
+            </a:r>
+            <a:r>
+              <a:rPr lang="de-AT" sz="1600" b="1" i="1" dirty="0" err="1">
+                <a:latin typeface="Courier New" panose="02070309020205020404" pitchFamily="49" charset="0"/>
+                <a:cs typeface="Courier New" panose="02070309020205020404" pitchFamily="49" charset="0"/>
+              </a:rPr>
+              <a:t>coefficientAt</a:t>
+            </a:r>
+            <a:r>
+              <a:rPr lang="de-AT" sz="1600" dirty="0">
+                <a:latin typeface="Courier New" panose="02070309020205020404" pitchFamily="49" charset="0"/>
+                <a:cs typeface="Courier New" panose="02070309020205020404" pitchFamily="49" charset="0"/>
+              </a:rPr>
+              <a:t>(a</a:t>
+            </a:r>
+            <a:r>
+              <a:rPr lang="de-AT" sz="1600" dirty="0">
+                <a:latin typeface="Courier New" panose="02070309020205020404" pitchFamily="49" charset="0"/>
+                <a:cs typeface="Courier New" panose="02070309020205020404" pitchFamily="49" charset="0"/>
+              </a:rPr>
+              <a:t>, i) </a:t>
+            </a:r>
+          </a:p>
+          <a:p>
+            <a:pPr marL="92075" indent="0">
+              <a:buNone/>
+            </a:pPr>
+            <a:r>
+              <a:rPr lang="de-AT" sz="1600" dirty="0">
+                <a:latin typeface="Courier New" panose="02070309020205020404" pitchFamily="49" charset="0"/>
+                <a:cs typeface="Courier New" panose="02070309020205020404" pitchFamily="49" charset="0"/>
+              </a:rPr>
+              <a:t>			    </a:t>
+            </a:r>
+            <a:r>
+              <a:rPr lang="de-AT" sz="1600" dirty="0" smtClean="0">
+                <a:latin typeface="Courier New" panose="02070309020205020404" pitchFamily="49" charset="0"/>
+                <a:cs typeface="Courier New" panose="02070309020205020404" pitchFamily="49" charset="0"/>
+              </a:rPr>
+              <a:t>+ </a:t>
+            </a:r>
+            <a:r>
+              <a:rPr lang="de-AT" sz="1600" b="1" i="1" dirty="0" err="1">
+                <a:latin typeface="Courier New" panose="02070309020205020404" pitchFamily="49" charset="0"/>
+                <a:cs typeface="Courier New" panose="02070309020205020404" pitchFamily="49" charset="0"/>
+              </a:rPr>
+              <a:t>coefficientAt</a:t>
+            </a:r>
+            <a:r>
+              <a:rPr lang="de-AT" sz="1600" dirty="0">
+                <a:latin typeface="Courier New" panose="02070309020205020404" pitchFamily="49" charset="0"/>
+                <a:cs typeface="Courier New" panose="02070309020205020404" pitchFamily="49" charset="0"/>
+              </a:rPr>
+              <a:t>(a</a:t>
+            </a:r>
+            <a:r>
+              <a:rPr lang="de-AT" sz="1600" dirty="0">
+                <a:latin typeface="Courier New" panose="02070309020205020404" pitchFamily="49" charset="0"/>
+                <a:cs typeface="Courier New" panose="02070309020205020404" pitchFamily="49" charset="0"/>
+              </a:rPr>
+              <a:t>, (i+4) </a:t>
+            </a:r>
+            <a:r>
+              <a:rPr lang="de-AT" sz="1600" b="1" kern="1200" dirty="0">
+                <a:solidFill>
+                  <a:srgbClr val="7030A0"/>
+                </a:solidFill>
+                <a:latin typeface="Courier New" panose="02070309020205020404" pitchFamily="49" charset="0"/>
+                <a:cs typeface="Courier New" panose="02070309020205020404" pitchFamily="49" charset="0"/>
+              </a:rPr>
+              <a:t>MOD</a:t>
+            </a:r>
+            <a:r>
+              <a:rPr lang="de-AT" sz="1600" dirty="0">
+                <a:latin typeface="Courier New" panose="02070309020205020404" pitchFamily="49" charset="0"/>
+                <a:cs typeface="Courier New" panose="02070309020205020404" pitchFamily="49" charset="0"/>
+              </a:rPr>
+              <a:t> 2) </a:t>
+            </a:r>
+          </a:p>
+          <a:p>
+            <a:pPr marL="92075" indent="0">
+              <a:buNone/>
+            </a:pPr>
+            <a:r>
+              <a:rPr lang="de-AT" sz="1600" dirty="0">
+                <a:latin typeface="Courier New" panose="02070309020205020404" pitchFamily="49" charset="0"/>
+                <a:cs typeface="Courier New" panose="02070309020205020404" pitchFamily="49" charset="0"/>
+              </a:rPr>
+              <a:t>			    </a:t>
+            </a:r>
+            <a:r>
+              <a:rPr lang="de-AT" sz="1600" dirty="0" smtClean="0">
+                <a:latin typeface="Courier New" panose="02070309020205020404" pitchFamily="49" charset="0"/>
+                <a:cs typeface="Courier New" panose="02070309020205020404" pitchFamily="49" charset="0"/>
+              </a:rPr>
+              <a:t>+ </a:t>
+            </a:r>
+            <a:r>
+              <a:rPr lang="de-AT" sz="1600" b="1" i="1" dirty="0" err="1">
+                <a:latin typeface="Courier New" panose="02070309020205020404" pitchFamily="49" charset="0"/>
+                <a:cs typeface="Courier New" panose="02070309020205020404" pitchFamily="49" charset="0"/>
+              </a:rPr>
+              <a:t>coefficientAt</a:t>
+            </a:r>
+            <a:r>
+              <a:rPr lang="de-AT" sz="1600" dirty="0">
+                <a:latin typeface="Courier New" panose="02070309020205020404" pitchFamily="49" charset="0"/>
+                <a:cs typeface="Courier New" panose="02070309020205020404" pitchFamily="49" charset="0"/>
+              </a:rPr>
+              <a:t>(a</a:t>
+            </a:r>
+            <a:r>
+              <a:rPr lang="de-AT" sz="1600" dirty="0">
+                <a:latin typeface="Courier New" panose="02070309020205020404" pitchFamily="49" charset="0"/>
+                <a:cs typeface="Courier New" panose="02070309020205020404" pitchFamily="49" charset="0"/>
+              </a:rPr>
+              <a:t>, (i+5) </a:t>
+            </a:r>
+            <a:r>
+              <a:rPr lang="de-AT" sz="1600" b="1" kern="1200" dirty="0">
+                <a:solidFill>
+                  <a:srgbClr val="7030A0"/>
+                </a:solidFill>
+                <a:latin typeface="Courier New" panose="02070309020205020404" pitchFamily="49" charset="0"/>
+                <a:cs typeface="Courier New" panose="02070309020205020404" pitchFamily="49" charset="0"/>
+              </a:rPr>
+              <a:t>MOD</a:t>
+            </a:r>
+            <a:r>
+              <a:rPr lang="de-AT" sz="1600" dirty="0">
+                <a:latin typeface="Courier New" panose="02070309020205020404" pitchFamily="49" charset="0"/>
+                <a:cs typeface="Courier New" panose="02070309020205020404" pitchFamily="49" charset="0"/>
+              </a:rPr>
+              <a:t> 2) </a:t>
+            </a:r>
+          </a:p>
+          <a:p>
+            <a:pPr marL="92075" indent="0">
+              <a:buNone/>
+            </a:pPr>
+            <a:r>
+              <a:rPr lang="de-AT" sz="1600" dirty="0">
+                <a:latin typeface="Courier New" panose="02070309020205020404" pitchFamily="49" charset="0"/>
+                <a:cs typeface="Courier New" panose="02070309020205020404" pitchFamily="49" charset="0"/>
+              </a:rPr>
+              <a:t>			   </a:t>
+            </a:r>
+            <a:r>
+              <a:rPr lang="de-AT" sz="1600" dirty="0" smtClean="0">
+                <a:latin typeface="Courier New" panose="02070309020205020404" pitchFamily="49" charset="0"/>
+                <a:cs typeface="Courier New" panose="02070309020205020404" pitchFamily="49" charset="0"/>
+              </a:rPr>
+              <a:t> </a:t>
+            </a:r>
+            <a:r>
+              <a:rPr lang="de-AT" sz="1600" dirty="0">
+                <a:latin typeface="Courier New" panose="02070309020205020404" pitchFamily="49" charset="0"/>
+                <a:cs typeface="Courier New" panose="02070309020205020404" pitchFamily="49" charset="0"/>
+              </a:rPr>
+              <a:t>+ </a:t>
+            </a:r>
+            <a:r>
+              <a:rPr lang="de-AT" sz="1600" b="1" i="1" dirty="0" err="1">
+                <a:latin typeface="Courier New" panose="02070309020205020404" pitchFamily="49" charset="0"/>
+                <a:cs typeface="Courier New" panose="02070309020205020404" pitchFamily="49" charset="0"/>
+              </a:rPr>
+              <a:t>coefficientAt</a:t>
+            </a:r>
+            <a:r>
+              <a:rPr lang="de-AT" sz="1600" dirty="0">
+                <a:latin typeface="Courier New" panose="02070309020205020404" pitchFamily="49" charset="0"/>
+                <a:cs typeface="Courier New" panose="02070309020205020404" pitchFamily="49" charset="0"/>
+              </a:rPr>
+              <a:t>(a</a:t>
+            </a:r>
+            <a:r>
+              <a:rPr lang="de-AT" sz="1600" dirty="0">
+                <a:latin typeface="Courier New" panose="02070309020205020404" pitchFamily="49" charset="0"/>
+                <a:cs typeface="Courier New" panose="02070309020205020404" pitchFamily="49" charset="0"/>
+              </a:rPr>
+              <a:t>, (i+6) </a:t>
+            </a:r>
+            <a:r>
+              <a:rPr lang="de-AT" sz="1600" b="1" kern="1200" dirty="0">
+                <a:solidFill>
+                  <a:srgbClr val="7030A0"/>
+                </a:solidFill>
+                <a:latin typeface="Courier New" panose="02070309020205020404" pitchFamily="49" charset="0"/>
+                <a:cs typeface="Courier New" panose="02070309020205020404" pitchFamily="49" charset="0"/>
+              </a:rPr>
+              <a:t>MOD</a:t>
+            </a:r>
+            <a:r>
+              <a:rPr lang="de-AT" sz="1600" dirty="0">
+                <a:latin typeface="Courier New" panose="02070309020205020404" pitchFamily="49" charset="0"/>
+                <a:cs typeface="Courier New" panose="02070309020205020404" pitchFamily="49" charset="0"/>
+              </a:rPr>
+              <a:t> 2)</a:t>
+            </a:r>
+          </a:p>
+          <a:p>
+            <a:pPr marL="92075" indent="0">
+              <a:buNone/>
+            </a:pPr>
+            <a:r>
+              <a:rPr lang="de-AT" sz="1600" dirty="0">
+                <a:latin typeface="Courier New" panose="02070309020205020404" pitchFamily="49" charset="0"/>
+                <a:cs typeface="Courier New" panose="02070309020205020404" pitchFamily="49" charset="0"/>
+              </a:rPr>
+              <a:t>			    </a:t>
+            </a:r>
+            <a:r>
+              <a:rPr lang="de-AT" sz="1600" dirty="0" smtClean="0">
+                <a:latin typeface="Courier New" panose="02070309020205020404" pitchFamily="49" charset="0"/>
+                <a:cs typeface="Courier New" panose="02070309020205020404" pitchFamily="49" charset="0"/>
+              </a:rPr>
+              <a:t>+ </a:t>
+            </a:r>
+            <a:r>
+              <a:rPr lang="de-AT" sz="1600" b="1" i="1" dirty="0" err="1">
+                <a:latin typeface="Courier New" panose="02070309020205020404" pitchFamily="49" charset="0"/>
+                <a:cs typeface="Courier New" panose="02070309020205020404" pitchFamily="49" charset="0"/>
+              </a:rPr>
+              <a:t>coefficientAt</a:t>
+            </a:r>
+            <a:r>
+              <a:rPr lang="de-AT" sz="1600" dirty="0">
+                <a:latin typeface="Courier New" panose="02070309020205020404" pitchFamily="49" charset="0"/>
+                <a:cs typeface="Courier New" panose="02070309020205020404" pitchFamily="49" charset="0"/>
+              </a:rPr>
+              <a:t>(a</a:t>
+            </a:r>
+            <a:r>
+              <a:rPr lang="de-AT" sz="1600" dirty="0">
+                <a:latin typeface="Courier New" panose="02070309020205020404" pitchFamily="49" charset="0"/>
+                <a:cs typeface="Courier New" panose="02070309020205020404" pitchFamily="49" charset="0"/>
+              </a:rPr>
+              <a:t>, (i+7) </a:t>
+            </a:r>
+            <a:r>
+              <a:rPr lang="de-AT" sz="1600" b="1" kern="1200" dirty="0">
+                <a:solidFill>
+                  <a:srgbClr val="7030A0"/>
+                </a:solidFill>
+                <a:latin typeface="Courier New" panose="02070309020205020404" pitchFamily="49" charset="0"/>
+                <a:cs typeface="Courier New" panose="02070309020205020404" pitchFamily="49" charset="0"/>
+              </a:rPr>
+              <a:t>MOD</a:t>
+            </a:r>
+            <a:r>
+              <a:rPr lang="de-AT" sz="1600" dirty="0">
+                <a:latin typeface="Courier New" panose="02070309020205020404" pitchFamily="49" charset="0"/>
+                <a:cs typeface="Courier New" panose="02070309020205020404" pitchFamily="49" charset="0"/>
+              </a:rPr>
+              <a:t> 2)</a:t>
+            </a:r>
+          </a:p>
+          <a:p>
+            <a:pPr marL="92075" indent="0">
+              <a:buNone/>
+            </a:pPr>
+            <a:r>
+              <a:rPr lang="de-AT" sz="1600" dirty="0">
+                <a:latin typeface="Courier New" panose="02070309020205020404" pitchFamily="49" charset="0"/>
+                <a:cs typeface="Courier New" panose="02070309020205020404" pitchFamily="49" charset="0"/>
+              </a:rPr>
+              <a:t>			    </a:t>
+            </a:r>
+            <a:r>
+              <a:rPr lang="de-AT" sz="1600" dirty="0" smtClean="0">
+                <a:latin typeface="Courier New" panose="02070309020205020404" pitchFamily="49" charset="0"/>
+                <a:cs typeface="Courier New" panose="02070309020205020404" pitchFamily="49" charset="0"/>
+              </a:rPr>
+              <a:t>+ </a:t>
+            </a:r>
+            <a:r>
+              <a:rPr lang="de-AT" sz="1600" b="1" i="1" dirty="0" err="1">
+                <a:latin typeface="Courier New" panose="02070309020205020404" pitchFamily="49" charset="0"/>
+                <a:cs typeface="Courier New" panose="02070309020205020404" pitchFamily="49" charset="0"/>
+              </a:rPr>
+              <a:t>coefficientAt</a:t>
+            </a:r>
+            <a:r>
+              <a:rPr lang="de-AT" sz="1600" dirty="0">
+                <a:latin typeface="Courier New" panose="02070309020205020404" pitchFamily="49" charset="0"/>
+                <a:cs typeface="Courier New" panose="02070309020205020404" pitchFamily="49" charset="0"/>
+              </a:rPr>
+              <a:t>(c</a:t>
+            </a:r>
+            <a:r>
+              <a:rPr lang="de-AT" sz="1600" dirty="0">
+                <a:latin typeface="Courier New" panose="02070309020205020404" pitchFamily="49" charset="0"/>
+                <a:cs typeface="Courier New" panose="02070309020205020404" pitchFamily="49" charset="0"/>
+              </a:rPr>
+              <a:t>, i)) </a:t>
+            </a:r>
+            <a:r>
+              <a:rPr lang="de-AT" sz="1600" b="1" kern="1200" dirty="0">
+                <a:solidFill>
+                  <a:srgbClr val="7030A0"/>
+                </a:solidFill>
+                <a:latin typeface="Courier New" panose="02070309020205020404" pitchFamily="49" charset="0"/>
+                <a:cs typeface="Courier New" panose="02070309020205020404" pitchFamily="49" charset="0"/>
+              </a:rPr>
+              <a:t>MOD</a:t>
+            </a:r>
+            <a:r>
+              <a:rPr lang="de-AT" sz="1600" dirty="0">
+                <a:latin typeface="Courier New" panose="02070309020205020404" pitchFamily="49" charset="0"/>
+                <a:cs typeface="Courier New" panose="02070309020205020404" pitchFamily="49" charset="0"/>
+              </a:rPr>
+              <a:t> 2;</a:t>
+            </a:r>
+          </a:p>
+          <a:p>
+            <a:pPr marL="92075" indent="0">
+              <a:buNone/>
+            </a:pPr>
+            <a:r>
+              <a:rPr lang="de-AT" sz="1600" dirty="0">
+                <a:latin typeface="Courier New" panose="02070309020205020404" pitchFamily="49" charset="0"/>
+                <a:cs typeface="Courier New" panose="02070309020205020404" pitchFamily="49" charset="0"/>
+              </a:rPr>
+              <a:t>	</a:t>
+            </a:r>
+            <a:r>
+              <a:rPr lang="de-AT" sz="1600" dirty="0" smtClean="0">
+                <a:latin typeface="Courier New" panose="02070309020205020404" pitchFamily="49" charset="0"/>
+                <a:cs typeface="Courier New" panose="02070309020205020404" pitchFamily="49" charset="0"/>
+              </a:rPr>
+              <a:t>}</a:t>
+            </a:r>
+            <a:endParaRPr lang="de-AT" sz="1600" dirty="0">
+              <a:latin typeface="Courier New" panose="02070309020205020404" pitchFamily="49" charset="0"/>
+              <a:cs typeface="Courier New" panose="02070309020205020404" pitchFamily="49" charset="0"/>
+            </a:endParaRPr>
+          </a:p>
+          <a:p>
+            <a:pPr marL="92075" indent="0">
+              <a:buNone/>
+            </a:pPr>
+            <a:r>
+              <a:rPr lang="de-AT" sz="1600" dirty="0">
+                <a:latin typeface="Courier New" panose="02070309020205020404" pitchFamily="49" charset="0"/>
+                <a:cs typeface="Courier New" panose="02070309020205020404" pitchFamily="49" charset="0"/>
+              </a:rPr>
+              <a:t>	</a:t>
+            </a:r>
+            <a:r>
+              <a:rPr lang="de-AT" sz="1600" dirty="0" err="1">
+                <a:latin typeface="Courier New" panose="02070309020205020404" pitchFamily="49" charset="0"/>
+                <a:cs typeface="Courier New" panose="02070309020205020404" pitchFamily="49" charset="0"/>
+              </a:rPr>
+              <a:t>result</a:t>
+            </a:r>
+            <a:r>
+              <a:rPr lang="de-AT" sz="1600" dirty="0" smtClean="0">
+                <a:latin typeface="Courier New" panose="02070309020205020404" pitchFamily="49" charset="0"/>
+                <a:cs typeface="Courier New" panose="02070309020205020404" pitchFamily="49" charset="0"/>
+              </a:rPr>
+              <a:t> </a:t>
+            </a:r>
+            <a:r>
+              <a:rPr lang="de-AT" sz="1600" dirty="0">
+                <a:latin typeface="Courier New" panose="02070309020205020404" pitchFamily="49" charset="0"/>
+                <a:cs typeface="Courier New" panose="02070309020205020404" pitchFamily="49" charset="0"/>
+              </a:rPr>
+              <a:t>:= [(b[0]) + (b[1])x + (b[2])x^2 + (b[3])x^3 + </a:t>
+            </a:r>
+            <a:r>
+              <a:rPr lang="de-AT" sz="1600" dirty="0" smtClean="0">
+                <a:latin typeface="Courier New" panose="02070309020205020404" pitchFamily="49" charset="0"/>
+                <a:cs typeface="Courier New" panose="02070309020205020404" pitchFamily="49" charset="0"/>
+              </a:rPr>
+              <a:t>			(</a:t>
+            </a:r>
+            <a:r>
+              <a:rPr lang="de-AT" sz="1600" dirty="0">
+                <a:latin typeface="Courier New" panose="02070309020205020404" pitchFamily="49" charset="0"/>
+                <a:cs typeface="Courier New" panose="02070309020205020404" pitchFamily="49" charset="0"/>
+              </a:rPr>
+              <a:t>b[4])x^4 + (b[5])x^5 + (b[6])x^6 + (b[7])x^7];</a:t>
+            </a:r>
+          </a:p>
+          <a:p>
+            <a:pPr marL="92075" indent="0">
+              <a:buNone/>
+            </a:pPr>
+            <a:r>
+              <a:rPr lang="de-AT" sz="1600" dirty="0">
+                <a:latin typeface="Courier New" panose="02070309020205020404" pitchFamily="49" charset="0"/>
+                <a:cs typeface="Courier New" panose="02070309020205020404" pitchFamily="49" charset="0"/>
+              </a:rPr>
+              <a:t>	</a:t>
+            </a:r>
+            <a:r>
+              <a:rPr lang="de-AT" sz="1600" b="1" kern="1200" dirty="0" err="1">
+                <a:solidFill>
+                  <a:srgbClr val="7030A0"/>
+                </a:solidFill>
+                <a:latin typeface="Courier New" panose="02070309020205020404" pitchFamily="49" charset="0"/>
+                <a:cs typeface="Courier New" panose="02070309020205020404" pitchFamily="49" charset="0"/>
+              </a:rPr>
+              <a:t>return</a:t>
+            </a:r>
+            <a:r>
+              <a:rPr lang="de-AT" sz="1600" dirty="0" smtClean="0">
+                <a:latin typeface="Courier New" panose="02070309020205020404" pitchFamily="49" charset="0"/>
+                <a:cs typeface="Courier New" panose="02070309020205020404" pitchFamily="49" charset="0"/>
+              </a:rPr>
+              <a:t> </a:t>
+            </a:r>
+            <a:r>
+              <a:rPr lang="de-AT" sz="1600" dirty="0" err="1">
+                <a:latin typeface="Courier New" panose="02070309020205020404" pitchFamily="49" charset="0"/>
+                <a:cs typeface="Courier New" panose="02070309020205020404" pitchFamily="49" charset="0"/>
+              </a:rPr>
+              <a:t>result</a:t>
+            </a:r>
+            <a:r>
+              <a:rPr lang="de-AT" sz="1600" dirty="0">
+                <a:latin typeface="Courier New" panose="02070309020205020404" pitchFamily="49" charset="0"/>
+                <a:cs typeface="Courier New" panose="02070309020205020404" pitchFamily="49" charset="0"/>
+              </a:rPr>
+              <a:t>;</a:t>
+            </a:r>
+          </a:p>
+          <a:p>
+            <a:pPr marL="92075" indent="0">
+              <a:buNone/>
+            </a:pPr>
+            <a:r>
+              <a:rPr lang="de-AT" sz="1600" dirty="0" smtClean="0">
+                <a:latin typeface="Courier New" panose="02070309020205020404" pitchFamily="49" charset="0"/>
+                <a:cs typeface="Courier New" panose="02070309020205020404" pitchFamily="49" charset="0"/>
+              </a:rPr>
+              <a:t>}</a:t>
+            </a:r>
+            <a:endParaRPr lang="de-AT" sz="1600" dirty="0">
+              <a:latin typeface="Courier New" panose="02070309020205020404" pitchFamily="49" charset="0"/>
+              <a:cs typeface="Courier New" panose="02070309020205020404" pitchFamily="49" charset="0"/>
+            </a:endParaRPr>
+          </a:p>
+          <a:p>
+            <a:pPr marL="92075" indent="0">
+              <a:buNone/>
+            </a:pPr>
+            <a:endParaRPr lang="de-AT" sz="1600" dirty="0">
+              <a:latin typeface="Courier New" panose="02070309020205020404" pitchFamily="49" charset="0"/>
+              <a:cs typeface="Courier New" panose="02070309020205020404" pitchFamily="49" charset="0"/>
+            </a:endParaRPr>
+          </a:p>
+        </p:txBody>
+      </p:sp>
+    </p:spTree>
+    <p:extLst>
+      <p:ext uri="{BB962C8B-B14F-4D97-AF65-F5344CB8AC3E}">
+        <p14:creationId xmlns:p14="http://schemas.microsoft.com/office/powerpoint/2010/main" val="1687818602"/>
+      </p:ext>
+    </p:extLst>
+  </p:cSld>
+  <p:clrMapOvr>
+    <a:masterClrMapping/>
+  </p:clrMapOvr>
+</p:sld>
+</file>
+
+<file path=ppt/slides/slide28.xml><?xml version="1.0" encoding="utf-8"?>
+<p:sld xmlns:a="http://schemas.openxmlformats.org/drawingml/2006/main" xmlns:r="http://schemas.openxmlformats.org/officeDocument/2006/relationships" xmlns:p="http://schemas.openxmlformats.org/presentationml/2006/main">
+  <p:cSld>
+    <p:spTree>
+      <p:nvGrpSpPr>
+        <p:cNvPr id="1" name=""/>
+        <p:cNvGrpSpPr/>
+        <p:nvPr/>
+      </p:nvGrpSpPr>
+      <p:grpSpPr>
+        <a:xfrm>
+          <a:off x="0" y="0"/>
+          <a:ext cx="0" cy="0"/>
+          <a:chOff x="0" y="0"/>
+          <a:chExt cx="0" cy="0"/>
+        </a:xfrm>
+      </p:grpSpPr>
+      <p:sp>
+        <p:nvSpPr>
           <p:cNvPr id="5" name="Titel 4"/>
           <p:cNvSpPr>
             <a:spLocks noGrp="1"/>
@@ -15470,7 +16517,7 @@
 </p:sld>
 </file>
 
-<file path=ppt/slides/slide28.xml><?xml version="1.0" encoding="utf-8"?>
+<file path=ppt/slides/slide29.xml><?xml version="1.0" encoding="utf-8"?>
 <p:sld xmlns:a="http://schemas.openxmlformats.org/drawingml/2006/main" xmlns:r="http://schemas.openxmlformats.org/officeDocument/2006/relationships" xmlns:p="http://schemas.openxmlformats.org/presentationml/2006/main">
   <p:cSld>
     <p:spTree>
@@ -16680,843 +17727,6 @@
 </p:sld>
 </file>
 
-<file path=ppt/slides/slide29.xml><?xml version="1.0" encoding="utf-8"?>
-<p:sld xmlns:a="http://schemas.openxmlformats.org/drawingml/2006/main" xmlns:r="http://schemas.openxmlformats.org/officeDocument/2006/relationships" xmlns:p="http://schemas.openxmlformats.org/presentationml/2006/main">
-  <p:cSld>
-    <p:spTree>
-      <p:nvGrpSpPr>
-        <p:cNvPr id="1" name=""/>
-        <p:cNvGrpSpPr/>
-        <p:nvPr/>
-      </p:nvGrpSpPr>
-      <p:grpSpPr>
-        <a:xfrm>
-          <a:off x="0" y="0"/>
-          <a:ext cx="0" cy="0"/>
-          <a:chOff x="0" y="0"/>
-          <a:chExt cx="0" cy="0"/>
-        </a:xfrm>
-      </p:grpSpPr>
-      <p:sp>
-        <p:nvSpPr>
-          <p:cNvPr id="2" name="Titel 1"/>
-          <p:cNvSpPr>
-            <a:spLocks noGrp="1"/>
-          </p:cNvSpPr>
-          <p:nvPr>
-            <p:ph type="title"/>
-          </p:nvPr>
-        </p:nvSpPr>
-        <p:spPr/>
-        <p:txBody>
-          <a:bodyPr/>
-          <a:lstStyle/>
-          <a:p>
-            <a:r>
-              <a:rPr lang="en-US" dirty="0" err="1" smtClean="0"/>
-              <a:t>Guillou-Quisquater</a:t>
-            </a:r>
-            <a:r>
-              <a:rPr lang="en-US" dirty="0" smtClean="0"/>
-              <a:t> Protocol</a:t>
-            </a:r>
-            <a:r>
-              <a:rPr lang="en-US" baseline="30000" dirty="0" smtClean="0"/>
-              <a:t>[2]</a:t>
-            </a:r>
-            <a:r>
-              <a:rPr lang="en-US" dirty="0" smtClean="0"/>
-              <a:t>  3</a:t>
-            </a:r>
-            <a:endParaRPr lang="en-US" dirty="0"/>
-          </a:p>
-        </p:txBody>
-      </p:sp>
-      <p:sp>
-        <p:nvSpPr>
-          <p:cNvPr id="3" name="Inhaltsplatzhalter 2"/>
-          <p:cNvSpPr>
-            <a:spLocks noGrp="1"/>
-          </p:cNvSpPr>
-          <p:nvPr>
-            <p:ph idx="1"/>
-          </p:nvPr>
-        </p:nvSpPr>
-        <p:spPr/>
-        <p:txBody>
-          <a:bodyPr/>
-          <a:lstStyle/>
-          <a:p>
-            <a:endParaRPr lang="en-US" dirty="0"/>
-          </a:p>
-        </p:txBody>
-      </p:sp>
-      <p:sp>
-        <p:nvSpPr>
-          <p:cNvPr id="4" name="Textfeld 3"/>
-          <p:cNvSpPr txBox="1"/>
-          <p:nvPr/>
-        </p:nvSpPr>
-        <p:spPr>
-          <a:xfrm>
-            <a:off x="3455875" y="5841268"/>
-            <a:ext cx="5676789" cy="584775"/>
-          </a:xfrm>
-          <a:prstGeom prst="rect">
-            <a:avLst/>
-          </a:prstGeom>
-          <a:noFill/>
-        </p:spPr>
-        <p:txBody>
-          <a:bodyPr wrap="square" rtlCol="0">
-            <a:spAutoFit/>
-          </a:bodyPr>
-          <a:lstStyle/>
-          <a:p>
-            <a:pPr marL="265113" indent="-265113"/>
-            <a:r>
-              <a:rPr lang="en-US" altLang="en-US" sz="1600" dirty="0" smtClean="0"/>
-              <a:t>[2] A. </a:t>
-            </a:r>
-            <a:r>
-              <a:rPr lang="en-US" altLang="en-US" sz="1600" dirty="0" err="1" smtClean="0"/>
-              <a:t>Menezes</a:t>
-            </a:r>
-            <a:r>
-              <a:rPr lang="en-US" altLang="en-US" sz="1600" dirty="0" smtClean="0"/>
-              <a:t>, P. van </a:t>
-            </a:r>
-            <a:r>
-              <a:rPr lang="en-US" altLang="en-US" sz="1600" dirty="0" err="1" smtClean="0"/>
-              <a:t>Oorschot</a:t>
-            </a:r>
-            <a:r>
-              <a:rPr lang="en-US" altLang="en-US" sz="1600" dirty="0" smtClean="0"/>
-              <a:t>, S. Vanstone: </a:t>
-            </a:r>
-            <a:r>
-              <a:rPr lang="en-US" altLang="en-US" sz="1600" i="1" dirty="0" smtClean="0"/>
-              <a:t>Handbook of Applied Cryptology</a:t>
-            </a:r>
-            <a:r>
-              <a:rPr lang="en-US" altLang="en-US" sz="1600" dirty="0" smtClean="0"/>
-              <a:t>, CRC Press, 1997, p. 412</a:t>
-            </a:r>
-            <a:endParaRPr lang="en-US" sz="1600" dirty="0"/>
-          </a:p>
-        </p:txBody>
-      </p:sp>
-      <p:sp>
-        <p:nvSpPr>
-          <p:cNvPr id="5" name="Textfeld 4"/>
-          <p:cNvSpPr txBox="1"/>
-          <p:nvPr/>
-        </p:nvSpPr>
-        <p:spPr>
-          <a:xfrm>
-            <a:off x="376809" y="832644"/>
-            <a:ext cx="8479667" cy="1200329"/>
-          </a:xfrm>
-          <a:prstGeom prst="rect">
-            <a:avLst/>
-          </a:prstGeom>
-          <a:solidFill>
-            <a:schemeClr val="bg1"/>
-          </a:solidFill>
-          <a:ln>
-            <a:solidFill>
-              <a:schemeClr val="tx1"/>
-            </a:solidFill>
-          </a:ln>
-          <a:effectLst>
-            <a:outerShdw blurRad="50800" dist="38100" dir="2700000" algn="tl" rotWithShape="0">
-              <a:prstClr val="black">
-                <a:alpha val="40000"/>
-              </a:prstClr>
-            </a:outerShdw>
-          </a:effectLst>
-        </p:spPr>
-        <p:txBody>
-          <a:bodyPr wrap="square" rtlCol="0">
-            <a:spAutoFit/>
-          </a:bodyPr>
-          <a:lstStyle/>
-          <a:p>
-            <a:pPr marL="452438" lvl="0" indent="-363538">
-              <a:buFont typeface="+mj-lt"/>
-              <a:buAutoNum type="arabicPeriod" startAt="2"/>
-            </a:pPr>
-            <a:r>
-              <a:rPr lang="en-US" sz="1800" i="1" dirty="0" smtClean="0">
-                <a:latin typeface="Times New Roman" panose="02020603050405020304" pitchFamily="18" charset="0"/>
-                <a:cs typeface="Times New Roman" panose="02020603050405020304" pitchFamily="18" charset="0"/>
-              </a:rPr>
-              <a:t>Selection </a:t>
-            </a:r>
-            <a:r>
-              <a:rPr lang="en-US" sz="1800" i="1" dirty="0">
-                <a:latin typeface="Times New Roman" panose="02020603050405020304" pitchFamily="18" charset="0"/>
-                <a:cs typeface="Times New Roman" panose="02020603050405020304" pitchFamily="18" charset="0"/>
-              </a:rPr>
-              <a:t>of per-user </a:t>
-            </a:r>
-            <a:r>
-              <a:rPr lang="en-US" sz="1800" i="1" dirty="0" smtClean="0">
-                <a:latin typeface="Times New Roman" panose="02020603050405020304" pitchFamily="18" charset="0"/>
-                <a:cs typeface="Times New Roman" panose="02020603050405020304" pitchFamily="18" charset="0"/>
-              </a:rPr>
-              <a:t>parameters.</a:t>
-            </a:r>
-            <a:endParaRPr lang="en-US" sz="1800" dirty="0">
-              <a:latin typeface="Times New Roman" panose="02020603050405020304" pitchFamily="18" charset="0"/>
-              <a:cs typeface="Times New Roman" panose="02020603050405020304" pitchFamily="18" charset="0"/>
-            </a:endParaRPr>
-          </a:p>
-          <a:p>
-            <a:pPr marL="800100" lvl="1" indent="-342900">
-              <a:buAutoNum type="alphaLcParenBoth"/>
-            </a:pPr>
-            <a:r>
-              <a:rPr lang="en-US" sz="1800" dirty="0" smtClean="0">
-                <a:latin typeface="Times New Roman" panose="02020603050405020304" pitchFamily="18" charset="0"/>
-                <a:cs typeface="Times New Roman" panose="02020603050405020304" pitchFamily="18" charset="0"/>
-              </a:rPr>
-              <a:t>Each </a:t>
-            </a:r>
-            <a:r>
-              <a:rPr lang="en-US" sz="1800" dirty="0">
-                <a:latin typeface="Times New Roman" panose="02020603050405020304" pitchFamily="18" charset="0"/>
-                <a:cs typeface="Times New Roman" panose="02020603050405020304" pitchFamily="18" charset="0"/>
-              </a:rPr>
-              <a:t>entity </a:t>
-            </a:r>
-            <a:r>
-              <a:rPr lang="en-US" sz="1800" i="1" dirty="0">
-                <a:latin typeface="Times New Roman" panose="02020603050405020304" pitchFamily="18" charset="0"/>
-                <a:cs typeface="Times New Roman" panose="02020603050405020304" pitchFamily="18" charset="0"/>
-              </a:rPr>
-              <a:t>A</a:t>
-            </a:r>
-            <a:r>
-              <a:rPr lang="en-US" sz="1800" dirty="0">
-                <a:latin typeface="Times New Roman" panose="02020603050405020304" pitchFamily="18" charset="0"/>
-                <a:cs typeface="Times New Roman" panose="02020603050405020304" pitchFamily="18" charset="0"/>
-              </a:rPr>
-              <a:t> is given a unique identity </a:t>
-            </a:r>
-            <a:r>
-              <a:rPr lang="en-US" sz="1800" i="1" dirty="0">
-                <a:latin typeface="Times New Roman" panose="02020603050405020304" pitchFamily="18" charset="0"/>
-                <a:cs typeface="Times New Roman" panose="02020603050405020304" pitchFamily="18" charset="0"/>
-              </a:rPr>
-              <a:t>I</a:t>
-            </a:r>
-            <a:r>
-              <a:rPr lang="en-US" sz="1800" i="1" baseline="-25000" dirty="0">
-                <a:latin typeface="Times New Roman" panose="02020603050405020304" pitchFamily="18" charset="0"/>
-                <a:cs typeface="Times New Roman" panose="02020603050405020304" pitchFamily="18" charset="0"/>
-              </a:rPr>
-              <a:t>A</a:t>
-            </a:r>
-            <a:r>
-              <a:rPr lang="en-US" sz="1800" dirty="0">
-                <a:latin typeface="Times New Roman" panose="02020603050405020304" pitchFamily="18" charset="0"/>
-                <a:cs typeface="Times New Roman" panose="02020603050405020304" pitchFamily="18" charset="0"/>
-              </a:rPr>
-              <a:t>, from which (the </a:t>
-            </a:r>
-            <a:r>
-              <a:rPr lang="en-US" sz="1800" i="1" dirty="0">
-                <a:latin typeface="Times New Roman" panose="02020603050405020304" pitchFamily="18" charset="0"/>
-                <a:cs typeface="Times New Roman" panose="02020603050405020304" pitchFamily="18" charset="0"/>
-              </a:rPr>
-              <a:t>redundant identity</a:t>
-            </a:r>
-            <a:r>
-              <a:rPr lang="en-US" sz="1800" dirty="0">
-                <a:latin typeface="Times New Roman" panose="02020603050405020304" pitchFamily="18" charset="0"/>
-                <a:cs typeface="Times New Roman" panose="02020603050405020304" pitchFamily="18" charset="0"/>
-              </a:rPr>
-              <a:t>) </a:t>
-            </a:r>
-            <a:r>
-              <a:rPr lang="en-US" sz="1800" i="1" dirty="0" smtClean="0">
-                <a:latin typeface="Times New Roman" panose="02020603050405020304" pitchFamily="18" charset="0"/>
-                <a:cs typeface="Times New Roman" panose="02020603050405020304" pitchFamily="18" charset="0"/>
-              </a:rPr>
-              <a:t>J</a:t>
-            </a:r>
-            <a:r>
-              <a:rPr lang="en-US" sz="1800" i="1" baseline="-25000" dirty="0" smtClean="0">
-                <a:latin typeface="Times New Roman" panose="02020603050405020304" pitchFamily="18" charset="0"/>
-                <a:cs typeface="Times New Roman" panose="02020603050405020304" pitchFamily="18" charset="0"/>
-              </a:rPr>
-              <a:t>A</a:t>
-            </a:r>
-            <a:r>
-              <a:rPr lang="en-US" sz="1800" dirty="0" smtClean="0">
-                <a:latin typeface="Times New Roman" panose="02020603050405020304" pitchFamily="18" charset="0"/>
-                <a:cs typeface="Times New Roman" panose="02020603050405020304" pitchFamily="18" charset="0"/>
-              </a:rPr>
-              <a:t> </a:t>
-            </a:r>
-            <a:r>
-              <a:rPr lang="en-US" sz="1800" dirty="0">
-                <a:latin typeface="Times New Roman" panose="02020603050405020304" pitchFamily="18" charset="0"/>
-                <a:cs typeface="Times New Roman" panose="02020603050405020304" pitchFamily="18" charset="0"/>
-              </a:rPr>
-              <a:t>= </a:t>
-            </a:r>
-            <a:r>
-              <a:rPr lang="en-US" sz="1800" i="1" dirty="0">
-                <a:latin typeface="Times New Roman" panose="02020603050405020304" pitchFamily="18" charset="0"/>
-                <a:cs typeface="Times New Roman" panose="02020603050405020304" pitchFamily="18" charset="0"/>
-              </a:rPr>
-              <a:t>f</a:t>
-            </a:r>
-            <a:r>
-              <a:rPr lang="en-US" sz="1800" dirty="0">
-                <a:latin typeface="Times New Roman" panose="02020603050405020304" pitchFamily="18" charset="0"/>
-                <a:cs typeface="Times New Roman" panose="02020603050405020304" pitchFamily="18" charset="0"/>
-              </a:rPr>
-              <a:t>(</a:t>
-            </a:r>
-            <a:r>
-              <a:rPr lang="en-US" sz="1800" i="1" dirty="0">
-                <a:latin typeface="Times New Roman" panose="02020603050405020304" pitchFamily="18" charset="0"/>
-                <a:cs typeface="Times New Roman" panose="02020603050405020304" pitchFamily="18" charset="0"/>
-              </a:rPr>
-              <a:t>I</a:t>
-            </a:r>
-            <a:r>
-              <a:rPr lang="en-US" sz="1800" i="1" baseline="-25000" dirty="0">
-                <a:latin typeface="Times New Roman" panose="02020603050405020304" pitchFamily="18" charset="0"/>
-                <a:cs typeface="Times New Roman" panose="02020603050405020304" pitchFamily="18" charset="0"/>
-              </a:rPr>
-              <a:t>A</a:t>
-            </a:r>
-            <a:r>
-              <a:rPr lang="en-US" sz="1800" dirty="0">
-                <a:latin typeface="Times New Roman" panose="02020603050405020304" pitchFamily="18" charset="0"/>
-                <a:cs typeface="Times New Roman" panose="02020603050405020304" pitchFamily="18" charset="0"/>
-              </a:rPr>
-              <a:t>), satisfying 1 &lt; </a:t>
-            </a:r>
-            <a:r>
-              <a:rPr lang="en-US" sz="1800" i="1" dirty="0">
-                <a:latin typeface="Times New Roman" panose="02020603050405020304" pitchFamily="18" charset="0"/>
-                <a:cs typeface="Times New Roman" panose="02020603050405020304" pitchFamily="18" charset="0"/>
-              </a:rPr>
-              <a:t>I</a:t>
-            </a:r>
-            <a:r>
-              <a:rPr lang="en-US" sz="1800" i="1" baseline="-25000" dirty="0">
-                <a:latin typeface="Times New Roman" panose="02020603050405020304" pitchFamily="18" charset="0"/>
-                <a:cs typeface="Times New Roman" panose="02020603050405020304" pitchFamily="18" charset="0"/>
-              </a:rPr>
-              <a:t>A</a:t>
-            </a:r>
-            <a:r>
-              <a:rPr lang="en-US" sz="1800" dirty="0">
-                <a:latin typeface="Times New Roman" panose="02020603050405020304" pitchFamily="18" charset="0"/>
-                <a:cs typeface="Times New Roman" panose="02020603050405020304" pitchFamily="18" charset="0"/>
-              </a:rPr>
-              <a:t> &lt; </a:t>
-            </a:r>
-            <a:r>
-              <a:rPr lang="en-US" sz="1800" i="1" dirty="0">
-                <a:latin typeface="Times New Roman" panose="02020603050405020304" pitchFamily="18" charset="0"/>
-                <a:cs typeface="Times New Roman" panose="02020603050405020304" pitchFamily="18" charset="0"/>
-              </a:rPr>
-              <a:t>n</a:t>
-            </a:r>
-            <a:r>
-              <a:rPr lang="en-US" sz="1800" dirty="0">
-                <a:latin typeface="Times New Roman" panose="02020603050405020304" pitchFamily="18" charset="0"/>
-                <a:cs typeface="Times New Roman" panose="02020603050405020304" pitchFamily="18" charset="0"/>
-              </a:rPr>
-              <a:t>, is derived using a known redundancy function </a:t>
-            </a:r>
-            <a:r>
-              <a:rPr lang="en-US" sz="1800" i="1" dirty="0">
-                <a:latin typeface="Times New Roman" panose="02020603050405020304" pitchFamily="18" charset="0"/>
-                <a:cs typeface="Times New Roman" panose="02020603050405020304" pitchFamily="18" charset="0"/>
-              </a:rPr>
-              <a:t>f </a:t>
-            </a:r>
-            <a:r>
-              <a:rPr lang="en-US" sz="1800" dirty="0" smtClean="0">
-                <a:latin typeface="Times New Roman" panose="02020603050405020304" pitchFamily="18" charset="0"/>
-                <a:cs typeface="Times New Roman" panose="02020603050405020304" pitchFamily="18" charset="0"/>
-              </a:rPr>
-              <a:t>[…]</a:t>
-            </a:r>
-          </a:p>
-          <a:p>
-            <a:pPr marL="800100" lvl="1" indent="-342900">
-              <a:buAutoNum type="alphaLcParenBoth"/>
-            </a:pPr>
-            <a:r>
-              <a:rPr lang="en-US" sz="1800" dirty="0" smtClean="0">
-                <a:latin typeface="Times New Roman" panose="02020603050405020304" pitchFamily="18" charset="0"/>
-                <a:cs typeface="Times New Roman" panose="02020603050405020304" pitchFamily="18" charset="0"/>
-              </a:rPr>
-              <a:t> </a:t>
-            </a:r>
-            <a:r>
-              <a:rPr lang="en-US" sz="1800" i="1" dirty="0" smtClean="0">
-                <a:latin typeface="Times New Roman" panose="02020603050405020304" pitchFamily="18" charset="0"/>
-                <a:cs typeface="Times New Roman" panose="02020603050405020304" pitchFamily="18" charset="0"/>
-              </a:rPr>
-              <a:t>T</a:t>
-            </a:r>
-            <a:r>
-              <a:rPr lang="en-US" sz="1800" dirty="0" smtClean="0">
-                <a:latin typeface="Times New Roman" panose="02020603050405020304" pitchFamily="18" charset="0"/>
-                <a:cs typeface="Times New Roman" panose="02020603050405020304" pitchFamily="18" charset="0"/>
-              </a:rPr>
-              <a:t> </a:t>
-            </a:r>
-            <a:r>
-              <a:rPr lang="en-US" sz="1800" dirty="0">
-                <a:latin typeface="Times New Roman" panose="02020603050405020304" pitchFamily="18" charset="0"/>
-                <a:cs typeface="Times New Roman" panose="02020603050405020304" pitchFamily="18" charset="0"/>
-              </a:rPr>
-              <a:t>gives </a:t>
-            </a:r>
-            <a:r>
-              <a:rPr lang="en-US" sz="1800" i="1" dirty="0">
-                <a:latin typeface="Times New Roman" panose="02020603050405020304" pitchFamily="18" charset="0"/>
-                <a:cs typeface="Times New Roman" panose="02020603050405020304" pitchFamily="18" charset="0"/>
-              </a:rPr>
-              <a:t>A</a:t>
-            </a:r>
-            <a:r>
-              <a:rPr lang="en-US" sz="1800" dirty="0">
-                <a:latin typeface="Times New Roman" panose="02020603050405020304" pitchFamily="18" charset="0"/>
-                <a:cs typeface="Times New Roman" panose="02020603050405020304" pitchFamily="18" charset="0"/>
-              </a:rPr>
-              <a:t> the secret (</a:t>
-            </a:r>
-            <a:r>
-              <a:rPr lang="en-US" sz="1800" i="1" dirty="0">
-                <a:latin typeface="Times New Roman" panose="02020603050405020304" pitchFamily="18" charset="0"/>
-                <a:cs typeface="Times New Roman" panose="02020603050405020304" pitchFamily="18" charset="0"/>
-              </a:rPr>
-              <a:t>accreditation data</a:t>
-            </a:r>
-            <a:r>
-              <a:rPr lang="en-US" sz="1800" dirty="0">
-                <a:latin typeface="Times New Roman" panose="02020603050405020304" pitchFamily="18" charset="0"/>
-                <a:cs typeface="Times New Roman" panose="02020603050405020304" pitchFamily="18" charset="0"/>
-              </a:rPr>
-              <a:t>) </a:t>
-            </a:r>
-            <a:r>
-              <a:rPr lang="en-US" sz="1800" i="1" dirty="0" err="1">
-                <a:latin typeface="Times New Roman" panose="02020603050405020304" pitchFamily="18" charset="0"/>
-                <a:cs typeface="Times New Roman" panose="02020603050405020304" pitchFamily="18" charset="0"/>
-              </a:rPr>
-              <a:t>s</a:t>
-            </a:r>
-            <a:r>
-              <a:rPr lang="en-US" sz="1800" i="1" baseline="-25000" dirty="0" err="1">
-                <a:latin typeface="Times New Roman" panose="02020603050405020304" pitchFamily="18" charset="0"/>
-                <a:cs typeface="Times New Roman" panose="02020603050405020304" pitchFamily="18" charset="0"/>
-              </a:rPr>
-              <a:t>A</a:t>
-            </a:r>
-            <a:r>
-              <a:rPr lang="en-US" sz="1800" dirty="0">
-                <a:latin typeface="Times New Roman" panose="02020603050405020304" pitchFamily="18" charset="0"/>
-                <a:cs typeface="Times New Roman" panose="02020603050405020304" pitchFamily="18" charset="0"/>
-              </a:rPr>
-              <a:t> = (</a:t>
-            </a:r>
-            <a:r>
-              <a:rPr lang="en-US" sz="1800" i="1" dirty="0">
-                <a:latin typeface="Times New Roman" panose="02020603050405020304" pitchFamily="18" charset="0"/>
-                <a:cs typeface="Times New Roman" panose="02020603050405020304" pitchFamily="18" charset="0"/>
-              </a:rPr>
-              <a:t>J</a:t>
-            </a:r>
-            <a:r>
-              <a:rPr lang="en-US" sz="1800" i="1" baseline="-25000" dirty="0">
-                <a:latin typeface="Times New Roman" panose="02020603050405020304" pitchFamily="18" charset="0"/>
-                <a:cs typeface="Times New Roman" panose="02020603050405020304" pitchFamily="18" charset="0"/>
-              </a:rPr>
-              <a:t>A</a:t>
-            </a:r>
-            <a:r>
-              <a:rPr lang="en-US" sz="1800" dirty="0">
-                <a:latin typeface="Times New Roman" panose="02020603050405020304" pitchFamily="18" charset="0"/>
-                <a:cs typeface="Times New Roman" panose="02020603050405020304" pitchFamily="18" charset="0"/>
-              </a:rPr>
-              <a:t>)</a:t>
-            </a:r>
-            <a:r>
-              <a:rPr lang="en-US" sz="1800" baseline="30000" dirty="0">
-                <a:latin typeface="Times New Roman" panose="02020603050405020304" pitchFamily="18" charset="0"/>
-                <a:cs typeface="Times New Roman" panose="02020603050405020304" pitchFamily="18" charset="0"/>
-              </a:rPr>
-              <a:t>-1</a:t>
-            </a:r>
-            <a:r>
-              <a:rPr lang="en-US" sz="1800" dirty="0">
-                <a:latin typeface="Times New Roman" panose="02020603050405020304" pitchFamily="18" charset="0"/>
-                <a:cs typeface="Times New Roman" panose="02020603050405020304" pitchFamily="18" charset="0"/>
-              </a:rPr>
-              <a:t> mod </a:t>
-            </a:r>
-            <a:r>
-              <a:rPr lang="en-US" sz="1800" i="1" dirty="0">
-                <a:latin typeface="Times New Roman" panose="02020603050405020304" pitchFamily="18" charset="0"/>
-                <a:cs typeface="Times New Roman" panose="02020603050405020304" pitchFamily="18" charset="0"/>
-              </a:rPr>
-              <a:t>n</a:t>
-            </a:r>
-            <a:r>
-              <a:rPr lang="en-US" sz="1800" dirty="0">
-                <a:latin typeface="Times New Roman" panose="02020603050405020304" pitchFamily="18" charset="0"/>
-                <a:cs typeface="Times New Roman" panose="02020603050405020304" pitchFamily="18" charset="0"/>
-              </a:rPr>
-              <a:t>.</a:t>
-            </a:r>
-          </a:p>
-        </p:txBody>
-      </p:sp>
-      <p:sp>
-        <p:nvSpPr>
-          <p:cNvPr id="6" name="Rectangle 3"/>
-          <p:cNvSpPr txBox="1">
-            <a:spLocks noChangeArrowheads="1"/>
-          </p:cNvSpPr>
-          <p:nvPr/>
-        </p:nvSpPr>
-        <p:spPr bwMode="auto">
-          <a:xfrm>
-            <a:off x="304800" y="944724"/>
-            <a:ext cx="8731250" cy="5486400"/>
-          </a:xfrm>
-          <a:prstGeom prst="rect">
-            <a:avLst/>
-          </a:prstGeom>
-          <a:noFill/>
-          <a:ln w="9525">
-            <a:noFill/>
-            <a:miter lim="800000"/>
-            <a:headEnd/>
-            <a:tailEnd/>
-          </a:ln>
-        </p:spPr>
-        <p:txBody>
-          <a:bodyPr vert="horz" wrap="square" lIns="91440" tIns="45720" rIns="91440" bIns="45720" numCol="1" anchor="t" anchorCtr="0" compatLnSpc="1">
-            <a:prstTxWarp prst="textNoShape">
-              <a:avLst/>
-            </a:prstTxWarp>
-          </a:bodyPr>
-          <a:lstStyle>
-            <a:lvl1pPr marL="357188" indent="-265113" algn="l" rtl="0" eaLnBrk="0" fontAlgn="base" hangingPunct="0">
-              <a:spcBef>
-                <a:spcPct val="20000"/>
-              </a:spcBef>
-              <a:spcAft>
-                <a:spcPct val="0"/>
-              </a:spcAft>
-              <a:buSzPct val="120000"/>
-              <a:buChar char="•"/>
-              <a:defRPr sz="2200">
-                <a:solidFill>
-                  <a:schemeClr val="tx1"/>
-                </a:solidFill>
-                <a:latin typeface="+mn-lt"/>
-                <a:ea typeface="+mn-ea"/>
-                <a:cs typeface="+mn-cs"/>
-              </a:defRPr>
-            </a:lvl1pPr>
-            <a:lvl2pPr marL="719138" indent="-265113" algn="l" rtl="0" eaLnBrk="0" fontAlgn="base" hangingPunct="0">
-              <a:spcBef>
-                <a:spcPct val="20000"/>
-              </a:spcBef>
-              <a:spcAft>
-                <a:spcPct val="0"/>
-              </a:spcAft>
-              <a:buChar char="–"/>
-              <a:defRPr>
-                <a:solidFill>
-                  <a:schemeClr val="tx1"/>
-                </a:solidFill>
-                <a:latin typeface="+mn-lt"/>
-              </a:defRPr>
-            </a:lvl2pPr>
-            <a:lvl3pPr marL="989013" indent="-174625" algn="l" rtl="0" eaLnBrk="0" fontAlgn="base" hangingPunct="0">
-              <a:spcBef>
-                <a:spcPct val="20000"/>
-              </a:spcBef>
-              <a:spcAft>
-                <a:spcPct val="0"/>
-              </a:spcAft>
-              <a:buChar char="•"/>
-              <a:defRPr>
-                <a:solidFill>
-                  <a:schemeClr val="tx1"/>
-                </a:solidFill>
-                <a:latin typeface="+mn-lt"/>
-              </a:defRPr>
-            </a:lvl3pPr>
-            <a:lvl4pPr marL="1704975" indent="-228600" algn="l" rtl="0" eaLnBrk="0" fontAlgn="base" hangingPunct="0">
-              <a:spcBef>
-                <a:spcPct val="20000"/>
-              </a:spcBef>
-              <a:spcAft>
-                <a:spcPct val="0"/>
-              </a:spcAft>
-              <a:buChar char="–"/>
-              <a:defRPr sz="2000">
-                <a:solidFill>
-                  <a:schemeClr val="tx1"/>
-                </a:solidFill>
-                <a:latin typeface="Times New Roman" pitchFamily="18" charset="0"/>
-              </a:defRPr>
-            </a:lvl4pPr>
-            <a:lvl5pPr marL="2124075" indent="-228600" algn="l" rtl="0" eaLnBrk="0" fontAlgn="base" hangingPunct="0">
-              <a:spcBef>
-                <a:spcPct val="20000"/>
-              </a:spcBef>
-              <a:spcAft>
-                <a:spcPct val="0"/>
-              </a:spcAft>
-              <a:buChar char="»"/>
-              <a:defRPr sz="2000">
-                <a:solidFill>
-                  <a:schemeClr val="tx1"/>
-                </a:solidFill>
-                <a:latin typeface="Times New Roman" pitchFamily="18" charset="0"/>
-              </a:defRPr>
-            </a:lvl5pPr>
-            <a:lvl6pPr marL="2581275" indent="-228600" algn="l" rtl="0" fontAlgn="base">
-              <a:spcBef>
-                <a:spcPct val="20000"/>
-              </a:spcBef>
-              <a:spcAft>
-                <a:spcPct val="0"/>
-              </a:spcAft>
-              <a:buChar char="»"/>
-              <a:defRPr sz="2000">
-                <a:solidFill>
-                  <a:schemeClr val="tx1"/>
-                </a:solidFill>
-                <a:latin typeface="Times New Roman" pitchFamily="18" charset="0"/>
-              </a:defRPr>
-            </a:lvl6pPr>
-            <a:lvl7pPr marL="3038475" indent="-228600" algn="l" rtl="0" fontAlgn="base">
-              <a:spcBef>
-                <a:spcPct val="20000"/>
-              </a:spcBef>
-              <a:spcAft>
-                <a:spcPct val="0"/>
-              </a:spcAft>
-              <a:buChar char="»"/>
-              <a:defRPr sz="2000">
-                <a:solidFill>
-                  <a:schemeClr val="tx1"/>
-                </a:solidFill>
-                <a:latin typeface="Times New Roman" pitchFamily="18" charset="0"/>
-              </a:defRPr>
-            </a:lvl7pPr>
-            <a:lvl8pPr marL="3495675" indent="-228600" algn="l" rtl="0" fontAlgn="base">
-              <a:spcBef>
-                <a:spcPct val="20000"/>
-              </a:spcBef>
-              <a:spcAft>
-                <a:spcPct val="0"/>
-              </a:spcAft>
-              <a:buChar char="»"/>
-              <a:defRPr sz="2000">
-                <a:solidFill>
-                  <a:schemeClr val="tx1"/>
-                </a:solidFill>
-                <a:latin typeface="Times New Roman" pitchFamily="18" charset="0"/>
-              </a:defRPr>
-            </a:lvl8pPr>
-            <a:lvl9pPr marL="3952875" indent="-228600" algn="l" rtl="0" fontAlgn="base">
-              <a:spcBef>
-                <a:spcPct val="20000"/>
-              </a:spcBef>
-              <a:spcAft>
-                <a:spcPct val="0"/>
-              </a:spcAft>
-              <a:buChar char="»"/>
-              <a:defRPr sz="2000">
-                <a:solidFill>
-                  <a:schemeClr val="tx1"/>
-                </a:solidFill>
-                <a:latin typeface="Times New Roman" pitchFamily="18" charset="0"/>
-              </a:defRPr>
-            </a:lvl9pPr>
-          </a:lstStyle>
-          <a:p>
-            <a:pPr indent="-274638" eaLnBrk="1" hangingPunct="1"/>
-            <a:endParaRPr lang="en-US" altLang="en-US" sz="1800" kern="0" dirty="0" smtClean="0"/>
-          </a:p>
-          <a:p>
-            <a:pPr indent="-274638" eaLnBrk="1" hangingPunct="1"/>
-            <a:endParaRPr lang="en-US" altLang="en-US" sz="1800" kern="0" dirty="0" smtClean="0"/>
-          </a:p>
-          <a:p>
-            <a:pPr indent="-274638" eaLnBrk="1" hangingPunct="1"/>
-            <a:endParaRPr lang="en-US" altLang="en-US" sz="1800" kern="0" dirty="0" smtClean="0"/>
-          </a:p>
-          <a:p>
-            <a:pPr marL="82550" indent="0" eaLnBrk="1" hangingPunct="1">
-              <a:buNone/>
-            </a:pPr>
-            <a:endParaRPr lang="en-US" sz="1800" b="1" dirty="0" smtClean="0">
-              <a:solidFill>
-                <a:srgbClr val="7030A0"/>
-              </a:solidFill>
-              <a:latin typeface="Courier New" panose="02070309020205020404" pitchFamily="49" charset="0"/>
-              <a:cs typeface="Courier New" panose="02070309020205020404" pitchFamily="49" charset="0"/>
-            </a:endParaRPr>
-          </a:p>
-          <a:p>
-            <a:pPr marL="82550" indent="0" eaLnBrk="1" hangingPunct="1">
-              <a:buNone/>
-            </a:pPr>
-            <a:r>
-              <a:rPr lang="en-US" sz="1800" dirty="0" smtClean="0">
-                <a:latin typeface="Courier New" panose="02070309020205020404" pitchFamily="49" charset="0"/>
-                <a:cs typeface="Courier New" panose="02070309020205020404" pitchFamily="49" charset="0"/>
-              </a:rPr>
-              <a:t>IA, JA: </a:t>
-            </a:r>
-            <a:r>
-              <a:rPr lang="en-US" sz="1800" b="1" dirty="0" smtClean="0">
-                <a:solidFill>
-                  <a:srgbClr val="7030A0"/>
-                </a:solidFill>
-                <a:latin typeface="Courier New" panose="02070309020205020404" pitchFamily="49" charset="0"/>
-                <a:cs typeface="Courier New" panose="02070309020205020404" pitchFamily="49" charset="0"/>
-              </a:rPr>
-              <a:t>Integer;	</a:t>
-            </a:r>
-          </a:p>
-          <a:p>
-            <a:pPr marL="82550" indent="0" eaLnBrk="1" hangingPunct="1">
-              <a:buNone/>
-            </a:pPr>
-            <a:r>
-              <a:rPr lang="en-US" sz="1800" dirty="0" err="1" smtClean="0">
-                <a:latin typeface="Courier New" panose="02070309020205020404" pitchFamily="49" charset="0"/>
-                <a:cs typeface="Courier New" panose="02070309020205020404" pitchFamily="49" charset="0"/>
-              </a:rPr>
-              <a:t>sA</a:t>
-            </a:r>
-            <a:r>
-              <a:rPr lang="en-US" sz="1800" dirty="0" smtClean="0">
-                <a:latin typeface="Courier New" panose="02070309020205020404" pitchFamily="49" charset="0"/>
-                <a:cs typeface="Courier New" panose="02070309020205020404" pitchFamily="49" charset="0"/>
-              </a:rPr>
-              <a:t>: </a:t>
-            </a:r>
-            <a:r>
-              <a:rPr lang="en-US" sz="1800" b="1" dirty="0" smtClean="0">
-                <a:solidFill>
-                  <a:srgbClr val="7030A0"/>
-                </a:solidFill>
-                <a:latin typeface="Courier New" panose="02070309020205020404" pitchFamily="49" charset="0"/>
-                <a:cs typeface="Courier New" panose="02070309020205020404" pitchFamily="49" charset="0"/>
-              </a:rPr>
-              <a:t>Z</a:t>
-            </a:r>
-            <a:r>
-              <a:rPr lang="en-US" sz="1800" dirty="0" smtClean="0">
-                <a:latin typeface="Courier New" panose="02070309020205020404" pitchFamily="49" charset="0"/>
-                <a:cs typeface="Courier New" panose="02070309020205020404" pitchFamily="49" charset="0"/>
-              </a:rPr>
-              <a:t>(n)</a:t>
-            </a:r>
-            <a:r>
-              <a:rPr lang="en-US" sz="1800" b="1" dirty="0" smtClean="0">
-                <a:solidFill>
-                  <a:srgbClr val="7030A0"/>
-                </a:solidFill>
-                <a:latin typeface="Courier New" panose="02070309020205020404" pitchFamily="49" charset="0"/>
-                <a:cs typeface="Courier New" panose="02070309020205020404" pitchFamily="49" charset="0"/>
-              </a:rPr>
-              <a:t>;	</a:t>
-            </a:r>
-          </a:p>
-          <a:p>
-            <a:pPr marL="82550" indent="0" eaLnBrk="1" hangingPunct="1">
-              <a:buNone/>
-            </a:pPr>
-            <a:r>
-              <a:rPr lang="en-US" sz="1800" dirty="0" smtClean="0">
-                <a:latin typeface="Courier New" panose="02070309020205020404" pitchFamily="49" charset="0"/>
-                <a:cs typeface="Courier New" panose="02070309020205020404" pitchFamily="49" charset="0"/>
-              </a:rPr>
-              <a:t>JA := f(IA);	</a:t>
-            </a:r>
-            <a:r>
-              <a:rPr lang="en-US" sz="1800" dirty="0" smtClean="0">
-                <a:solidFill>
-                  <a:srgbClr val="339933"/>
-                </a:solidFill>
-                <a:latin typeface="Courier New" panose="02070309020205020404" pitchFamily="49" charset="0"/>
-                <a:cs typeface="Courier New" panose="02070309020205020404" pitchFamily="49" charset="0"/>
-              </a:rPr>
-              <a:t>// function f assumed available</a:t>
-            </a:r>
-            <a:r>
-              <a:rPr lang="en-US" sz="1800" dirty="0" smtClean="0">
-                <a:latin typeface="Courier New" panose="02070309020205020404" pitchFamily="49" charset="0"/>
-                <a:cs typeface="Courier New" panose="02070309020205020404" pitchFamily="49" charset="0"/>
-              </a:rPr>
-              <a:t>	</a:t>
-            </a:r>
-          </a:p>
-          <a:p>
-            <a:pPr marL="82550" indent="0" eaLnBrk="1" hangingPunct="1">
-              <a:buNone/>
-            </a:pPr>
-            <a:r>
-              <a:rPr lang="en-US" sz="1800" dirty="0" err="1" smtClean="0">
-                <a:latin typeface="Courier New" panose="02070309020205020404" pitchFamily="49" charset="0"/>
-                <a:cs typeface="Courier New" panose="02070309020205020404" pitchFamily="49" charset="0"/>
-              </a:rPr>
-              <a:t>sA</a:t>
-            </a:r>
-            <a:r>
-              <a:rPr lang="en-US" sz="1800" dirty="0" smtClean="0">
-                <a:latin typeface="Courier New" panose="02070309020205020404" pitchFamily="49" charset="0"/>
-                <a:cs typeface="Courier New" panose="02070309020205020404" pitchFamily="49" charset="0"/>
-              </a:rPr>
-              <a:t> := JA^(-s);</a:t>
-            </a:r>
-          </a:p>
-        </p:txBody>
-      </p:sp>
-    </p:spTree>
-    <p:extLst>
-      <p:ext uri="{BB962C8B-B14F-4D97-AF65-F5344CB8AC3E}">
-        <p14:creationId xmlns:p14="http://schemas.microsoft.com/office/powerpoint/2010/main" val="2171927634"/>
-      </p:ext>
-    </p:extLst>
-  </p:cSld>
-  <p:clrMapOvr>
-    <a:masterClrMapping/>
-  </p:clrMapOvr>
-  <p:timing>
-    <p:tnLst>
-      <p:par>
-        <p:cTn id="1" dur="indefinite" restart="never" nodeType="tmRoot"/>
-      </p:par>
-    </p:tnLst>
-  </p:timing>
-</p:sld>
-</file>
-
 <file path=ppt/slides/slide3.xml><?xml version="1.0" encoding="utf-8"?>
 <p:sld xmlns:a="http://schemas.openxmlformats.org/drawingml/2006/main" xmlns:r="http://schemas.openxmlformats.org/officeDocument/2006/relationships" xmlns:p="http://schemas.openxmlformats.org/presentationml/2006/main">
   <p:cSld>
@@ -17711,7 +17921,7 @@
             </a:r>
             <a:r>
               <a:rPr lang="en-US" dirty="0" smtClean="0"/>
-              <a:t>  4</a:t>
+              <a:t>  3</a:t>
             </a:r>
             <a:endParaRPr lang="en-US" dirty="0"/>
           </a:p>
@@ -17799,8 +18009,8 @@
         </p:nvSpPr>
         <p:spPr>
           <a:xfrm>
-            <a:off x="376809" y="824515"/>
-            <a:ext cx="8479667" cy="3970318"/>
+            <a:off x="376809" y="832644"/>
+            <a:ext cx="8479667" cy="1200329"/>
           </a:xfrm>
           <a:prstGeom prst="rect">
             <a:avLst/>
@@ -17829,112 +18039,301 @@
           <a:p>
             <a:pPr marL="452438" lvl="0" indent="-363538">
               <a:buFont typeface="+mj-lt"/>
-              <a:buAutoNum type="arabicPeriod" startAt="3"/>
+              <a:buAutoNum type="arabicPeriod" startAt="2"/>
             </a:pPr>
+            <a:r>
+              <a:rPr lang="en-US" sz="1800" i="1" dirty="0" smtClean="0">
+                <a:latin typeface="Times New Roman" panose="02020603050405020304" pitchFamily="18" charset="0"/>
+                <a:cs typeface="Times New Roman" panose="02020603050405020304" pitchFamily="18" charset="0"/>
+              </a:rPr>
+              <a:t>Selection </a:t>
+            </a:r>
             <a:r>
               <a:rPr lang="en-US" sz="1800" i="1" dirty="0">
                 <a:latin typeface="Times New Roman" panose="02020603050405020304" pitchFamily="18" charset="0"/>
                 <a:cs typeface="Times New Roman" panose="02020603050405020304" pitchFamily="18" charset="0"/>
               </a:rPr>
-              <a:t>Protocol messages</a:t>
+              <a:t>of per-user </a:t>
+            </a:r>
+            <a:r>
+              <a:rPr lang="en-US" sz="1800" i="1" dirty="0" smtClean="0">
+                <a:latin typeface="Times New Roman" panose="02020603050405020304" pitchFamily="18" charset="0"/>
+                <a:cs typeface="Times New Roman" panose="02020603050405020304" pitchFamily="18" charset="0"/>
+              </a:rPr>
+              <a:t>parameters.</a:t>
+            </a:r>
+            <a:endParaRPr lang="en-US" sz="1800" dirty="0">
+              <a:latin typeface="Times New Roman" panose="02020603050405020304" pitchFamily="18" charset="0"/>
+              <a:cs typeface="Times New Roman" panose="02020603050405020304" pitchFamily="18" charset="0"/>
+            </a:endParaRPr>
+          </a:p>
+          <a:p>
+            <a:pPr marL="800100" lvl="1" indent="-342900">
+              <a:buAutoNum type="alphaLcParenBoth"/>
+            </a:pPr>
+            <a:r>
+              <a:rPr lang="en-US" sz="1800" dirty="0" smtClean="0">
+                <a:latin typeface="Times New Roman" panose="02020603050405020304" pitchFamily="18" charset="0"/>
+                <a:cs typeface="Times New Roman" panose="02020603050405020304" pitchFamily="18" charset="0"/>
+              </a:rPr>
+              <a:t>Each </a:t>
             </a:r>
             <a:r>
               <a:rPr lang="en-US" sz="1800" dirty="0">
                 <a:latin typeface="Times New Roman" panose="02020603050405020304" pitchFamily="18" charset="0"/>
                 <a:cs typeface="Times New Roman" panose="02020603050405020304" pitchFamily="18" charset="0"/>
               </a:rPr>
-              <a:t>. Each of </a:t>
+              <a:t>entity </a:t>
             </a:r>
             <a:r>
               <a:rPr lang="en-US" sz="1800" i="1" dirty="0">
                 <a:latin typeface="Times New Roman" panose="02020603050405020304" pitchFamily="18" charset="0"/>
                 <a:cs typeface="Times New Roman" panose="02020603050405020304" pitchFamily="18" charset="0"/>
               </a:rPr>
-              <a:t>t</a:t>
+              <a:t>A</a:t>
             </a:r>
             <a:r>
               <a:rPr lang="en-US" sz="1800" dirty="0">
                 <a:latin typeface="Times New Roman" panose="02020603050405020304" pitchFamily="18" charset="0"/>
                 <a:cs typeface="Times New Roman" panose="02020603050405020304" pitchFamily="18" charset="0"/>
               </a:rPr>
-              <a:t> rounds has three messages as follows (often </a:t>
+              <a:t> is given a unique identity </a:t>
             </a:r>
             <a:r>
               <a:rPr lang="en-US" sz="1800" i="1" dirty="0">
                 <a:latin typeface="Times New Roman" panose="02020603050405020304" pitchFamily="18" charset="0"/>
                 <a:cs typeface="Times New Roman" panose="02020603050405020304" pitchFamily="18" charset="0"/>
               </a:rPr>
-              <a:t>t</a:t>
+              <a:t>I</a:t>
+            </a:r>
+            <a:r>
+              <a:rPr lang="en-US" sz="1800" i="1" baseline="-25000" dirty="0">
+                <a:latin typeface="Times New Roman" panose="02020603050405020304" pitchFamily="18" charset="0"/>
+                <a:cs typeface="Times New Roman" panose="02020603050405020304" pitchFamily="18" charset="0"/>
+              </a:rPr>
+              <a:t>A</a:t>
             </a:r>
             <a:r>
               <a:rPr lang="en-US" sz="1800" dirty="0">
                 <a:latin typeface="Times New Roman" panose="02020603050405020304" pitchFamily="18" charset="0"/>
                 <a:cs typeface="Times New Roman" panose="02020603050405020304" pitchFamily="18" charset="0"/>
               </a:rPr>
-              <a:t> = 1).	</a:t>
-            </a:r>
-            <a:br>
+              <a:t>, from which (the </a:t>
+            </a:r>
+            <a:r>
+              <a:rPr lang="en-US" sz="1800" i="1" dirty="0">
+                <a:latin typeface="Times New Roman" panose="02020603050405020304" pitchFamily="18" charset="0"/>
+                <a:cs typeface="Times New Roman" panose="02020603050405020304" pitchFamily="18" charset="0"/>
+              </a:rPr>
+              <a:t>redundant identity</a:t>
+            </a:r>
+            <a:r>
               <a:rPr lang="en-US" sz="1800" dirty="0">
                 <a:latin typeface="Times New Roman" panose="02020603050405020304" pitchFamily="18" charset="0"/>
                 <a:cs typeface="Times New Roman" panose="02020603050405020304" pitchFamily="18" charset="0"/>
               </a:rPr>
-            </a:br>
+              <a:t>) </a:t>
+            </a:r>
+            <a:r>
+              <a:rPr lang="en-US" sz="1800" i="1" dirty="0" smtClean="0">
+                <a:latin typeface="Times New Roman" panose="02020603050405020304" pitchFamily="18" charset="0"/>
+                <a:cs typeface="Times New Roman" panose="02020603050405020304" pitchFamily="18" charset="0"/>
+              </a:rPr>
+              <a:t>J</a:t>
+            </a:r>
+            <a:r>
+              <a:rPr lang="en-US" sz="1800" i="1" baseline="-25000" dirty="0" smtClean="0">
+                <a:latin typeface="Times New Roman" panose="02020603050405020304" pitchFamily="18" charset="0"/>
+                <a:cs typeface="Times New Roman" panose="02020603050405020304" pitchFamily="18" charset="0"/>
+              </a:rPr>
+              <a:t>A</a:t>
+            </a:r>
+            <a:r>
+              <a:rPr lang="en-US" sz="1800" dirty="0" smtClean="0">
+                <a:latin typeface="Times New Roman" panose="02020603050405020304" pitchFamily="18" charset="0"/>
+                <a:cs typeface="Times New Roman" panose="02020603050405020304" pitchFamily="18" charset="0"/>
+              </a:rPr>
+              <a:t> </a:t>
+            </a:r>
             <a:r>
               <a:rPr lang="en-US" sz="1800" dirty="0">
                 <a:latin typeface="Times New Roman" panose="02020603050405020304" pitchFamily="18" charset="0"/>
                 <a:cs typeface="Times New Roman" panose="02020603050405020304" pitchFamily="18" charset="0"/>
               </a:rPr>
-              <a:t> 	</a:t>
+              <a:t>= </a:t>
             </a:r>
             <a:r>
               <a:rPr lang="en-US" sz="1800" i="1" dirty="0">
                 <a:latin typeface="Times New Roman" panose="02020603050405020304" pitchFamily="18" charset="0"/>
                 <a:cs typeface="Times New Roman" panose="02020603050405020304" pitchFamily="18" charset="0"/>
               </a:rPr>
-              <a:t>A</a:t>
+              <a:t>f</a:t>
             </a:r>
             <a:r>
               <a:rPr lang="en-US" sz="1800" dirty="0">
                 <a:latin typeface="Times New Roman" panose="02020603050405020304" pitchFamily="18" charset="0"/>
                 <a:cs typeface="Times New Roman" panose="02020603050405020304" pitchFamily="18" charset="0"/>
               </a:rPr>
-              <a:t> </a:t>
+              <a:t>(</a:t>
+            </a:r>
+            <a:r>
+              <a:rPr lang="en-US" sz="1800" i="1" dirty="0">
+                <a:latin typeface="Times New Roman" panose="02020603050405020304" pitchFamily="18" charset="0"/>
+                <a:cs typeface="Times New Roman" panose="02020603050405020304" pitchFamily="18" charset="0"/>
+              </a:rPr>
+              <a:t>I</a:t>
+            </a:r>
+            <a:r>
+              <a:rPr lang="en-US" sz="1800" i="1" baseline="-25000" dirty="0">
+                <a:latin typeface="Times New Roman" panose="02020603050405020304" pitchFamily="18" charset="0"/>
+                <a:cs typeface="Times New Roman" panose="02020603050405020304" pitchFamily="18" charset="0"/>
+              </a:rPr>
+              <a:t>A</a:t>
             </a:r>
             <a:r>
               <a:rPr lang="en-US" sz="1800" dirty="0">
                 <a:latin typeface="Times New Roman" panose="02020603050405020304" pitchFamily="18" charset="0"/>
                 <a:cs typeface="Times New Roman" panose="02020603050405020304" pitchFamily="18" charset="0"/>
-                <a:sym typeface="Symbol"/>
-              </a:rPr>
-              <a:t></a:t>
+              </a:rPr>
+              <a:t>), satisfying 1 &lt; </a:t>
+            </a:r>
+            <a:r>
+              <a:rPr lang="en-US" sz="1800" i="1" dirty="0">
+                <a:latin typeface="Times New Roman" panose="02020603050405020304" pitchFamily="18" charset="0"/>
+                <a:cs typeface="Times New Roman" panose="02020603050405020304" pitchFamily="18" charset="0"/>
+              </a:rPr>
+              <a:t>I</a:t>
+            </a:r>
+            <a:r>
+              <a:rPr lang="en-US" sz="1800" i="1" baseline="-25000" dirty="0">
+                <a:latin typeface="Times New Roman" panose="02020603050405020304" pitchFamily="18" charset="0"/>
+                <a:cs typeface="Times New Roman" panose="02020603050405020304" pitchFamily="18" charset="0"/>
+              </a:rPr>
+              <a:t>A</a:t>
             </a:r>
             <a:r>
               <a:rPr lang="en-US" sz="1800" dirty="0">
                 <a:latin typeface="Times New Roman" panose="02020603050405020304" pitchFamily="18" charset="0"/>
                 <a:cs typeface="Times New Roman" panose="02020603050405020304" pitchFamily="18" charset="0"/>
               </a:rPr>
-              <a:t> </a:t>
+              <a:t> &lt; </a:t>
             </a:r>
             <a:r>
               <a:rPr lang="en-US" sz="1800" i="1" dirty="0">
                 <a:latin typeface="Times New Roman" panose="02020603050405020304" pitchFamily="18" charset="0"/>
                 <a:cs typeface="Times New Roman" panose="02020603050405020304" pitchFamily="18" charset="0"/>
               </a:rPr>
-              <a:t>B</a:t>
+              <a:t>n</a:t>
             </a:r>
             <a:r>
               <a:rPr lang="en-US" sz="1800" dirty="0">
                 <a:latin typeface="Times New Roman" panose="02020603050405020304" pitchFamily="18" charset="0"/>
                 <a:cs typeface="Times New Roman" panose="02020603050405020304" pitchFamily="18" charset="0"/>
               </a:rPr>
-              <a:t>: 	</a:t>
+              <a:t>, is derived using a known redundancy function </a:t>
             </a:r>
             <a:r>
               <a:rPr lang="en-US" sz="1800" i="1" dirty="0">
                 <a:latin typeface="Times New Roman" panose="02020603050405020304" pitchFamily="18" charset="0"/>
                 <a:cs typeface="Times New Roman" panose="02020603050405020304" pitchFamily="18" charset="0"/>
               </a:rPr>
-              <a:t>I</a:t>
+              <a:t>f </a:t>
+            </a:r>
+            <a:r>
+              <a:rPr lang="en-US" sz="1800" dirty="0" smtClean="0">
+                <a:latin typeface="Times New Roman" panose="02020603050405020304" pitchFamily="18" charset="0"/>
+                <a:cs typeface="Times New Roman" panose="02020603050405020304" pitchFamily="18" charset="0"/>
+              </a:rPr>
+              <a:t>[…]</a:t>
+            </a:r>
+          </a:p>
+          <a:p>
+            <a:pPr marL="800100" lvl="1" indent="-342900">
+              <a:buAutoNum type="alphaLcParenBoth"/>
+            </a:pPr>
+            <a:r>
+              <a:rPr lang="en-US" sz="1800" dirty="0" smtClean="0">
+                <a:latin typeface="Times New Roman" panose="02020603050405020304" pitchFamily="18" charset="0"/>
+                <a:cs typeface="Times New Roman" panose="02020603050405020304" pitchFamily="18" charset="0"/>
+              </a:rPr>
+              <a:t> </a:t>
+            </a:r>
+            <a:r>
+              <a:rPr lang="en-US" sz="1800" i="1" dirty="0" smtClean="0">
+                <a:latin typeface="Times New Roman" panose="02020603050405020304" pitchFamily="18" charset="0"/>
+                <a:cs typeface="Times New Roman" panose="02020603050405020304" pitchFamily="18" charset="0"/>
+              </a:rPr>
+              <a:t>T</a:t>
+            </a:r>
+            <a:r>
+              <a:rPr lang="en-US" sz="1800" dirty="0" smtClean="0">
+                <a:latin typeface="Times New Roman" panose="02020603050405020304" pitchFamily="18" charset="0"/>
+                <a:cs typeface="Times New Roman" panose="02020603050405020304" pitchFamily="18" charset="0"/>
+              </a:rPr>
+              <a:t> </a:t>
+            </a:r>
+            <a:r>
+              <a:rPr lang="en-US" sz="1800" dirty="0">
+                <a:latin typeface="Times New Roman" panose="02020603050405020304" pitchFamily="18" charset="0"/>
+                <a:cs typeface="Times New Roman" panose="02020603050405020304" pitchFamily="18" charset="0"/>
+              </a:rPr>
+              <a:t>gives </a:t>
+            </a:r>
+            <a:r>
+              <a:rPr lang="en-US" sz="1800" i="1" dirty="0">
+                <a:latin typeface="Times New Roman" panose="02020603050405020304" pitchFamily="18" charset="0"/>
+                <a:cs typeface="Times New Roman" panose="02020603050405020304" pitchFamily="18" charset="0"/>
+              </a:rPr>
+              <a:t>A</a:t>
+            </a:r>
+            <a:r>
+              <a:rPr lang="en-US" sz="1800" dirty="0">
+                <a:latin typeface="Times New Roman" panose="02020603050405020304" pitchFamily="18" charset="0"/>
+                <a:cs typeface="Times New Roman" panose="02020603050405020304" pitchFamily="18" charset="0"/>
+              </a:rPr>
+              <a:t> the secret (</a:t>
+            </a:r>
+            <a:r>
+              <a:rPr lang="en-US" sz="1800" i="1" dirty="0">
+                <a:latin typeface="Times New Roman" panose="02020603050405020304" pitchFamily="18" charset="0"/>
+                <a:cs typeface="Times New Roman" panose="02020603050405020304" pitchFamily="18" charset="0"/>
+              </a:rPr>
+              <a:t>accreditation data</a:t>
+            </a:r>
+            <a:r>
+              <a:rPr lang="en-US" sz="1800" dirty="0">
+                <a:latin typeface="Times New Roman" panose="02020603050405020304" pitchFamily="18" charset="0"/>
+                <a:cs typeface="Times New Roman" panose="02020603050405020304" pitchFamily="18" charset="0"/>
+              </a:rPr>
+              <a:t>) </a:t>
+            </a:r>
+            <a:r>
+              <a:rPr lang="en-US" sz="1800" i="1" dirty="0" err="1">
+                <a:latin typeface="Times New Roman" panose="02020603050405020304" pitchFamily="18" charset="0"/>
+                <a:cs typeface="Times New Roman" panose="02020603050405020304" pitchFamily="18" charset="0"/>
+              </a:rPr>
+              <a:t>s</a:t>
+            </a:r>
+            <a:r>
+              <a:rPr lang="en-US" sz="1800" i="1" baseline="-25000" dirty="0" err="1">
+                <a:latin typeface="Times New Roman" panose="02020603050405020304" pitchFamily="18" charset="0"/>
+                <a:cs typeface="Times New Roman" panose="02020603050405020304" pitchFamily="18" charset="0"/>
+              </a:rPr>
+              <a:t>A</a:t>
+            </a:r>
+            <a:r>
+              <a:rPr lang="en-US" sz="1800" dirty="0">
+                <a:latin typeface="Times New Roman" panose="02020603050405020304" pitchFamily="18" charset="0"/>
+                <a:cs typeface="Times New Roman" panose="02020603050405020304" pitchFamily="18" charset="0"/>
+              </a:rPr>
+              <a:t> = (</a:t>
+            </a:r>
+            <a:r>
+              <a:rPr lang="en-US" sz="1800" i="1" dirty="0">
+                <a:latin typeface="Times New Roman" panose="02020603050405020304" pitchFamily="18" charset="0"/>
+                <a:cs typeface="Times New Roman" panose="02020603050405020304" pitchFamily="18" charset="0"/>
+              </a:rPr>
+              <a:t>J</a:t>
             </a:r>
             <a:r>
               <a:rPr lang="en-US" sz="1800" i="1" baseline="-25000" dirty="0">
@@ -17944,1228 +18343,365 @@
               <a:t>A</a:t>
             </a:r>
             <a:r>
+              <a:rPr lang="en-US" sz="1800" dirty="0" smtClean="0">
+                <a:latin typeface="Times New Roman" panose="02020603050405020304" pitchFamily="18" charset="0"/>
+                <a:cs typeface="Times New Roman" panose="02020603050405020304" pitchFamily="18" charset="0"/>
+              </a:rPr>
+              <a:t>)</a:t>
+            </a:r>
+            <a:r>
+              <a:rPr lang="en-US" sz="1800" baseline="30000" dirty="0" smtClean="0">
+                <a:latin typeface="Times New Roman" panose="02020603050405020304" pitchFamily="18" charset="0"/>
+                <a:cs typeface="Times New Roman" panose="02020603050405020304" pitchFamily="18" charset="0"/>
+              </a:rPr>
+              <a:t>-</a:t>
+            </a:r>
+            <a:r>
+              <a:rPr lang="en-US" sz="1800" i="1" baseline="30000" dirty="0" smtClean="0">
+                <a:latin typeface="Times New Roman" panose="02020603050405020304" pitchFamily="18" charset="0"/>
+                <a:cs typeface="Times New Roman" panose="02020603050405020304" pitchFamily="18" charset="0"/>
+              </a:rPr>
+              <a:t>s</a:t>
+            </a:r>
+            <a:r>
+              <a:rPr lang="en-US" sz="1800" dirty="0" smtClean="0">
+                <a:latin typeface="Times New Roman" panose="02020603050405020304" pitchFamily="18" charset="0"/>
+                <a:cs typeface="Times New Roman" panose="02020603050405020304" pitchFamily="18" charset="0"/>
+              </a:rPr>
+              <a:t> </a:t>
+            </a:r>
+            <a:r>
               <a:rPr lang="en-US" sz="1800" dirty="0">
                 <a:latin typeface="Times New Roman" panose="02020603050405020304" pitchFamily="18" charset="0"/>
                 <a:cs typeface="Times New Roman" panose="02020603050405020304" pitchFamily="18" charset="0"/>
               </a:rPr>
-              <a:t>, </a:t>
+              <a:t>mod </a:t>
             </a:r>
             <a:r>
               <a:rPr lang="en-US" sz="1800" i="1" dirty="0">
                 <a:latin typeface="Times New Roman" panose="02020603050405020304" pitchFamily="18" charset="0"/>
                 <a:cs typeface="Times New Roman" panose="02020603050405020304" pitchFamily="18" charset="0"/>
               </a:rPr>
-              <a:t>x</a:t>
+              <a:t>n</a:t>
             </a:r>
             <a:r>
               <a:rPr lang="en-US" sz="1800" dirty="0">
                 <a:latin typeface="Times New Roman" panose="02020603050405020304" pitchFamily="18" charset="0"/>
                 <a:cs typeface="Times New Roman" panose="02020603050405020304" pitchFamily="18" charset="0"/>
               </a:rPr>
-              <a:t> = </a:t>
-            </a:r>
-            <a:r>
-              <a:rPr lang="en-US" sz="1800" i="1" dirty="0" err="1">
-                <a:latin typeface="Times New Roman" panose="02020603050405020304" pitchFamily="18" charset="0"/>
-                <a:cs typeface="Times New Roman" panose="02020603050405020304" pitchFamily="18" charset="0"/>
-              </a:rPr>
-              <a:t>r</a:t>
-            </a:r>
-            <a:r>
-              <a:rPr lang="en-US" sz="1800" i="1" baseline="30000" dirty="0" err="1">
-                <a:latin typeface="Times New Roman" panose="02020603050405020304" pitchFamily="18" charset="0"/>
-                <a:cs typeface="Times New Roman" panose="02020603050405020304" pitchFamily="18" charset="0"/>
-              </a:rPr>
-              <a:t>v</a:t>
-            </a:r>
-            <a:r>
-              <a:rPr lang="en-US" sz="1800" dirty="0">
-                <a:latin typeface="Times New Roman" panose="02020603050405020304" pitchFamily="18" charset="0"/>
-                <a:cs typeface="Times New Roman" panose="02020603050405020304" pitchFamily="18" charset="0"/>
-              </a:rPr>
-              <a:t> mod </a:t>
-            </a:r>
-            <a:r>
-              <a:rPr lang="en-US" sz="1800" i="1" dirty="0">
-                <a:latin typeface="Times New Roman" panose="02020603050405020304" pitchFamily="18" charset="0"/>
-                <a:cs typeface="Times New Roman" panose="02020603050405020304" pitchFamily="18" charset="0"/>
-              </a:rPr>
-              <a:t>n</a:t>
-            </a:r>
-            <a:r>
-              <a:rPr lang="en-US" sz="1800" dirty="0">
-                <a:latin typeface="Times New Roman" panose="02020603050405020304" pitchFamily="18" charset="0"/>
-                <a:cs typeface="Times New Roman" panose="02020603050405020304" pitchFamily="18" charset="0"/>
-              </a:rPr>
-              <a:t>.		(1)</a:t>
-            </a:r>
-            <a:br>
-              <a:rPr lang="en-US" sz="1800" dirty="0">
-                <a:latin typeface="Times New Roman" panose="02020603050405020304" pitchFamily="18" charset="0"/>
-                <a:cs typeface="Times New Roman" panose="02020603050405020304" pitchFamily="18" charset="0"/>
-              </a:rPr>
-            </a:br>
-            <a:r>
-              <a:rPr lang="en-US" sz="1800" dirty="0">
-                <a:latin typeface="Times New Roman" panose="02020603050405020304" pitchFamily="18" charset="0"/>
-                <a:cs typeface="Times New Roman" panose="02020603050405020304" pitchFamily="18" charset="0"/>
-              </a:rPr>
-              <a:t> 	</a:t>
-            </a:r>
-            <a:r>
-              <a:rPr lang="en-US" sz="1800" i="1" dirty="0">
-                <a:latin typeface="Times New Roman" panose="02020603050405020304" pitchFamily="18" charset="0"/>
-                <a:cs typeface="Times New Roman" panose="02020603050405020304" pitchFamily="18" charset="0"/>
-              </a:rPr>
-              <a:t>A</a:t>
-            </a:r>
-            <a:r>
-              <a:rPr lang="en-US" sz="1800" dirty="0">
-                <a:latin typeface="Times New Roman" panose="02020603050405020304" pitchFamily="18" charset="0"/>
-                <a:cs typeface="Times New Roman" panose="02020603050405020304" pitchFamily="18" charset="0"/>
-              </a:rPr>
-              <a:t> </a:t>
-            </a:r>
-            <a:r>
-              <a:rPr lang="en-US" sz="1800" dirty="0">
-                <a:latin typeface="Times New Roman" panose="02020603050405020304" pitchFamily="18" charset="0"/>
-                <a:cs typeface="Times New Roman" panose="02020603050405020304" pitchFamily="18" charset="0"/>
-                <a:sym typeface="Symbol"/>
-              </a:rPr>
-              <a:t></a:t>
-            </a:r>
-            <a:r>
-              <a:rPr lang="en-US" sz="1800" dirty="0">
-                <a:latin typeface="Times New Roman" panose="02020603050405020304" pitchFamily="18" charset="0"/>
-                <a:cs typeface="Times New Roman" panose="02020603050405020304" pitchFamily="18" charset="0"/>
-              </a:rPr>
-              <a:t> </a:t>
-            </a:r>
-            <a:r>
-              <a:rPr lang="en-US" sz="1800" i="1" dirty="0">
-                <a:latin typeface="Times New Roman" panose="02020603050405020304" pitchFamily="18" charset="0"/>
-                <a:cs typeface="Times New Roman" panose="02020603050405020304" pitchFamily="18" charset="0"/>
-              </a:rPr>
-              <a:t>B</a:t>
-            </a:r>
-            <a:r>
-              <a:rPr lang="en-US" sz="1800" dirty="0">
-                <a:latin typeface="Times New Roman" panose="02020603050405020304" pitchFamily="18" charset="0"/>
-                <a:cs typeface="Times New Roman" panose="02020603050405020304" pitchFamily="18" charset="0"/>
-              </a:rPr>
-              <a:t>:	</a:t>
-            </a:r>
-            <a:r>
-              <a:rPr lang="en-US" sz="1800" i="1" dirty="0">
-                <a:latin typeface="Times New Roman" panose="02020603050405020304" pitchFamily="18" charset="0"/>
-                <a:cs typeface="Times New Roman" panose="02020603050405020304" pitchFamily="18" charset="0"/>
-              </a:rPr>
-              <a:t>e</a:t>
-            </a:r>
-            <a:r>
-              <a:rPr lang="en-US" sz="1800" dirty="0">
-                <a:latin typeface="Times New Roman" panose="02020603050405020304" pitchFamily="18" charset="0"/>
-                <a:cs typeface="Times New Roman" panose="02020603050405020304" pitchFamily="18" charset="0"/>
-              </a:rPr>
-              <a:t> (where 1 </a:t>
-            </a:r>
-            <a:r>
-              <a:rPr lang="en-US" sz="1800" dirty="0">
-                <a:latin typeface="Times New Roman" panose="02020603050405020304" pitchFamily="18" charset="0"/>
-                <a:cs typeface="Times New Roman" panose="02020603050405020304" pitchFamily="18" charset="0"/>
-                <a:sym typeface="Symbol"/>
-              </a:rPr>
-              <a:t></a:t>
-            </a:r>
-            <a:r>
-              <a:rPr lang="en-US" sz="1800" dirty="0">
-                <a:latin typeface="Times New Roman" panose="02020603050405020304" pitchFamily="18" charset="0"/>
-                <a:cs typeface="Times New Roman" panose="02020603050405020304" pitchFamily="18" charset="0"/>
-              </a:rPr>
-              <a:t> </a:t>
-            </a:r>
-            <a:r>
-              <a:rPr lang="en-US" sz="1800" i="1" dirty="0">
-                <a:latin typeface="Times New Roman" panose="02020603050405020304" pitchFamily="18" charset="0"/>
-                <a:cs typeface="Times New Roman" panose="02020603050405020304" pitchFamily="18" charset="0"/>
-              </a:rPr>
-              <a:t>e</a:t>
-            </a:r>
-            <a:r>
-              <a:rPr lang="en-US" sz="1800" dirty="0">
-                <a:latin typeface="Times New Roman" panose="02020603050405020304" pitchFamily="18" charset="0"/>
-                <a:cs typeface="Times New Roman" panose="02020603050405020304" pitchFamily="18" charset="0"/>
-              </a:rPr>
-              <a:t> </a:t>
-            </a:r>
-            <a:r>
-              <a:rPr lang="en-US" sz="1800" dirty="0">
-                <a:latin typeface="Times New Roman" panose="02020603050405020304" pitchFamily="18" charset="0"/>
-                <a:cs typeface="Times New Roman" panose="02020603050405020304" pitchFamily="18" charset="0"/>
-                <a:sym typeface="Symbol"/>
-              </a:rPr>
-              <a:t></a:t>
-            </a:r>
-            <a:r>
-              <a:rPr lang="en-US" sz="1800" dirty="0">
-                <a:latin typeface="Times New Roman" panose="02020603050405020304" pitchFamily="18" charset="0"/>
-                <a:cs typeface="Times New Roman" panose="02020603050405020304" pitchFamily="18" charset="0"/>
-              </a:rPr>
-              <a:t> </a:t>
-            </a:r>
-            <a:r>
-              <a:rPr lang="en-US" sz="1800" i="1" dirty="0">
-                <a:latin typeface="Times New Roman" panose="02020603050405020304" pitchFamily="18" charset="0"/>
-                <a:cs typeface="Times New Roman" panose="02020603050405020304" pitchFamily="18" charset="0"/>
-              </a:rPr>
-              <a:t>v</a:t>
-            </a:r>
-            <a:r>
-              <a:rPr lang="en-US" sz="1800" dirty="0">
-                <a:latin typeface="Times New Roman" panose="02020603050405020304" pitchFamily="18" charset="0"/>
-                <a:cs typeface="Times New Roman" panose="02020603050405020304" pitchFamily="18" charset="0"/>
-              </a:rPr>
-              <a:t>);	</a:t>
-            </a:r>
+              <a:t>.</a:t>
+            </a:r>
+          </a:p>
+        </p:txBody>
+      </p:sp>
+      <p:sp>
+        <p:nvSpPr>
+          <p:cNvPr id="6" name="Rectangle 3"/>
+          <p:cNvSpPr txBox="1">
+            <a:spLocks noChangeArrowheads="1"/>
+          </p:cNvSpPr>
+          <p:nvPr/>
+        </p:nvSpPr>
+        <p:spPr bwMode="auto">
+          <a:xfrm>
+            <a:off x="304800" y="944724"/>
+            <a:ext cx="8731250" cy="5486400"/>
+          </a:xfrm>
+          <a:prstGeom prst="rect">
+            <a:avLst/>
+          </a:prstGeom>
+          <a:noFill/>
+          <a:ln w="9525">
+            <a:noFill/>
+            <a:miter lim="800000"/>
+            <a:headEnd/>
+            <a:tailEnd/>
+          </a:ln>
+        </p:spPr>
+        <p:txBody>
+          <a:bodyPr vert="horz" wrap="square" lIns="91440" tIns="45720" rIns="91440" bIns="45720" numCol="1" anchor="t" anchorCtr="0" compatLnSpc="1">
+            <a:prstTxWarp prst="textNoShape">
+              <a:avLst/>
+            </a:prstTxWarp>
+          </a:bodyPr>
+          <a:lstStyle>
+            <a:lvl1pPr marL="357188" indent="-265113" algn="l" rtl="0" eaLnBrk="0" fontAlgn="base" hangingPunct="0">
+              <a:spcBef>
+                <a:spcPct val="20000"/>
+              </a:spcBef>
+              <a:spcAft>
+                <a:spcPct val="0"/>
+              </a:spcAft>
+              <a:buSzPct val="120000"/>
+              <a:buChar char="•"/>
+              <a:defRPr sz="2200">
+                <a:solidFill>
+                  <a:schemeClr val="tx1"/>
+                </a:solidFill>
+                <a:latin typeface="+mn-lt"/>
+                <a:ea typeface="+mn-ea"/>
+                <a:cs typeface="+mn-cs"/>
+              </a:defRPr>
+            </a:lvl1pPr>
+            <a:lvl2pPr marL="719138" indent="-265113" algn="l" rtl="0" eaLnBrk="0" fontAlgn="base" hangingPunct="0">
+              <a:spcBef>
+                <a:spcPct val="20000"/>
+              </a:spcBef>
+              <a:spcAft>
+                <a:spcPct val="0"/>
+              </a:spcAft>
+              <a:buChar char="–"/>
+              <a:defRPr>
+                <a:solidFill>
+                  <a:schemeClr val="tx1"/>
+                </a:solidFill>
+                <a:latin typeface="+mn-lt"/>
+              </a:defRPr>
+            </a:lvl2pPr>
+            <a:lvl3pPr marL="989013" indent="-174625" algn="l" rtl="0" eaLnBrk="0" fontAlgn="base" hangingPunct="0">
+              <a:spcBef>
+                <a:spcPct val="20000"/>
+              </a:spcBef>
+              <a:spcAft>
+                <a:spcPct val="0"/>
+              </a:spcAft>
+              <a:buChar char="•"/>
+              <a:defRPr>
+                <a:solidFill>
+                  <a:schemeClr val="tx1"/>
+                </a:solidFill>
+                <a:latin typeface="+mn-lt"/>
+              </a:defRPr>
+            </a:lvl3pPr>
+            <a:lvl4pPr marL="1704975" indent="-228600" algn="l" rtl="0" eaLnBrk="0" fontAlgn="base" hangingPunct="0">
+              <a:spcBef>
+                <a:spcPct val="20000"/>
+              </a:spcBef>
+              <a:spcAft>
+                <a:spcPct val="0"/>
+              </a:spcAft>
+              <a:buChar char="–"/>
+              <a:defRPr sz="2000">
+                <a:solidFill>
+                  <a:schemeClr val="tx1"/>
+                </a:solidFill>
+                <a:latin typeface="Times New Roman" pitchFamily="18" charset="0"/>
+              </a:defRPr>
+            </a:lvl4pPr>
+            <a:lvl5pPr marL="2124075" indent="-228600" algn="l" rtl="0" eaLnBrk="0" fontAlgn="base" hangingPunct="0">
+              <a:spcBef>
+                <a:spcPct val="20000"/>
+              </a:spcBef>
+              <a:spcAft>
+                <a:spcPct val="0"/>
+              </a:spcAft>
+              <a:buChar char="»"/>
+              <a:defRPr sz="2000">
+                <a:solidFill>
+                  <a:schemeClr val="tx1"/>
+                </a:solidFill>
+                <a:latin typeface="Times New Roman" pitchFamily="18" charset="0"/>
+              </a:defRPr>
+            </a:lvl5pPr>
+            <a:lvl6pPr marL="2581275" indent="-228600" algn="l" rtl="0" fontAlgn="base">
+              <a:spcBef>
+                <a:spcPct val="20000"/>
+              </a:spcBef>
+              <a:spcAft>
+                <a:spcPct val="0"/>
+              </a:spcAft>
+              <a:buChar char="»"/>
+              <a:defRPr sz="2000">
+                <a:solidFill>
+                  <a:schemeClr val="tx1"/>
+                </a:solidFill>
+                <a:latin typeface="Times New Roman" pitchFamily="18" charset="0"/>
+              </a:defRPr>
+            </a:lvl6pPr>
+            <a:lvl7pPr marL="3038475" indent="-228600" algn="l" rtl="0" fontAlgn="base">
+              <a:spcBef>
+                <a:spcPct val="20000"/>
+              </a:spcBef>
+              <a:spcAft>
+                <a:spcPct val="0"/>
+              </a:spcAft>
+              <a:buChar char="»"/>
+              <a:defRPr sz="2000">
+                <a:solidFill>
+                  <a:schemeClr val="tx1"/>
+                </a:solidFill>
+                <a:latin typeface="Times New Roman" pitchFamily="18" charset="0"/>
+              </a:defRPr>
+            </a:lvl7pPr>
+            <a:lvl8pPr marL="3495675" indent="-228600" algn="l" rtl="0" fontAlgn="base">
+              <a:spcBef>
+                <a:spcPct val="20000"/>
+              </a:spcBef>
+              <a:spcAft>
+                <a:spcPct val="0"/>
+              </a:spcAft>
+              <a:buChar char="»"/>
+              <a:defRPr sz="2000">
+                <a:solidFill>
+                  <a:schemeClr val="tx1"/>
+                </a:solidFill>
+                <a:latin typeface="Times New Roman" pitchFamily="18" charset="0"/>
+              </a:defRPr>
+            </a:lvl8pPr>
+            <a:lvl9pPr marL="3952875" indent="-228600" algn="l" rtl="0" fontAlgn="base">
+              <a:spcBef>
+                <a:spcPct val="20000"/>
+              </a:spcBef>
+              <a:spcAft>
+                <a:spcPct val="0"/>
+              </a:spcAft>
+              <a:buChar char="»"/>
+              <a:defRPr sz="2000">
+                <a:solidFill>
+                  <a:schemeClr val="tx1"/>
+                </a:solidFill>
+                <a:latin typeface="Times New Roman" pitchFamily="18" charset="0"/>
+              </a:defRPr>
+            </a:lvl9pPr>
+          </a:lstStyle>
+          <a:p>
+            <a:pPr indent="-274638" eaLnBrk="1" hangingPunct="1"/>
+            <a:endParaRPr lang="en-US" altLang="en-US" sz="1800" kern="0" dirty="0" smtClean="0"/>
+          </a:p>
+          <a:p>
+            <a:pPr indent="-274638" eaLnBrk="1" hangingPunct="1"/>
+            <a:endParaRPr lang="en-US" altLang="en-US" sz="1800" kern="0" dirty="0" smtClean="0"/>
+          </a:p>
+          <a:p>
+            <a:pPr indent="-274638" eaLnBrk="1" hangingPunct="1"/>
+            <a:endParaRPr lang="en-US" altLang="en-US" sz="1800" kern="0" dirty="0" smtClean="0"/>
+          </a:p>
+          <a:p>
+            <a:pPr marL="82550" indent="0" eaLnBrk="1" hangingPunct="1">
+              <a:buNone/>
+            </a:pPr>
+            <a:endParaRPr lang="en-US" sz="1800" b="1" dirty="0" smtClean="0">
+              <a:solidFill>
+                <a:srgbClr val="7030A0"/>
+              </a:solidFill>
+              <a:latin typeface="Courier New" panose="02070309020205020404" pitchFamily="49" charset="0"/>
+              <a:cs typeface="Courier New" panose="02070309020205020404" pitchFamily="49" charset="0"/>
+            </a:endParaRPr>
+          </a:p>
+          <a:p>
+            <a:pPr marL="82550" indent="0" eaLnBrk="1" hangingPunct="1">
+              <a:buNone/>
+            </a:pPr>
             <a:r>
               <a:rPr lang="en-US" sz="1800" dirty="0" smtClean="0">
-                <a:latin typeface="Times New Roman" panose="02020603050405020304" pitchFamily="18" charset="0"/>
-                <a:cs typeface="Times New Roman" panose="02020603050405020304" pitchFamily="18" charset="0"/>
-              </a:rPr>
-              <a:t>	(</a:t>
-            </a:r>
-            <a:r>
-              <a:rPr lang="en-US" sz="1800" dirty="0">
-                <a:latin typeface="Times New Roman" panose="02020603050405020304" pitchFamily="18" charset="0"/>
-                <a:cs typeface="Times New Roman" panose="02020603050405020304" pitchFamily="18" charset="0"/>
-              </a:rPr>
-              <a:t>2)</a:t>
-            </a:r>
-            <a:br>
-              <a:rPr lang="en-US" sz="1800" dirty="0">
-                <a:latin typeface="Times New Roman" panose="02020603050405020304" pitchFamily="18" charset="0"/>
-                <a:cs typeface="Times New Roman" panose="02020603050405020304" pitchFamily="18" charset="0"/>
-              </a:rPr>
-            </a:br>
-            <a:r>
-              <a:rPr lang="en-US" sz="1800" dirty="0">
-                <a:latin typeface="Times New Roman" panose="02020603050405020304" pitchFamily="18" charset="0"/>
-                <a:cs typeface="Times New Roman" panose="02020603050405020304" pitchFamily="18" charset="0"/>
-              </a:rPr>
-              <a:t> 	</a:t>
-            </a:r>
-            <a:r>
-              <a:rPr lang="en-US" sz="1800" i="1" dirty="0">
-                <a:latin typeface="Times New Roman" panose="02020603050405020304" pitchFamily="18" charset="0"/>
-                <a:cs typeface="Times New Roman" panose="02020603050405020304" pitchFamily="18" charset="0"/>
-              </a:rPr>
-              <a:t>A</a:t>
-            </a:r>
-            <a:r>
-              <a:rPr lang="en-US" sz="1800" dirty="0">
-                <a:latin typeface="Times New Roman" panose="02020603050405020304" pitchFamily="18" charset="0"/>
-                <a:cs typeface="Times New Roman" panose="02020603050405020304" pitchFamily="18" charset="0"/>
-              </a:rPr>
-              <a:t> </a:t>
-            </a:r>
-            <a:r>
-              <a:rPr lang="en-US" sz="1800" dirty="0">
-                <a:latin typeface="Times New Roman" panose="02020603050405020304" pitchFamily="18" charset="0"/>
-                <a:cs typeface="Times New Roman" panose="02020603050405020304" pitchFamily="18" charset="0"/>
-                <a:sym typeface="Symbol"/>
-              </a:rPr>
-              <a:t></a:t>
-            </a:r>
-            <a:r>
-              <a:rPr lang="en-US" sz="1800" dirty="0">
-                <a:latin typeface="Times New Roman" panose="02020603050405020304" pitchFamily="18" charset="0"/>
-                <a:cs typeface="Times New Roman" panose="02020603050405020304" pitchFamily="18" charset="0"/>
-              </a:rPr>
-              <a:t> </a:t>
-            </a:r>
-            <a:r>
-              <a:rPr lang="en-US" sz="1800" i="1" dirty="0">
-                <a:latin typeface="Times New Roman" panose="02020603050405020304" pitchFamily="18" charset="0"/>
-                <a:cs typeface="Times New Roman" panose="02020603050405020304" pitchFamily="18" charset="0"/>
-              </a:rPr>
-              <a:t>B</a:t>
-            </a:r>
-            <a:r>
-              <a:rPr lang="en-US" sz="1800" dirty="0">
-                <a:latin typeface="Times New Roman" panose="02020603050405020304" pitchFamily="18" charset="0"/>
-                <a:cs typeface="Times New Roman" panose="02020603050405020304" pitchFamily="18" charset="0"/>
-              </a:rPr>
-              <a:t>:	</a:t>
-            </a:r>
-            <a:r>
-              <a:rPr lang="en-US" sz="1800" i="1" dirty="0">
-                <a:latin typeface="Times New Roman" panose="02020603050405020304" pitchFamily="18" charset="0"/>
-                <a:cs typeface="Times New Roman" panose="02020603050405020304" pitchFamily="18" charset="0"/>
-              </a:rPr>
-              <a:t>y</a:t>
-            </a:r>
-            <a:r>
-              <a:rPr lang="en-US" sz="1800" dirty="0">
-                <a:latin typeface="Times New Roman" panose="02020603050405020304" pitchFamily="18" charset="0"/>
-                <a:cs typeface="Times New Roman" panose="02020603050405020304" pitchFamily="18" charset="0"/>
-              </a:rPr>
-              <a:t> = </a:t>
-            </a:r>
-            <a:r>
-              <a:rPr lang="en-US" sz="1800" i="1" dirty="0">
-                <a:latin typeface="Times New Roman" panose="02020603050405020304" pitchFamily="18" charset="0"/>
-                <a:cs typeface="Times New Roman" panose="02020603050405020304" pitchFamily="18" charset="0"/>
-              </a:rPr>
-              <a:t>r</a:t>
-            </a:r>
-            <a:r>
-              <a:rPr lang="en-US" sz="1800" dirty="0">
-                <a:latin typeface="Times New Roman" panose="02020603050405020304" pitchFamily="18" charset="0"/>
-                <a:cs typeface="Times New Roman" panose="02020603050405020304" pitchFamily="18" charset="0"/>
-              </a:rPr>
-              <a:t> </a:t>
-            </a:r>
-            <a:r>
-              <a:rPr lang="en-US" sz="1800" dirty="0">
-                <a:latin typeface="Times New Roman" panose="02020603050405020304" pitchFamily="18" charset="0"/>
-                <a:cs typeface="Times New Roman" panose="02020603050405020304" pitchFamily="18" charset="0"/>
-                <a:sym typeface="Symbol"/>
-              </a:rPr>
-              <a:t></a:t>
-            </a:r>
-            <a:r>
-              <a:rPr lang="en-US" sz="1800" dirty="0">
-                <a:latin typeface="Times New Roman" panose="02020603050405020304" pitchFamily="18" charset="0"/>
-                <a:cs typeface="Times New Roman" panose="02020603050405020304" pitchFamily="18" charset="0"/>
-              </a:rPr>
-              <a:t> </a:t>
-            </a:r>
-            <a:r>
-              <a:rPr lang="en-US" sz="1800" i="1" dirty="0" err="1">
-                <a:latin typeface="Times New Roman" panose="02020603050405020304" pitchFamily="18" charset="0"/>
-                <a:cs typeface="Times New Roman" panose="02020603050405020304" pitchFamily="18" charset="0"/>
-              </a:rPr>
-              <a:t>s</a:t>
-            </a:r>
-            <a:r>
-              <a:rPr lang="en-US" sz="1800" i="1" baseline="-25000" dirty="0" err="1">
-                <a:latin typeface="Times New Roman" panose="02020603050405020304" pitchFamily="18" charset="0"/>
-                <a:cs typeface="Times New Roman" panose="02020603050405020304" pitchFamily="18" charset="0"/>
-              </a:rPr>
-              <a:t>A</a:t>
-            </a:r>
-            <a:r>
-              <a:rPr lang="en-US" sz="1800" i="1" baseline="30000" dirty="0" err="1">
-                <a:latin typeface="Times New Roman" panose="02020603050405020304" pitchFamily="18" charset="0"/>
-                <a:cs typeface="Times New Roman" panose="02020603050405020304" pitchFamily="18" charset="0"/>
-              </a:rPr>
-              <a:t>e</a:t>
-            </a:r>
-            <a:r>
-              <a:rPr lang="en-US" sz="1800" dirty="0">
-                <a:latin typeface="Times New Roman" panose="02020603050405020304" pitchFamily="18" charset="0"/>
-                <a:cs typeface="Times New Roman" panose="02020603050405020304" pitchFamily="18" charset="0"/>
-              </a:rPr>
-              <a:t> mod </a:t>
-            </a:r>
-            <a:r>
-              <a:rPr lang="en-US" sz="1800" i="1" dirty="0">
-                <a:latin typeface="Times New Roman" panose="02020603050405020304" pitchFamily="18" charset="0"/>
-                <a:cs typeface="Times New Roman" panose="02020603050405020304" pitchFamily="18" charset="0"/>
-              </a:rPr>
-              <a:t>n</a:t>
-            </a:r>
-            <a:r>
-              <a:rPr lang="en-US" sz="1800" dirty="0">
-                <a:latin typeface="Times New Roman" panose="02020603050405020304" pitchFamily="18" charset="0"/>
-                <a:cs typeface="Times New Roman" panose="02020603050405020304" pitchFamily="18" charset="0"/>
-              </a:rPr>
-              <a:t>		(3)</a:t>
-            </a:r>
-          </a:p>
-          <a:p>
-            <a:pPr marL="452438" lvl="0" indent="-363538">
-              <a:buFont typeface="+mj-lt"/>
-              <a:buAutoNum type="arabicPeriod" startAt="4"/>
+                <a:latin typeface="Courier New" panose="02070309020205020404" pitchFamily="49" charset="0"/>
+                <a:cs typeface="Courier New" panose="02070309020205020404" pitchFamily="49" charset="0"/>
+              </a:rPr>
+              <a:t>IA, JA: </a:t>
+            </a:r>
+            <a:r>
+              <a:rPr lang="en-US" sz="1800" b="1" dirty="0" smtClean="0">
+                <a:solidFill>
+                  <a:srgbClr val="7030A0"/>
+                </a:solidFill>
+                <a:latin typeface="Courier New" panose="02070309020205020404" pitchFamily="49" charset="0"/>
+                <a:cs typeface="Courier New" panose="02070309020205020404" pitchFamily="49" charset="0"/>
+              </a:rPr>
+              <a:t>Integer;	</a:t>
+            </a:r>
+          </a:p>
+          <a:p>
+            <a:pPr marL="82550" indent="0" eaLnBrk="1" hangingPunct="1">
+              <a:buNone/>
             </a:pPr>
             <a:r>
-              <a:rPr lang="en-US" sz="1800" i="1" dirty="0">
-                <a:latin typeface="Times New Roman" panose="02020603050405020304" pitchFamily="18" charset="0"/>
-                <a:cs typeface="Times New Roman" panose="02020603050405020304" pitchFamily="18" charset="0"/>
-              </a:rPr>
-              <a:t>Protocol actions</a:t>
-            </a:r>
-            <a:r>
-              <a:rPr lang="en-US" sz="1800" dirty="0">
-                <a:latin typeface="Times New Roman" panose="02020603050405020304" pitchFamily="18" charset="0"/>
-                <a:cs typeface="Times New Roman" panose="02020603050405020304" pitchFamily="18" charset="0"/>
-              </a:rPr>
-              <a:t>. </a:t>
-            </a:r>
-            <a:r>
-              <a:rPr lang="en-US" sz="1800" i="1" dirty="0">
-                <a:latin typeface="Times New Roman" panose="02020603050405020304" pitchFamily="18" charset="0"/>
-                <a:cs typeface="Times New Roman" panose="02020603050405020304" pitchFamily="18" charset="0"/>
-              </a:rPr>
-              <a:t>A</a:t>
-            </a:r>
-            <a:r>
-              <a:rPr lang="en-US" sz="1800" dirty="0">
-                <a:latin typeface="Times New Roman" panose="02020603050405020304" pitchFamily="18" charset="0"/>
-                <a:cs typeface="Times New Roman" panose="02020603050405020304" pitchFamily="18" charset="0"/>
-              </a:rPr>
-              <a:t> proves its identity to </a:t>
-            </a:r>
-            <a:r>
-              <a:rPr lang="en-US" sz="1800" i="1" dirty="0">
-                <a:latin typeface="Times New Roman" panose="02020603050405020304" pitchFamily="18" charset="0"/>
-                <a:cs typeface="Times New Roman" panose="02020603050405020304" pitchFamily="18" charset="0"/>
-              </a:rPr>
-              <a:t>B</a:t>
-            </a:r>
-            <a:r>
-              <a:rPr lang="en-US" sz="1800" dirty="0">
-                <a:latin typeface="Times New Roman" panose="02020603050405020304" pitchFamily="18" charset="0"/>
-                <a:cs typeface="Times New Roman" panose="02020603050405020304" pitchFamily="18" charset="0"/>
-              </a:rPr>
-              <a:t> by </a:t>
-            </a:r>
-            <a:r>
-              <a:rPr lang="en-US" sz="1800" i="1" dirty="0">
-                <a:latin typeface="Times New Roman" panose="02020603050405020304" pitchFamily="18" charset="0"/>
-                <a:cs typeface="Times New Roman" panose="02020603050405020304" pitchFamily="18" charset="0"/>
-              </a:rPr>
-              <a:t>t</a:t>
-            </a:r>
-            <a:r>
-              <a:rPr lang="en-US" sz="1800" dirty="0">
-                <a:latin typeface="Times New Roman" panose="02020603050405020304" pitchFamily="18" charset="0"/>
-                <a:cs typeface="Times New Roman" panose="02020603050405020304" pitchFamily="18" charset="0"/>
-              </a:rPr>
-              <a:t> executions of the following; </a:t>
-            </a:r>
-            <a:r>
-              <a:rPr lang="en-US" sz="1800" i="1" dirty="0">
-                <a:latin typeface="Times New Roman" panose="02020603050405020304" pitchFamily="18" charset="0"/>
-                <a:cs typeface="Times New Roman" panose="02020603050405020304" pitchFamily="18" charset="0"/>
-              </a:rPr>
-              <a:t>B</a:t>
-            </a:r>
-            <a:r>
-              <a:rPr lang="en-US" sz="1800" dirty="0">
-                <a:latin typeface="Times New Roman" panose="02020603050405020304" pitchFamily="18" charset="0"/>
-                <a:cs typeface="Times New Roman" panose="02020603050405020304" pitchFamily="18" charset="0"/>
-              </a:rPr>
-              <a:t> accepts the identity only if all </a:t>
-            </a:r>
-            <a:r>
-              <a:rPr lang="en-US" sz="1800" i="1" dirty="0">
-                <a:latin typeface="Times New Roman" panose="02020603050405020304" pitchFamily="18" charset="0"/>
-                <a:cs typeface="Times New Roman" panose="02020603050405020304" pitchFamily="18" charset="0"/>
-              </a:rPr>
-              <a:t>t</a:t>
-            </a:r>
-            <a:r>
-              <a:rPr lang="en-US" sz="1800" dirty="0">
-                <a:latin typeface="Times New Roman" panose="02020603050405020304" pitchFamily="18" charset="0"/>
-                <a:cs typeface="Times New Roman" panose="02020603050405020304" pitchFamily="18" charset="0"/>
-              </a:rPr>
-              <a:t> executions are successful.</a:t>
-            </a:r>
-          </a:p>
-          <a:p>
-            <a:pPr marL="800100" lvl="1" indent="-342900">
-              <a:buAutoNum type="alphaLcParenBoth"/>
+              <a:rPr lang="en-US" sz="1800" dirty="0" err="1" smtClean="0">
+                <a:latin typeface="Courier New" panose="02070309020205020404" pitchFamily="49" charset="0"/>
+                <a:cs typeface="Courier New" panose="02070309020205020404" pitchFamily="49" charset="0"/>
+              </a:rPr>
+              <a:t>sA</a:t>
+            </a:r>
+            <a:r>
+              <a:rPr lang="en-US" sz="1800" dirty="0" smtClean="0">
+                <a:latin typeface="Courier New" panose="02070309020205020404" pitchFamily="49" charset="0"/>
+                <a:cs typeface="Courier New" panose="02070309020205020404" pitchFamily="49" charset="0"/>
+              </a:rPr>
+              <a:t>: </a:t>
+            </a:r>
+            <a:r>
+              <a:rPr lang="en-US" sz="1800" b="1" dirty="0" smtClean="0">
+                <a:solidFill>
+                  <a:srgbClr val="7030A0"/>
+                </a:solidFill>
+                <a:latin typeface="Courier New" panose="02070309020205020404" pitchFamily="49" charset="0"/>
+                <a:cs typeface="Courier New" panose="02070309020205020404" pitchFamily="49" charset="0"/>
+              </a:rPr>
+              <a:t>Z</a:t>
+            </a:r>
+            <a:r>
+              <a:rPr lang="en-US" sz="1800" dirty="0" smtClean="0">
+                <a:latin typeface="Courier New" panose="02070309020205020404" pitchFamily="49" charset="0"/>
+                <a:cs typeface="Courier New" panose="02070309020205020404" pitchFamily="49" charset="0"/>
+              </a:rPr>
+              <a:t>(n)</a:t>
+            </a:r>
+            <a:r>
+              <a:rPr lang="en-US" sz="1800" b="1" dirty="0" smtClean="0">
+                <a:solidFill>
+                  <a:srgbClr val="7030A0"/>
+                </a:solidFill>
+                <a:latin typeface="Courier New" panose="02070309020205020404" pitchFamily="49" charset="0"/>
+                <a:cs typeface="Courier New" panose="02070309020205020404" pitchFamily="49" charset="0"/>
+              </a:rPr>
+              <a:t>;	</a:t>
+            </a:r>
+          </a:p>
+          <a:p>
+            <a:pPr marL="82550" indent="0" eaLnBrk="1" hangingPunct="1">
+              <a:buNone/>
             </a:pPr>
             <a:r>
               <a:rPr lang="en-US" sz="1800" dirty="0" smtClean="0">
-                <a:latin typeface="Times New Roman" panose="02020603050405020304" pitchFamily="18" charset="0"/>
-                <a:cs typeface="Times New Roman" panose="02020603050405020304" pitchFamily="18" charset="0"/>
-              </a:rPr>
-              <a:t> </a:t>
-            </a:r>
-            <a:r>
-              <a:rPr lang="en-US" sz="1800" i="1" dirty="0" smtClean="0">
-                <a:latin typeface="Times New Roman" panose="02020603050405020304" pitchFamily="18" charset="0"/>
-                <a:cs typeface="Times New Roman" panose="02020603050405020304" pitchFamily="18" charset="0"/>
-              </a:rPr>
-              <a:t>A</a:t>
+                <a:latin typeface="Courier New" panose="02070309020205020404" pitchFamily="49" charset="0"/>
+                <a:cs typeface="Courier New" panose="02070309020205020404" pitchFamily="49" charset="0"/>
+              </a:rPr>
+              <a:t>JA := f(IA);	</a:t>
             </a:r>
             <a:r>
               <a:rPr lang="en-US" sz="1800" dirty="0" smtClean="0">
-                <a:latin typeface="Times New Roman" panose="02020603050405020304" pitchFamily="18" charset="0"/>
-                <a:cs typeface="Times New Roman" panose="02020603050405020304" pitchFamily="18" charset="0"/>
-              </a:rPr>
-              <a:t> </a:t>
-            </a:r>
-            <a:r>
-              <a:rPr lang="en-US" sz="1800" dirty="0">
-                <a:latin typeface="Times New Roman" panose="02020603050405020304" pitchFamily="18" charset="0"/>
-                <a:cs typeface="Times New Roman" panose="02020603050405020304" pitchFamily="18" charset="0"/>
-              </a:rPr>
-              <a:t>selects a random secret integer </a:t>
-            </a:r>
-            <a:r>
-              <a:rPr lang="en-US" sz="1800" i="1" dirty="0">
-                <a:latin typeface="Times New Roman" panose="02020603050405020304" pitchFamily="18" charset="0"/>
-                <a:cs typeface="Times New Roman" panose="02020603050405020304" pitchFamily="18" charset="0"/>
-              </a:rPr>
-              <a:t>r</a:t>
-            </a:r>
-            <a:r>
-              <a:rPr lang="en-US" sz="1800" dirty="0">
-                <a:latin typeface="Times New Roman" panose="02020603050405020304" pitchFamily="18" charset="0"/>
-                <a:cs typeface="Times New Roman" panose="02020603050405020304" pitchFamily="18" charset="0"/>
-              </a:rPr>
-              <a:t> (the </a:t>
-            </a:r>
-            <a:r>
-              <a:rPr lang="en-US" sz="1800" i="1" dirty="0">
-                <a:latin typeface="Times New Roman" panose="02020603050405020304" pitchFamily="18" charset="0"/>
-                <a:cs typeface="Times New Roman" panose="02020603050405020304" pitchFamily="18" charset="0"/>
-              </a:rPr>
-              <a:t>commitment</a:t>
-            </a:r>
-            <a:r>
-              <a:rPr lang="en-US" sz="1800" dirty="0">
-                <a:latin typeface="Times New Roman" panose="02020603050405020304" pitchFamily="18" charset="0"/>
-                <a:cs typeface="Times New Roman" panose="02020603050405020304" pitchFamily="18" charset="0"/>
-              </a:rPr>
-              <a:t>), 1 </a:t>
-            </a:r>
-            <a:r>
-              <a:rPr lang="en-US" sz="1800" dirty="0">
-                <a:latin typeface="Times New Roman" panose="02020603050405020304" pitchFamily="18" charset="0"/>
-                <a:cs typeface="Times New Roman" panose="02020603050405020304" pitchFamily="18" charset="0"/>
-                <a:sym typeface="Symbol"/>
-              </a:rPr>
-              <a:t></a:t>
-            </a:r>
-            <a:r>
-              <a:rPr lang="en-US" sz="1800" dirty="0">
-                <a:latin typeface="Times New Roman" panose="02020603050405020304" pitchFamily="18" charset="0"/>
-                <a:cs typeface="Times New Roman" panose="02020603050405020304" pitchFamily="18" charset="0"/>
-              </a:rPr>
-              <a:t> </a:t>
-            </a:r>
-            <a:r>
-              <a:rPr lang="en-US" sz="1800" i="1" dirty="0">
-                <a:latin typeface="Times New Roman" panose="02020603050405020304" pitchFamily="18" charset="0"/>
-                <a:cs typeface="Times New Roman" panose="02020603050405020304" pitchFamily="18" charset="0"/>
-              </a:rPr>
-              <a:t>r</a:t>
-            </a:r>
-            <a:r>
-              <a:rPr lang="en-US" sz="1800" dirty="0">
-                <a:latin typeface="Times New Roman" panose="02020603050405020304" pitchFamily="18" charset="0"/>
-                <a:cs typeface="Times New Roman" panose="02020603050405020304" pitchFamily="18" charset="0"/>
-              </a:rPr>
-              <a:t> </a:t>
-            </a:r>
-            <a:r>
-              <a:rPr lang="en-US" sz="1800" dirty="0">
-                <a:latin typeface="Times New Roman" panose="02020603050405020304" pitchFamily="18" charset="0"/>
-                <a:cs typeface="Times New Roman" panose="02020603050405020304" pitchFamily="18" charset="0"/>
-                <a:sym typeface="Symbol"/>
-              </a:rPr>
-              <a:t></a:t>
-            </a:r>
-            <a:r>
-              <a:rPr lang="en-US" sz="1800" dirty="0">
-                <a:latin typeface="Times New Roman" panose="02020603050405020304" pitchFamily="18" charset="0"/>
-                <a:cs typeface="Times New Roman" panose="02020603050405020304" pitchFamily="18" charset="0"/>
-              </a:rPr>
-              <a:t> </a:t>
-            </a:r>
-            <a:r>
-              <a:rPr lang="en-US" sz="1800" i="1" dirty="0">
-                <a:latin typeface="Times New Roman" panose="02020603050405020304" pitchFamily="18" charset="0"/>
-                <a:cs typeface="Times New Roman" panose="02020603050405020304" pitchFamily="18" charset="0"/>
-              </a:rPr>
-              <a:t>n – 1</a:t>
-            </a:r>
-            <a:r>
-              <a:rPr lang="en-US" sz="1800" dirty="0">
-                <a:latin typeface="Times New Roman" panose="02020603050405020304" pitchFamily="18" charset="0"/>
-                <a:cs typeface="Times New Roman" panose="02020603050405020304" pitchFamily="18" charset="0"/>
-              </a:rPr>
-              <a:t>, and </a:t>
+                <a:solidFill>
+                  <a:srgbClr val="339933"/>
+                </a:solidFill>
+                <a:latin typeface="Courier New" panose="02070309020205020404" pitchFamily="49" charset="0"/>
+                <a:cs typeface="Courier New" panose="02070309020205020404" pitchFamily="49" charset="0"/>
+              </a:rPr>
+              <a:t>// function f assumed available</a:t>
             </a:r>
             <a:r>
               <a:rPr lang="en-US" sz="1800" dirty="0" smtClean="0">
-                <a:latin typeface="Times New Roman" panose="02020603050405020304" pitchFamily="18" charset="0"/>
-                <a:cs typeface="Times New Roman" panose="02020603050405020304" pitchFamily="18" charset="0"/>
-              </a:rPr>
-              <a:t>computes </a:t>
-            </a:r>
-            <a:r>
-              <a:rPr lang="en-US" sz="1800" dirty="0">
-                <a:latin typeface="Times New Roman" panose="02020603050405020304" pitchFamily="18" charset="0"/>
-                <a:cs typeface="Times New Roman" panose="02020603050405020304" pitchFamily="18" charset="0"/>
-              </a:rPr>
-              <a:t>(the </a:t>
-            </a:r>
-            <a:r>
-              <a:rPr lang="en-US" sz="1800" i="1" dirty="0">
-                <a:latin typeface="Times New Roman" panose="02020603050405020304" pitchFamily="18" charset="0"/>
-                <a:cs typeface="Times New Roman" panose="02020603050405020304" pitchFamily="18" charset="0"/>
-              </a:rPr>
-              <a:t>witness</a:t>
-            </a:r>
-            <a:r>
-              <a:rPr lang="en-US" sz="1800" dirty="0">
-                <a:latin typeface="Times New Roman" panose="02020603050405020304" pitchFamily="18" charset="0"/>
-                <a:cs typeface="Times New Roman" panose="02020603050405020304" pitchFamily="18" charset="0"/>
-              </a:rPr>
-              <a:t>) x = </a:t>
-            </a:r>
-            <a:r>
-              <a:rPr lang="en-US" sz="1800" i="1" dirty="0" err="1">
-                <a:latin typeface="Times New Roman" panose="02020603050405020304" pitchFamily="18" charset="0"/>
-                <a:cs typeface="Times New Roman" panose="02020603050405020304" pitchFamily="18" charset="0"/>
-              </a:rPr>
-              <a:t>r</a:t>
-            </a:r>
-            <a:r>
-              <a:rPr lang="en-US" sz="1800" i="1" baseline="30000" dirty="0" err="1">
-                <a:latin typeface="Times New Roman" panose="02020603050405020304" pitchFamily="18" charset="0"/>
-                <a:cs typeface="Times New Roman" panose="02020603050405020304" pitchFamily="18" charset="0"/>
-              </a:rPr>
-              <a:t>v</a:t>
-            </a:r>
-            <a:r>
-              <a:rPr lang="en-US" sz="1800" dirty="0">
-                <a:latin typeface="Times New Roman" panose="02020603050405020304" pitchFamily="18" charset="0"/>
-                <a:cs typeface="Times New Roman" panose="02020603050405020304" pitchFamily="18" charset="0"/>
-              </a:rPr>
-              <a:t> mod </a:t>
-            </a:r>
-            <a:r>
-              <a:rPr lang="en-US" sz="1800" i="1" dirty="0" smtClean="0">
-                <a:latin typeface="Times New Roman" panose="02020603050405020304" pitchFamily="18" charset="0"/>
-                <a:cs typeface="Times New Roman" panose="02020603050405020304" pitchFamily="18" charset="0"/>
-              </a:rPr>
-              <a:t>n</a:t>
+                <a:latin typeface="Courier New" panose="02070309020205020404" pitchFamily="49" charset="0"/>
+                <a:cs typeface="Courier New" panose="02070309020205020404" pitchFamily="49" charset="0"/>
+              </a:rPr>
+              <a:t>	</a:t>
+            </a:r>
+          </a:p>
+          <a:p>
+            <a:pPr marL="82550" indent="0" eaLnBrk="1" hangingPunct="1">
+              <a:buNone/>
+            </a:pPr>
+            <a:r>
+              <a:rPr lang="en-US" sz="1800" dirty="0" err="1" smtClean="0">
+                <a:latin typeface="Courier New" panose="02070309020205020404" pitchFamily="49" charset="0"/>
+                <a:cs typeface="Courier New" panose="02070309020205020404" pitchFamily="49" charset="0"/>
+              </a:rPr>
+              <a:t>sA</a:t>
             </a:r>
             <a:r>
               <a:rPr lang="en-US" sz="1800" dirty="0" smtClean="0">
-                <a:latin typeface="Times New Roman" panose="02020603050405020304" pitchFamily="18" charset="0"/>
-                <a:cs typeface="Times New Roman" panose="02020603050405020304" pitchFamily="18" charset="0"/>
-              </a:rPr>
-              <a:t>.</a:t>
-            </a:r>
-          </a:p>
-          <a:p>
-            <a:pPr marL="800100" lvl="1" indent="-342900">
-              <a:buAutoNum type="alphaLcParenBoth"/>
-            </a:pPr>
-            <a:r>
-              <a:rPr lang="en-US" sz="1800" dirty="0" smtClean="0">
-                <a:latin typeface="Times New Roman" panose="02020603050405020304" pitchFamily="18" charset="0"/>
-                <a:cs typeface="Times New Roman" panose="02020603050405020304" pitchFamily="18" charset="0"/>
-              </a:rPr>
-              <a:t> </a:t>
-            </a:r>
-            <a:r>
-              <a:rPr lang="en-US" sz="1800" i="1" dirty="0" smtClean="0">
-                <a:latin typeface="Times New Roman" panose="02020603050405020304" pitchFamily="18" charset="0"/>
-                <a:cs typeface="Times New Roman" panose="02020603050405020304" pitchFamily="18" charset="0"/>
-              </a:rPr>
-              <a:t>A</a:t>
-            </a:r>
-            <a:r>
-              <a:rPr lang="en-US" sz="1800" dirty="0" smtClean="0">
-                <a:latin typeface="Times New Roman" panose="02020603050405020304" pitchFamily="18" charset="0"/>
-                <a:cs typeface="Times New Roman" panose="02020603050405020304" pitchFamily="18" charset="0"/>
-              </a:rPr>
-              <a:t> </a:t>
-            </a:r>
-            <a:r>
-              <a:rPr lang="en-US" sz="1800" dirty="0">
-                <a:latin typeface="Times New Roman" panose="02020603050405020304" pitchFamily="18" charset="0"/>
-                <a:cs typeface="Times New Roman" panose="02020603050405020304" pitchFamily="18" charset="0"/>
-              </a:rPr>
-              <a:t>sends to </a:t>
-            </a:r>
-            <a:r>
-              <a:rPr lang="en-US" sz="1800" i="1" dirty="0">
-                <a:latin typeface="Times New Roman" panose="02020603050405020304" pitchFamily="18" charset="0"/>
-                <a:cs typeface="Times New Roman" panose="02020603050405020304" pitchFamily="18" charset="0"/>
-              </a:rPr>
-              <a:t>B</a:t>
-            </a:r>
-            <a:r>
-              <a:rPr lang="en-US" sz="1800" dirty="0">
-                <a:latin typeface="Times New Roman" panose="02020603050405020304" pitchFamily="18" charset="0"/>
-                <a:cs typeface="Times New Roman" panose="02020603050405020304" pitchFamily="18" charset="0"/>
-              </a:rPr>
-              <a:t> the pair of integers (</a:t>
-            </a:r>
-            <a:r>
-              <a:rPr lang="en-US" sz="1800" i="1" dirty="0">
-                <a:latin typeface="Times New Roman" panose="02020603050405020304" pitchFamily="18" charset="0"/>
-                <a:cs typeface="Times New Roman" panose="02020603050405020304" pitchFamily="18" charset="0"/>
-              </a:rPr>
-              <a:t>I</a:t>
-            </a:r>
-            <a:r>
-              <a:rPr lang="en-US" sz="1800" i="1" baseline="-25000" dirty="0">
-                <a:latin typeface="Times New Roman" panose="02020603050405020304" pitchFamily="18" charset="0"/>
-                <a:cs typeface="Times New Roman" panose="02020603050405020304" pitchFamily="18" charset="0"/>
-              </a:rPr>
-              <a:t>A</a:t>
-            </a:r>
-            <a:r>
-              <a:rPr lang="en-US" sz="1800" dirty="0">
-                <a:latin typeface="Times New Roman" panose="02020603050405020304" pitchFamily="18" charset="0"/>
-                <a:cs typeface="Times New Roman" panose="02020603050405020304" pitchFamily="18" charset="0"/>
-              </a:rPr>
-              <a:t>, </a:t>
-            </a:r>
-            <a:r>
-              <a:rPr lang="en-US" sz="1800" i="1" dirty="0">
-                <a:latin typeface="Times New Roman" panose="02020603050405020304" pitchFamily="18" charset="0"/>
-                <a:cs typeface="Times New Roman" panose="02020603050405020304" pitchFamily="18" charset="0"/>
-              </a:rPr>
-              <a:t>x</a:t>
-            </a:r>
-            <a:r>
-              <a:rPr lang="en-US" sz="1800" dirty="0" smtClean="0">
-                <a:latin typeface="Times New Roman" panose="02020603050405020304" pitchFamily="18" charset="0"/>
-                <a:cs typeface="Times New Roman" panose="02020603050405020304" pitchFamily="18" charset="0"/>
-              </a:rPr>
-              <a:t>).</a:t>
-            </a:r>
-          </a:p>
-          <a:p>
-            <a:pPr marL="800100" lvl="1" indent="-342900">
-              <a:buAutoNum type="alphaLcParenBoth"/>
-            </a:pPr>
-            <a:r>
-              <a:rPr lang="en-US" sz="1800" dirty="0" smtClean="0">
-                <a:latin typeface="Times New Roman" panose="02020603050405020304" pitchFamily="18" charset="0"/>
-                <a:cs typeface="Times New Roman" panose="02020603050405020304" pitchFamily="18" charset="0"/>
-              </a:rPr>
-              <a:t> </a:t>
-            </a:r>
-            <a:r>
-              <a:rPr lang="en-US" sz="1800" i="1" dirty="0" smtClean="0">
-                <a:latin typeface="Times New Roman" panose="02020603050405020304" pitchFamily="18" charset="0"/>
-                <a:cs typeface="Times New Roman" panose="02020603050405020304" pitchFamily="18" charset="0"/>
-              </a:rPr>
-              <a:t>B</a:t>
-            </a:r>
-            <a:r>
-              <a:rPr lang="en-US" sz="1800" dirty="0" smtClean="0">
-                <a:latin typeface="Times New Roman" panose="02020603050405020304" pitchFamily="18" charset="0"/>
-                <a:cs typeface="Times New Roman" panose="02020603050405020304" pitchFamily="18" charset="0"/>
-              </a:rPr>
-              <a:t> </a:t>
-            </a:r>
-            <a:r>
-              <a:rPr lang="en-US" sz="1800" dirty="0">
-                <a:latin typeface="Times New Roman" panose="02020603050405020304" pitchFamily="18" charset="0"/>
-                <a:cs typeface="Times New Roman" panose="02020603050405020304" pitchFamily="18" charset="0"/>
-              </a:rPr>
-              <a:t>selects and sends to </a:t>
-            </a:r>
-            <a:r>
-              <a:rPr lang="en-US" sz="1800" i="1" dirty="0">
-                <a:latin typeface="Times New Roman" panose="02020603050405020304" pitchFamily="18" charset="0"/>
-                <a:cs typeface="Times New Roman" panose="02020603050405020304" pitchFamily="18" charset="0"/>
-              </a:rPr>
-              <a:t>A</a:t>
-            </a:r>
-            <a:r>
-              <a:rPr lang="en-US" sz="1800" dirty="0">
-                <a:latin typeface="Times New Roman" panose="02020603050405020304" pitchFamily="18" charset="0"/>
-                <a:cs typeface="Times New Roman" panose="02020603050405020304" pitchFamily="18" charset="0"/>
-              </a:rPr>
-              <a:t> </a:t>
-            </a:r>
-            <a:r>
-              <a:rPr lang="en-US" sz="1800" dirty="0" err="1">
-                <a:latin typeface="Times New Roman" panose="02020603050405020304" pitchFamily="18" charset="0"/>
-                <a:cs typeface="Times New Roman" panose="02020603050405020304" pitchFamily="18" charset="0"/>
-              </a:rPr>
-              <a:t>a</a:t>
-            </a:r>
-            <a:r>
-              <a:rPr lang="en-US" sz="1800" dirty="0">
-                <a:latin typeface="Times New Roman" panose="02020603050405020304" pitchFamily="18" charset="0"/>
-                <a:cs typeface="Times New Roman" panose="02020603050405020304" pitchFamily="18" charset="0"/>
-              </a:rPr>
-              <a:t> random integer </a:t>
-            </a:r>
-            <a:r>
-              <a:rPr lang="en-US" sz="1800" i="1" dirty="0">
-                <a:latin typeface="Times New Roman" panose="02020603050405020304" pitchFamily="18" charset="0"/>
-                <a:cs typeface="Times New Roman" panose="02020603050405020304" pitchFamily="18" charset="0"/>
-              </a:rPr>
-              <a:t>e</a:t>
-            </a:r>
-            <a:r>
-              <a:rPr lang="en-US" sz="1800" dirty="0">
-                <a:latin typeface="Times New Roman" panose="02020603050405020304" pitchFamily="18" charset="0"/>
-                <a:cs typeface="Times New Roman" panose="02020603050405020304" pitchFamily="18" charset="0"/>
-              </a:rPr>
-              <a:t> (the </a:t>
-            </a:r>
-            <a:r>
-              <a:rPr lang="en-US" sz="1800" i="1" dirty="0">
-                <a:latin typeface="Times New Roman" panose="02020603050405020304" pitchFamily="18" charset="0"/>
-                <a:cs typeface="Times New Roman" panose="02020603050405020304" pitchFamily="18" charset="0"/>
-              </a:rPr>
-              <a:t>challenge</a:t>
-            </a:r>
-            <a:r>
-              <a:rPr lang="en-US" sz="1800" dirty="0">
-                <a:latin typeface="Times New Roman" panose="02020603050405020304" pitchFamily="18" charset="0"/>
-                <a:cs typeface="Times New Roman" panose="02020603050405020304" pitchFamily="18" charset="0"/>
-              </a:rPr>
-              <a:t>), 1 </a:t>
-            </a:r>
-            <a:r>
-              <a:rPr lang="en-US" sz="1800" dirty="0">
-                <a:latin typeface="Times New Roman" panose="02020603050405020304" pitchFamily="18" charset="0"/>
-                <a:cs typeface="Times New Roman" panose="02020603050405020304" pitchFamily="18" charset="0"/>
-                <a:sym typeface="Symbol"/>
-              </a:rPr>
-              <a:t></a:t>
-            </a:r>
-            <a:r>
-              <a:rPr lang="en-US" sz="1800" dirty="0">
-                <a:latin typeface="Times New Roman" panose="02020603050405020304" pitchFamily="18" charset="0"/>
-                <a:cs typeface="Times New Roman" panose="02020603050405020304" pitchFamily="18" charset="0"/>
-              </a:rPr>
-              <a:t> </a:t>
-            </a:r>
-            <a:r>
-              <a:rPr lang="en-US" sz="1800" i="1" dirty="0">
-                <a:latin typeface="Times New Roman" panose="02020603050405020304" pitchFamily="18" charset="0"/>
-                <a:cs typeface="Times New Roman" panose="02020603050405020304" pitchFamily="18" charset="0"/>
-              </a:rPr>
-              <a:t>e</a:t>
-            </a:r>
-            <a:r>
-              <a:rPr lang="en-US" sz="1800" dirty="0">
-                <a:latin typeface="Times New Roman" panose="02020603050405020304" pitchFamily="18" charset="0"/>
-                <a:cs typeface="Times New Roman" panose="02020603050405020304" pitchFamily="18" charset="0"/>
-              </a:rPr>
-              <a:t> </a:t>
-            </a:r>
-            <a:r>
-              <a:rPr lang="en-US" sz="1800" dirty="0">
-                <a:latin typeface="Times New Roman" panose="02020603050405020304" pitchFamily="18" charset="0"/>
-                <a:cs typeface="Times New Roman" panose="02020603050405020304" pitchFamily="18" charset="0"/>
-                <a:sym typeface="Symbol"/>
-              </a:rPr>
-              <a:t></a:t>
-            </a:r>
-            <a:r>
-              <a:rPr lang="en-US" sz="1800" dirty="0">
-                <a:latin typeface="Times New Roman" panose="02020603050405020304" pitchFamily="18" charset="0"/>
-                <a:cs typeface="Times New Roman" panose="02020603050405020304" pitchFamily="18" charset="0"/>
-              </a:rPr>
-              <a:t> </a:t>
-            </a:r>
-            <a:r>
-              <a:rPr lang="en-US" sz="1800" i="1" dirty="0" smtClean="0">
-                <a:latin typeface="Times New Roman" panose="02020603050405020304" pitchFamily="18" charset="0"/>
-                <a:cs typeface="Times New Roman" panose="02020603050405020304" pitchFamily="18" charset="0"/>
-              </a:rPr>
-              <a:t>v</a:t>
-            </a:r>
-            <a:r>
-              <a:rPr lang="en-US" sz="1800" dirty="0" smtClean="0">
-                <a:latin typeface="Times New Roman" panose="02020603050405020304" pitchFamily="18" charset="0"/>
-                <a:cs typeface="Times New Roman" panose="02020603050405020304" pitchFamily="18" charset="0"/>
-              </a:rPr>
-              <a:t>.</a:t>
-            </a:r>
-          </a:p>
-          <a:p>
-            <a:pPr marL="800100" lvl="1" indent="-342900">
-              <a:buAutoNum type="alphaLcParenBoth"/>
-            </a:pPr>
-            <a:r>
-              <a:rPr lang="en-US" sz="1800" dirty="0" smtClean="0">
-                <a:latin typeface="Times New Roman" panose="02020603050405020304" pitchFamily="18" charset="0"/>
-                <a:cs typeface="Times New Roman" panose="02020603050405020304" pitchFamily="18" charset="0"/>
-              </a:rPr>
-              <a:t> </a:t>
-            </a:r>
-            <a:r>
-              <a:rPr lang="en-US" sz="1800" i="1" dirty="0" smtClean="0">
-                <a:latin typeface="Times New Roman" panose="02020603050405020304" pitchFamily="18" charset="0"/>
-                <a:cs typeface="Times New Roman" panose="02020603050405020304" pitchFamily="18" charset="0"/>
-              </a:rPr>
-              <a:t>A</a:t>
-            </a:r>
-            <a:r>
-              <a:rPr lang="en-US" sz="1800" dirty="0" smtClean="0">
-                <a:latin typeface="Times New Roman" panose="02020603050405020304" pitchFamily="18" charset="0"/>
-                <a:cs typeface="Times New Roman" panose="02020603050405020304" pitchFamily="18" charset="0"/>
-              </a:rPr>
-              <a:t> </a:t>
-            </a:r>
-            <a:r>
-              <a:rPr lang="en-US" sz="1800" dirty="0">
-                <a:latin typeface="Times New Roman" panose="02020603050405020304" pitchFamily="18" charset="0"/>
-                <a:cs typeface="Times New Roman" panose="02020603050405020304" pitchFamily="18" charset="0"/>
-              </a:rPr>
-              <a:t>computes and sends to B (the response) </a:t>
-            </a:r>
-            <a:r>
-              <a:rPr lang="en-US" sz="1800" i="1" dirty="0">
-                <a:latin typeface="Times New Roman" panose="02020603050405020304" pitchFamily="18" charset="0"/>
-                <a:cs typeface="Times New Roman" panose="02020603050405020304" pitchFamily="18" charset="0"/>
-              </a:rPr>
-              <a:t>y</a:t>
-            </a:r>
-            <a:r>
-              <a:rPr lang="en-US" sz="1800" dirty="0">
-                <a:latin typeface="Times New Roman" panose="02020603050405020304" pitchFamily="18" charset="0"/>
-                <a:cs typeface="Times New Roman" panose="02020603050405020304" pitchFamily="18" charset="0"/>
-              </a:rPr>
-              <a:t> = </a:t>
-            </a:r>
-            <a:r>
-              <a:rPr lang="en-US" sz="1800" i="1" dirty="0">
-                <a:latin typeface="Times New Roman" panose="02020603050405020304" pitchFamily="18" charset="0"/>
-                <a:cs typeface="Times New Roman" panose="02020603050405020304" pitchFamily="18" charset="0"/>
-              </a:rPr>
-              <a:t>r</a:t>
-            </a:r>
-            <a:r>
-              <a:rPr lang="en-US" sz="1800" dirty="0">
-                <a:latin typeface="Times New Roman" panose="02020603050405020304" pitchFamily="18" charset="0"/>
-                <a:cs typeface="Times New Roman" panose="02020603050405020304" pitchFamily="18" charset="0"/>
-              </a:rPr>
-              <a:t> </a:t>
-            </a:r>
-            <a:r>
-              <a:rPr lang="en-US" sz="1800" dirty="0">
-                <a:latin typeface="Times New Roman" panose="02020603050405020304" pitchFamily="18" charset="0"/>
-                <a:cs typeface="Times New Roman" panose="02020603050405020304" pitchFamily="18" charset="0"/>
-                <a:sym typeface="Symbol"/>
-              </a:rPr>
-              <a:t></a:t>
-            </a:r>
-            <a:r>
-              <a:rPr lang="en-US" sz="1800" dirty="0">
-                <a:latin typeface="Times New Roman" panose="02020603050405020304" pitchFamily="18" charset="0"/>
-                <a:cs typeface="Times New Roman" panose="02020603050405020304" pitchFamily="18" charset="0"/>
-              </a:rPr>
-              <a:t> </a:t>
-            </a:r>
-            <a:r>
-              <a:rPr lang="en-US" sz="1800" i="1" dirty="0" err="1">
-                <a:latin typeface="Times New Roman" panose="02020603050405020304" pitchFamily="18" charset="0"/>
-                <a:cs typeface="Times New Roman" panose="02020603050405020304" pitchFamily="18" charset="0"/>
-              </a:rPr>
-              <a:t>s</a:t>
-            </a:r>
-            <a:r>
-              <a:rPr lang="en-US" sz="1800" i="1" baseline="-25000" dirty="0" err="1">
-                <a:latin typeface="Times New Roman" panose="02020603050405020304" pitchFamily="18" charset="0"/>
-                <a:cs typeface="Times New Roman" panose="02020603050405020304" pitchFamily="18" charset="0"/>
-              </a:rPr>
-              <a:t>A</a:t>
-            </a:r>
-            <a:r>
-              <a:rPr lang="en-US" sz="1800" i="1" baseline="30000" dirty="0" err="1">
-                <a:latin typeface="Times New Roman" panose="02020603050405020304" pitchFamily="18" charset="0"/>
-                <a:cs typeface="Times New Roman" panose="02020603050405020304" pitchFamily="18" charset="0"/>
-              </a:rPr>
-              <a:t>e</a:t>
-            </a:r>
-            <a:r>
-              <a:rPr lang="en-US" sz="1800" dirty="0">
-                <a:latin typeface="Times New Roman" panose="02020603050405020304" pitchFamily="18" charset="0"/>
-                <a:cs typeface="Times New Roman" panose="02020603050405020304" pitchFamily="18" charset="0"/>
-              </a:rPr>
-              <a:t> mod </a:t>
-            </a:r>
-            <a:r>
-              <a:rPr lang="en-US" sz="1800" i="1" dirty="0" smtClean="0">
-                <a:latin typeface="Times New Roman" panose="02020603050405020304" pitchFamily="18" charset="0"/>
-                <a:cs typeface="Times New Roman" panose="02020603050405020304" pitchFamily="18" charset="0"/>
-              </a:rPr>
-              <a:t>n</a:t>
-            </a:r>
-            <a:r>
-              <a:rPr lang="en-US" sz="1800" dirty="0" smtClean="0">
-                <a:latin typeface="Times New Roman" panose="02020603050405020304" pitchFamily="18" charset="0"/>
-                <a:cs typeface="Times New Roman" panose="02020603050405020304" pitchFamily="18" charset="0"/>
-              </a:rPr>
-              <a:t>.</a:t>
-            </a:r>
-          </a:p>
-          <a:p>
-            <a:pPr marL="800100" lvl="1" indent="-342900">
-              <a:buAutoNum type="alphaLcParenBoth"/>
-            </a:pPr>
-            <a:r>
-              <a:rPr lang="en-US" sz="1800" dirty="0" smtClean="0">
-                <a:latin typeface="Times New Roman" panose="02020603050405020304" pitchFamily="18" charset="0"/>
-                <a:cs typeface="Times New Roman" panose="02020603050405020304" pitchFamily="18" charset="0"/>
-              </a:rPr>
-              <a:t> </a:t>
-            </a:r>
-            <a:r>
-              <a:rPr lang="en-US" sz="1800" i="1" dirty="0" smtClean="0">
-                <a:latin typeface="Times New Roman" panose="02020603050405020304" pitchFamily="18" charset="0"/>
-                <a:cs typeface="Times New Roman" panose="02020603050405020304" pitchFamily="18" charset="0"/>
-              </a:rPr>
-              <a:t>B</a:t>
-            </a:r>
-            <a:r>
-              <a:rPr lang="en-US" sz="1800" dirty="0" smtClean="0">
-                <a:latin typeface="Times New Roman" panose="02020603050405020304" pitchFamily="18" charset="0"/>
-                <a:cs typeface="Times New Roman" panose="02020603050405020304" pitchFamily="18" charset="0"/>
-              </a:rPr>
-              <a:t> </a:t>
-            </a:r>
-            <a:r>
-              <a:rPr lang="en-US" sz="1800" dirty="0">
-                <a:latin typeface="Times New Roman" panose="02020603050405020304" pitchFamily="18" charset="0"/>
-                <a:cs typeface="Times New Roman" panose="02020603050405020304" pitchFamily="18" charset="0"/>
-              </a:rPr>
-              <a:t>receives </a:t>
-            </a:r>
-            <a:r>
-              <a:rPr lang="en-US" sz="1800" i="1" dirty="0">
-                <a:latin typeface="Times New Roman" panose="02020603050405020304" pitchFamily="18" charset="0"/>
-                <a:cs typeface="Times New Roman" panose="02020603050405020304" pitchFamily="18" charset="0"/>
-              </a:rPr>
-              <a:t>y</a:t>
-            </a:r>
-            <a:r>
-              <a:rPr lang="en-US" sz="1800" dirty="0">
-                <a:latin typeface="Times New Roman" panose="02020603050405020304" pitchFamily="18" charset="0"/>
-                <a:cs typeface="Times New Roman" panose="02020603050405020304" pitchFamily="18" charset="0"/>
-              </a:rPr>
-              <a:t>, constructs </a:t>
-            </a:r>
-            <a:r>
-              <a:rPr lang="en-US" sz="1800" i="1" dirty="0">
-                <a:latin typeface="Times New Roman" panose="02020603050405020304" pitchFamily="18" charset="0"/>
-                <a:cs typeface="Times New Roman" panose="02020603050405020304" pitchFamily="18" charset="0"/>
-              </a:rPr>
-              <a:t>J</a:t>
-            </a:r>
-            <a:r>
-              <a:rPr lang="en-US" sz="1800" i="1" baseline="-25000" dirty="0">
-                <a:latin typeface="Times New Roman" panose="02020603050405020304" pitchFamily="18" charset="0"/>
-                <a:cs typeface="Times New Roman" panose="02020603050405020304" pitchFamily="18" charset="0"/>
-              </a:rPr>
-              <a:t>A</a:t>
-            </a:r>
-            <a:r>
-              <a:rPr lang="en-US" sz="1800" dirty="0">
-                <a:latin typeface="Times New Roman" panose="02020603050405020304" pitchFamily="18" charset="0"/>
-                <a:cs typeface="Times New Roman" panose="02020603050405020304" pitchFamily="18" charset="0"/>
-              </a:rPr>
-              <a:t> from </a:t>
-            </a:r>
-            <a:r>
-              <a:rPr lang="en-US" sz="1800" i="1" dirty="0">
-                <a:latin typeface="Times New Roman" panose="02020603050405020304" pitchFamily="18" charset="0"/>
-                <a:cs typeface="Times New Roman" panose="02020603050405020304" pitchFamily="18" charset="0"/>
-              </a:rPr>
-              <a:t>I</a:t>
-            </a:r>
-            <a:r>
-              <a:rPr lang="en-US" sz="1800" i="1" baseline="-25000" dirty="0">
-                <a:latin typeface="Times New Roman" panose="02020603050405020304" pitchFamily="18" charset="0"/>
-                <a:cs typeface="Times New Roman" panose="02020603050405020304" pitchFamily="18" charset="0"/>
-              </a:rPr>
-              <a:t>A</a:t>
-            </a:r>
-            <a:r>
-              <a:rPr lang="en-US" sz="1800" dirty="0">
-                <a:latin typeface="Times New Roman" panose="02020603050405020304" pitchFamily="18" charset="0"/>
-                <a:cs typeface="Times New Roman" panose="02020603050405020304" pitchFamily="18" charset="0"/>
-              </a:rPr>
-              <a:t> using </a:t>
-            </a:r>
-            <a:r>
-              <a:rPr lang="en-US" sz="1800" i="1" dirty="0">
-                <a:latin typeface="Times New Roman" panose="02020603050405020304" pitchFamily="18" charset="0"/>
-                <a:cs typeface="Times New Roman" panose="02020603050405020304" pitchFamily="18" charset="0"/>
-              </a:rPr>
-              <a:t>f</a:t>
-            </a:r>
-            <a:r>
-              <a:rPr lang="en-US" sz="1800" dirty="0">
-                <a:latin typeface="Times New Roman" panose="02020603050405020304" pitchFamily="18" charset="0"/>
-                <a:cs typeface="Times New Roman" panose="02020603050405020304" pitchFamily="18" charset="0"/>
-              </a:rPr>
-              <a:t> (see above), computes </a:t>
-            </a:r>
-            <a:r>
-              <a:rPr lang="en-US" sz="1800" i="1" dirty="0">
-                <a:latin typeface="Times New Roman" panose="02020603050405020304" pitchFamily="18" charset="0"/>
-                <a:cs typeface="Times New Roman" panose="02020603050405020304" pitchFamily="18" charset="0"/>
-              </a:rPr>
-              <a:t>z</a:t>
-            </a:r>
-            <a:r>
-              <a:rPr lang="en-US" sz="1800" dirty="0">
-                <a:latin typeface="Times New Roman" panose="02020603050405020304" pitchFamily="18" charset="0"/>
-                <a:cs typeface="Times New Roman" panose="02020603050405020304" pitchFamily="18" charset="0"/>
-              </a:rPr>
-              <a:t> = </a:t>
-            </a:r>
-            <a:r>
-              <a:rPr lang="en-US" sz="1800" i="1" dirty="0" err="1">
-                <a:latin typeface="Times New Roman" panose="02020603050405020304" pitchFamily="18" charset="0"/>
-                <a:cs typeface="Times New Roman" panose="02020603050405020304" pitchFamily="18" charset="0"/>
-              </a:rPr>
-              <a:t>J</a:t>
-            </a:r>
-            <a:r>
-              <a:rPr lang="en-US" sz="1800" i="1" baseline="-25000" dirty="0" err="1">
-                <a:latin typeface="Times New Roman" panose="02020603050405020304" pitchFamily="18" charset="0"/>
-                <a:cs typeface="Times New Roman" panose="02020603050405020304" pitchFamily="18" charset="0"/>
-              </a:rPr>
-              <a:t>A</a:t>
-            </a:r>
-            <a:r>
-              <a:rPr lang="en-US" sz="1800" i="1" baseline="30000" dirty="0" err="1">
-                <a:latin typeface="Times New Roman" panose="02020603050405020304" pitchFamily="18" charset="0"/>
-                <a:cs typeface="Times New Roman" panose="02020603050405020304" pitchFamily="18" charset="0"/>
-              </a:rPr>
-              <a:t>e</a:t>
-            </a:r>
-            <a:r>
-              <a:rPr lang="en-US" sz="1800" dirty="0" err="1">
-                <a:latin typeface="Times New Roman" panose="02020603050405020304" pitchFamily="18" charset="0"/>
-                <a:cs typeface="Times New Roman" panose="02020603050405020304" pitchFamily="18" charset="0"/>
-                <a:sym typeface="Symbol"/>
-              </a:rPr>
-              <a:t></a:t>
-            </a:r>
-            <a:r>
-              <a:rPr lang="en-US" sz="1800" i="1" dirty="0" err="1">
-                <a:latin typeface="Times New Roman" panose="02020603050405020304" pitchFamily="18" charset="0"/>
-                <a:cs typeface="Times New Roman" panose="02020603050405020304" pitchFamily="18" charset="0"/>
-              </a:rPr>
-              <a:t>y</a:t>
-            </a:r>
-            <a:r>
-              <a:rPr lang="en-US" sz="1800" i="1" baseline="30000" dirty="0" err="1">
-                <a:latin typeface="Times New Roman" panose="02020603050405020304" pitchFamily="18" charset="0"/>
-                <a:cs typeface="Times New Roman" panose="02020603050405020304" pitchFamily="18" charset="0"/>
-              </a:rPr>
-              <a:t>v</a:t>
-            </a:r>
-            <a:r>
-              <a:rPr lang="en-US" sz="1800" dirty="0">
-                <a:latin typeface="Times New Roman" panose="02020603050405020304" pitchFamily="18" charset="0"/>
-                <a:cs typeface="Times New Roman" panose="02020603050405020304" pitchFamily="18" charset="0"/>
-              </a:rPr>
-              <a:t> mod </a:t>
-            </a:r>
-            <a:r>
-              <a:rPr lang="en-US" sz="1800" i="1" dirty="0">
-                <a:latin typeface="Times New Roman" panose="02020603050405020304" pitchFamily="18" charset="0"/>
-                <a:cs typeface="Times New Roman" panose="02020603050405020304" pitchFamily="18" charset="0"/>
-              </a:rPr>
-              <a:t>n</a:t>
-            </a:r>
-            <a:r>
-              <a:rPr lang="en-US" sz="1800" dirty="0">
-                <a:latin typeface="Times New Roman" panose="02020603050405020304" pitchFamily="18" charset="0"/>
-                <a:cs typeface="Times New Roman" panose="02020603050405020304" pitchFamily="18" charset="0"/>
-              </a:rPr>
-              <a:t>, and accepts </a:t>
-            </a:r>
-            <a:r>
-              <a:rPr lang="en-US" sz="1800" i="1" dirty="0">
-                <a:latin typeface="Times New Roman" panose="02020603050405020304" pitchFamily="18" charset="0"/>
-                <a:cs typeface="Times New Roman" panose="02020603050405020304" pitchFamily="18" charset="0"/>
-              </a:rPr>
-              <a:t>A</a:t>
-            </a:r>
-            <a:r>
-              <a:rPr lang="en-US" sz="1800" dirty="0">
-                <a:latin typeface="Times New Roman" panose="02020603050405020304" pitchFamily="18" charset="0"/>
-                <a:cs typeface="Times New Roman" panose="02020603050405020304" pitchFamily="18" charset="0"/>
-              </a:rPr>
-              <a:t>’s proof of identity if both </a:t>
-            </a:r>
-            <a:r>
-              <a:rPr lang="en-US" sz="1800" i="1" dirty="0">
-                <a:latin typeface="Times New Roman" panose="02020603050405020304" pitchFamily="18" charset="0"/>
-                <a:cs typeface="Times New Roman" panose="02020603050405020304" pitchFamily="18" charset="0"/>
-              </a:rPr>
-              <a:t>z</a:t>
-            </a:r>
-            <a:r>
-              <a:rPr lang="en-US" sz="1800" dirty="0">
-                <a:latin typeface="Times New Roman" panose="02020603050405020304" pitchFamily="18" charset="0"/>
-                <a:cs typeface="Times New Roman" panose="02020603050405020304" pitchFamily="18" charset="0"/>
-              </a:rPr>
-              <a:t> = </a:t>
-            </a:r>
-            <a:r>
-              <a:rPr lang="en-US" sz="1800" i="1" dirty="0">
-                <a:latin typeface="Times New Roman" panose="02020603050405020304" pitchFamily="18" charset="0"/>
-                <a:cs typeface="Times New Roman" panose="02020603050405020304" pitchFamily="18" charset="0"/>
-              </a:rPr>
-              <a:t>x</a:t>
-            </a:r>
-            <a:r>
-              <a:rPr lang="en-US" sz="1800" dirty="0">
-                <a:latin typeface="Times New Roman" panose="02020603050405020304" pitchFamily="18" charset="0"/>
-                <a:cs typeface="Times New Roman" panose="02020603050405020304" pitchFamily="18" charset="0"/>
-              </a:rPr>
-              <a:t> and </a:t>
-            </a:r>
-            <a:r>
-              <a:rPr lang="en-US" sz="1800" i="1" dirty="0">
-                <a:latin typeface="Times New Roman" panose="02020603050405020304" pitchFamily="18" charset="0"/>
-                <a:cs typeface="Times New Roman" panose="02020603050405020304" pitchFamily="18" charset="0"/>
-              </a:rPr>
-              <a:t>z</a:t>
-            </a:r>
-            <a:r>
-              <a:rPr lang="en-US" sz="1800" dirty="0">
-                <a:latin typeface="Times New Roman" panose="02020603050405020304" pitchFamily="18" charset="0"/>
-                <a:cs typeface="Times New Roman" panose="02020603050405020304" pitchFamily="18" charset="0"/>
-              </a:rPr>
-              <a:t> </a:t>
-            </a:r>
-            <a:r>
-              <a:rPr lang="en-US" sz="1800" dirty="0">
-                <a:latin typeface="Times New Roman" panose="02020603050405020304" pitchFamily="18" charset="0"/>
-                <a:cs typeface="Times New Roman" panose="02020603050405020304" pitchFamily="18" charset="0"/>
-                <a:sym typeface="Symbol"/>
-              </a:rPr>
-              <a:t></a:t>
-            </a:r>
-            <a:r>
-              <a:rPr lang="en-US" sz="1800" dirty="0">
-                <a:latin typeface="Times New Roman" panose="02020603050405020304" pitchFamily="18" charset="0"/>
-                <a:cs typeface="Times New Roman" panose="02020603050405020304" pitchFamily="18" charset="0"/>
-              </a:rPr>
-              <a:t> 0. (The latter precludes an adversary succeeding by choosing </a:t>
-            </a:r>
-            <a:r>
-              <a:rPr lang="en-US" sz="1800" i="1" dirty="0">
-                <a:latin typeface="Times New Roman" panose="02020603050405020304" pitchFamily="18" charset="0"/>
-                <a:cs typeface="Times New Roman" panose="02020603050405020304" pitchFamily="18" charset="0"/>
-              </a:rPr>
-              <a:t>r</a:t>
-            </a:r>
-            <a:r>
-              <a:rPr lang="en-US" sz="1800" dirty="0">
-                <a:latin typeface="Times New Roman" panose="02020603050405020304" pitchFamily="18" charset="0"/>
-                <a:cs typeface="Times New Roman" panose="02020603050405020304" pitchFamily="18" charset="0"/>
-              </a:rPr>
-              <a:t> = 0).</a:t>
+                <a:latin typeface="Courier New" panose="02070309020205020404" pitchFamily="49" charset="0"/>
+                <a:cs typeface="Courier New" panose="02070309020205020404" pitchFamily="49" charset="0"/>
+              </a:rPr>
+              <a:t> := JA^(-s);</a:t>
             </a:r>
           </a:p>
         </p:txBody>
@@ -19173,7 +18709,7 @@
     </p:spTree>
     <p:extLst>
       <p:ext uri="{BB962C8B-B14F-4D97-AF65-F5344CB8AC3E}">
-        <p14:creationId xmlns:p14="http://schemas.microsoft.com/office/powerpoint/2010/main" val="2220835291"/>
+        <p14:creationId xmlns:p14="http://schemas.microsoft.com/office/powerpoint/2010/main" val="2171927634"/>
       </p:ext>
     </p:extLst>
   </p:cSld>
@@ -19236,7 +18772,7 @@
             </a:r>
             <a:r>
               <a:rPr lang="en-US" dirty="0" smtClean="0"/>
-              <a:t>  5</a:t>
+              <a:t>  4</a:t>
             </a:r>
             <a:endParaRPr lang="en-US" dirty="0"/>
           </a:p>
@@ -19257,774 +18793,7 @@
           <a:bodyPr/>
           <a:lstStyle/>
           <a:p>
-            <a:pPr marL="92075" indent="0">
-              <a:buNone/>
-            </a:pPr>
-            <a:r>
-              <a:rPr lang="en-US" sz="1800" dirty="0" smtClean="0">
-                <a:latin typeface="Courier New" panose="02070309020205020404" pitchFamily="49" charset="0"/>
-                <a:cs typeface="Courier New" panose="02070309020205020404" pitchFamily="49" charset="0"/>
-              </a:rPr>
-              <a:t>t: </a:t>
-            </a:r>
-            <a:r>
-              <a:rPr lang="en-US" sz="1800" b="1" dirty="0" smtClean="0">
-                <a:solidFill>
-                  <a:srgbClr val="7030A0"/>
-                </a:solidFill>
-                <a:latin typeface="Courier New" panose="02070309020205020404" pitchFamily="49" charset="0"/>
-                <a:cs typeface="Courier New" panose="02070309020205020404" pitchFamily="49" charset="0"/>
-              </a:rPr>
-              <a:t>Integer</a:t>
-            </a:r>
-            <a:r>
-              <a:rPr lang="en-US" sz="1800" dirty="0" smtClean="0">
-                <a:latin typeface="Courier New" panose="02070309020205020404" pitchFamily="49" charset="0"/>
-                <a:cs typeface="Courier New" panose="02070309020205020404" pitchFamily="49" charset="0"/>
-              </a:rPr>
-              <a:t>;	</a:t>
-            </a:r>
-            <a:br>
-              <a:rPr lang="en-US" sz="1800" dirty="0" smtClean="0">
-                <a:latin typeface="Courier New" panose="02070309020205020404" pitchFamily="49" charset="0"/>
-                <a:cs typeface="Courier New" panose="02070309020205020404" pitchFamily="49" charset="0"/>
-              </a:rPr>
-            </a:br>
-            <a:r>
-              <a:rPr lang="en-US" sz="1800" dirty="0" smtClean="0">
-                <a:latin typeface="Courier New" panose="02070309020205020404" pitchFamily="49" charset="0"/>
-                <a:cs typeface="Courier New" panose="02070309020205020404" pitchFamily="49" charset="0"/>
-              </a:rPr>
-              <a:t>r: </a:t>
-            </a:r>
-            <a:r>
-              <a:rPr lang="en-US" sz="1800" b="1" dirty="0" smtClean="0">
-                <a:solidFill>
-                  <a:srgbClr val="7030A0"/>
-                </a:solidFill>
-                <a:latin typeface="Courier New" panose="02070309020205020404" pitchFamily="49" charset="0"/>
-                <a:cs typeface="Courier New" panose="02070309020205020404" pitchFamily="49" charset="0"/>
-              </a:rPr>
-              <a:t>Integer</a:t>
-            </a:r>
-            <a:r>
-              <a:rPr lang="en-US" sz="1800" dirty="0" smtClean="0">
-                <a:latin typeface="Courier New" panose="02070309020205020404" pitchFamily="49" charset="0"/>
-                <a:cs typeface="Courier New" panose="02070309020205020404" pitchFamily="49" charset="0"/>
-              </a:rPr>
-              <a:t>;	</a:t>
-            </a:r>
-            <a:br>
-              <a:rPr lang="en-US" sz="1800" dirty="0" smtClean="0">
-                <a:latin typeface="Courier New" panose="02070309020205020404" pitchFamily="49" charset="0"/>
-                <a:cs typeface="Courier New" panose="02070309020205020404" pitchFamily="49" charset="0"/>
-              </a:rPr>
-            </a:br>
-            <a:r>
-              <a:rPr lang="en-US" sz="1800" dirty="0" err="1" smtClean="0">
-                <a:latin typeface="Courier New" panose="02070309020205020404" pitchFamily="49" charset="0"/>
-                <a:cs typeface="Courier New" panose="02070309020205020404" pitchFamily="49" charset="0"/>
-              </a:rPr>
-              <a:t>x,y,z</a:t>
-            </a:r>
-            <a:r>
-              <a:rPr lang="en-US" sz="1800" dirty="0" smtClean="0">
-                <a:latin typeface="Courier New" panose="02070309020205020404" pitchFamily="49" charset="0"/>
-                <a:cs typeface="Courier New" panose="02070309020205020404" pitchFamily="49" charset="0"/>
-              </a:rPr>
-              <a:t>: </a:t>
-            </a:r>
-            <a:r>
-              <a:rPr lang="en-US" sz="1800" b="1" dirty="0" smtClean="0">
-                <a:solidFill>
-                  <a:srgbClr val="7030A0"/>
-                </a:solidFill>
-                <a:latin typeface="Courier New" panose="02070309020205020404" pitchFamily="49" charset="0"/>
-                <a:cs typeface="Courier New" panose="02070309020205020404" pitchFamily="49" charset="0"/>
-              </a:rPr>
-              <a:t>Z</a:t>
-            </a:r>
-            <a:r>
-              <a:rPr lang="en-US" sz="1800" dirty="0" smtClean="0">
-                <a:latin typeface="Courier New" panose="02070309020205020404" pitchFamily="49" charset="0"/>
-                <a:cs typeface="Courier New" panose="02070309020205020404" pitchFamily="49" charset="0"/>
-              </a:rPr>
-              <a:t>(n);	</a:t>
-            </a:r>
-            <a:br>
-              <a:rPr lang="en-US" sz="1800" dirty="0" smtClean="0">
-                <a:latin typeface="Courier New" panose="02070309020205020404" pitchFamily="49" charset="0"/>
-                <a:cs typeface="Courier New" panose="02070309020205020404" pitchFamily="49" charset="0"/>
-              </a:rPr>
-            </a:br>
-            <a:r>
-              <a:rPr lang="en-US" sz="1800" dirty="0" smtClean="0">
-                <a:latin typeface="Courier New" panose="02070309020205020404" pitchFamily="49" charset="0"/>
-                <a:cs typeface="Courier New" panose="02070309020205020404" pitchFamily="49" charset="0"/>
-              </a:rPr>
-              <a:t>success: </a:t>
-            </a:r>
-            <a:r>
-              <a:rPr lang="en-US" sz="1800" b="1" dirty="0" smtClean="0">
-                <a:solidFill>
-                  <a:srgbClr val="7030A0"/>
-                </a:solidFill>
-                <a:latin typeface="Courier New" panose="02070309020205020404" pitchFamily="49" charset="0"/>
-                <a:cs typeface="Courier New" panose="02070309020205020404" pitchFamily="49" charset="0"/>
-              </a:rPr>
-              <a:t>Boolean</a:t>
-            </a:r>
-            <a:r>
-              <a:rPr lang="en-US" sz="1800" dirty="0" smtClean="0">
-                <a:latin typeface="Courier New" panose="02070309020205020404" pitchFamily="49" charset="0"/>
-                <a:cs typeface="Courier New" panose="02070309020205020404" pitchFamily="49" charset="0"/>
-              </a:rPr>
-              <a:t>;	</a:t>
-            </a:r>
-            <a:br>
-              <a:rPr lang="en-US" sz="1800" dirty="0" smtClean="0">
-                <a:latin typeface="Courier New" panose="02070309020205020404" pitchFamily="49" charset="0"/>
-                <a:cs typeface="Courier New" panose="02070309020205020404" pitchFamily="49" charset="0"/>
-              </a:rPr>
-            </a:br>
-            <a:r>
-              <a:rPr lang="en-US" sz="1800" dirty="0" smtClean="0">
-                <a:latin typeface="Courier New" panose="02070309020205020404" pitchFamily="49" charset="0"/>
-                <a:cs typeface="Courier New" panose="02070309020205020404" pitchFamily="49" charset="0"/>
-              </a:rPr>
-              <a:t>XR: </a:t>
-            </a:r>
-            <a:r>
-              <a:rPr lang="en-US" sz="1800" b="1" dirty="0" err="1" smtClean="0">
-                <a:solidFill>
-                  <a:srgbClr val="7030A0"/>
-                </a:solidFill>
-                <a:latin typeface="Courier New" panose="02070309020205020404" pitchFamily="49" charset="0"/>
-                <a:cs typeface="Courier New" panose="02070309020205020404" pitchFamily="49" charset="0"/>
-              </a:rPr>
-              <a:t>RandomGenerator</a:t>
-            </a:r>
-            <a:r>
-              <a:rPr lang="en-US" sz="1800" dirty="0" smtClean="0">
-                <a:latin typeface="Courier New" panose="02070309020205020404" pitchFamily="49" charset="0"/>
-                <a:cs typeface="Courier New" panose="02070309020205020404" pitchFamily="49" charset="0"/>
-              </a:rPr>
-              <a:t>(1:n-1);	</a:t>
-            </a:r>
-            <a:r>
-              <a:rPr lang="en-US" sz="1800" dirty="0" smtClean="0">
-                <a:solidFill>
-                  <a:srgbClr val="339933"/>
-                </a:solidFill>
-                <a:latin typeface="Courier New" panose="02070309020205020404" pitchFamily="49" charset="0"/>
-                <a:cs typeface="Courier New" panose="02070309020205020404" pitchFamily="49" charset="0"/>
-              </a:rPr>
-              <a:t>// for message (1)	</a:t>
-            </a:r>
-            <a:r>
-              <a:rPr lang="en-US" sz="1800" dirty="0" smtClean="0">
-                <a:latin typeface="Courier New" panose="02070309020205020404" pitchFamily="49" charset="0"/>
-                <a:cs typeface="Courier New" panose="02070309020205020404" pitchFamily="49" charset="0"/>
-              </a:rPr>
-              <a:t/>
-            </a:r>
-            <a:br>
-              <a:rPr lang="en-US" sz="1800" dirty="0" smtClean="0">
-                <a:latin typeface="Courier New" panose="02070309020205020404" pitchFamily="49" charset="0"/>
-                <a:cs typeface="Courier New" panose="02070309020205020404" pitchFamily="49" charset="0"/>
-              </a:rPr>
-            </a:br>
-            <a:r>
-              <a:rPr lang="en-US" sz="1800" dirty="0" smtClean="0">
-                <a:latin typeface="Courier New" panose="02070309020205020404" pitchFamily="49" charset="0"/>
-                <a:cs typeface="Courier New" panose="02070309020205020404" pitchFamily="49" charset="0"/>
-              </a:rPr>
-              <a:t>XE: </a:t>
-            </a:r>
-            <a:r>
-              <a:rPr lang="en-US" sz="1800" b="1" dirty="0" err="1" smtClean="0">
-                <a:solidFill>
-                  <a:srgbClr val="7030A0"/>
-                </a:solidFill>
-                <a:latin typeface="Courier New" panose="02070309020205020404" pitchFamily="49" charset="0"/>
-                <a:cs typeface="Courier New" panose="02070309020205020404" pitchFamily="49" charset="0"/>
-              </a:rPr>
-              <a:t>RandomGenerator</a:t>
-            </a:r>
-            <a:r>
-              <a:rPr lang="en-US" sz="1800" dirty="0" smtClean="0">
-                <a:latin typeface="Courier New" panose="02070309020205020404" pitchFamily="49" charset="0"/>
-                <a:cs typeface="Courier New" panose="02070309020205020404" pitchFamily="49" charset="0"/>
-              </a:rPr>
-              <a:t>(1:n-2);	</a:t>
-            </a:r>
-            <a:r>
-              <a:rPr lang="en-US" sz="1800" dirty="0" smtClean="0">
-                <a:solidFill>
-                  <a:srgbClr val="339933"/>
-                </a:solidFill>
-                <a:latin typeface="Courier New" panose="02070309020205020404" pitchFamily="49" charset="0"/>
-                <a:cs typeface="Courier New" panose="02070309020205020404" pitchFamily="49" charset="0"/>
-              </a:rPr>
-              <a:t>// for message (2)</a:t>
-            </a:r>
-            <a:r>
-              <a:rPr lang="en-US" sz="1800" dirty="0" smtClean="0">
-                <a:latin typeface="Courier New" panose="02070309020205020404" pitchFamily="49" charset="0"/>
-                <a:cs typeface="Courier New" panose="02070309020205020404" pitchFamily="49" charset="0"/>
-              </a:rPr>
-              <a:t>	</a:t>
-            </a:r>
-            <a:br>
-              <a:rPr lang="en-US" sz="1800" dirty="0" smtClean="0">
-                <a:latin typeface="Courier New" panose="02070309020205020404" pitchFamily="49" charset="0"/>
-                <a:cs typeface="Courier New" panose="02070309020205020404" pitchFamily="49" charset="0"/>
-              </a:rPr>
-            </a:br>
-            <a:r>
-              <a:rPr lang="en-US" sz="1800" dirty="0" smtClean="0">
-                <a:latin typeface="Courier New" panose="02070309020205020404" pitchFamily="49" charset="0"/>
-                <a:cs typeface="Courier New" panose="02070309020205020404" pitchFamily="49" charset="0"/>
-              </a:rPr>
-              <a:t>t := 10; </a:t>
-            </a:r>
-            <a:r>
-              <a:rPr lang="en-US" sz="1800" dirty="0" smtClean="0">
-                <a:solidFill>
-                  <a:srgbClr val="339933"/>
-                </a:solidFill>
-                <a:latin typeface="Courier New" panose="02070309020205020404" pitchFamily="49" charset="0"/>
-                <a:cs typeface="Courier New" panose="02070309020205020404" pitchFamily="49" charset="0"/>
-              </a:rPr>
-              <a:t>// run 10 rounds</a:t>
-            </a:r>
-            <a:r>
-              <a:rPr lang="en-US" sz="1800" dirty="0" smtClean="0">
-                <a:latin typeface="Courier New" panose="02070309020205020404" pitchFamily="49" charset="0"/>
-                <a:cs typeface="Courier New" panose="02070309020205020404" pitchFamily="49" charset="0"/>
-              </a:rPr>
-              <a:t>	</a:t>
-            </a:r>
-            <a:br>
-              <a:rPr lang="en-US" sz="1800" dirty="0" smtClean="0">
-                <a:latin typeface="Courier New" panose="02070309020205020404" pitchFamily="49" charset="0"/>
-                <a:cs typeface="Courier New" panose="02070309020205020404" pitchFamily="49" charset="0"/>
-              </a:rPr>
-            </a:br>
-            <a:r>
-              <a:rPr lang="en-US" sz="1800" dirty="0" smtClean="0">
-                <a:latin typeface="Courier New" panose="02070309020205020404" pitchFamily="49" charset="0"/>
-                <a:cs typeface="Courier New" panose="02070309020205020404" pitchFamily="49" charset="0"/>
-              </a:rPr>
-              <a:t>success := </a:t>
-            </a:r>
-            <a:r>
-              <a:rPr lang="en-US" sz="1800" b="1" dirty="0" smtClean="0">
-                <a:solidFill>
-                  <a:srgbClr val="7030A0"/>
-                </a:solidFill>
-                <a:latin typeface="Courier New" panose="02070309020205020404" pitchFamily="49" charset="0"/>
-                <a:cs typeface="Courier New" panose="02070309020205020404" pitchFamily="49" charset="0"/>
-              </a:rPr>
-              <a:t>true</a:t>
-            </a:r>
-            <a:r>
-              <a:rPr lang="en-US" sz="1800" dirty="0" smtClean="0">
-                <a:latin typeface="Courier New" panose="02070309020205020404" pitchFamily="49" charset="0"/>
-                <a:cs typeface="Courier New" panose="02070309020205020404" pitchFamily="49" charset="0"/>
-              </a:rPr>
-              <a:t>;	</a:t>
-            </a:r>
-            <a:r>
-              <a:rPr lang="en-US" sz="1800" dirty="0" smtClean="0">
-                <a:solidFill>
-                  <a:srgbClr val="339933"/>
-                </a:solidFill>
-                <a:latin typeface="Courier New" panose="02070309020205020404" pitchFamily="49" charset="0"/>
-                <a:cs typeface="Courier New" panose="02070309020205020404" pitchFamily="49" charset="0"/>
-              </a:rPr>
-              <a:t>// no rounds failed so far…</a:t>
-            </a:r>
-            <a:r>
-              <a:rPr lang="en-US" sz="1800" dirty="0" smtClean="0">
-                <a:latin typeface="Courier New" panose="02070309020205020404" pitchFamily="49" charset="0"/>
-                <a:cs typeface="Courier New" panose="02070309020205020404" pitchFamily="49" charset="0"/>
-              </a:rPr>
-              <a:t>	</a:t>
-            </a:r>
-            <a:br>
-              <a:rPr lang="en-US" sz="1800" dirty="0" smtClean="0">
-                <a:latin typeface="Courier New" panose="02070309020205020404" pitchFamily="49" charset="0"/>
-                <a:cs typeface="Courier New" panose="02070309020205020404" pitchFamily="49" charset="0"/>
-              </a:rPr>
-            </a:br>
-            <a:r>
-              <a:rPr lang="en-US" sz="1800" b="1" dirty="0" smtClean="0">
-                <a:solidFill>
-                  <a:srgbClr val="7030A0"/>
-                </a:solidFill>
-                <a:latin typeface="Courier New" panose="02070309020205020404" pitchFamily="49" charset="0"/>
-                <a:cs typeface="Courier New" panose="02070309020205020404" pitchFamily="49" charset="0"/>
-              </a:rPr>
-              <a:t>for</a:t>
-            </a:r>
-            <a:r>
-              <a:rPr lang="en-US" sz="1800" dirty="0" smtClean="0">
-                <a:latin typeface="Courier New" panose="02070309020205020404" pitchFamily="49" charset="0"/>
-                <a:cs typeface="Courier New" panose="02070309020205020404" pitchFamily="49" charset="0"/>
-              </a:rPr>
-              <a:t> </a:t>
-            </a:r>
-            <a:r>
-              <a:rPr lang="en-US" sz="1800" dirty="0" err="1" smtClean="0">
-                <a:latin typeface="Courier New" panose="02070309020205020404" pitchFamily="49" charset="0"/>
-                <a:cs typeface="Courier New" panose="02070309020205020404" pitchFamily="49" charset="0"/>
-              </a:rPr>
-              <a:t>i</a:t>
-            </a:r>
-            <a:r>
-              <a:rPr lang="en-US" sz="1800" dirty="0" smtClean="0">
-                <a:latin typeface="Courier New" panose="02070309020205020404" pitchFamily="49" charset="0"/>
-                <a:cs typeface="Courier New" panose="02070309020205020404" pitchFamily="49" charset="0"/>
-              </a:rPr>
-              <a:t> = 1 </a:t>
-            </a:r>
-            <a:r>
-              <a:rPr lang="en-US" sz="1800" b="1" dirty="0" smtClean="0">
-                <a:solidFill>
-                  <a:srgbClr val="7030A0"/>
-                </a:solidFill>
-                <a:latin typeface="Courier New" panose="02070309020205020404" pitchFamily="49" charset="0"/>
-                <a:cs typeface="Courier New" panose="02070309020205020404" pitchFamily="49" charset="0"/>
-              </a:rPr>
-              <a:t>to</a:t>
-            </a:r>
-            <a:r>
-              <a:rPr lang="en-US" sz="1800" dirty="0" smtClean="0">
-                <a:latin typeface="Courier New" panose="02070309020205020404" pitchFamily="49" charset="0"/>
-                <a:cs typeface="Courier New" panose="02070309020205020404" pitchFamily="49" charset="0"/>
-              </a:rPr>
-              <a:t> t {	</a:t>
-            </a:r>
-            <a:br>
-              <a:rPr lang="en-US" sz="1800" dirty="0" smtClean="0">
-                <a:latin typeface="Courier New" panose="02070309020205020404" pitchFamily="49" charset="0"/>
-                <a:cs typeface="Courier New" panose="02070309020205020404" pitchFamily="49" charset="0"/>
-              </a:rPr>
-            </a:br>
-            <a:r>
-              <a:rPr lang="en-US" sz="1800" dirty="0" smtClean="0">
-                <a:latin typeface="Courier New" panose="02070309020205020404" pitchFamily="49" charset="0"/>
-                <a:cs typeface="Courier New" panose="02070309020205020404" pitchFamily="49" charset="0"/>
-              </a:rPr>
-              <a:t> 	r := XR;	</a:t>
-            </a:r>
-            <a:r>
-              <a:rPr lang="en-US" sz="1800" dirty="0" smtClean="0">
-                <a:solidFill>
-                  <a:srgbClr val="339933"/>
-                </a:solidFill>
-                <a:latin typeface="Courier New" panose="02070309020205020404" pitchFamily="49" charset="0"/>
-                <a:cs typeface="Courier New" panose="02070309020205020404" pitchFamily="49" charset="0"/>
-              </a:rPr>
-              <a:t>// get a random value</a:t>
-            </a:r>
-            <a:r>
-              <a:rPr lang="en-US" sz="1800" dirty="0" smtClean="0">
-                <a:latin typeface="Courier New" panose="02070309020205020404" pitchFamily="49" charset="0"/>
-                <a:cs typeface="Courier New" panose="02070309020205020404" pitchFamily="49" charset="0"/>
-              </a:rPr>
-              <a:t>	</a:t>
-            </a:r>
-            <a:br>
-              <a:rPr lang="en-US" sz="1800" dirty="0" smtClean="0">
-                <a:latin typeface="Courier New" panose="02070309020205020404" pitchFamily="49" charset="0"/>
-                <a:cs typeface="Courier New" panose="02070309020205020404" pitchFamily="49" charset="0"/>
-              </a:rPr>
-            </a:br>
-            <a:r>
-              <a:rPr lang="en-US" sz="1800" dirty="0" smtClean="0">
-                <a:latin typeface="Courier New" panose="02070309020205020404" pitchFamily="49" charset="0"/>
-                <a:cs typeface="Courier New" panose="02070309020205020404" pitchFamily="49" charset="0"/>
-              </a:rPr>
-              <a:t> 	x := </a:t>
-            </a:r>
-            <a:r>
-              <a:rPr lang="en-US" sz="1800" dirty="0" err="1" smtClean="0">
-                <a:latin typeface="Courier New" panose="02070309020205020404" pitchFamily="49" charset="0"/>
-                <a:cs typeface="Courier New" panose="02070309020205020404" pitchFamily="49" charset="0"/>
-              </a:rPr>
-              <a:t>r^v</a:t>
-            </a:r>
-            <a:r>
-              <a:rPr lang="en-US" sz="1800" dirty="0" smtClean="0">
-                <a:latin typeface="Courier New" panose="02070309020205020404" pitchFamily="49" charset="0"/>
-                <a:cs typeface="Courier New" panose="02070309020205020404" pitchFamily="49" charset="0"/>
-              </a:rPr>
-              <a:t>;	</a:t>
-            </a:r>
-            <a:br>
-              <a:rPr lang="en-US" sz="1800" dirty="0" smtClean="0">
-                <a:latin typeface="Courier New" panose="02070309020205020404" pitchFamily="49" charset="0"/>
-                <a:cs typeface="Courier New" panose="02070309020205020404" pitchFamily="49" charset="0"/>
-              </a:rPr>
-            </a:br>
-            <a:r>
-              <a:rPr lang="en-US" sz="1800" dirty="0" smtClean="0">
-                <a:latin typeface="Courier New" panose="02070309020205020404" pitchFamily="49" charset="0"/>
-                <a:cs typeface="Courier New" panose="02070309020205020404" pitchFamily="49" charset="0"/>
-              </a:rPr>
-              <a:t> 	</a:t>
-            </a:r>
-            <a:r>
-              <a:rPr lang="en-US" sz="1800" dirty="0" smtClean="0">
-                <a:solidFill>
-                  <a:srgbClr val="339933"/>
-                </a:solidFill>
-                <a:latin typeface="Courier New" panose="02070309020205020404" pitchFamily="49" charset="0"/>
-                <a:cs typeface="Courier New" panose="02070309020205020404" pitchFamily="49" charset="0"/>
-              </a:rPr>
-              <a:t>/* sending (</a:t>
-            </a:r>
-            <a:r>
-              <a:rPr lang="en-US" sz="1800" dirty="0" err="1" smtClean="0">
-                <a:solidFill>
-                  <a:srgbClr val="339933"/>
-                </a:solidFill>
-                <a:latin typeface="Courier New" panose="02070309020205020404" pitchFamily="49" charset="0"/>
-                <a:cs typeface="Courier New" panose="02070309020205020404" pitchFamily="49" charset="0"/>
-              </a:rPr>
-              <a:t>IA,x</a:t>
-            </a:r>
-            <a:r>
-              <a:rPr lang="en-US" sz="1800" dirty="0" smtClean="0">
-                <a:solidFill>
-                  <a:srgbClr val="339933"/>
-                </a:solidFill>
-                <a:latin typeface="Courier New" panose="02070309020205020404" pitchFamily="49" charset="0"/>
-                <a:cs typeface="Courier New" panose="02070309020205020404" pitchFamily="49" charset="0"/>
-              </a:rPr>
-              <a:t>) requires no action… */	</a:t>
-            </a:r>
-            <a:br>
-              <a:rPr lang="en-US" sz="1800" dirty="0" smtClean="0">
-                <a:solidFill>
-                  <a:srgbClr val="339933"/>
-                </a:solidFill>
-                <a:latin typeface="Courier New" panose="02070309020205020404" pitchFamily="49" charset="0"/>
-                <a:cs typeface="Courier New" panose="02070309020205020404" pitchFamily="49" charset="0"/>
-              </a:rPr>
-            </a:br>
-            <a:r>
-              <a:rPr lang="en-US" sz="1800" dirty="0" smtClean="0">
-                <a:latin typeface="Courier New" panose="02070309020205020404" pitchFamily="49" charset="0"/>
-                <a:cs typeface="Courier New" panose="02070309020205020404" pitchFamily="49" charset="0"/>
-              </a:rPr>
-              <a:t> 	e := 1 + XE </a:t>
-            </a:r>
-            <a:r>
-              <a:rPr lang="en-US" sz="1800" b="1" dirty="0" smtClean="0">
-                <a:solidFill>
-                  <a:srgbClr val="7030A0"/>
-                </a:solidFill>
-                <a:latin typeface="Courier New" panose="02070309020205020404" pitchFamily="49" charset="0"/>
-                <a:cs typeface="Courier New" panose="02070309020205020404" pitchFamily="49" charset="0"/>
-              </a:rPr>
-              <a:t>MOD</a:t>
-            </a:r>
-            <a:r>
-              <a:rPr lang="en-US" sz="1800" dirty="0" smtClean="0">
-                <a:latin typeface="Courier New" panose="02070309020205020404" pitchFamily="49" charset="0"/>
-                <a:cs typeface="Courier New" panose="02070309020205020404" pitchFamily="49" charset="0"/>
-              </a:rPr>
-              <a:t> </a:t>
-            </a:r>
-            <a:r>
-              <a:rPr lang="en-US" sz="1800" i="1" dirty="0" err="1" smtClean="0">
-                <a:solidFill>
-                  <a:srgbClr val="0000FF"/>
-                </a:solidFill>
-                <a:latin typeface="Courier New" panose="02070309020205020404" pitchFamily="49" charset="0"/>
-                <a:cs typeface="Courier New" panose="02070309020205020404" pitchFamily="49" charset="0"/>
-              </a:rPr>
-              <a:t>int</a:t>
-            </a:r>
-            <a:r>
-              <a:rPr lang="en-US" sz="1800" dirty="0" smtClean="0">
-                <a:solidFill>
-                  <a:srgbClr val="0000FF"/>
-                </a:solidFill>
-                <a:latin typeface="Courier New" panose="02070309020205020404" pitchFamily="49" charset="0"/>
-                <a:cs typeface="Courier New" panose="02070309020205020404" pitchFamily="49" charset="0"/>
-              </a:rPr>
-              <a:t>(v)</a:t>
-            </a:r>
-            <a:r>
-              <a:rPr lang="en-US" sz="1800" dirty="0" smtClean="0">
-                <a:latin typeface="Courier New" panose="02070309020205020404" pitchFamily="49" charset="0"/>
-                <a:cs typeface="Courier New" panose="02070309020205020404" pitchFamily="49" charset="0"/>
-              </a:rPr>
-              <a:t>; 	</a:t>
-            </a:r>
-            <a:r>
-              <a:rPr lang="en-US" sz="1800" dirty="0" smtClean="0">
-                <a:solidFill>
-                  <a:srgbClr val="339933"/>
-                </a:solidFill>
-                <a:latin typeface="Courier New" panose="02070309020205020404" pitchFamily="49" charset="0"/>
-                <a:cs typeface="Courier New" panose="02070309020205020404" pitchFamily="49" charset="0"/>
-              </a:rPr>
-              <a:t>// random challenge</a:t>
-            </a:r>
-            <a:r>
-              <a:rPr lang="en-US" sz="1800" dirty="0" smtClean="0">
-                <a:latin typeface="Courier New" panose="02070309020205020404" pitchFamily="49" charset="0"/>
-                <a:cs typeface="Courier New" panose="02070309020205020404" pitchFamily="49" charset="0"/>
-              </a:rPr>
-              <a:t/>
-            </a:r>
-            <a:br>
-              <a:rPr lang="en-US" sz="1800" dirty="0" smtClean="0">
-                <a:latin typeface="Courier New" panose="02070309020205020404" pitchFamily="49" charset="0"/>
-                <a:cs typeface="Courier New" panose="02070309020205020404" pitchFamily="49" charset="0"/>
-              </a:rPr>
-            </a:br>
-            <a:r>
-              <a:rPr lang="en-US" sz="1800" dirty="0" smtClean="0">
-                <a:latin typeface="Courier New" panose="02070309020205020404" pitchFamily="49" charset="0"/>
-                <a:cs typeface="Courier New" panose="02070309020205020404" pitchFamily="49" charset="0"/>
-              </a:rPr>
-              <a:t> 	y := r * </a:t>
-            </a:r>
-            <a:r>
-              <a:rPr lang="en-US" sz="1800" dirty="0" err="1" smtClean="0">
-                <a:latin typeface="Courier New" panose="02070309020205020404" pitchFamily="49" charset="0"/>
-                <a:cs typeface="Courier New" panose="02070309020205020404" pitchFamily="49" charset="0"/>
-              </a:rPr>
-              <a:t>sA^e</a:t>
-            </a:r>
-            <a:r>
-              <a:rPr lang="en-US" sz="1800" dirty="0" smtClean="0">
-                <a:latin typeface="Courier New" panose="02070309020205020404" pitchFamily="49" charset="0"/>
-                <a:cs typeface="Courier New" panose="02070309020205020404" pitchFamily="49" charset="0"/>
-              </a:rPr>
-              <a:t>;	</a:t>
-            </a:r>
-            <a:r>
-              <a:rPr lang="en-US" sz="1800" dirty="0" smtClean="0">
-                <a:solidFill>
-                  <a:srgbClr val="339933"/>
-                </a:solidFill>
-                <a:latin typeface="Courier New" panose="02070309020205020404" pitchFamily="49" charset="0"/>
-                <a:cs typeface="Courier New" panose="02070309020205020404" pitchFamily="49" charset="0"/>
-              </a:rPr>
-              <a:t>/* compute the response */</a:t>
-            </a:r>
-            <a:r>
-              <a:rPr lang="en-US" sz="1800" dirty="0" smtClean="0">
-                <a:latin typeface="Courier New" panose="02070309020205020404" pitchFamily="49" charset="0"/>
-                <a:cs typeface="Courier New" panose="02070309020205020404" pitchFamily="49" charset="0"/>
-              </a:rPr>
-              <a:t>	</a:t>
-            </a:r>
-            <a:br>
-              <a:rPr lang="en-US" sz="1800" dirty="0" smtClean="0">
-                <a:latin typeface="Courier New" panose="02070309020205020404" pitchFamily="49" charset="0"/>
-                <a:cs typeface="Courier New" panose="02070309020205020404" pitchFamily="49" charset="0"/>
-              </a:rPr>
-            </a:br>
-            <a:r>
-              <a:rPr lang="en-US" sz="1800" dirty="0" smtClean="0">
-                <a:latin typeface="Courier New" panose="02070309020205020404" pitchFamily="49" charset="0"/>
-                <a:cs typeface="Courier New" panose="02070309020205020404" pitchFamily="49" charset="0"/>
-              </a:rPr>
-              <a:t> 	z := </a:t>
-            </a:r>
-            <a:r>
-              <a:rPr lang="en-US" sz="1800" dirty="0" err="1" smtClean="0">
-                <a:latin typeface="Courier New" panose="02070309020205020404" pitchFamily="49" charset="0"/>
-                <a:cs typeface="Courier New" panose="02070309020205020404" pitchFamily="49" charset="0"/>
-              </a:rPr>
-              <a:t>JA^e</a:t>
-            </a:r>
-            <a:r>
-              <a:rPr lang="en-US" sz="1800" dirty="0" smtClean="0">
-                <a:latin typeface="Courier New" panose="02070309020205020404" pitchFamily="49" charset="0"/>
-                <a:cs typeface="Courier New" panose="02070309020205020404" pitchFamily="49" charset="0"/>
-              </a:rPr>
-              <a:t>*</a:t>
-            </a:r>
-            <a:r>
-              <a:rPr lang="en-US" sz="1800" dirty="0" err="1" smtClean="0">
-                <a:latin typeface="Courier New" panose="02070309020205020404" pitchFamily="49" charset="0"/>
-                <a:cs typeface="Courier New" panose="02070309020205020404" pitchFamily="49" charset="0"/>
-              </a:rPr>
-              <a:t>y^v</a:t>
-            </a:r>
-            <a:r>
-              <a:rPr lang="en-US" sz="1800" dirty="0" smtClean="0">
-                <a:latin typeface="Courier New" panose="02070309020205020404" pitchFamily="49" charset="0"/>
-                <a:cs typeface="Courier New" panose="02070309020205020404" pitchFamily="49" charset="0"/>
-              </a:rPr>
-              <a:t>; </a:t>
-            </a:r>
-            <a:r>
-              <a:rPr lang="en-US" sz="1800" dirty="0" smtClean="0">
-                <a:solidFill>
-                  <a:srgbClr val="339933"/>
-                </a:solidFill>
-                <a:latin typeface="Courier New" panose="02070309020205020404" pitchFamily="49" charset="0"/>
-                <a:cs typeface="Courier New" panose="02070309020205020404" pitchFamily="49" charset="0"/>
-              </a:rPr>
-              <a:t>/* check the acceptance condition */</a:t>
-            </a:r>
-            <a:r>
-              <a:rPr lang="en-US" sz="1800" dirty="0" smtClean="0">
-                <a:latin typeface="Courier New" panose="02070309020205020404" pitchFamily="49" charset="0"/>
-                <a:cs typeface="Courier New" panose="02070309020205020404" pitchFamily="49" charset="0"/>
-              </a:rPr>
-              <a:t>	</a:t>
-            </a:r>
-            <a:br>
-              <a:rPr lang="en-US" sz="1800" dirty="0" smtClean="0">
-                <a:latin typeface="Courier New" panose="02070309020205020404" pitchFamily="49" charset="0"/>
-                <a:cs typeface="Courier New" panose="02070309020205020404" pitchFamily="49" charset="0"/>
-              </a:rPr>
-            </a:br>
-            <a:r>
-              <a:rPr lang="en-US" sz="1800" dirty="0" smtClean="0">
-                <a:latin typeface="Courier New" panose="02070309020205020404" pitchFamily="49" charset="0"/>
-                <a:cs typeface="Courier New" panose="02070309020205020404" pitchFamily="49" charset="0"/>
-              </a:rPr>
-              <a:t> 	</a:t>
-            </a:r>
-            <a:r>
-              <a:rPr lang="en-US" sz="1800" b="1" dirty="0" smtClean="0">
-                <a:solidFill>
-                  <a:srgbClr val="7030A0"/>
-                </a:solidFill>
-                <a:latin typeface="Courier New" panose="02070309020205020404" pitchFamily="49" charset="0"/>
-                <a:cs typeface="Courier New" panose="02070309020205020404" pitchFamily="49" charset="0"/>
-              </a:rPr>
-              <a:t>if</a:t>
-            </a:r>
-            <a:r>
-              <a:rPr lang="en-US" sz="1800" dirty="0" smtClean="0">
-                <a:latin typeface="Courier New" panose="02070309020205020404" pitchFamily="49" charset="0"/>
-                <a:cs typeface="Courier New" panose="02070309020205020404" pitchFamily="49" charset="0"/>
-              </a:rPr>
-              <a:t> (z!=x </a:t>
-            </a:r>
-            <a:r>
-              <a:rPr lang="en-US" sz="1800" b="1" dirty="0" smtClean="0">
-                <a:solidFill>
-                  <a:srgbClr val="7030A0"/>
-                </a:solidFill>
-                <a:latin typeface="Courier New" panose="02070309020205020404" pitchFamily="49" charset="0"/>
-                <a:cs typeface="Courier New" panose="02070309020205020404" pitchFamily="49" charset="0"/>
-              </a:rPr>
-              <a:t>OR</a:t>
-            </a:r>
-            <a:r>
-              <a:rPr lang="en-US" sz="1800" dirty="0" smtClean="0">
-                <a:latin typeface="Courier New" panose="02070309020205020404" pitchFamily="49" charset="0"/>
-                <a:cs typeface="Courier New" panose="02070309020205020404" pitchFamily="49" charset="0"/>
-              </a:rPr>
-              <a:t> z==0) { success := </a:t>
-            </a:r>
-            <a:r>
-              <a:rPr lang="en-US" sz="1800" b="1" dirty="0" smtClean="0">
-                <a:solidFill>
-                  <a:srgbClr val="7030A0"/>
-                </a:solidFill>
-                <a:latin typeface="Courier New" panose="02070309020205020404" pitchFamily="49" charset="0"/>
-                <a:cs typeface="Courier New" panose="02070309020205020404" pitchFamily="49" charset="0"/>
-              </a:rPr>
-              <a:t>false</a:t>
-            </a:r>
-            <a:r>
-              <a:rPr lang="en-US" sz="1800" dirty="0" smtClean="0">
-                <a:latin typeface="Courier New" panose="02070309020205020404" pitchFamily="49" charset="0"/>
-                <a:cs typeface="Courier New" panose="02070309020205020404" pitchFamily="49" charset="0"/>
-              </a:rPr>
-              <a:t>; }</a:t>
-            </a:r>
-            <a:br>
-              <a:rPr lang="en-US" sz="1800" dirty="0" smtClean="0">
-                <a:latin typeface="Courier New" panose="02070309020205020404" pitchFamily="49" charset="0"/>
-                <a:cs typeface="Courier New" panose="02070309020205020404" pitchFamily="49" charset="0"/>
-              </a:rPr>
-            </a:br>
-            <a:r>
-              <a:rPr lang="en-US" sz="1800" dirty="0" smtClean="0">
-                <a:latin typeface="Courier New" panose="02070309020205020404" pitchFamily="49" charset="0"/>
-                <a:cs typeface="Courier New" panose="02070309020205020404" pitchFamily="49" charset="0"/>
-              </a:rPr>
-              <a:t>}</a:t>
-            </a:r>
-            <a:br>
-              <a:rPr lang="en-US" sz="1800" dirty="0" smtClean="0">
-                <a:latin typeface="Courier New" panose="02070309020205020404" pitchFamily="49" charset="0"/>
-                <a:cs typeface="Courier New" panose="02070309020205020404" pitchFamily="49" charset="0"/>
-              </a:rPr>
-            </a:br>
-            <a:r>
-              <a:rPr lang="en-US" sz="1800" dirty="0" smtClean="0">
-                <a:solidFill>
-                  <a:srgbClr val="339933"/>
-                </a:solidFill>
-                <a:latin typeface="Courier New" panose="02070309020205020404" pitchFamily="49" charset="0"/>
-                <a:cs typeface="Courier New" panose="02070309020205020404" pitchFamily="49" charset="0"/>
-              </a:rPr>
-              <a:t>// Boolean variable </a:t>
-            </a:r>
-            <a:r>
-              <a:rPr lang="en-US" sz="1800" dirty="0" smtClean="0">
-                <a:solidFill>
-                  <a:srgbClr val="339933"/>
-                </a:solidFill>
-                <a:latin typeface="Courier New"/>
-                <a:cs typeface="Courier New"/>
-              </a:rPr>
-              <a:t>"</a:t>
-            </a:r>
-            <a:r>
-              <a:rPr lang="en-US" sz="1800" dirty="0" smtClean="0">
-                <a:solidFill>
-                  <a:srgbClr val="339933"/>
-                </a:solidFill>
-                <a:latin typeface="Courier New" panose="02070309020205020404" pitchFamily="49" charset="0"/>
-                <a:cs typeface="Courier New" panose="02070309020205020404" pitchFamily="49" charset="0"/>
-              </a:rPr>
-              <a:t>success</a:t>
-            </a:r>
-            <a:r>
-              <a:rPr lang="en-US" sz="1800" dirty="0" smtClean="0">
-                <a:solidFill>
-                  <a:srgbClr val="339933"/>
-                </a:solidFill>
-                <a:latin typeface="Courier New"/>
-                <a:cs typeface="Courier New"/>
-              </a:rPr>
-              <a:t>"</a:t>
-            </a:r>
-            <a:r>
-              <a:rPr lang="en-US" sz="1800" dirty="0" smtClean="0">
-                <a:solidFill>
-                  <a:srgbClr val="339933"/>
-                </a:solidFill>
-                <a:latin typeface="Courier New" panose="02070309020205020404" pitchFamily="49" charset="0"/>
-                <a:cs typeface="Courier New" panose="02070309020205020404" pitchFamily="49" charset="0"/>
-              </a:rPr>
-              <a:t> contains the decision</a:t>
-            </a:r>
-            <a:endParaRPr lang="en-US" sz="1800" dirty="0">
-              <a:solidFill>
-                <a:srgbClr val="339933"/>
-              </a:solidFill>
-              <a:latin typeface="Courier New" panose="02070309020205020404" pitchFamily="49" charset="0"/>
-              <a:cs typeface="Courier New" panose="02070309020205020404" pitchFamily="49" charset="0"/>
-            </a:endParaRPr>
+            <a:endParaRPr lang="en-US" dirty="0"/>
           </a:p>
         </p:txBody>
       </p:sp>
@@ -20083,10 +18852,1389 @@
           </a:p>
         </p:txBody>
       </p:sp>
+      <p:sp>
+        <p:nvSpPr>
+          <p:cNvPr id="5" name="Textfeld 4"/>
+          <p:cNvSpPr txBox="1"/>
+          <p:nvPr/>
+        </p:nvSpPr>
+        <p:spPr>
+          <a:xfrm>
+            <a:off x="376809" y="824515"/>
+            <a:ext cx="8479667" cy="3970318"/>
+          </a:xfrm>
+          <a:prstGeom prst="rect">
+            <a:avLst/>
+          </a:prstGeom>
+          <a:solidFill>
+            <a:schemeClr val="bg1"/>
+          </a:solidFill>
+          <a:ln>
+            <a:solidFill>
+              <a:schemeClr val="tx1"/>
+            </a:solidFill>
+          </a:ln>
+          <a:effectLst>
+            <a:outerShdw blurRad="50800" dist="38100" dir="2700000" algn="tl" rotWithShape="0">
+              <a:prstClr val="black">
+                <a:alpha val="40000"/>
+              </a:prstClr>
+            </a:outerShdw>
+          </a:effectLst>
+        </p:spPr>
+        <p:txBody>
+          <a:bodyPr wrap="square" rtlCol="0">
+            <a:spAutoFit/>
+          </a:bodyPr>
+          <a:lstStyle/>
+          <a:p>
+            <a:pPr marL="452438" lvl="0" indent="-363538">
+              <a:buFont typeface="+mj-lt"/>
+              <a:buAutoNum type="arabicPeriod" startAt="3"/>
+            </a:pPr>
+            <a:r>
+              <a:rPr lang="en-US" sz="1800" i="1" dirty="0">
+                <a:latin typeface="Times New Roman" panose="02020603050405020304" pitchFamily="18" charset="0"/>
+                <a:cs typeface="Times New Roman" panose="02020603050405020304" pitchFamily="18" charset="0"/>
+              </a:rPr>
+              <a:t>Protocol messages</a:t>
+            </a:r>
+            <a:r>
+              <a:rPr lang="en-US" sz="1800" dirty="0">
+                <a:latin typeface="Times New Roman" panose="02020603050405020304" pitchFamily="18" charset="0"/>
+                <a:cs typeface="Times New Roman" panose="02020603050405020304" pitchFamily="18" charset="0"/>
+              </a:rPr>
+              <a:t>. Each of </a:t>
+            </a:r>
+            <a:r>
+              <a:rPr lang="en-US" sz="1800" i="1" dirty="0">
+                <a:latin typeface="Times New Roman" panose="02020603050405020304" pitchFamily="18" charset="0"/>
+                <a:cs typeface="Times New Roman" panose="02020603050405020304" pitchFamily="18" charset="0"/>
+              </a:rPr>
+              <a:t>t</a:t>
+            </a:r>
+            <a:r>
+              <a:rPr lang="en-US" sz="1800" dirty="0">
+                <a:latin typeface="Times New Roman" panose="02020603050405020304" pitchFamily="18" charset="0"/>
+                <a:cs typeface="Times New Roman" panose="02020603050405020304" pitchFamily="18" charset="0"/>
+              </a:rPr>
+              <a:t> rounds has three messages as follows (often </a:t>
+            </a:r>
+            <a:r>
+              <a:rPr lang="en-US" sz="1800" i="1" dirty="0">
+                <a:latin typeface="Times New Roman" panose="02020603050405020304" pitchFamily="18" charset="0"/>
+                <a:cs typeface="Times New Roman" panose="02020603050405020304" pitchFamily="18" charset="0"/>
+              </a:rPr>
+              <a:t>t</a:t>
+            </a:r>
+            <a:r>
+              <a:rPr lang="en-US" sz="1800" dirty="0">
+                <a:latin typeface="Times New Roman" panose="02020603050405020304" pitchFamily="18" charset="0"/>
+                <a:cs typeface="Times New Roman" panose="02020603050405020304" pitchFamily="18" charset="0"/>
+              </a:rPr>
+              <a:t> = 1).	</a:t>
+            </a:r>
+            <a:br>
+              <a:rPr lang="en-US" sz="1800" dirty="0">
+                <a:latin typeface="Times New Roman" panose="02020603050405020304" pitchFamily="18" charset="0"/>
+                <a:cs typeface="Times New Roman" panose="02020603050405020304" pitchFamily="18" charset="0"/>
+              </a:rPr>
+            </a:br>
+            <a:r>
+              <a:rPr lang="en-US" sz="1800" dirty="0">
+                <a:latin typeface="Times New Roman" panose="02020603050405020304" pitchFamily="18" charset="0"/>
+                <a:cs typeface="Times New Roman" panose="02020603050405020304" pitchFamily="18" charset="0"/>
+              </a:rPr>
+              <a:t> 	</a:t>
+            </a:r>
+            <a:r>
+              <a:rPr lang="en-US" sz="1800" i="1" dirty="0">
+                <a:latin typeface="Times New Roman" panose="02020603050405020304" pitchFamily="18" charset="0"/>
+                <a:cs typeface="Times New Roman" panose="02020603050405020304" pitchFamily="18" charset="0"/>
+              </a:rPr>
+              <a:t>A</a:t>
+            </a:r>
+            <a:r>
+              <a:rPr lang="en-US" sz="1800" dirty="0">
+                <a:latin typeface="Times New Roman" panose="02020603050405020304" pitchFamily="18" charset="0"/>
+                <a:cs typeface="Times New Roman" panose="02020603050405020304" pitchFamily="18" charset="0"/>
+              </a:rPr>
+              <a:t> </a:t>
+            </a:r>
+            <a:r>
+              <a:rPr lang="en-US" sz="1800" dirty="0">
+                <a:latin typeface="Times New Roman" panose="02020603050405020304" pitchFamily="18" charset="0"/>
+                <a:cs typeface="Times New Roman" panose="02020603050405020304" pitchFamily="18" charset="0"/>
+                <a:sym typeface="Symbol"/>
+              </a:rPr>
+              <a:t></a:t>
+            </a:r>
+            <a:r>
+              <a:rPr lang="en-US" sz="1800" dirty="0">
+                <a:latin typeface="Times New Roman" panose="02020603050405020304" pitchFamily="18" charset="0"/>
+                <a:cs typeface="Times New Roman" panose="02020603050405020304" pitchFamily="18" charset="0"/>
+              </a:rPr>
+              <a:t> </a:t>
+            </a:r>
+            <a:r>
+              <a:rPr lang="en-US" sz="1800" i="1" dirty="0">
+                <a:latin typeface="Times New Roman" panose="02020603050405020304" pitchFamily="18" charset="0"/>
+                <a:cs typeface="Times New Roman" panose="02020603050405020304" pitchFamily="18" charset="0"/>
+              </a:rPr>
+              <a:t>B</a:t>
+            </a:r>
+            <a:r>
+              <a:rPr lang="en-US" sz="1800" dirty="0">
+                <a:latin typeface="Times New Roman" panose="02020603050405020304" pitchFamily="18" charset="0"/>
+                <a:cs typeface="Times New Roman" panose="02020603050405020304" pitchFamily="18" charset="0"/>
+              </a:rPr>
+              <a:t>: 	</a:t>
+            </a:r>
+            <a:r>
+              <a:rPr lang="en-US" sz="1800" i="1" dirty="0">
+                <a:latin typeface="Times New Roman" panose="02020603050405020304" pitchFamily="18" charset="0"/>
+                <a:cs typeface="Times New Roman" panose="02020603050405020304" pitchFamily="18" charset="0"/>
+              </a:rPr>
+              <a:t>I</a:t>
+            </a:r>
+            <a:r>
+              <a:rPr lang="en-US" sz="1800" i="1" baseline="-25000" dirty="0">
+                <a:latin typeface="Times New Roman" panose="02020603050405020304" pitchFamily="18" charset="0"/>
+                <a:cs typeface="Times New Roman" panose="02020603050405020304" pitchFamily="18" charset="0"/>
+              </a:rPr>
+              <a:t>A</a:t>
+            </a:r>
+            <a:r>
+              <a:rPr lang="en-US" sz="1800" dirty="0">
+                <a:latin typeface="Times New Roman" panose="02020603050405020304" pitchFamily="18" charset="0"/>
+                <a:cs typeface="Times New Roman" panose="02020603050405020304" pitchFamily="18" charset="0"/>
+              </a:rPr>
+              <a:t>, </a:t>
+            </a:r>
+            <a:r>
+              <a:rPr lang="en-US" sz="1800" i="1" dirty="0">
+                <a:latin typeface="Times New Roman" panose="02020603050405020304" pitchFamily="18" charset="0"/>
+                <a:cs typeface="Times New Roman" panose="02020603050405020304" pitchFamily="18" charset="0"/>
+              </a:rPr>
+              <a:t>x</a:t>
+            </a:r>
+            <a:r>
+              <a:rPr lang="en-US" sz="1800" dirty="0">
+                <a:latin typeface="Times New Roman" panose="02020603050405020304" pitchFamily="18" charset="0"/>
+                <a:cs typeface="Times New Roman" panose="02020603050405020304" pitchFamily="18" charset="0"/>
+              </a:rPr>
+              <a:t> = </a:t>
+            </a:r>
+            <a:r>
+              <a:rPr lang="en-US" sz="1800" i="1" dirty="0" err="1">
+                <a:latin typeface="Times New Roman" panose="02020603050405020304" pitchFamily="18" charset="0"/>
+                <a:cs typeface="Times New Roman" panose="02020603050405020304" pitchFamily="18" charset="0"/>
+              </a:rPr>
+              <a:t>r</a:t>
+            </a:r>
+            <a:r>
+              <a:rPr lang="en-US" sz="1800" i="1" baseline="30000" dirty="0" err="1">
+                <a:latin typeface="Times New Roman" panose="02020603050405020304" pitchFamily="18" charset="0"/>
+                <a:cs typeface="Times New Roman" panose="02020603050405020304" pitchFamily="18" charset="0"/>
+              </a:rPr>
+              <a:t>v</a:t>
+            </a:r>
+            <a:r>
+              <a:rPr lang="en-US" sz="1800" dirty="0">
+                <a:latin typeface="Times New Roman" panose="02020603050405020304" pitchFamily="18" charset="0"/>
+                <a:cs typeface="Times New Roman" panose="02020603050405020304" pitchFamily="18" charset="0"/>
+              </a:rPr>
+              <a:t> mod </a:t>
+            </a:r>
+            <a:r>
+              <a:rPr lang="en-US" sz="1800" i="1" dirty="0">
+                <a:latin typeface="Times New Roman" panose="02020603050405020304" pitchFamily="18" charset="0"/>
+                <a:cs typeface="Times New Roman" panose="02020603050405020304" pitchFamily="18" charset="0"/>
+              </a:rPr>
+              <a:t>n</a:t>
+            </a:r>
+            <a:r>
+              <a:rPr lang="en-US" sz="1800" dirty="0">
+                <a:latin typeface="Times New Roman" panose="02020603050405020304" pitchFamily="18" charset="0"/>
+                <a:cs typeface="Times New Roman" panose="02020603050405020304" pitchFamily="18" charset="0"/>
+              </a:rPr>
+              <a:t>.		(1)</a:t>
+            </a:r>
+            <a:br>
+              <a:rPr lang="en-US" sz="1800" dirty="0">
+                <a:latin typeface="Times New Roman" panose="02020603050405020304" pitchFamily="18" charset="0"/>
+                <a:cs typeface="Times New Roman" panose="02020603050405020304" pitchFamily="18" charset="0"/>
+              </a:rPr>
+            </a:br>
+            <a:r>
+              <a:rPr lang="en-US" sz="1800" dirty="0">
+                <a:latin typeface="Times New Roman" panose="02020603050405020304" pitchFamily="18" charset="0"/>
+                <a:cs typeface="Times New Roman" panose="02020603050405020304" pitchFamily="18" charset="0"/>
+              </a:rPr>
+              <a:t> 	</a:t>
+            </a:r>
+            <a:r>
+              <a:rPr lang="en-US" sz="1800" i="1" dirty="0">
+                <a:latin typeface="Times New Roman" panose="02020603050405020304" pitchFamily="18" charset="0"/>
+                <a:cs typeface="Times New Roman" panose="02020603050405020304" pitchFamily="18" charset="0"/>
+              </a:rPr>
+              <a:t>A</a:t>
+            </a:r>
+            <a:r>
+              <a:rPr lang="en-US" sz="1800" dirty="0">
+                <a:latin typeface="Times New Roman" panose="02020603050405020304" pitchFamily="18" charset="0"/>
+                <a:cs typeface="Times New Roman" panose="02020603050405020304" pitchFamily="18" charset="0"/>
+              </a:rPr>
+              <a:t> </a:t>
+            </a:r>
+            <a:r>
+              <a:rPr lang="en-US" sz="1800" dirty="0">
+                <a:latin typeface="Times New Roman" panose="02020603050405020304" pitchFamily="18" charset="0"/>
+                <a:cs typeface="Times New Roman" panose="02020603050405020304" pitchFamily="18" charset="0"/>
+                <a:sym typeface="Symbol"/>
+              </a:rPr>
+              <a:t></a:t>
+            </a:r>
+            <a:r>
+              <a:rPr lang="en-US" sz="1800" dirty="0">
+                <a:latin typeface="Times New Roman" panose="02020603050405020304" pitchFamily="18" charset="0"/>
+                <a:cs typeface="Times New Roman" panose="02020603050405020304" pitchFamily="18" charset="0"/>
+              </a:rPr>
+              <a:t> </a:t>
+            </a:r>
+            <a:r>
+              <a:rPr lang="en-US" sz="1800" i="1" dirty="0">
+                <a:latin typeface="Times New Roman" panose="02020603050405020304" pitchFamily="18" charset="0"/>
+                <a:cs typeface="Times New Roman" panose="02020603050405020304" pitchFamily="18" charset="0"/>
+              </a:rPr>
+              <a:t>B</a:t>
+            </a:r>
+            <a:r>
+              <a:rPr lang="en-US" sz="1800" dirty="0">
+                <a:latin typeface="Times New Roman" panose="02020603050405020304" pitchFamily="18" charset="0"/>
+                <a:cs typeface="Times New Roman" panose="02020603050405020304" pitchFamily="18" charset="0"/>
+              </a:rPr>
+              <a:t>:	</a:t>
+            </a:r>
+            <a:r>
+              <a:rPr lang="en-US" sz="1800" i="1" dirty="0">
+                <a:latin typeface="Times New Roman" panose="02020603050405020304" pitchFamily="18" charset="0"/>
+                <a:cs typeface="Times New Roman" panose="02020603050405020304" pitchFamily="18" charset="0"/>
+              </a:rPr>
+              <a:t>e</a:t>
+            </a:r>
+            <a:r>
+              <a:rPr lang="en-US" sz="1800" dirty="0">
+                <a:latin typeface="Times New Roman" panose="02020603050405020304" pitchFamily="18" charset="0"/>
+                <a:cs typeface="Times New Roman" panose="02020603050405020304" pitchFamily="18" charset="0"/>
+              </a:rPr>
+              <a:t> (where 1 </a:t>
+            </a:r>
+            <a:r>
+              <a:rPr lang="en-US" sz="1800" dirty="0">
+                <a:latin typeface="Times New Roman" panose="02020603050405020304" pitchFamily="18" charset="0"/>
+                <a:cs typeface="Times New Roman" panose="02020603050405020304" pitchFamily="18" charset="0"/>
+                <a:sym typeface="Symbol"/>
+              </a:rPr>
+              <a:t></a:t>
+            </a:r>
+            <a:r>
+              <a:rPr lang="en-US" sz="1800" dirty="0">
+                <a:latin typeface="Times New Roman" panose="02020603050405020304" pitchFamily="18" charset="0"/>
+                <a:cs typeface="Times New Roman" panose="02020603050405020304" pitchFamily="18" charset="0"/>
+              </a:rPr>
+              <a:t> </a:t>
+            </a:r>
+            <a:r>
+              <a:rPr lang="en-US" sz="1800" i="1" dirty="0">
+                <a:latin typeface="Times New Roman" panose="02020603050405020304" pitchFamily="18" charset="0"/>
+                <a:cs typeface="Times New Roman" panose="02020603050405020304" pitchFamily="18" charset="0"/>
+              </a:rPr>
+              <a:t>e</a:t>
+            </a:r>
+            <a:r>
+              <a:rPr lang="en-US" sz="1800" dirty="0">
+                <a:latin typeface="Times New Roman" panose="02020603050405020304" pitchFamily="18" charset="0"/>
+                <a:cs typeface="Times New Roman" panose="02020603050405020304" pitchFamily="18" charset="0"/>
+              </a:rPr>
+              <a:t> </a:t>
+            </a:r>
+            <a:r>
+              <a:rPr lang="en-US" sz="1800" dirty="0">
+                <a:latin typeface="Times New Roman" panose="02020603050405020304" pitchFamily="18" charset="0"/>
+                <a:cs typeface="Times New Roman" panose="02020603050405020304" pitchFamily="18" charset="0"/>
+                <a:sym typeface="Symbol"/>
+              </a:rPr>
+              <a:t></a:t>
+            </a:r>
+            <a:r>
+              <a:rPr lang="en-US" sz="1800" dirty="0">
+                <a:latin typeface="Times New Roman" panose="02020603050405020304" pitchFamily="18" charset="0"/>
+                <a:cs typeface="Times New Roman" panose="02020603050405020304" pitchFamily="18" charset="0"/>
+              </a:rPr>
+              <a:t> </a:t>
+            </a:r>
+            <a:r>
+              <a:rPr lang="en-US" sz="1800" i="1" dirty="0">
+                <a:latin typeface="Times New Roman" panose="02020603050405020304" pitchFamily="18" charset="0"/>
+                <a:cs typeface="Times New Roman" panose="02020603050405020304" pitchFamily="18" charset="0"/>
+              </a:rPr>
+              <a:t>v</a:t>
+            </a:r>
+            <a:r>
+              <a:rPr lang="en-US" sz="1800" dirty="0">
+                <a:latin typeface="Times New Roman" panose="02020603050405020304" pitchFamily="18" charset="0"/>
+                <a:cs typeface="Times New Roman" panose="02020603050405020304" pitchFamily="18" charset="0"/>
+              </a:rPr>
+              <a:t>);	</a:t>
+            </a:r>
+            <a:r>
+              <a:rPr lang="en-US" sz="1800" dirty="0" smtClean="0">
+                <a:latin typeface="Times New Roman" panose="02020603050405020304" pitchFamily="18" charset="0"/>
+                <a:cs typeface="Times New Roman" panose="02020603050405020304" pitchFamily="18" charset="0"/>
+              </a:rPr>
+              <a:t>	(</a:t>
+            </a:r>
+            <a:r>
+              <a:rPr lang="en-US" sz="1800" dirty="0">
+                <a:latin typeface="Times New Roman" panose="02020603050405020304" pitchFamily="18" charset="0"/>
+                <a:cs typeface="Times New Roman" panose="02020603050405020304" pitchFamily="18" charset="0"/>
+              </a:rPr>
+              <a:t>2)</a:t>
+            </a:r>
+            <a:br>
+              <a:rPr lang="en-US" sz="1800" dirty="0">
+                <a:latin typeface="Times New Roman" panose="02020603050405020304" pitchFamily="18" charset="0"/>
+                <a:cs typeface="Times New Roman" panose="02020603050405020304" pitchFamily="18" charset="0"/>
+              </a:rPr>
+            </a:br>
+            <a:r>
+              <a:rPr lang="en-US" sz="1800" dirty="0">
+                <a:latin typeface="Times New Roman" panose="02020603050405020304" pitchFamily="18" charset="0"/>
+                <a:cs typeface="Times New Roman" panose="02020603050405020304" pitchFamily="18" charset="0"/>
+              </a:rPr>
+              <a:t> 	</a:t>
+            </a:r>
+            <a:r>
+              <a:rPr lang="en-US" sz="1800" i="1" dirty="0">
+                <a:latin typeface="Times New Roman" panose="02020603050405020304" pitchFamily="18" charset="0"/>
+                <a:cs typeface="Times New Roman" panose="02020603050405020304" pitchFamily="18" charset="0"/>
+              </a:rPr>
+              <a:t>A</a:t>
+            </a:r>
+            <a:r>
+              <a:rPr lang="en-US" sz="1800" dirty="0">
+                <a:latin typeface="Times New Roman" panose="02020603050405020304" pitchFamily="18" charset="0"/>
+                <a:cs typeface="Times New Roman" panose="02020603050405020304" pitchFamily="18" charset="0"/>
+              </a:rPr>
+              <a:t> </a:t>
+            </a:r>
+            <a:r>
+              <a:rPr lang="en-US" sz="1800" dirty="0">
+                <a:latin typeface="Times New Roman" panose="02020603050405020304" pitchFamily="18" charset="0"/>
+                <a:cs typeface="Times New Roman" panose="02020603050405020304" pitchFamily="18" charset="0"/>
+                <a:sym typeface="Symbol"/>
+              </a:rPr>
+              <a:t></a:t>
+            </a:r>
+            <a:r>
+              <a:rPr lang="en-US" sz="1800" dirty="0">
+                <a:latin typeface="Times New Roman" panose="02020603050405020304" pitchFamily="18" charset="0"/>
+                <a:cs typeface="Times New Roman" panose="02020603050405020304" pitchFamily="18" charset="0"/>
+              </a:rPr>
+              <a:t> </a:t>
+            </a:r>
+            <a:r>
+              <a:rPr lang="en-US" sz="1800" i="1" dirty="0">
+                <a:latin typeface="Times New Roman" panose="02020603050405020304" pitchFamily="18" charset="0"/>
+                <a:cs typeface="Times New Roman" panose="02020603050405020304" pitchFamily="18" charset="0"/>
+              </a:rPr>
+              <a:t>B</a:t>
+            </a:r>
+            <a:r>
+              <a:rPr lang="en-US" sz="1800" dirty="0">
+                <a:latin typeface="Times New Roman" panose="02020603050405020304" pitchFamily="18" charset="0"/>
+                <a:cs typeface="Times New Roman" panose="02020603050405020304" pitchFamily="18" charset="0"/>
+              </a:rPr>
+              <a:t>:	</a:t>
+            </a:r>
+            <a:r>
+              <a:rPr lang="en-US" sz="1800" i="1" dirty="0">
+                <a:latin typeface="Times New Roman" panose="02020603050405020304" pitchFamily="18" charset="0"/>
+                <a:cs typeface="Times New Roman" panose="02020603050405020304" pitchFamily="18" charset="0"/>
+              </a:rPr>
+              <a:t>y</a:t>
+            </a:r>
+            <a:r>
+              <a:rPr lang="en-US" sz="1800" dirty="0">
+                <a:latin typeface="Times New Roman" panose="02020603050405020304" pitchFamily="18" charset="0"/>
+                <a:cs typeface="Times New Roman" panose="02020603050405020304" pitchFamily="18" charset="0"/>
+              </a:rPr>
+              <a:t> = </a:t>
+            </a:r>
+            <a:r>
+              <a:rPr lang="en-US" sz="1800" i="1" dirty="0">
+                <a:latin typeface="Times New Roman" panose="02020603050405020304" pitchFamily="18" charset="0"/>
+                <a:cs typeface="Times New Roman" panose="02020603050405020304" pitchFamily="18" charset="0"/>
+              </a:rPr>
+              <a:t>r</a:t>
+            </a:r>
+            <a:r>
+              <a:rPr lang="en-US" sz="1800" dirty="0">
+                <a:latin typeface="Times New Roman" panose="02020603050405020304" pitchFamily="18" charset="0"/>
+                <a:cs typeface="Times New Roman" panose="02020603050405020304" pitchFamily="18" charset="0"/>
+              </a:rPr>
+              <a:t> </a:t>
+            </a:r>
+            <a:r>
+              <a:rPr lang="en-US" sz="1800" dirty="0">
+                <a:latin typeface="Times New Roman" panose="02020603050405020304" pitchFamily="18" charset="0"/>
+                <a:cs typeface="Times New Roman" panose="02020603050405020304" pitchFamily="18" charset="0"/>
+                <a:sym typeface="Symbol"/>
+              </a:rPr>
+              <a:t></a:t>
+            </a:r>
+            <a:r>
+              <a:rPr lang="en-US" sz="1800" dirty="0">
+                <a:latin typeface="Times New Roman" panose="02020603050405020304" pitchFamily="18" charset="0"/>
+                <a:cs typeface="Times New Roman" panose="02020603050405020304" pitchFamily="18" charset="0"/>
+              </a:rPr>
+              <a:t> </a:t>
+            </a:r>
+            <a:r>
+              <a:rPr lang="en-US" sz="1800" i="1" dirty="0" err="1">
+                <a:latin typeface="Times New Roman" panose="02020603050405020304" pitchFamily="18" charset="0"/>
+                <a:cs typeface="Times New Roman" panose="02020603050405020304" pitchFamily="18" charset="0"/>
+              </a:rPr>
+              <a:t>s</a:t>
+            </a:r>
+            <a:r>
+              <a:rPr lang="en-US" sz="1800" i="1" baseline="-25000" dirty="0" err="1">
+                <a:latin typeface="Times New Roman" panose="02020603050405020304" pitchFamily="18" charset="0"/>
+                <a:cs typeface="Times New Roman" panose="02020603050405020304" pitchFamily="18" charset="0"/>
+              </a:rPr>
+              <a:t>A</a:t>
+            </a:r>
+            <a:r>
+              <a:rPr lang="en-US" sz="1800" i="1" baseline="30000" dirty="0" err="1">
+                <a:latin typeface="Times New Roman" panose="02020603050405020304" pitchFamily="18" charset="0"/>
+                <a:cs typeface="Times New Roman" panose="02020603050405020304" pitchFamily="18" charset="0"/>
+              </a:rPr>
+              <a:t>e</a:t>
+            </a:r>
+            <a:r>
+              <a:rPr lang="en-US" sz="1800" dirty="0">
+                <a:latin typeface="Times New Roman" panose="02020603050405020304" pitchFamily="18" charset="0"/>
+                <a:cs typeface="Times New Roman" panose="02020603050405020304" pitchFamily="18" charset="0"/>
+              </a:rPr>
+              <a:t> mod </a:t>
+            </a:r>
+            <a:r>
+              <a:rPr lang="en-US" sz="1800" i="1" dirty="0">
+                <a:latin typeface="Times New Roman" panose="02020603050405020304" pitchFamily="18" charset="0"/>
+                <a:cs typeface="Times New Roman" panose="02020603050405020304" pitchFamily="18" charset="0"/>
+              </a:rPr>
+              <a:t>n</a:t>
+            </a:r>
+            <a:r>
+              <a:rPr lang="en-US" sz="1800" dirty="0">
+                <a:latin typeface="Times New Roman" panose="02020603050405020304" pitchFamily="18" charset="0"/>
+                <a:cs typeface="Times New Roman" panose="02020603050405020304" pitchFamily="18" charset="0"/>
+              </a:rPr>
+              <a:t>		(3)</a:t>
+            </a:r>
+          </a:p>
+          <a:p>
+            <a:pPr marL="452438" lvl="0" indent="-363538">
+              <a:buFont typeface="+mj-lt"/>
+              <a:buAutoNum type="arabicPeriod" startAt="4"/>
+            </a:pPr>
+            <a:r>
+              <a:rPr lang="en-US" sz="1800" i="1" dirty="0">
+                <a:latin typeface="Times New Roman" panose="02020603050405020304" pitchFamily="18" charset="0"/>
+                <a:cs typeface="Times New Roman" panose="02020603050405020304" pitchFamily="18" charset="0"/>
+              </a:rPr>
+              <a:t>Protocol actions</a:t>
+            </a:r>
+            <a:r>
+              <a:rPr lang="en-US" sz="1800" dirty="0">
+                <a:latin typeface="Times New Roman" panose="02020603050405020304" pitchFamily="18" charset="0"/>
+                <a:cs typeface="Times New Roman" panose="02020603050405020304" pitchFamily="18" charset="0"/>
+              </a:rPr>
+              <a:t>. </a:t>
+            </a:r>
+            <a:r>
+              <a:rPr lang="en-US" sz="1800" i="1" dirty="0">
+                <a:latin typeface="Times New Roman" panose="02020603050405020304" pitchFamily="18" charset="0"/>
+                <a:cs typeface="Times New Roman" panose="02020603050405020304" pitchFamily="18" charset="0"/>
+              </a:rPr>
+              <a:t>A</a:t>
+            </a:r>
+            <a:r>
+              <a:rPr lang="en-US" sz="1800" dirty="0">
+                <a:latin typeface="Times New Roman" panose="02020603050405020304" pitchFamily="18" charset="0"/>
+                <a:cs typeface="Times New Roman" panose="02020603050405020304" pitchFamily="18" charset="0"/>
+              </a:rPr>
+              <a:t> proves its identity to </a:t>
+            </a:r>
+            <a:r>
+              <a:rPr lang="en-US" sz="1800" i="1" dirty="0">
+                <a:latin typeface="Times New Roman" panose="02020603050405020304" pitchFamily="18" charset="0"/>
+                <a:cs typeface="Times New Roman" panose="02020603050405020304" pitchFamily="18" charset="0"/>
+              </a:rPr>
+              <a:t>B</a:t>
+            </a:r>
+            <a:r>
+              <a:rPr lang="en-US" sz="1800" dirty="0">
+                <a:latin typeface="Times New Roman" panose="02020603050405020304" pitchFamily="18" charset="0"/>
+                <a:cs typeface="Times New Roman" panose="02020603050405020304" pitchFamily="18" charset="0"/>
+              </a:rPr>
+              <a:t> by </a:t>
+            </a:r>
+            <a:r>
+              <a:rPr lang="en-US" sz="1800" i="1" dirty="0">
+                <a:latin typeface="Times New Roman" panose="02020603050405020304" pitchFamily="18" charset="0"/>
+                <a:cs typeface="Times New Roman" panose="02020603050405020304" pitchFamily="18" charset="0"/>
+              </a:rPr>
+              <a:t>t</a:t>
+            </a:r>
+            <a:r>
+              <a:rPr lang="en-US" sz="1800" dirty="0">
+                <a:latin typeface="Times New Roman" panose="02020603050405020304" pitchFamily="18" charset="0"/>
+                <a:cs typeface="Times New Roman" panose="02020603050405020304" pitchFamily="18" charset="0"/>
+              </a:rPr>
+              <a:t> executions of the following; </a:t>
+            </a:r>
+            <a:r>
+              <a:rPr lang="en-US" sz="1800" i="1" dirty="0">
+                <a:latin typeface="Times New Roman" panose="02020603050405020304" pitchFamily="18" charset="0"/>
+                <a:cs typeface="Times New Roman" panose="02020603050405020304" pitchFamily="18" charset="0"/>
+              </a:rPr>
+              <a:t>B</a:t>
+            </a:r>
+            <a:r>
+              <a:rPr lang="en-US" sz="1800" dirty="0">
+                <a:latin typeface="Times New Roman" panose="02020603050405020304" pitchFamily="18" charset="0"/>
+                <a:cs typeface="Times New Roman" panose="02020603050405020304" pitchFamily="18" charset="0"/>
+              </a:rPr>
+              <a:t> accepts the identity only if all </a:t>
+            </a:r>
+            <a:r>
+              <a:rPr lang="en-US" sz="1800" i="1" dirty="0">
+                <a:latin typeface="Times New Roman" panose="02020603050405020304" pitchFamily="18" charset="0"/>
+                <a:cs typeface="Times New Roman" panose="02020603050405020304" pitchFamily="18" charset="0"/>
+              </a:rPr>
+              <a:t>t</a:t>
+            </a:r>
+            <a:r>
+              <a:rPr lang="en-US" sz="1800" dirty="0">
+                <a:latin typeface="Times New Roman" panose="02020603050405020304" pitchFamily="18" charset="0"/>
+                <a:cs typeface="Times New Roman" panose="02020603050405020304" pitchFamily="18" charset="0"/>
+              </a:rPr>
+              <a:t> executions are successful.</a:t>
+            </a:r>
+          </a:p>
+          <a:p>
+            <a:pPr marL="800100" lvl="1" indent="-342900">
+              <a:buAutoNum type="alphaLcParenBoth"/>
+            </a:pPr>
+            <a:r>
+              <a:rPr lang="en-US" sz="1800" dirty="0" smtClean="0">
+                <a:latin typeface="Times New Roman" panose="02020603050405020304" pitchFamily="18" charset="0"/>
+                <a:cs typeface="Times New Roman" panose="02020603050405020304" pitchFamily="18" charset="0"/>
+              </a:rPr>
+              <a:t> </a:t>
+            </a:r>
+            <a:r>
+              <a:rPr lang="en-US" sz="1800" i="1" dirty="0" smtClean="0">
+                <a:latin typeface="Times New Roman" panose="02020603050405020304" pitchFamily="18" charset="0"/>
+                <a:cs typeface="Times New Roman" panose="02020603050405020304" pitchFamily="18" charset="0"/>
+              </a:rPr>
+              <a:t>A</a:t>
+            </a:r>
+            <a:r>
+              <a:rPr lang="en-US" sz="1800" dirty="0" smtClean="0">
+                <a:latin typeface="Times New Roman" panose="02020603050405020304" pitchFamily="18" charset="0"/>
+                <a:cs typeface="Times New Roman" panose="02020603050405020304" pitchFamily="18" charset="0"/>
+              </a:rPr>
+              <a:t> </a:t>
+            </a:r>
+            <a:r>
+              <a:rPr lang="en-US" sz="1800" dirty="0">
+                <a:latin typeface="Times New Roman" panose="02020603050405020304" pitchFamily="18" charset="0"/>
+                <a:cs typeface="Times New Roman" panose="02020603050405020304" pitchFamily="18" charset="0"/>
+              </a:rPr>
+              <a:t>selects a random secret integer </a:t>
+            </a:r>
+            <a:r>
+              <a:rPr lang="en-US" sz="1800" i="1" dirty="0">
+                <a:latin typeface="Times New Roman" panose="02020603050405020304" pitchFamily="18" charset="0"/>
+                <a:cs typeface="Times New Roman" panose="02020603050405020304" pitchFamily="18" charset="0"/>
+              </a:rPr>
+              <a:t>r</a:t>
+            </a:r>
+            <a:r>
+              <a:rPr lang="en-US" sz="1800" dirty="0">
+                <a:latin typeface="Times New Roman" panose="02020603050405020304" pitchFamily="18" charset="0"/>
+                <a:cs typeface="Times New Roman" panose="02020603050405020304" pitchFamily="18" charset="0"/>
+              </a:rPr>
+              <a:t> (the </a:t>
+            </a:r>
+            <a:r>
+              <a:rPr lang="en-US" sz="1800" i="1" dirty="0">
+                <a:latin typeface="Times New Roman" panose="02020603050405020304" pitchFamily="18" charset="0"/>
+                <a:cs typeface="Times New Roman" panose="02020603050405020304" pitchFamily="18" charset="0"/>
+              </a:rPr>
+              <a:t>commitment</a:t>
+            </a:r>
+            <a:r>
+              <a:rPr lang="en-US" sz="1800" dirty="0">
+                <a:latin typeface="Times New Roman" panose="02020603050405020304" pitchFamily="18" charset="0"/>
+                <a:cs typeface="Times New Roman" panose="02020603050405020304" pitchFamily="18" charset="0"/>
+              </a:rPr>
+              <a:t>), 1 </a:t>
+            </a:r>
+            <a:r>
+              <a:rPr lang="en-US" sz="1800" dirty="0">
+                <a:latin typeface="Times New Roman" panose="02020603050405020304" pitchFamily="18" charset="0"/>
+                <a:cs typeface="Times New Roman" panose="02020603050405020304" pitchFamily="18" charset="0"/>
+                <a:sym typeface="Symbol"/>
+              </a:rPr>
+              <a:t></a:t>
+            </a:r>
+            <a:r>
+              <a:rPr lang="en-US" sz="1800" dirty="0">
+                <a:latin typeface="Times New Roman" panose="02020603050405020304" pitchFamily="18" charset="0"/>
+                <a:cs typeface="Times New Roman" panose="02020603050405020304" pitchFamily="18" charset="0"/>
+              </a:rPr>
+              <a:t> </a:t>
+            </a:r>
+            <a:r>
+              <a:rPr lang="en-US" sz="1800" i="1" dirty="0">
+                <a:latin typeface="Times New Roman" panose="02020603050405020304" pitchFamily="18" charset="0"/>
+                <a:cs typeface="Times New Roman" panose="02020603050405020304" pitchFamily="18" charset="0"/>
+              </a:rPr>
+              <a:t>r</a:t>
+            </a:r>
+            <a:r>
+              <a:rPr lang="en-US" sz="1800" dirty="0">
+                <a:latin typeface="Times New Roman" panose="02020603050405020304" pitchFamily="18" charset="0"/>
+                <a:cs typeface="Times New Roman" panose="02020603050405020304" pitchFamily="18" charset="0"/>
+              </a:rPr>
+              <a:t> </a:t>
+            </a:r>
+            <a:r>
+              <a:rPr lang="en-US" sz="1800" dirty="0">
+                <a:latin typeface="Times New Roman" panose="02020603050405020304" pitchFamily="18" charset="0"/>
+                <a:cs typeface="Times New Roman" panose="02020603050405020304" pitchFamily="18" charset="0"/>
+                <a:sym typeface="Symbol"/>
+              </a:rPr>
+              <a:t></a:t>
+            </a:r>
+            <a:r>
+              <a:rPr lang="en-US" sz="1800" dirty="0">
+                <a:latin typeface="Times New Roman" panose="02020603050405020304" pitchFamily="18" charset="0"/>
+                <a:cs typeface="Times New Roman" panose="02020603050405020304" pitchFamily="18" charset="0"/>
+              </a:rPr>
+              <a:t> </a:t>
+            </a:r>
+            <a:r>
+              <a:rPr lang="en-US" sz="1800" i="1" dirty="0">
+                <a:latin typeface="Times New Roman" panose="02020603050405020304" pitchFamily="18" charset="0"/>
+                <a:cs typeface="Times New Roman" panose="02020603050405020304" pitchFamily="18" charset="0"/>
+              </a:rPr>
+              <a:t>n – 1</a:t>
+            </a:r>
+            <a:r>
+              <a:rPr lang="en-US" sz="1800" dirty="0">
+                <a:latin typeface="Times New Roman" panose="02020603050405020304" pitchFamily="18" charset="0"/>
+                <a:cs typeface="Times New Roman" panose="02020603050405020304" pitchFamily="18" charset="0"/>
+              </a:rPr>
+              <a:t>, and </a:t>
+            </a:r>
+            <a:r>
+              <a:rPr lang="en-US" sz="1800" dirty="0" smtClean="0">
+                <a:latin typeface="Times New Roman" panose="02020603050405020304" pitchFamily="18" charset="0"/>
+                <a:cs typeface="Times New Roman" panose="02020603050405020304" pitchFamily="18" charset="0"/>
+              </a:rPr>
+              <a:t>computes </a:t>
+            </a:r>
+            <a:r>
+              <a:rPr lang="en-US" sz="1800" dirty="0">
+                <a:latin typeface="Times New Roman" panose="02020603050405020304" pitchFamily="18" charset="0"/>
+                <a:cs typeface="Times New Roman" panose="02020603050405020304" pitchFamily="18" charset="0"/>
+              </a:rPr>
+              <a:t>(the </a:t>
+            </a:r>
+            <a:r>
+              <a:rPr lang="en-US" sz="1800" i="1" dirty="0">
+                <a:latin typeface="Times New Roman" panose="02020603050405020304" pitchFamily="18" charset="0"/>
+                <a:cs typeface="Times New Roman" panose="02020603050405020304" pitchFamily="18" charset="0"/>
+              </a:rPr>
+              <a:t>witness</a:t>
+            </a:r>
+            <a:r>
+              <a:rPr lang="en-US" sz="1800" dirty="0">
+                <a:latin typeface="Times New Roman" panose="02020603050405020304" pitchFamily="18" charset="0"/>
+                <a:cs typeface="Times New Roman" panose="02020603050405020304" pitchFamily="18" charset="0"/>
+              </a:rPr>
+              <a:t>) x = </a:t>
+            </a:r>
+            <a:r>
+              <a:rPr lang="en-US" sz="1800" i="1" dirty="0" err="1">
+                <a:latin typeface="Times New Roman" panose="02020603050405020304" pitchFamily="18" charset="0"/>
+                <a:cs typeface="Times New Roman" panose="02020603050405020304" pitchFamily="18" charset="0"/>
+              </a:rPr>
+              <a:t>r</a:t>
+            </a:r>
+            <a:r>
+              <a:rPr lang="en-US" sz="1800" i="1" baseline="30000" dirty="0" err="1">
+                <a:latin typeface="Times New Roman" panose="02020603050405020304" pitchFamily="18" charset="0"/>
+                <a:cs typeface="Times New Roman" panose="02020603050405020304" pitchFamily="18" charset="0"/>
+              </a:rPr>
+              <a:t>v</a:t>
+            </a:r>
+            <a:r>
+              <a:rPr lang="en-US" sz="1800" dirty="0">
+                <a:latin typeface="Times New Roman" panose="02020603050405020304" pitchFamily="18" charset="0"/>
+                <a:cs typeface="Times New Roman" panose="02020603050405020304" pitchFamily="18" charset="0"/>
+              </a:rPr>
+              <a:t> mod </a:t>
+            </a:r>
+            <a:r>
+              <a:rPr lang="en-US" sz="1800" i="1" dirty="0" smtClean="0">
+                <a:latin typeface="Times New Roman" panose="02020603050405020304" pitchFamily="18" charset="0"/>
+                <a:cs typeface="Times New Roman" panose="02020603050405020304" pitchFamily="18" charset="0"/>
+              </a:rPr>
+              <a:t>n</a:t>
+            </a:r>
+            <a:r>
+              <a:rPr lang="en-US" sz="1800" dirty="0" smtClean="0">
+                <a:latin typeface="Times New Roman" panose="02020603050405020304" pitchFamily="18" charset="0"/>
+                <a:cs typeface="Times New Roman" panose="02020603050405020304" pitchFamily="18" charset="0"/>
+              </a:rPr>
+              <a:t>.</a:t>
+            </a:r>
+          </a:p>
+          <a:p>
+            <a:pPr marL="800100" lvl="1" indent="-342900">
+              <a:buAutoNum type="alphaLcParenBoth"/>
+            </a:pPr>
+            <a:r>
+              <a:rPr lang="en-US" sz="1800" dirty="0" smtClean="0">
+                <a:latin typeface="Times New Roman" panose="02020603050405020304" pitchFamily="18" charset="0"/>
+                <a:cs typeface="Times New Roman" panose="02020603050405020304" pitchFamily="18" charset="0"/>
+              </a:rPr>
+              <a:t> </a:t>
+            </a:r>
+            <a:r>
+              <a:rPr lang="en-US" sz="1800" i="1" dirty="0" smtClean="0">
+                <a:latin typeface="Times New Roman" panose="02020603050405020304" pitchFamily="18" charset="0"/>
+                <a:cs typeface="Times New Roman" panose="02020603050405020304" pitchFamily="18" charset="0"/>
+              </a:rPr>
+              <a:t>A</a:t>
+            </a:r>
+            <a:r>
+              <a:rPr lang="en-US" sz="1800" dirty="0" smtClean="0">
+                <a:latin typeface="Times New Roman" panose="02020603050405020304" pitchFamily="18" charset="0"/>
+                <a:cs typeface="Times New Roman" panose="02020603050405020304" pitchFamily="18" charset="0"/>
+              </a:rPr>
+              <a:t> </a:t>
+            </a:r>
+            <a:r>
+              <a:rPr lang="en-US" sz="1800" dirty="0">
+                <a:latin typeface="Times New Roman" panose="02020603050405020304" pitchFamily="18" charset="0"/>
+                <a:cs typeface="Times New Roman" panose="02020603050405020304" pitchFamily="18" charset="0"/>
+              </a:rPr>
+              <a:t>sends to </a:t>
+            </a:r>
+            <a:r>
+              <a:rPr lang="en-US" sz="1800" i="1" dirty="0">
+                <a:latin typeface="Times New Roman" panose="02020603050405020304" pitchFamily="18" charset="0"/>
+                <a:cs typeface="Times New Roman" panose="02020603050405020304" pitchFamily="18" charset="0"/>
+              </a:rPr>
+              <a:t>B</a:t>
+            </a:r>
+            <a:r>
+              <a:rPr lang="en-US" sz="1800" dirty="0">
+                <a:latin typeface="Times New Roman" panose="02020603050405020304" pitchFamily="18" charset="0"/>
+                <a:cs typeface="Times New Roman" panose="02020603050405020304" pitchFamily="18" charset="0"/>
+              </a:rPr>
+              <a:t> the pair of integers (</a:t>
+            </a:r>
+            <a:r>
+              <a:rPr lang="en-US" sz="1800" i="1" dirty="0">
+                <a:latin typeface="Times New Roman" panose="02020603050405020304" pitchFamily="18" charset="0"/>
+                <a:cs typeface="Times New Roman" panose="02020603050405020304" pitchFamily="18" charset="0"/>
+              </a:rPr>
+              <a:t>I</a:t>
+            </a:r>
+            <a:r>
+              <a:rPr lang="en-US" sz="1800" i="1" baseline="-25000" dirty="0">
+                <a:latin typeface="Times New Roman" panose="02020603050405020304" pitchFamily="18" charset="0"/>
+                <a:cs typeface="Times New Roman" panose="02020603050405020304" pitchFamily="18" charset="0"/>
+              </a:rPr>
+              <a:t>A</a:t>
+            </a:r>
+            <a:r>
+              <a:rPr lang="en-US" sz="1800" dirty="0">
+                <a:latin typeface="Times New Roman" panose="02020603050405020304" pitchFamily="18" charset="0"/>
+                <a:cs typeface="Times New Roman" panose="02020603050405020304" pitchFamily="18" charset="0"/>
+              </a:rPr>
+              <a:t>, </a:t>
+            </a:r>
+            <a:r>
+              <a:rPr lang="en-US" sz="1800" i="1" dirty="0">
+                <a:latin typeface="Times New Roman" panose="02020603050405020304" pitchFamily="18" charset="0"/>
+                <a:cs typeface="Times New Roman" panose="02020603050405020304" pitchFamily="18" charset="0"/>
+              </a:rPr>
+              <a:t>x</a:t>
+            </a:r>
+            <a:r>
+              <a:rPr lang="en-US" sz="1800" dirty="0" smtClean="0">
+                <a:latin typeface="Times New Roman" panose="02020603050405020304" pitchFamily="18" charset="0"/>
+                <a:cs typeface="Times New Roman" panose="02020603050405020304" pitchFamily="18" charset="0"/>
+              </a:rPr>
+              <a:t>).</a:t>
+            </a:r>
+          </a:p>
+          <a:p>
+            <a:pPr marL="800100" lvl="1" indent="-342900">
+              <a:buAutoNum type="alphaLcParenBoth"/>
+            </a:pPr>
+            <a:r>
+              <a:rPr lang="en-US" sz="1800" dirty="0" smtClean="0">
+                <a:latin typeface="Times New Roman" panose="02020603050405020304" pitchFamily="18" charset="0"/>
+                <a:cs typeface="Times New Roman" panose="02020603050405020304" pitchFamily="18" charset="0"/>
+              </a:rPr>
+              <a:t> </a:t>
+            </a:r>
+            <a:r>
+              <a:rPr lang="en-US" sz="1800" i="1" dirty="0" smtClean="0">
+                <a:latin typeface="Times New Roman" panose="02020603050405020304" pitchFamily="18" charset="0"/>
+                <a:cs typeface="Times New Roman" panose="02020603050405020304" pitchFamily="18" charset="0"/>
+              </a:rPr>
+              <a:t>B</a:t>
+            </a:r>
+            <a:r>
+              <a:rPr lang="en-US" sz="1800" dirty="0" smtClean="0">
+                <a:latin typeface="Times New Roman" panose="02020603050405020304" pitchFamily="18" charset="0"/>
+                <a:cs typeface="Times New Roman" panose="02020603050405020304" pitchFamily="18" charset="0"/>
+              </a:rPr>
+              <a:t> </a:t>
+            </a:r>
+            <a:r>
+              <a:rPr lang="en-US" sz="1800" dirty="0">
+                <a:latin typeface="Times New Roman" panose="02020603050405020304" pitchFamily="18" charset="0"/>
+                <a:cs typeface="Times New Roman" panose="02020603050405020304" pitchFamily="18" charset="0"/>
+              </a:rPr>
+              <a:t>selects and sends to </a:t>
+            </a:r>
+            <a:r>
+              <a:rPr lang="en-US" sz="1800" i="1" dirty="0">
+                <a:latin typeface="Times New Roman" panose="02020603050405020304" pitchFamily="18" charset="0"/>
+                <a:cs typeface="Times New Roman" panose="02020603050405020304" pitchFamily="18" charset="0"/>
+              </a:rPr>
+              <a:t>A</a:t>
+            </a:r>
+            <a:r>
+              <a:rPr lang="en-US" sz="1800" dirty="0">
+                <a:latin typeface="Times New Roman" panose="02020603050405020304" pitchFamily="18" charset="0"/>
+                <a:cs typeface="Times New Roman" panose="02020603050405020304" pitchFamily="18" charset="0"/>
+              </a:rPr>
+              <a:t> </a:t>
+            </a:r>
+            <a:r>
+              <a:rPr lang="en-US" sz="1800" dirty="0" err="1">
+                <a:latin typeface="Times New Roman" panose="02020603050405020304" pitchFamily="18" charset="0"/>
+                <a:cs typeface="Times New Roman" panose="02020603050405020304" pitchFamily="18" charset="0"/>
+              </a:rPr>
+              <a:t>a</a:t>
+            </a:r>
+            <a:r>
+              <a:rPr lang="en-US" sz="1800" dirty="0">
+                <a:latin typeface="Times New Roman" panose="02020603050405020304" pitchFamily="18" charset="0"/>
+                <a:cs typeface="Times New Roman" panose="02020603050405020304" pitchFamily="18" charset="0"/>
+              </a:rPr>
+              <a:t> random integer </a:t>
+            </a:r>
+            <a:r>
+              <a:rPr lang="en-US" sz="1800" i="1" dirty="0">
+                <a:latin typeface="Times New Roman" panose="02020603050405020304" pitchFamily="18" charset="0"/>
+                <a:cs typeface="Times New Roman" panose="02020603050405020304" pitchFamily="18" charset="0"/>
+              </a:rPr>
+              <a:t>e</a:t>
+            </a:r>
+            <a:r>
+              <a:rPr lang="en-US" sz="1800" dirty="0">
+                <a:latin typeface="Times New Roman" panose="02020603050405020304" pitchFamily="18" charset="0"/>
+                <a:cs typeface="Times New Roman" panose="02020603050405020304" pitchFamily="18" charset="0"/>
+              </a:rPr>
+              <a:t> (the </a:t>
+            </a:r>
+            <a:r>
+              <a:rPr lang="en-US" sz="1800" i="1" dirty="0">
+                <a:latin typeface="Times New Roman" panose="02020603050405020304" pitchFamily="18" charset="0"/>
+                <a:cs typeface="Times New Roman" panose="02020603050405020304" pitchFamily="18" charset="0"/>
+              </a:rPr>
+              <a:t>challenge</a:t>
+            </a:r>
+            <a:r>
+              <a:rPr lang="en-US" sz="1800" dirty="0">
+                <a:latin typeface="Times New Roman" panose="02020603050405020304" pitchFamily="18" charset="0"/>
+                <a:cs typeface="Times New Roman" panose="02020603050405020304" pitchFamily="18" charset="0"/>
+              </a:rPr>
+              <a:t>), 1 </a:t>
+            </a:r>
+            <a:r>
+              <a:rPr lang="en-US" sz="1800" dirty="0">
+                <a:latin typeface="Times New Roman" panose="02020603050405020304" pitchFamily="18" charset="0"/>
+                <a:cs typeface="Times New Roman" panose="02020603050405020304" pitchFamily="18" charset="0"/>
+                <a:sym typeface="Symbol"/>
+              </a:rPr>
+              <a:t></a:t>
+            </a:r>
+            <a:r>
+              <a:rPr lang="en-US" sz="1800" dirty="0">
+                <a:latin typeface="Times New Roman" panose="02020603050405020304" pitchFamily="18" charset="0"/>
+                <a:cs typeface="Times New Roman" panose="02020603050405020304" pitchFamily="18" charset="0"/>
+              </a:rPr>
+              <a:t> </a:t>
+            </a:r>
+            <a:r>
+              <a:rPr lang="en-US" sz="1800" i="1" dirty="0">
+                <a:latin typeface="Times New Roman" panose="02020603050405020304" pitchFamily="18" charset="0"/>
+                <a:cs typeface="Times New Roman" panose="02020603050405020304" pitchFamily="18" charset="0"/>
+              </a:rPr>
+              <a:t>e</a:t>
+            </a:r>
+            <a:r>
+              <a:rPr lang="en-US" sz="1800" dirty="0">
+                <a:latin typeface="Times New Roman" panose="02020603050405020304" pitchFamily="18" charset="0"/>
+                <a:cs typeface="Times New Roman" panose="02020603050405020304" pitchFamily="18" charset="0"/>
+              </a:rPr>
+              <a:t> </a:t>
+            </a:r>
+            <a:r>
+              <a:rPr lang="en-US" sz="1800" dirty="0">
+                <a:latin typeface="Times New Roman" panose="02020603050405020304" pitchFamily="18" charset="0"/>
+                <a:cs typeface="Times New Roman" panose="02020603050405020304" pitchFamily="18" charset="0"/>
+                <a:sym typeface="Symbol"/>
+              </a:rPr>
+              <a:t></a:t>
+            </a:r>
+            <a:r>
+              <a:rPr lang="en-US" sz="1800" dirty="0">
+                <a:latin typeface="Times New Roman" panose="02020603050405020304" pitchFamily="18" charset="0"/>
+                <a:cs typeface="Times New Roman" panose="02020603050405020304" pitchFamily="18" charset="0"/>
+              </a:rPr>
+              <a:t> </a:t>
+            </a:r>
+            <a:r>
+              <a:rPr lang="en-US" sz="1800" i="1" dirty="0" smtClean="0">
+                <a:latin typeface="Times New Roman" panose="02020603050405020304" pitchFamily="18" charset="0"/>
+                <a:cs typeface="Times New Roman" panose="02020603050405020304" pitchFamily="18" charset="0"/>
+              </a:rPr>
+              <a:t>v</a:t>
+            </a:r>
+            <a:r>
+              <a:rPr lang="en-US" sz="1800" dirty="0" smtClean="0">
+                <a:latin typeface="Times New Roman" panose="02020603050405020304" pitchFamily="18" charset="0"/>
+                <a:cs typeface="Times New Roman" panose="02020603050405020304" pitchFamily="18" charset="0"/>
+              </a:rPr>
+              <a:t>.</a:t>
+            </a:r>
+          </a:p>
+          <a:p>
+            <a:pPr marL="800100" lvl="1" indent="-342900">
+              <a:buAutoNum type="alphaLcParenBoth"/>
+            </a:pPr>
+            <a:r>
+              <a:rPr lang="en-US" sz="1800" dirty="0" smtClean="0">
+                <a:latin typeface="Times New Roman" panose="02020603050405020304" pitchFamily="18" charset="0"/>
+                <a:cs typeface="Times New Roman" panose="02020603050405020304" pitchFamily="18" charset="0"/>
+              </a:rPr>
+              <a:t> </a:t>
+            </a:r>
+            <a:r>
+              <a:rPr lang="en-US" sz="1800" i="1" dirty="0" smtClean="0">
+                <a:latin typeface="Times New Roman" panose="02020603050405020304" pitchFamily="18" charset="0"/>
+                <a:cs typeface="Times New Roman" panose="02020603050405020304" pitchFamily="18" charset="0"/>
+              </a:rPr>
+              <a:t>A</a:t>
+            </a:r>
+            <a:r>
+              <a:rPr lang="en-US" sz="1800" dirty="0" smtClean="0">
+                <a:latin typeface="Times New Roman" panose="02020603050405020304" pitchFamily="18" charset="0"/>
+                <a:cs typeface="Times New Roman" panose="02020603050405020304" pitchFamily="18" charset="0"/>
+              </a:rPr>
+              <a:t> </a:t>
+            </a:r>
+            <a:r>
+              <a:rPr lang="en-US" sz="1800" dirty="0">
+                <a:latin typeface="Times New Roman" panose="02020603050405020304" pitchFamily="18" charset="0"/>
+                <a:cs typeface="Times New Roman" panose="02020603050405020304" pitchFamily="18" charset="0"/>
+              </a:rPr>
+              <a:t>computes and sends to B (the response) </a:t>
+            </a:r>
+            <a:r>
+              <a:rPr lang="en-US" sz="1800" i="1" dirty="0">
+                <a:latin typeface="Times New Roman" panose="02020603050405020304" pitchFamily="18" charset="0"/>
+                <a:cs typeface="Times New Roman" panose="02020603050405020304" pitchFamily="18" charset="0"/>
+              </a:rPr>
+              <a:t>y</a:t>
+            </a:r>
+            <a:r>
+              <a:rPr lang="en-US" sz="1800" dirty="0">
+                <a:latin typeface="Times New Roman" panose="02020603050405020304" pitchFamily="18" charset="0"/>
+                <a:cs typeface="Times New Roman" panose="02020603050405020304" pitchFamily="18" charset="0"/>
+              </a:rPr>
+              <a:t> = </a:t>
+            </a:r>
+            <a:r>
+              <a:rPr lang="en-US" sz="1800" i="1" dirty="0">
+                <a:latin typeface="Times New Roman" panose="02020603050405020304" pitchFamily="18" charset="0"/>
+                <a:cs typeface="Times New Roman" panose="02020603050405020304" pitchFamily="18" charset="0"/>
+              </a:rPr>
+              <a:t>r</a:t>
+            </a:r>
+            <a:r>
+              <a:rPr lang="en-US" sz="1800" dirty="0">
+                <a:latin typeface="Times New Roman" panose="02020603050405020304" pitchFamily="18" charset="0"/>
+                <a:cs typeface="Times New Roman" panose="02020603050405020304" pitchFamily="18" charset="0"/>
+              </a:rPr>
+              <a:t> </a:t>
+            </a:r>
+            <a:r>
+              <a:rPr lang="en-US" sz="1800" dirty="0">
+                <a:latin typeface="Times New Roman" panose="02020603050405020304" pitchFamily="18" charset="0"/>
+                <a:cs typeface="Times New Roman" panose="02020603050405020304" pitchFamily="18" charset="0"/>
+                <a:sym typeface="Symbol"/>
+              </a:rPr>
+              <a:t></a:t>
+            </a:r>
+            <a:r>
+              <a:rPr lang="en-US" sz="1800" dirty="0">
+                <a:latin typeface="Times New Roman" panose="02020603050405020304" pitchFamily="18" charset="0"/>
+                <a:cs typeface="Times New Roman" panose="02020603050405020304" pitchFamily="18" charset="0"/>
+              </a:rPr>
+              <a:t> </a:t>
+            </a:r>
+            <a:r>
+              <a:rPr lang="en-US" sz="1800" i="1" dirty="0" err="1">
+                <a:latin typeface="Times New Roman" panose="02020603050405020304" pitchFamily="18" charset="0"/>
+                <a:cs typeface="Times New Roman" panose="02020603050405020304" pitchFamily="18" charset="0"/>
+              </a:rPr>
+              <a:t>s</a:t>
+            </a:r>
+            <a:r>
+              <a:rPr lang="en-US" sz="1800" i="1" baseline="-25000" dirty="0" err="1">
+                <a:latin typeface="Times New Roman" panose="02020603050405020304" pitchFamily="18" charset="0"/>
+                <a:cs typeface="Times New Roman" panose="02020603050405020304" pitchFamily="18" charset="0"/>
+              </a:rPr>
+              <a:t>A</a:t>
+            </a:r>
+            <a:r>
+              <a:rPr lang="en-US" sz="1800" i="1" baseline="30000" dirty="0" err="1">
+                <a:latin typeface="Times New Roman" panose="02020603050405020304" pitchFamily="18" charset="0"/>
+                <a:cs typeface="Times New Roman" panose="02020603050405020304" pitchFamily="18" charset="0"/>
+              </a:rPr>
+              <a:t>e</a:t>
+            </a:r>
+            <a:r>
+              <a:rPr lang="en-US" sz="1800" dirty="0">
+                <a:latin typeface="Times New Roman" panose="02020603050405020304" pitchFamily="18" charset="0"/>
+                <a:cs typeface="Times New Roman" panose="02020603050405020304" pitchFamily="18" charset="0"/>
+              </a:rPr>
+              <a:t> mod </a:t>
+            </a:r>
+            <a:r>
+              <a:rPr lang="en-US" sz="1800" i="1" dirty="0" smtClean="0">
+                <a:latin typeface="Times New Roman" panose="02020603050405020304" pitchFamily="18" charset="0"/>
+                <a:cs typeface="Times New Roman" panose="02020603050405020304" pitchFamily="18" charset="0"/>
+              </a:rPr>
+              <a:t>n</a:t>
+            </a:r>
+            <a:r>
+              <a:rPr lang="en-US" sz="1800" dirty="0" smtClean="0">
+                <a:latin typeface="Times New Roman" panose="02020603050405020304" pitchFamily="18" charset="0"/>
+                <a:cs typeface="Times New Roman" panose="02020603050405020304" pitchFamily="18" charset="0"/>
+              </a:rPr>
+              <a:t>.</a:t>
+            </a:r>
+          </a:p>
+          <a:p>
+            <a:pPr marL="800100" lvl="1" indent="-342900">
+              <a:buAutoNum type="alphaLcParenBoth"/>
+            </a:pPr>
+            <a:r>
+              <a:rPr lang="en-US" sz="1800" dirty="0" smtClean="0">
+                <a:latin typeface="Times New Roman" panose="02020603050405020304" pitchFamily="18" charset="0"/>
+                <a:cs typeface="Times New Roman" panose="02020603050405020304" pitchFamily="18" charset="0"/>
+              </a:rPr>
+              <a:t> </a:t>
+            </a:r>
+            <a:r>
+              <a:rPr lang="en-US" sz="1800" i="1" dirty="0" smtClean="0">
+                <a:latin typeface="Times New Roman" panose="02020603050405020304" pitchFamily="18" charset="0"/>
+                <a:cs typeface="Times New Roman" panose="02020603050405020304" pitchFamily="18" charset="0"/>
+              </a:rPr>
+              <a:t>B</a:t>
+            </a:r>
+            <a:r>
+              <a:rPr lang="en-US" sz="1800" dirty="0" smtClean="0">
+                <a:latin typeface="Times New Roman" panose="02020603050405020304" pitchFamily="18" charset="0"/>
+                <a:cs typeface="Times New Roman" panose="02020603050405020304" pitchFamily="18" charset="0"/>
+              </a:rPr>
+              <a:t> </a:t>
+            </a:r>
+            <a:r>
+              <a:rPr lang="en-US" sz="1800" dirty="0">
+                <a:latin typeface="Times New Roman" panose="02020603050405020304" pitchFamily="18" charset="0"/>
+                <a:cs typeface="Times New Roman" panose="02020603050405020304" pitchFamily="18" charset="0"/>
+              </a:rPr>
+              <a:t>receives </a:t>
+            </a:r>
+            <a:r>
+              <a:rPr lang="en-US" sz="1800" i="1" dirty="0">
+                <a:latin typeface="Times New Roman" panose="02020603050405020304" pitchFamily="18" charset="0"/>
+                <a:cs typeface="Times New Roman" panose="02020603050405020304" pitchFamily="18" charset="0"/>
+              </a:rPr>
+              <a:t>y</a:t>
+            </a:r>
+            <a:r>
+              <a:rPr lang="en-US" sz="1800" dirty="0">
+                <a:latin typeface="Times New Roman" panose="02020603050405020304" pitchFamily="18" charset="0"/>
+                <a:cs typeface="Times New Roman" panose="02020603050405020304" pitchFamily="18" charset="0"/>
+              </a:rPr>
+              <a:t>, constructs </a:t>
+            </a:r>
+            <a:r>
+              <a:rPr lang="en-US" sz="1800" i="1" dirty="0">
+                <a:latin typeface="Times New Roman" panose="02020603050405020304" pitchFamily="18" charset="0"/>
+                <a:cs typeface="Times New Roman" panose="02020603050405020304" pitchFamily="18" charset="0"/>
+              </a:rPr>
+              <a:t>J</a:t>
+            </a:r>
+            <a:r>
+              <a:rPr lang="en-US" sz="1800" i="1" baseline="-25000" dirty="0">
+                <a:latin typeface="Times New Roman" panose="02020603050405020304" pitchFamily="18" charset="0"/>
+                <a:cs typeface="Times New Roman" panose="02020603050405020304" pitchFamily="18" charset="0"/>
+              </a:rPr>
+              <a:t>A</a:t>
+            </a:r>
+            <a:r>
+              <a:rPr lang="en-US" sz="1800" dirty="0">
+                <a:latin typeface="Times New Roman" panose="02020603050405020304" pitchFamily="18" charset="0"/>
+                <a:cs typeface="Times New Roman" panose="02020603050405020304" pitchFamily="18" charset="0"/>
+              </a:rPr>
+              <a:t> from </a:t>
+            </a:r>
+            <a:r>
+              <a:rPr lang="en-US" sz="1800" i="1" dirty="0">
+                <a:latin typeface="Times New Roman" panose="02020603050405020304" pitchFamily="18" charset="0"/>
+                <a:cs typeface="Times New Roman" panose="02020603050405020304" pitchFamily="18" charset="0"/>
+              </a:rPr>
+              <a:t>I</a:t>
+            </a:r>
+            <a:r>
+              <a:rPr lang="en-US" sz="1800" i="1" baseline="-25000" dirty="0">
+                <a:latin typeface="Times New Roman" panose="02020603050405020304" pitchFamily="18" charset="0"/>
+                <a:cs typeface="Times New Roman" panose="02020603050405020304" pitchFamily="18" charset="0"/>
+              </a:rPr>
+              <a:t>A</a:t>
+            </a:r>
+            <a:r>
+              <a:rPr lang="en-US" sz="1800" dirty="0">
+                <a:latin typeface="Times New Roman" panose="02020603050405020304" pitchFamily="18" charset="0"/>
+                <a:cs typeface="Times New Roman" panose="02020603050405020304" pitchFamily="18" charset="0"/>
+              </a:rPr>
+              <a:t> using </a:t>
+            </a:r>
+            <a:r>
+              <a:rPr lang="en-US" sz="1800" i="1" dirty="0">
+                <a:latin typeface="Times New Roman" panose="02020603050405020304" pitchFamily="18" charset="0"/>
+                <a:cs typeface="Times New Roman" panose="02020603050405020304" pitchFamily="18" charset="0"/>
+              </a:rPr>
+              <a:t>f</a:t>
+            </a:r>
+            <a:r>
+              <a:rPr lang="en-US" sz="1800" dirty="0">
+                <a:latin typeface="Times New Roman" panose="02020603050405020304" pitchFamily="18" charset="0"/>
+                <a:cs typeface="Times New Roman" panose="02020603050405020304" pitchFamily="18" charset="0"/>
+              </a:rPr>
+              <a:t> (see above), computes </a:t>
+            </a:r>
+            <a:r>
+              <a:rPr lang="en-US" sz="1800" i="1" dirty="0">
+                <a:latin typeface="Times New Roman" panose="02020603050405020304" pitchFamily="18" charset="0"/>
+                <a:cs typeface="Times New Roman" panose="02020603050405020304" pitchFamily="18" charset="0"/>
+              </a:rPr>
+              <a:t>z</a:t>
+            </a:r>
+            <a:r>
+              <a:rPr lang="en-US" sz="1800" dirty="0">
+                <a:latin typeface="Times New Roman" panose="02020603050405020304" pitchFamily="18" charset="0"/>
+                <a:cs typeface="Times New Roman" panose="02020603050405020304" pitchFamily="18" charset="0"/>
+              </a:rPr>
+              <a:t> = </a:t>
+            </a:r>
+            <a:r>
+              <a:rPr lang="en-US" sz="1800" i="1" dirty="0" err="1">
+                <a:latin typeface="Times New Roman" panose="02020603050405020304" pitchFamily="18" charset="0"/>
+                <a:cs typeface="Times New Roman" panose="02020603050405020304" pitchFamily="18" charset="0"/>
+              </a:rPr>
+              <a:t>J</a:t>
+            </a:r>
+            <a:r>
+              <a:rPr lang="en-US" sz="1800" i="1" baseline="-25000" dirty="0" err="1">
+                <a:latin typeface="Times New Roman" panose="02020603050405020304" pitchFamily="18" charset="0"/>
+                <a:cs typeface="Times New Roman" panose="02020603050405020304" pitchFamily="18" charset="0"/>
+              </a:rPr>
+              <a:t>A</a:t>
+            </a:r>
+            <a:r>
+              <a:rPr lang="en-US" sz="1800" i="1" baseline="30000" dirty="0" err="1">
+                <a:latin typeface="Times New Roman" panose="02020603050405020304" pitchFamily="18" charset="0"/>
+                <a:cs typeface="Times New Roman" panose="02020603050405020304" pitchFamily="18" charset="0"/>
+              </a:rPr>
+              <a:t>e</a:t>
+            </a:r>
+            <a:r>
+              <a:rPr lang="en-US" sz="1800" dirty="0" err="1">
+                <a:latin typeface="Times New Roman" panose="02020603050405020304" pitchFamily="18" charset="0"/>
+                <a:cs typeface="Times New Roman" panose="02020603050405020304" pitchFamily="18" charset="0"/>
+                <a:sym typeface="Symbol"/>
+              </a:rPr>
+              <a:t></a:t>
+            </a:r>
+            <a:r>
+              <a:rPr lang="en-US" sz="1800" i="1" dirty="0" err="1">
+                <a:latin typeface="Times New Roman" panose="02020603050405020304" pitchFamily="18" charset="0"/>
+                <a:cs typeface="Times New Roman" panose="02020603050405020304" pitchFamily="18" charset="0"/>
+              </a:rPr>
+              <a:t>y</a:t>
+            </a:r>
+            <a:r>
+              <a:rPr lang="en-US" sz="1800" i="1" baseline="30000" dirty="0" err="1">
+                <a:latin typeface="Times New Roman" panose="02020603050405020304" pitchFamily="18" charset="0"/>
+                <a:cs typeface="Times New Roman" panose="02020603050405020304" pitchFamily="18" charset="0"/>
+              </a:rPr>
+              <a:t>v</a:t>
+            </a:r>
+            <a:r>
+              <a:rPr lang="en-US" sz="1800" dirty="0">
+                <a:latin typeface="Times New Roman" panose="02020603050405020304" pitchFamily="18" charset="0"/>
+                <a:cs typeface="Times New Roman" panose="02020603050405020304" pitchFamily="18" charset="0"/>
+              </a:rPr>
+              <a:t> mod </a:t>
+            </a:r>
+            <a:r>
+              <a:rPr lang="en-US" sz="1800" i="1" dirty="0">
+                <a:latin typeface="Times New Roman" panose="02020603050405020304" pitchFamily="18" charset="0"/>
+                <a:cs typeface="Times New Roman" panose="02020603050405020304" pitchFamily="18" charset="0"/>
+              </a:rPr>
+              <a:t>n</a:t>
+            </a:r>
+            <a:r>
+              <a:rPr lang="en-US" sz="1800" dirty="0">
+                <a:latin typeface="Times New Roman" panose="02020603050405020304" pitchFamily="18" charset="0"/>
+                <a:cs typeface="Times New Roman" panose="02020603050405020304" pitchFamily="18" charset="0"/>
+              </a:rPr>
+              <a:t>, and accepts </a:t>
+            </a:r>
+            <a:r>
+              <a:rPr lang="en-US" sz="1800" i="1" dirty="0">
+                <a:latin typeface="Times New Roman" panose="02020603050405020304" pitchFamily="18" charset="0"/>
+                <a:cs typeface="Times New Roman" panose="02020603050405020304" pitchFamily="18" charset="0"/>
+              </a:rPr>
+              <a:t>A</a:t>
+            </a:r>
+            <a:r>
+              <a:rPr lang="en-US" sz="1800" dirty="0">
+                <a:latin typeface="Times New Roman" panose="02020603050405020304" pitchFamily="18" charset="0"/>
+                <a:cs typeface="Times New Roman" panose="02020603050405020304" pitchFamily="18" charset="0"/>
+              </a:rPr>
+              <a:t>’s proof of identity if both </a:t>
+            </a:r>
+            <a:r>
+              <a:rPr lang="en-US" sz="1800" i="1" dirty="0">
+                <a:latin typeface="Times New Roman" panose="02020603050405020304" pitchFamily="18" charset="0"/>
+                <a:cs typeface="Times New Roman" panose="02020603050405020304" pitchFamily="18" charset="0"/>
+              </a:rPr>
+              <a:t>z</a:t>
+            </a:r>
+            <a:r>
+              <a:rPr lang="en-US" sz="1800" dirty="0">
+                <a:latin typeface="Times New Roman" panose="02020603050405020304" pitchFamily="18" charset="0"/>
+                <a:cs typeface="Times New Roman" panose="02020603050405020304" pitchFamily="18" charset="0"/>
+              </a:rPr>
+              <a:t> = </a:t>
+            </a:r>
+            <a:r>
+              <a:rPr lang="en-US" sz="1800" i="1" dirty="0">
+                <a:latin typeface="Times New Roman" panose="02020603050405020304" pitchFamily="18" charset="0"/>
+                <a:cs typeface="Times New Roman" panose="02020603050405020304" pitchFamily="18" charset="0"/>
+              </a:rPr>
+              <a:t>x</a:t>
+            </a:r>
+            <a:r>
+              <a:rPr lang="en-US" sz="1800" dirty="0">
+                <a:latin typeface="Times New Roman" panose="02020603050405020304" pitchFamily="18" charset="0"/>
+                <a:cs typeface="Times New Roman" panose="02020603050405020304" pitchFamily="18" charset="0"/>
+              </a:rPr>
+              <a:t> and </a:t>
+            </a:r>
+            <a:r>
+              <a:rPr lang="en-US" sz="1800" i="1" dirty="0">
+                <a:latin typeface="Times New Roman" panose="02020603050405020304" pitchFamily="18" charset="0"/>
+                <a:cs typeface="Times New Roman" panose="02020603050405020304" pitchFamily="18" charset="0"/>
+              </a:rPr>
+              <a:t>z</a:t>
+            </a:r>
+            <a:r>
+              <a:rPr lang="en-US" sz="1800" dirty="0">
+                <a:latin typeface="Times New Roman" panose="02020603050405020304" pitchFamily="18" charset="0"/>
+                <a:cs typeface="Times New Roman" panose="02020603050405020304" pitchFamily="18" charset="0"/>
+              </a:rPr>
+              <a:t> </a:t>
+            </a:r>
+            <a:r>
+              <a:rPr lang="en-US" sz="1800" dirty="0">
+                <a:latin typeface="Times New Roman" panose="02020603050405020304" pitchFamily="18" charset="0"/>
+                <a:cs typeface="Times New Roman" panose="02020603050405020304" pitchFamily="18" charset="0"/>
+                <a:sym typeface="Symbol"/>
+              </a:rPr>
+              <a:t></a:t>
+            </a:r>
+            <a:r>
+              <a:rPr lang="en-US" sz="1800" dirty="0">
+                <a:latin typeface="Times New Roman" panose="02020603050405020304" pitchFamily="18" charset="0"/>
+                <a:cs typeface="Times New Roman" panose="02020603050405020304" pitchFamily="18" charset="0"/>
+              </a:rPr>
+              <a:t> 0. (The latter precludes an adversary succeeding by choosing </a:t>
+            </a:r>
+            <a:r>
+              <a:rPr lang="en-US" sz="1800" i="1" dirty="0">
+                <a:latin typeface="Times New Roman" panose="02020603050405020304" pitchFamily="18" charset="0"/>
+                <a:cs typeface="Times New Roman" panose="02020603050405020304" pitchFamily="18" charset="0"/>
+              </a:rPr>
+              <a:t>r</a:t>
+            </a:r>
+            <a:r>
+              <a:rPr lang="en-US" sz="1800" dirty="0">
+                <a:latin typeface="Times New Roman" panose="02020603050405020304" pitchFamily="18" charset="0"/>
+                <a:cs typeface="Times New Roman" panose="02020603050405020304" pitchFamily="18" charset="0"/>
+              </a:rPr>
+              <a:t> = 0).</a:t>
+            </a:r>
+          </a:p>
+        </p:txBody>
+      </p:sp>
     </p:spTree>
     <p:extLst>
       <p:ext uri="{BB962C8B-B14F-4D97-AF65-F5344CB8AC3E}">
-        <p14:creationId xmlns:p14="http://schemas.microsoft.com/office/powerpoint/2010/main" val="1156188458"/>
+        <p14:creationId xmlns:p14="http://schemas.microsoft.com/office/powerpoint/2010/main" val="2220835291"/>
       </p:ext>
     </p:extLst>
   </p:cSld>
@@ -20136,6 +20284,919 @@
           <a:lstStyle/>
           <a:p>
             <a:r>
+              <a:rPr lang="en-US" dirty="0" err="1" smtClean="0"/>
+              <a:t>Guillou-Quisquater</a:t>
+            </a:r>
+            <a:r>
+              <a:rPr lang="en-US" dirty="0" smtClean="0"/>
+              <a:t> Protocol</a:t>
+            </a:r>
+            <a:r>
+              <a:rPr lang="en-US" baseline="30000" dirty="0" smtClean="0"/>
+              <a:t>[2]</a:t>
+            </a:r>
+            <a:r>
+              <a:rPr lang="en-US" dirty="0" smtClean="0"/>
+              <a:t>  5</a:t>
+            </a:r>
+            <a:endParaRPr lang="en-US" dirty="0"/>
+          </a:p>
+        </p:txBody>
+      </p:sp>
+      <p:sp>
+        <p:nvSpPr>
+          <p:cNvPr id="3" name="Inhaltsplatzhalter 2"/>
+          <p:cNvSpPr>
+            <a:spLocks noGrp="1"/>
+          </p:cNvSpPr>
+          <p:nvPr>
+            <p:ph idx="1"/>
+          </p:nvPr>
+        </p:nvSpPr>
+        <p:spPr/>
+        <p:txBody>
+          <a:bodyPr/>
+          <a:lstStyle/>
+          <a:p>
+            <a:pPr marL="92075" indent="0">
+              <a:buNone/>
+            </a:pPr>
+            <a:r>
+              <a:rPr lang="en-US" sz="1800" dirty="0" smtClean="0">
+                <a:latin typeface="Courier New" panose="02070309020205020404" pitchFamily="49" charset="0"/>
+                <a:cs typeface="Courier New" panose="02070309020205020404" pitchFamily="49" charset="0"/>
+              </a:rPr>
+              <a:t>t: </a:t>
+            </a:r>
+            <a:r>
+              <a:rPr lang="en-US" sz="1800" b="1" dirty="0" smtClean="0">
+                <a:solidFill>
+                  <a:srgbClr val="7030A0"/>
+                </a:solidFill>
+                <a:latin typeface="Courier New" panose="02070309020205020404" pitchFamily="49" charset="0"/>
+                <a:cs typeface="Courier New" panose="02070309020205020404" pitchFamily="49" charset="0"/>
+              </a:rPr>
+              <a:t>Integer</a:t>
+            </a:r>
+            <a:r>
+              <a:rPr lang="en-US" sz="1800" dirty="0" smtClean="0">
+                <a:latin typeface="Courier New" panose="02070309020205020404" pitchFamily="49" charset="0"/>
+                <a:cs typeface="Courier New" panose="02070309020205020404" pitchFamily="49" charset="0"/>
+              </a:rPr>
+              <a:t>;	</a:t>
+            </a:r>
+            <a:br>
+              <a:rPr lang="en-US" sz="1800" dirty="0" smtClean="0">
+                <a:latin typeface="Courier New" panose="02070309020205020404" pitchFamily="49" charset="0"/>
+                <a:cs typeface="Courier New" panose="02070309020205020404" pitchFamily="49" charset="0"/>
+              </a:rPr>
+            </a:br>
+            <a:r>
+              <a:rPr lang="en-US" sz="1800" dirty="0" smtClean="0">
+                <a:latin typeface="Courier New" panose="02070309020205020404" pitchFamily="49" charset="0"/>
+                <a:cs typeface="Courier New" panose="02070309020205020404" pitchFamily="49" charset="0"/>
+              </a:rPr>
+              <a:t>r: </a:t>
+            </a:r>
+            <a:r>
+              <a:rPr lang="en-US" sz="1800" b="1" dirty="0" smtClean="0">
+                <a:solidFill>
+                  <a:srgbClr val="7030A0"/>
+                </a:solidFill>
+                <a:latin typeface="Courier New" panose="02070309020205020404" pitchFamily="49" charset="0"/>
+                <a:cs typeface="Courier New" panose="02070309020205020404" pitchFamily="49" charset="0"/>
+              </a:rPr>
+              <a:t>Integer</a:t>
+            </a:r>
+            <a:r>
+              <a:rPr lang="en-US" sz="1800" dirty="0" smtClean="0">
+                <a:latin typeface="Courier New" panose="02070309020205020404" pitchFamily="49" charset="0"/>
+                <a:cs typeface="Courier New" panose="02070309020205020404" pitchFamily="49" charset="0"/>
+              </a:rPr>
+              <a:t>;	</a:t>
+            </a:r>
+            <a:br>
+              <a:rPr lang="en-US" sz="1800" dirty="0" smtClean="0">
+                <a:latin typeface="Courier New" panose="02070309020205020404" pitchFamily="49" charset="0"/>
+                <a:cs typeface="Courier New" panose="02070309020205020404" pitchFamily="49" charset="0"/>
+              </a:rPr>
+            </a:br>
+            <a:r>
+              <a:rPr lang="en-US" sz="1800" dirty="0" err="1" smtClean="0">
+                <a:latin typeface="Courier New" panose="02070309020205020404" pitchFamily="49" charset="0"/>
+                <a:cs typeface="Courier New" panose="02070309020205020404" pitchFamily="49" charset="0"/>
+              </a:rPr>
+              <a:t>x,y,z</a:t>
+            </a:r>
+            <a:r>
+              <a:rPr lang="en-US" sz="1800" dirty="0" smtClean="0">
+                <a:latin typeface="Courier New" panose="02070309020205020404" pitchFamily="49" charset="0"/>
+                <a:cs typeface="Courier New" panose="02070309020205020404" pitchFamily="49" charset="0"/>
+              </a:rPr>
+              <a:t>: </a:t>
+            </a:r>
+            <a:r>
+              <a:rPr lang="en-US" sz="1800" b="1" dirty="0" smtClean="0">
+                <a:solidFill>
+                  <a:srgbClr val="7030A0"/>
+                </a:solidFill>
+                <a:latin typeface="Courier New" panose="02070309020205020404" pitchFamily="49" charset="0"/>
+                <a:cs typeface="Courier New" panose="02070309020205020404" pitchFamily="49" charset="0"/>
+              </a:rPr>
+              <a:t>Z</a:t>
+            </a:r>
+            <a:r>
+              <a:rPr lang="en-US" sz="1800" dirty="0" smtClean="0">
+                <a:latin typeface="Courier New" panose="02070309020205020404" pitchFamily="49" charset="0"/>
+                <a:cs typeface="Courier New" panose="02070309020205020404" pitchFamily="49" charset="0"/>
+              </a:rPr>
+              <a:t>(n);	</a:t>
+            </a:r>
+            <a:br>
+              <a:rPr lang="en-US" sz="1800" dirty="0" smtClean="0">
+                <a:latin typeface="Courier New" panose="02070309020205020404" pitchFamily="49" charset="0"/>
+                <a:cs typeface="Courier New" panose="02070309020205020404" pitchFamily="49" charset="0"/>
+              </a:rPr>
+            </a:br>
+            <a:r>
+              <a:rPr lang="en-US" sz="1800" dirty="0" smtClean="0">
+                <a:latin typeface="Courier New" panose="02070309020205020404" pitchFamily="49" charset="0"/>
+                <a:cs typeface="Courier New" panose="02070309020205020404" pitchFamily="49" charset="0"/>
+              </a:rPr>
+              <a:t>success: </a:t>
+            </a:r>
+            <a:r>
+              <a:rPr lang="en-US" sz="1800" b="1" dirty="0" smtClean="0">
+                <a:solidFill>
+                  <a:srgbClr val="7030A0"/>
+                </a:solidFill>
+                <a:latin typeface="Courier New" panose="02070309020205020404" pitchFamily="49" charset="0"/>
+                <a:cs typeface="Courier New" panose="02070309020205020404" pitchFamily="49" charset="0"/>
+              </a:rPr>
+              <a:t>Boolean</a:t>
+            </a:r>
+            <a:r>
+              <a:rPr lang="en-US" sz="1800" dirty="0" smtClean="0">
+                <a:latin typeface="Courier New" panose="02070309020205020404" pitchFamily="49" charset="0"/>
+                <a:cs typeface="Courier New" panose="02070309020205020404" pitchFamily="49" charset="0"/>
+              </a:rPr>
+              <a:t>;	</a:t>
+            </a:r>
+            <a:br>
+              <a:rPr lang="en-US" sz="1800" dirty="0" smtClean="0">
+                <a:latin typeface="Courier New" panose="02070309020205020404" pitchFamily="49" charset="0"/>
+                <a:cs typeface="Courier New" panose="02070309020205020404" pitchFamily="49" charset="0"/>
+              </a:rPr>
+            </a:br>
+            <a:r>
+              <a:rPr lang="en-US" sz="1800" dirty="0" smtClean="0">
+                <a:latin typeface="Courier New" panose="02070309020205020404" pitchFamily="49" charset="0"/>
+                <a:cs typeface="Courier New" panose="02070309020205020404" pitchFamily="49" charset="0"/>
+              </a:rPr>
+              <a:t>XR: </a:t>
+            </a:r>
+            <a:r>
+              <a:rPr lang="en-US" sz="1800" b="1" dirty="0" err="1" smtClean="0">
+                <a:solidFill>
+                  <a:srgbClr val="7030A0"/>
+                </a:solidFill>
+                <a:latin typeface="Courier New" panose="02070309020205020404" pitchFamily="49" charset="0"/>
+                <a:cs typeface="Courier New" panose="02070309020205020404" pitchFamily="49" charset="0"/>
+              </a:rPr>
+              <a:t>RandomGenerator</a:t>
+            </a:r>
+            <a:r>
+              <a:rPr lang="en-US" sz="1800" dirty="0" smtClean="0">
+                <a:latin typeface="Courier New" panose="02070309020205020404" pitchFamily="49" charset="0"/>
+                <a:cs typeface="Courier New" panose="02070309020205020404" pitchFamily="49" charset="0"/>
+              </a:rPr>
+              <a:t>(1:n-1);	</a:t>
+            </a:r>
+            <a:r>
+              <a:rPr lang="en-US" sz="1800" dirty="0" smtClean="0">
+                <a:solidFill>
+                  <a:srgbClr val="339933"/>
+                </a:solidFill>
+                <a:latin typeface="Courier New" panose="02070309020205020404" pitchFamily="49" charset="0"/>
+                <a:cs typeface="Courier New" panose="02070309020205020404" pitchFamily="49" charset="0"/>
+              </a:rPr>
+              <a:t>// for message (1)	</a:t>
+            </a:r>
+            <a:r>
+              <a:rPr lang="en-US" sz="1800" dirty="0" smtClean="0">
+                <a:latin typeface="Courier New" panose="02070309020205020404" pitchFamily="49" charset="0"/>
+                <a:cs typeface="Courier New" panose="02070309020205020404" pitchFamily="49" charset="0"/>
+              </a:rPr>
+              <a:t/>
+            </a:r>
+            <a:br>
+              <a:rPr lang="en-US" sz="1800" dirty="0" smtClean="0">
+                <a:latin typeface="Courier New" panose="02070309020205020404" pitchFamily="49" charset="0"/>
+                <a:cs typeface="Courier New" panose="02070309020205020404" pitchFamily="49" charset="0"/>
+              </a:rPr>
+            </a:br>
+            <a:r>
+              <a:rPr lang="en-US" sz="1800" dirty="0" smtClean="0">
+                <a:latin typeface="Courier New" panose="02070309020205020404" pitchFamily="49" charset="0"/>
+                <a:cs typeface="Courier New" panose="02070309020205020404" pitchFamily="49" charset="0"/>
+              </a:rPr>
+              <a:t>XE: </a:t>
+            </a:r>
+            <a:r>
+              <a:rPr lang="en-US" sz="1800" b="1" dirty="0" err="1" smtClean="0">
+                <a:solidFill>
+                  <a:srgbClr val="7030A0"/>
+                </a:solidFill>
+                <a:latin typeface="Courier New" panose="02070309020205020404" pitchFamily="49" charset="0"/>
+                <a:cs typeface="Courier New" panose="02070309020205020404" pitchFamily="49" charset="0"/>
+              </a:rPr>
+              <a:t>RandomGenerator</a:t>
+            </a:r>
+            <a:r>
+              <a:rPr lang="en-US" sz="1800" dirty="0" smtClean="0">
+                <a:latin typeface="Courier New" panose="02070309020205020404" pitchFamily="49" charset="0"/>
+                <a:cs typeface="Courier New" panose="02070309020205020404" pitchFamily="49" charset="0"/>
+              </a:rPr>
+              <a:t>(1:n-2);	</a:t>
+            </a:r>
+            <a:r>
+              <a:rPr lang="en-US" sz="1800" dirty="0" smtClean="0">
+                <a:solidFill>
+                  <a:srgbClr val="339933"/>
+                </a:solidFill>
+                <a:latin typeface="Courier New" panose="02070309020205020404" pitchFamily="49" charset="0"/>
+                <a:cs typeface="Courier New" panose="02070309020205020404" pitchFamily="49" charset="0"/>
+              </a:rPr>
+              <a:t>// for message (2)</a:t>
+            </a:r>
+            <a:r>
+              <a:rPr lang="en-US" sz="1800" dirty="0" smtClean="0">
+                <a:latin typeface="Courier New" panose="02070309020205020404" pitchFamily="49" charset="0"/>
+                <a:cs typeface="Courier New" panose="02070309020205020404" pitchFamily="49" charset="0"/>
+              </a:rPr>
+              <a:t>	</a:t>
+            </a:r>
+            <a:br>
+              <a:rPr lang="en-US" sz="1800" dirty="0" smtClean="0">
+                <a:latin typeface="Courier New" panose="02070309020205020404" pitchFamily="49" charset="0"/>
+                <a:cs typeface="Courier New" panose="02070309020205020404" pitchFamily="49" charset="0"/>
+              </a:rPr>
+            </a:br>
+            <a:r>
+              <a:rPr lang="en-US" sz="1800" dirty="0" smtClean="0">
+                <a:latin typeface="Courier New" panose="02070309020205020404" pitchFamily="49" charset="0"/>
+                <a:cs typeface="Courier New" panose="02070309020205020404" pitchFamily="49" charset="0"/>
+              </a:rPr>
+              <a:t>t := 10; </a:t>
+            </a:r>
+            <a:r>
+              <a:rPr lang="en-US" sz="1800" dirty="0" smtClean="0">
+                <a:solidFill>
+                  <a:srgbClr val="339933"/>
+                </a:solidFill>
+                <a:latin typeface="Courier New" panose="02070309020205020404" pitchFamily="49" charset="0"/>
+                <a:cs typeface="Courier New" panose="02070309020205020404" pitchFamily="49" charset="0"/>
+              </a:rPr>
+              <a:t>// run 10 rounds</a:t>
+            </a:r>
+            <a:r>
+              <a:rPr lang="en-US" sz="1800" dirty="0" smtClean="0">
+                <a:latin typeface="Courier New" panose="02070309020205020404" pitchFamily="49" charset="0"/>
+                <a:cs typeface="Courier New" panose="02070309020205020404" pitchFamily="49" charset="0"/>
+              </a:rPr>
+              <a:t>	</a:t>
+            </a:r>
+            <a:br>
+              <a:rPr lang="en-US" sz="1800" dirty="0" smtClean="0">
+                <a:latin typeface="Courier New" panose="02070309020205020404" pitchFamily="49" charset="0"/>
+                <a:cs typeface="Courier New" panose="02070309020205020404" pitchFamily="49" charset="0"/>
+              </a:rPr>
+            </a:br>
+            <a:r>
+              <a:rPr lang="en-US" sz="1800" dirty="0" smtClean="0">
+                <a:latin typeface="Courier New" panose="02070309020205020404" pitchFamily="49" charset="0"/>
+                <a:cs typeface="Courier New" panose="02070309020205020404" pitchFamily="49" charset="0"/>
+              </a:rPr>
+              <a:t>success := </a:t>
+            </a:r>
+            <a:r>
+              <a:rPr lang="en-US" sz="1800" b="1" dirty="0" smtClean="0">
+                <a:solidFill>
+                  <a:srgbClr val="7030A0"/>
+                </a:solidFill>
+                <a:latin typeface="Courier New" panose="02070309020205020404" pitchFamily="49" charset="0"/>
+                <a:cs typeface="Courier New" panose="02070309020205020404" pitchFamily="49" charset="0"/>
+              </a:rPr>
+              <a:t>true</a:t>
+            </a:r>
+            <a:r>
+              <a:rPr lang="en-US" sz="1800" dirty="0" smtClean="0">
+                <a:latin typeface="Courier New" panose="02070309020205020404" pitchFamily="49" charset="0"/>
+                <a:cs typeface="Courier New" panose="02070309020205020404" pitchFamily="49" charset="0"/>
+              </a:rPr>
+              <a:t>;	</a:t>
+            </a:r>
+            <a:r>
+              <a:rPr lang="en-US" sz="1800" dirty="0" smtClean="0">
+                <a:solidFill>
+                  <a:srgbClr val="339933"/>
+                </a:solidFill>
+                <a:latin typeface="Courier New" panose="02070309020205020404" pitchFamily="49" charset="0"/>
+                <a:cs typeface="Courier New" panose="02070309020205020404" pitchFamily="49" charset="0"/>
+              </a:rPr>
+              <a:t>// no rounds failed so far…</a:t>
+            </a:r>
+            <a:r>
+              <a:rPr lang="en-US" sz="1800" dirty="0" smtClean="0">
+                <a:latin typeface="Courier New" panose="02070309020205020404" pitchFamily="49" charset="0"/>
+                <a:cs typeface="Courier New" panose="02070309020205020404" pitchFamily="49" charset="0"/>
+              </a:rPr>
+              <a:t>	</a:t>
+            </a:r>
+            <a:br>
+              <a:rPr lang="en-US" sz="1800" dirty="0" smtClean="0">
+                <a:latin typeface="Courier New" panose="02070309020205020404" pitchFamily="49" charset="0"/>
+                <a:cs typeface="Courier New" panose="02070309020205020404" pitchFamily="49" charset="0"/>
+              </a:rPr>
+            </a:br>
+            <a:r>
+              <a:rPr lang="en-US" sz="1800" b="1" dirty="0" smtClean="0">
+                <a:solidFill>
+                  <a:srgbClr val="7030A0"/>
+                </a:solidFill>
+                <a:latin typeface="Courier New" panose="02070309020205020404" pitchFamily="49" charset="0"/>
+                <a:cs typeface="Courier New" panose="02070309020205020404" pitchFamily="49" charset="0"/>
+              </a:rPr>
+              <a:t>for</a:t>
+            </a:r>
+            <a:r>
+              <a:rPr lang="en-US" sz="1800" dirty="0" smtClean="0">
+                <a:latin typeface="Courier New" panose="02070309020205020404" pitchFamily="49" charset="0"/>
+                <a:cs typeface="Courier New" panose="02070309020205020404" pitchFamily="49" charset="0"/>
+              </a:rPr>
+              <a:t> </a:t>
+            </a:r>
+            <a:r>
+              <a:rPr lang="en-US" sz="1800" dirty="0" err="1" smtClean="0">
+                <a:latin typeface="Courier New" panose="02070309020205020404" pitchFamily="49" charset="0"/>
+                <a:cs typeface="Courier New" panose="02070309020205020404" pitchFamily="49" charset="0"/>
+              </a:rPr>
+              <a:t>i</a:t>
+            </a:r>
+            <a:r>
+              <a:rPr lang="en-US" sz="1800" dirty="0" smtClean="0">
+                <a:latin typeface="Courier New" panose="02070309020205020404" pitchFamily="49" charset="0"/>
+                <a:cs typeface="Courier New" panose="02070309020205020404" pitchFamily="49" charset="0"/>
+              </a:rPr>
+              <a:t> = 1 </a:t>
+            </a:r>
+            <a:r>
+              <a:rPr lang="en-US" sz="1800" b="1" dirty="0" smtClean="0">
+                <a:solidFill>
+                  <a:srgbClr val="7030A0"/>
+                </a:solidFill>
+                <a:latin typeface="Courier New" panose="02070309020205020404" pitchFamily="49" charset="0"/>
+                <a:cs typeface="Courier New" panose="02070309020205020404" pitchFamily="49" charset="0"/>
+              </a:rPr>
+              <a:t>to</a:t>
+            </a:r>
+            <a:r>
+              <a:rPr lang="en-US" sz="1800" dirty="0" smtClean="0">
+                <a:latin typeface="Courier New" panose="02070309020205020404" pitchFamily="49" charset="0"/>
+                <a:cs typeface="Courier New" panose="02070309020205020404" pitchFamily="49" charset="0"/>
+              </a:rPr>
+              <a:t> t {	</a:t>
+            </a:r>
+            <a:br>
+              <a:rPr lang="en-US" sz="1800" dirty="0" smtClean="0">
+                <a:latin typeface="Courier New" panose="02070309020205020404" pitchFamily="49" charset="0"/>
+                <a:cs typeface="Courier New" panose="02070309020205020404" pitchFamily="49" charset="0"/>
+              </a:rPr>
+            </a:br>
+            <a:r>
+              <a:rPr lang="en-US" sz="1800" dirty="0" smtClean="0">
+                <a:latin typeface="Courier New" panose="02070309020205020404" pitchFamily="49" charset="0"/>
+                <a:cs typeface="Courier New" panose="02070309020205020404" pitchFamily="49" charset="0"/>
+              </a:rPr>
+              <a:t> 	r := XR;	</a:t>
+            </a:r>
+            <a:r>
+              <a:rPr lang="en-US" sz="1800" dirty="0" smtClean="0">
+                <a:solidFill>
+                  <a:srgbClr val="339933"/>
+                </a:solidFill>
+                <a:latin typeface="Courier New" panose="02070309020205020404" pitchFamily="49" charset="0"/>
+                <a:cs typeface="Courier New" panose="02070309020205020404" pitchFamily="49" charset="0"/>
+              </a:rPr>
+              <a:t>// get a random value</a:t>
+            </a:r>
+            <a:r>
+              <a:rPr lang="en-US" sz="1800" dirty="0" smtClean="0">
+                <a:latin typeface="Courier New" panose="02070309020205020404" pitchFamily="49" charset="0"/>
+                <a:cs typeface="Courier New" panose="02070309020205020404" pitchFamily="49" charset="0"/>
+              </a:rPr>
+              <a:t>	</a:t>
+            </a:r>
+            <a:br>
+              <a:rPr lang="en-US" sz="1800" dirty="0" smtClean="0">
+                <a:latin typeface="Courier New" panose="02070309020205020404" pitchFamily="49" charset="0"/>
+                <a:cs typeface="Courier New" panose="02070309020205020404" pitchFamily="49" charset="0"/>
+              </a:rPr>
+            </a:br>
+            <a:r>
+              <a:rPr lang="en-US" sz="1800" dirty="0" smtClean="0">
+                <a:latin typeface="Courier New" panose="02070309020205020404" pitchFamily="49" charset="0"/>
+                <a:cs typeface="Courier New" panose="02070309020205020404" pitchFamily="49" charset="0"/>
+              </a:rPr>
+              <a:t> 	x := </a:t>
+            </a:r>
+            <a:r>
+              <a:rPr lang="en-US" sz="1800" dirty="0" err="1" smtClean="0">
+                <a:latin typeface="Courier New" panose="02070309020205020404" pitchFamily="49" charset="0"/>
+                <a:cs typeface="Courier New" panose="02070309020205020404" pitchFamily="49" charset="0"/>
+              </a:rPr>
+              <a:t>r^v</a:t>
+            </a:r>
+            <a:r>
+              <a:rPr lang="en-US" sz="1800" dirty="0" smtClean="0">
+                <a:latin typeface="Courier New" panose="02070309020205020404" pitchFamily="49" charset="0"/>
+                <a:cs typeface="Courier New" panose="02070309020205020404" pitchFamily="49" charset="0"/>
+              </a:rPr>
+              <a:t>;	</a:t>
+            </a:r>
+            <a:br>
+              <a:rPr lang="en-US" sz="1800" dirty="0" smtClean="0">
+                <a:latin typeface="Courier New" panose="02070309020205020404" pitchFamily="49" charset="0"/>
+                <a:cs typeface="Courier New" panose="02070309020205020404" pitchFamily="49" charset="0"/>
+              </a:rPr>
+            </a:br>
+            <a:r>
+              <a:rPr lang="en-US" sz="1800" dirty="0" smtClean="0">
+                <a:latin typeface="Courier New" panose="02070309020205020404" pitchFamily="49" charset="0"/>
+                <a:cs typeface="Courier New" panose="02070309020205020404" pitchFamily="49" charset="0"/>
+              </a:rPr>
+              <a:t> 	</a:t>
+            </a:r>
+            <a:r>
+              <a:rPr lang="en-US" sz="1800" dirty="0" smtClean="0">
+                <a:solidFill>
+                  <a:srgbClr val="339933"/>
+                </a:solidFill>
+                <a:latin typeface="Courier New" panose="02070309020205020404" pitchFamily="49" charset="0"/>
+                <a:cs typeface="Courier New" panose="02070309020205020404" pitchFamily="49" charset="0"/>
+              </a:rPr>
+              <a:t>/* sending (</a:t>
+            </a:r>
+            <a:r>
+              <a:rPr lang="en-US" sz="1800" dirty="0" err="1" smtClean="0">
+                <a:solidFill>
+                  <a:srgbClr val="339933"/>
+                </a:solidFill>
+                <a:latin typeface="Courier New" panose="02070309020205020404" pitchFamily="49" charset="0"/>
+                <a:cs typeface="Courier New" panose="02070309020205020404" pitchFamily="49" charset="0"/>
+              </a:rPr>
+              <a:t>IA,x</a:t>
+            </a:r>
+            <a:r>
+              <a:rPr lang="en-US" sz="1800" dirty="0" smtClean="0">
+                <a:solidFill>
+                  <a:srgbClr val="339933"/>
+                </a:solidFill>
+                <a:latin typeface="Courier New" panose="02070309020205020404" pitchFamily="49" charset="0"/>
+                <a:cs typeface="Courier New" panose="02070309020205020404" pitchFamily="49" charset="0"/>
+              </a:rPr>
+              <a:t>) requires no action… */	</a:t>
+            </a:r>
+            <a:br>
+              <a:rPr lang="en-US" sz="1800" dirty="0" smtClean="0">
+                <a:solidFill>
+                  <a:srgbClr val="339933"/>
+                </a:solidFill>
+                <a:latin typeface="Courier New" panose="02070309020205020404" pitchFamily="49" charset="0"/>
+                <a:cs typeface="Courier New" panose="02070309020205020404" pitchFamily="49" charset="0"/>
+              </a:rPr>
+            </a:br>
+            <a:r>
+              <a:rPr lang="en-US" sz="1800" dirty="0" smtClean="0">
+                <a:latin typeface="Courier New" panose="02070309020205020404" pitchFamily="49" charset="0"/>
+                <a:cs typeface="Courier New" panose="02070309020205020404" pitchFamily="49" charset="0"/>
+              </a:rPr>
+              <a:t> 	e := 1 + XE </a:t>
+            </a:r>
+            <a:r>
+              <a:rPr lang="en-US" sz="1800" b="1" dirty="0" smtClean="0">
+                <a:solidFill>
+                  <a:srgbClr val="7030A0"/>
+                </a:solidFill>
+                <a:latin typeface="Courier New" panose="02070309020205020404" pitchFamily="49" charset="0"/>
+                <a:cs typeface="Courier New" panose="02070309020205020404" pitchFamily="49" charset="0"/>
+              </a:rPr>
+              <a:t>MOD</a:t>
+            </a:r>
+            <a:r>
+              <a:rPr lang="en-US" sz="1800" dirty="0" smtClean="0">
+                <a:latin typeface="Courier New" panose="02070309020205020404" pitchFamily="49" charset="0"/>
+                <a:cs typeface="Courier New" panose="02070309020205020404" pitchFamily="49" charset="0"/>
+              </a:rPr>
+              <a:t> </a:t>
+            </a:r>
+            <a:r>
+              <a:rPr lang="en-US" sz="1800" i="1" dirty="0" err="1" smtClean="0">
+                <a:solidFill>
+                  <a:srgbClr val="0000FF"/>
+                </a:solidFill>
+                <a:latin typeface="Courier New" panose="02070309020205020404" pitchFamily="49" charset="0"/>
+                <a:cs typeface="Courier New" panose="02070309020205020404" pitchFamily="49" charset="0"/>
+              </a:rPr>
+              <a:t>int</a:t>
+            </a:r>
+            <a:r>
+              <a:rPr lang="en-US" sz="1800" dirty="0" smtClean="0">
+                <a:solidFill>
+                  <a:srgbClr val="0000FF"/>
+                </a:solidFill>
+                <a:latin typeface="Courier New" panose="02070309020205020404" pitchFamily="49" charset="0"/>
+                <a:cs typeface="Courier New" panose="02070309020205020404" pitchFamily="49" charset="0"/>
+              </a:rPr>
+              <a:t>(v)</a:t>
+            </a:r>
+            <a:r>
+              <a:rPr lang="en-US" sz="1800" dirty="0" smtClean="0">
+                <a:latin typeface="Courier New" panose="02070309020205020404" pitchFamily="49" charset="0"/>
+                <a:cs typeface="Courier New" panose="02070309020205020404" pitchFamily="49" charset="0"/>
+              </a:rPr>
+              <a:t>; 	</a:t>
+            </a:r>
+            <a:r>
+              <a:rPr lang="en-US" sz="1800" dirty="0" smtClean="0">
+                <a:solidFill>
+                  <a:srgbClr val="339933"/>
+                </a:solidFill>
+                <a:latin typeface="Courier New" panose="02070309020205020404" pitchFamily="49" charset="0"/>
+                <a:cs typeface="Courier New" panose="02070309020205020404" pitchFamily="49" charset="0"/>
+              </a:rPr>
+              <a:t>// random challenge</a:t>
+            </a:r>
+            <a:r>
+              <a:rPr lang="en-US" sz="1800" dirty="0" smtClean="0">
+                <a:latin typeface="Courier New" panose="02070309020205020404" pitchFamily="49" charset="0"/>
+                <a:cs typeface="Courier New" panose="02070309020205020404" pitchFamily="49" charset="0"/>
+              </a:rPr>
+              <a:t/>
+            </a:r>
+            <a:br>
+              <a:rPr lang="en-US" sz="1800" dirty="0" smtClean="0">
+                <a:latin typeface="Courier New" panose="02070309020205020404" pitchFamily="49" charset="0"/>
+                <a:cs typeface="Courier New" panose="02070309020205020404" pitchFamily="49" charset="0"/>
+              </a:rPr>
+            </a:br>
+            <a:r>
+              <a:rPr lang="en-US" sz="1800" dirty="0" smtClean="0">
+                <a:latin typeface="Courier New" panose="02070309020205020404" pitchFamily="49" charset="0"/>
+                <a:cs typeface="Courier New" panose="02070309020205020404" pitchFamily="49" charset="0"/>
+              </a:rPr>
+              <a:t> 	y := r * </a:t>
+            </a:r>
+            <a:r>
+              <a:rPr lang="en-US" sz="1800" dirty="0" err="1" smtClean="0">
+                <a:latin typeface="Courier New" panose="02070309020205020404" pitchFamily="49" charset="0"/>
+                <a:cs typeface="Courier New" panose="02070309020205020404" pitchFamily="49" charset="0"/>
+              </a:rPr>
+              <a:t>sA^e</a:t>
+            </a:r>
+            <a:r>
+              <a:rPr lang="en-US" sz="1800" dirty="0" smtClean="0">
+                <a:latin typeface="Courier New" panose="02070309020205020404" pitchFamily="49" charset="0"/>
+                <a:cs typeface="Courier New" panose="02070309020205020404" pitchFamily="49" charset="0"/>
+              </a:rPr>
+              <a:t>;	</a:t>
+            </a:r>
+            <a:r>
+              <a:rPr lang="en-US" sz="1800" dirty="0" smtClean="0">
+                <a:solidFill>
+                  <a:srgbClr val="339933"/>
+                </a:solidFill>
+                <a:latin typeface="Courier New" panose="02070309020205020404" pitchFamily="49" charset="0"/>
+                <a:cs typeface="Courier New" panose="02070309020205020404" pitchFamily="49" charset="0"/>
+              </a:rPr>
+              <a:t>/* compute the response */</a:t>
+            </a:r>
+            <a:r>
+              <a:rPr lang="en-US" sz="1800" dirty="0" smtClean="0">
+                <a:latin typeface="Courier New" panose="02070309020205020404" pitchFamily="49" charset="0"/>
+                <a:cs typeface="Courier New" panose="02070309020205020404" pitchFamily="49" charset="0"/>
+              </a:rPr>
+              <a:t>	</a:t>
+            </a:r>
+            <a:br>
+              <a:rPr lang="en-US" sz="1800" dirty="0" smtClean="0">
+                <a:latin typeface="Courier New" panose="02070309020205020404" pitchFamily="49" charset="0"/>
+                <a:cs typeface="Courier New" panose="02070309020205020404" pitchFamily="49" charset="0"/>
+              </a:rPr>
+            </a:br>
+            <a:r>
+              <a:rPr lang="en-US" sz="1800" dirty="0" smtClean="0">
+                <a:latin typeface="Courier New" panose="02070309020205020404" pitchFamily="49" charset="0"/>
+                <a:cs typeface="Courier New" panose="02070309020205020404" pitchFamily="49" charset="0"/>
+              </a:rPr>
+              <a:t> 	z := </a:t>
+            </a:r>
+            <a:r>
+              <a:rPr lang="en-US" sz="1800" dirty="0" err="1" smtClean="0">
+                <a:latin typeface="Courier New" panose="02070309020205020404" pitchFamily="49" charset="0"/>
+                <a:cs typeface="Courier New" panose="02070309020205020404" pitchFamily="49" charset="0"/>
+              </a:rPr>
+              <a:t>JA^e</a:t>
+            </a:r>
+            <a:r>
+              <a:rPr lang="en-US" sz="1800" dirty="0" smtClean="0">
+                <a:latin typeface="Courier New" panose="02070309020205020404" pitchFamily="49" charset="0"/>
+                <a:cs typeface="Courier New" panose="02070309020205020404" pitchFamily="49" charset="0"/>
+              </a:rPr>
+              <a:t>*</a:t>
+            </a:r>
+            <a:r>
+              <a:rPr lang="en-US" sz="1800" dirty="0" err="1" smtClean="0">
+                <a:latin typeface="Courier New" panose="02070309020205020404" pitchFamily="49" charset="0"/>
+                <a:cs typeface="Courier New" panose="02070309020205020404" pitchFamily="49" charset="0"/>
+              </a:rPr>
+              <a:t>y^v</a:t>
+            </a:r>
+            <a:r>
+              <a:rPr lang="en-US" sz="1800" dirty="0" smtClean="0">
+                <a:latin typeface="Courier New" panose="02070309020205020404" pitchFamily="49" charset="0"/>
+                <a:cs typeface="Courier New" panose="02070309020205020404" pitchFamily="49" charset="0"/>
+              </a:rPr>
+              <a:t>; </a:t>
+            </a:r>
+            <a:r>
+              <a:rPr lang="en-US" sz="1800" dirty="0" smtClean="0">
+                <a:solidFill>
+                  <a:srgbClr val="339933"/>
+                </a:solidFill>
+                <a:latin typeface="Courier New" panose="02070309020205020404" pitchFamily="49" charset="0"/>
+                <a:cs typeface="Courier New" panose="02070309020205020404" pitchFamily="49" charset="0"/>
+              </a:rPr>
+              <a:t>/* check the acceptance condition */</a:t>
+            </a:r>
+            <a:r>
+              <a:rPr lang="en-US" sz="1800" dirty="0" smtClean="0">
+                <a:latin typeface="Courier New" panose="02070309020205020404" pitchFamily="49" charset="0"/>
+                <a:cs typeface="Courier New" panose="02070309020205020404" pitchFamily="49" charset="0"/>
+              </a:rPr>
+              <a:t>	</a:t>
+            </a:r>
+            <a:br>
+              <a:rPr lang="en-US" sz="1800" dirty="0" smtClean="0">
+                <a:latin typeface="Courier New" panose="02070309020205020404" pitchFamily="49" charset="0"/>
+                <a:cs typeface="Courier New" panose="02070309020205020404" pitchFamily="49" charset="0"/>
+              </a:rPr>
+            </a:br>
+            <a:r>
+              <a:rPr lang="en-US" sz="1800" dirty="0" smtClean="0">
+                <a:latin typeface="Courier New" panose="02070309020205020404" pitchFamily="49" charset="0"/>
+                <a:cs typeface="Courier New" panose="02070309020205020404" pitchFamily="49" charset="0"/>
+              </a:rPr>
+              <a:t> 	</a:t>
+            </a:r>
+            <a:r>
+              <a:rPr lang="en-US" sz="1800" b="1" dirty="0" smtClean="0">
+                <a:solidFill>
+                  <a:srgbClr val="7030A0"/>
+                </a:solidFill>
+                <a:latin typeface="Courier New" panose="02070309020205020404" pitchFamily="49" charset="0"/>
+                <a:cs typeface="Courier New" panose="02070309020205020404" pitchFamily="49" charset="0"/>
+              </a:rPr>
+              <a:t>if</a:t>
+            </a:r>
+            <a:r>
+              <a:rPr lang="en-US" sz="1800" dirty="0" smtClean="0">
+                <a:latin typeface="Courier New" panose="02070309020205020404" pitchFamily="49" charset="0"/>
+                <a:cs typeface="Courier New" panose="02070309020205020404" pitchFamily="49" charset="0"/>
+              </a:rPr>
+              <a:t> (z!=x </a:t>
+            </a:r>
+            <a:r>
+              <a:rPr lang="en-US" sz="1800" b="1" dirty="0" smtClean="0">
+                <a:solidFill>
+                  <a:srgbClr val="7030A0"/>
+                </a:solidFill>
+                <a:latin typeface="Courier New" panose="02070309020205020404" pitchFamily="49" charset="0"/>
+                <a:cs typeface="Courier New" panose="02070309020205020404" pitchFamily="49" charset="0"/>
+              </a:rPr>
+              <a:t>OR</a:t>
+            </a:r>
+            <a:r>
+              <a:rPr lang="en-US" sz="1800" dirty="0" smtClean="0">
+                <a:latin typeface="Courier New" panose="02070309020205020404" pitchFamily="49" charset="0"/>
+                <a:cs typeface="Courier New" panose="02070309020205020404" pitchFamily="49" charset="0"/>
+              </a:rPr>
+              <a:t> z==0) { success := </a:t>
+            </a:r>
+            <a:r>
+              <a:rPr lang="en-US" sz="1800" b="1" dirty="0" smtClean="0">
+                <a:solidFill>
+                  <a:srgbClr val="7030A0"/>
+                </a:solidFill>
+                <a:latin typeface="Courier New" panose="02070309020205020404" pitchFamily="49" charset="0"/>
+                <a:cs typeface="Courier New" panose="02070309020205020404" pitchFamily="49" charset="0"/>
+              </a:rPr>
+              <a:t>false</a:t>
+            </a:r>
+            <a:r>
+              <a:rPr lang="en-US" sz="1800" dirty="0" smtClean="0">
+                <a:latin typeface="Courier New" panose="02070309020205020404" pitchFamily="49" charset="0"/>
+                <a:cs typeface="Courier New" panose="02070309020205020404" pitchFamily="49" charset="0"/>
+              </a:rPr>
+              <a:t>; }</a:t>
+            </a:r>
+            <a:br>
+              <a:rPr lang="en-US" sz="1800" dirty="0" smtClean="0">
+                <a:latin typeface="Courier New" panose="02070309020205020404" pitchFamily="49" charset="0"/>
+                <a:cs typeface="Courier New" panose="02070309020205020404" pitchFamily="49" charset="0"/>
+              </a:rPr>
+            </a:br>
+            <a:r>
+              <a:rPr lang="en-US" sz="1800" dirty="0" smtClean="0">
+                <a:latin typeface="Courier New" panose="02070309020205020404" pitchFamily="49" charset="0"/>
+                <a:cs typeface="Courier New" panose="02070309020205020404" pitchFamily="49" charset="0"/>
+              </a:rPr>
+              <a:t>}</a:t>
+            </a:r>
+            <a:br>
+              <a:rPr lang="en-US" sz="1800" dirty="0" smtClean="0">
+                <a:latin typeface="Courier New" panose="02070309020205020404" pitchFamily="49" charset="0"/>
+                <a:cs typeface="Courier New" panose="02070309020205020404" pitchFamily="49" charset="0"/>
+              </a:rPr>
+            </a:br>
+            <a:r>
+              <a:rPr lang="en-US" sz="1800" dirty="0" smtClean="0">
+                <a:solidFill>
+                  <a:srgbClr val="339933"/>
+                </a:solidFill>
+                <a:latin typeface="Courier New" panose="02070309020205020404" pitchFamily="49" charset="0"/>
+                <a:cs typeface="Courier New" panose="02070309020205020404" pitchFamily="49" charset="0"/>
+              </a:rPr>
+              <a:t>// Boolean variable </a:t>
+            </a:r>
+            <a:r>
+              <a:rPr lang="en-US" sz="1800" dirty="0" smtClean="0">
+                <a:solidFill>
+                  <a:srgbClr val="339933"/>
+                </a:solidFill>
+                <a:latin typeface="Courier New"/>
+                <a:cs typeface="Courier New"/>
+              </a:rPr>
+              <a:t>"</a:t>
+            </a:r>
+            <a:r>
+              <a:rPr lang="en-US" sz="1800" dirty="0" smtClean="0">
+                <a:solidFill>
+                  <a:srgbClr val="339933"/>
+                </a:solidFill>
+                <a:latin typeface="Courier New" panose="02070309020205020404" pitchFamily="49" charset="0"/>
+                <a:cs typeface="Courier New" panose="02070309020205020404" pitchFamily="49" charset="0"/>
+              </a:rPr>
+              <a:t>success</a:t>
+            </a:r>
+            <a:r>
+              <a:rPr lang="en-US" sz="1800" dirty="0" smtClean="0">
+                <a:solidFill>
+                  <a:srgbClr val="339933"/>
+                </a:solidFill>
+                <a:latin typeface="Courier New"/>
+                <a:cs typeface="Courier New"/>
+              </a:rPr>
+              <a:t>"</a:t>
+            </a:r>
+            <a:r>
+              <a:rPr lang="en-US" sz="1800" dirty="0" smtClean="0">
+                <a:solidFill>
+                  <a:srgbClr val="339933"/>
+                </a:solidFill>
+                <a:latin typeface="Courier New" panose="02070309020205020404" pitchFamily="49" charset="0"/>
+                <a:cs typeface="Courier New" panose="02070309020205020404" pitchFamily="49" charset="0"/>
+              </a:rPr>
+              <a:t> contains the decision</a:t>
+            </a:r>
+            <a:endParaRPr lang="en-US" sz="1800" dirty="0">
+              <a:solidFill>
+                <a:srgbClr val="339933"/>
+              </a:solidFill>
+              <a:latin typeface="Courier New" panose="02070309020205020404" pitchFamily="49" charset="0"/>
+              <a:cs typeface="Courier New" panose="02070309020205020404" pitchFamily="49" charset="0"/>
+            </a:endParaRPr>
+          </a:p>
+        </p:txBody>
+      </p:sp>
+      <p:sp>
+        <p:nvSpPr>
+          <p:cNvPr id="4" name="Textfeld 3"/>
+          <p:cNvSpPr txBox="1"/>
+          <p:nvPr/>
+        </p:nvSpPr>
+        <p:spPr>
+          <a:xfrm>
+            <a:off x="3455875" y="5841268"/>
+            <a:ext cx="5676789" cy="584775"/>
+          </a:xfrm>
+          <a:prstGeom prst="rect">
+            <a:avLst/>
+          </a:prstGeom>
+          <a:noFill/>
+        </p:spPr>
+        <p:txBody>
+          <a:bodyPr wrap="square" rtlCol="0">
+            <a:spAutoFit/>
+          </a:bodyPr>
+          <a:lstStyle/>
+          <a:p>
+            <a:pPr marL="265113" indent="-265113"/>
+            <a:r>
+              <a:rPr lang="en-US" altLang="en-US" sz="1600" dirty="0" smtClean="0"/>
+              <a:t>[2] A. </a:t>
+            </a:r>
+            <a:r>
+              <a:rPr lang="en-US" altLang="en-US" sz="1600" dirty="0" err="1" smtClean="0"/>
+              <a:t>Menezes</a:t>
+            </a:r>
+            <a:r>
+              <a:rPr lang="en-US" altLang="en-US" sz="1600" dirty="0" smtClean="0"/>
+              <a:t>, P. van </a:t>
+            </a:r>
+            <a:r>
+              <a:rPr lang="en-US" altLang="en-US" sz="1600" dirty="0" err="1" smtClean="0"/>
+              <a:t>Oorschot</a:t>
+            </a:r>
+            <a:r>
+              <a:rPr lang="en-US" altLang="en-US" sz="1600" dirty="0" smtClean="0"/>
+              <a:t>, S. Vanstone: </a:t>
+            </a:r>
+            <a:r>
+              <a:rPr lang="en-US" altLang="en-US" sz="1600" i="1" dirty="0" smtClean="0"/>
+              <a:t>Handbook of Applied Cryptology</a:t>
+            </a:r>
+            <a:r>
+              <a:rPr lang="en-US" altLang="en-US" sz="1600" dirty="0" smtClean="0"/>
+              <a:t>, CRC Press, 1997, p. 412</a:t>
+            </a:r>
+            <a:endParaRPr lang="en-US" sz="1600" dirty="0"/>
+          </a:p>
+        </p:txBody>
+      </p:sp>
+    </p:spTree>
+    <p:extLst>
+      <p:ext uri="{BB962C8B-B14F-4D97-AF65-F5344CB8AC3E}">
+        <p14:creationId xmlns:p14="http://schemas.microsoft.com/office/powerpoint/2010/main" val="1156188458"/>
+      </p:ext>
+    </p:extLst>
+  </p:cSld>
+  <p:clrMapOvr>
+    <a:masterClrMapping/>
+  </p:clrMapOvr>
+  <p:timing>
+    <p:tnLst>
+      <p:par>
+        <p:cTn id="1" dur="indefinite" restart="never" nodeType="tmRoot"/>
+      </p:par>
+    </p:tnLst>
+  </p:timing>
+</p:sld>
+</file>
+
+<file path=ppt/slides/slide33.xml><?xml version="1.0" encoding="utf-8"?>
+<p:sld xmlns:a="http://schemas.openxmlformats.org/drawingml/2006/main" xmlns:r="http://schemas.openxmlformats.org/officeDocument/2006/relationships" xmlns:p="http://schemas.openxmlformats.org/presentationml/2006/main">
+  <p:cSld>
+    <p:spTree>
+      <p:nvGrpSpPr>
+        <p:cNvPr id="1" name=""/>
+        <p:cNvGrpSpPr/>
+        <p:nvPr/>
+      </p:nvGrpSpPr>
+      <p:grpSpPr>
+        <a:xfrm>
+          <a:off x="0" y="0"/>
+          <a:ext cx="0" cy="0"/>
+          <a:chOff x="0" y="0"/>
+          <a:chExt cx="0" cy="0"/>
+        </a:xfrm>
+      </p:grpSpPr>
+      <p:sp>
+        <p:nvSpPr>
+          <p:cNvPr id="2" name="Titel 1"/>
+          <p:cNvSpPr>
+            <a:spLocks noGrp="1"/>
+          </p:cNvSpPr>
+          <p:nvPr>
+            <p:ph type="title"/>
+          </p:nvPr>
+        </p:nvSpPr>
+        <p:spPr/>
+        <p:txBody>
+          <a:bodyPr/>
+          <a:lstStyle/>
+          <a:p>
+            <a:r>
               <a:rPr lang="de-AT" dirty="0" err="1" smtClean="0"/>
               <a:t>Three</a:t>
             </a:r>
@@ -20155,8 +21216,8 @@
           </a:p>
         </p:txBody>
       </p:sp>
-      <mc:AlternateContent xmlns:mc="http://schemas.openxmlformats.org/markup-compatibility/2006" xmlns:a14="http://schemas.microsoft.com/office/drawing/2010/main">
-        <mc:Choice Requires="a14">
+      <mc:AlternateContent xmlns:mc="http://schemas.openxmlformats.org/markup-compatibility/2006">
+        <mc:Choice xmlns:a14="http://schemas.microsoft.com/office/drawing/2010/main" Requires="a14">
           <p:sp>
             <p:nvSpPr>
               <p:cNvPr id="3" name="Inhaltsplatzhalter 2"/>
@@ -20284,7 +21345,7 @@
                   <a:t> </a:t>
                 </a:r>
                 <a:r>
-                  <a:rPr lang="de-AT" b="1" dirty="0" smtClean="0">
+                  <a:rPr lang="de-AT" dirty="0" smtClean="0">
                     <a:latin typeface="Courier New" panose="02070309020205020404" pitchFamily="49" charset="0"/>
                     <a:cs typeface="Courier New" panose="02070309020205020404" pitchFamily="49" charset="0"/>
                   </a:rPr>
@@ -20499,7 +21560,7 @@
                   <a:t> </a:t>
                 </a:r>
                 <a:r>
-                  <a:rPr lang="de-AT" sz="2000" i="1" dirty="0" err="1" smtClean="0">
+                  <a:rPr lang="de-AT" sz="2000" b="1" i="1" dirty="0" err="1" smtClean="0">
                     <a:latin typeface="Courier New" panose="02070309020205020404" pitchFamily="49" charset="0"/>
                     <a:cs typeface="Courier New" panose="02070309020205020404" pitchFamily="49" charset="0"/>
                   </a:rPr>
@@ -20540,10 +21601,37 @@
                 </a:r>
                 <a:r>
                   <a:rPr lang="de-AT" sz="1800" b="1" dirty="0">
+                    <a:solidFill>
+                      <a:srgbClr val="7030A0"/>
+                    </a:solidFill>
                     <a:latin typeface="Courier New" panose="02070309020205020404" pitchFamily="49" charset="0"/>
                     <a:cs typeface="Courier New" panose="02070309020205020404" pitchFamily="49" charset="0"/>
                   </a:rPr>
-                  <a:t>EC(GF(127</a:t>
+                  <a:t>EC</a:t>
+                </a:r>
+                <a:r>
+                  <a:rPr lang="de-AT" sz="1800" dirty="0">
+                    <a:latin typeface="Courier New" panose="02070309020205020404" pitchFamily="49" charset="0"/>
+                    <a:cs typeface="Courier New" panose="02070309020205020404" pitchFamily="49" charset="0"/>
+                  </a:rPr>
+                  <a:t>(</a:t>
+                </a:r>
+                <a:r>
+                  <a:rPr lang="de-AT" sz="1800" b="1" dirty="0">
+                    <a:solidFill>
+                      <a:srgbClr val="7030A0"/>
+                    </a:solidFill>
+                    <a:latin typeface="Courier New" panose="02070309020205020404" pitchFamily="49" charset="0"/>
+                    <a:cs typeface="Courier New" panose="02070309020205020404" pitchFamily="49" charset="0"/>
+                  </a:rPr>
+                  <a:t>GF</a:t>
+                </a:r>
+                <a:r>
+                  <a:rPr lang="de-AT" sz="1800" dirty="0">
+                    <a:latin typeface="Courier New" panose="02070309020205020404" pitchFamily="49" charset="0"/>
+                    <a:cs typeface="Courier New" panose="02070309020205020404" pitchFamily="49" charset="0"/>
+                  </a:rPr>
+                  <a:t>(127</a:t>
                 </a:r>
                 <a:r>
                   <a:rPr lang="de-AT" sz="1800" dirty="0">
@@ -20795,7 +21883,7 @@
             </p:txBody>
           </p:sp>
         </mc:Choice>
-        <mc:Fallback xmlns="">
+        <mc:Fallback>
           <p:sp>
             <p:nvSpPr>
               <p:cNvPr id="3" name="Inhaltsplatzhalter 2"/>
@@ -20807,7 +21895,7 @@
               </p:nvPr>
             </p:nvSpPr>
             <p:spPr>
-              <a:blipFill rotWithShape="0">
+              <a:blipFill>
                 <a:blip r:embed="rId2"/>
                 <a:stretch>
                   <a:fillRect l="-70"/>
@@ -21636,7 +22724,7 @@
 </p:sld>
 </file>
 
-<file path=ppt/slides/slide33.xml><?xml version="1.0" encoding="utf-8"?>
+<file path=ppt/slides/slide34.xml><?xml version="1.0" encoding="utf-8"?>
 <p:sld xmlns:a="http://schemas.openxmlformats.org/drawingml/2006/main" xmlns:r="http://schemas.openxmlformats.org/officeDocument/2006/relationships" xmlns:p="http://schemas.openxmlformats.org/presentationml/2006/main">
   <p:cSld>
     <p:spTree>
@@ -21955,14 +23043,7 @@
                 <a:latin typeface="Courier New" panose="02070309020205020404" pitchFamily="49" charset="0"/>
                 <a:cs typeface="Courier New" panose="02070309020205020404" pitchFamily="49" charset="0"/>
               </a:rPr>
-              <a:t>(</a:t>
-            </a:r>
-            <a:r>
-              <a:rPr lang="de-AT" sz="1800" b="1" dirty="0">
-                <a:latin typeface="Courier New" panose="02070309020205020404" pitchFamily="49" charset="0"/>
-                <a:cs typeface="Courier New" panose="02070309020205020404" pitchFamily="49" charset="0"/>
-              </a:rPr>
-              <a:t>e</a:t>
+              <a:t>(e</a:t>
             </a:r>
             <a:r>
               <a:rPr lang="de-AT" sz="1800" dirty="0" smtClean="0">
@@ -22139,14 +23220,7 @@
                 <a:latin typeface="Courier New" panose="02070309020205020404" pitchFamily="49" charset="0"/>
                 <a:cs typeface="Courier New" panose="02070309020205020404" pitchFamily="49" charset="0"/>
               </a:rPr>
-              <a:t>(</a:t>
-            </a:r>
-            <a:r>
-              <a:rPr lang="de-AT" sz="1800" b="1" dirty="0">
-                <a:latin typeface="Courier New" panose="02070309020205020404" pitchFamily="49" charset="0"/>
-                <a:cs typeface="Courier New" panose="02070309020205020404" pitchFamily="49" charset="0"/>
-              </a:rPr>
-              <a:t>e</a:t>
+              <a:t>(e</a:t>
             </a:r>
             <a:r>
               <a:rPr lang="de-AT" sz="1800" dirty="0" smtClean="0">
@@ -23303,7 +24377,7 @@
 </p:sld>
 </file>
 
-<file path=ppt/slides/slide34.xml><?xml version="1.0" encoding="utf-8"?>
+<file path=ppt/slides/slide35.xml><?xml version="1.0" encoding="utf-8"?>
 <p:sld xmlns:a="http://schemas.openxmlformats.org/drawingml/2006/main" xmlns:r="http://schemas.openxmlformats.org/officeDocument/2006/relationships" xmlns:p="http://schemas.openxmlformats.org/presentationml/2006/main">
   <p:cSld>
     <p:spTree>
@@ -24415,7 +25489,7 @@
 </p:sld>
 </file>
 
-<file path=ppt/slides/slide35.xml><?xml version="1.0" encoding="utf-8"?>
+<file path=ppt/slides/slide36.xml><?xml version="1.0" encoding="utf-8"?>
 <p:sld xmlns:a="http://schemas.openxmlformats.org/drawingml/2006/main" xmlns:r="http://schemas.openxmlformats.org/officeDocument/2006/relationships" xmlns:p="http://schemas.openxmlformats.org/presentationml/2006/main">
   <p:cSld>
     <p:spTree>
@@ -24822,7 +25896,7 @@
               <a:t>Ka := </a:t>
             </a:r>
             <a:r>
-              <a:rPr lang="de-AT" sz="1800" i="1" dirty="0" err="1">
+              <a:rPr lang="de-AT" sz="1800" b="1" i="1" dirty="0" err="1">
                 <a:latin typeface="Courier New" panose="02070309020205020404" pitchFamily="49" charset="0"/>
                 <a:cs typeface="Courier New" panose="02070309020205020404" pitchFamily="49" charset="0"/>
               </a:rPr>
@@ -24904,7 +25978,7 @@
               <a:t>:= </a:t>
             </a:r>
             <a:r>
-              <a:rPr lang="de-AT" sz="1800" i="1" dirty="0" err="1">
+              <a:rPr lang="de-AT" sz="1800" b="1" i="1" dirty="0" err="1">
                 <a:latin typeface="Courier New" panose="02070309020205020404" pitchFamily="49" charset="0"/>
                 <a:cs typeface="Courier New" panose="02070309020205020404" pitchFamily="49" charset="0"/>
               </a:rPr>
@@ -24986,7 +26060,7 @@
               <a:t>:= </a:t>
             </a:r>
             <a:r>
-              <a:rPr lang="de-AT" sz="1800" i="1" dirty="0" err="1">
+              <a:rPr lang="de-AT" sz="1800" b="1" i="1" dirty="0" err="1">
                 <a:latin typeface="Courier New" panose="02070309020205020404" pitchFamily="49" charset="0"/>
                 <a:cs typeface="Courier New" panose="02070309020205020404" pitchFamily="49" charset="0"/>
               </a:rPr>
@@ -25122,7 +26196,7 @@
               <a:buNone/>
             </a:pPr>
             <a:r>
-              <a:rPr lang="de-AT" sz="1800" i="1" dirty="0" err="1" smtClean="0">
+              <a:rPr lang="de-AT" sz="1800" b="1" i="1" dirty="0" err="1" smtClean="0">
                 <a:latin typeface="Courier New" panose="02070309020205020404" pitchFamily="49" charset="0"/>
                 <a:cs typeface="Courier New" panose="02070309020205020404" pitchFamily="49" charset="0"/>
               </a:rPr>
@@ -25136,7 +26210,7 @@
               <a:t>(</a:t>
             </a:r>
             <a:r>
-              <a:rPr lang="de-AT" sz="1800" i="1" dirty="0" err="1" smtClean="0">
+              <a:rPr lang="de-AT" sz="1800" b="1" i="1" dirty="0" err="1" smtClean="0">
                 <a:latin typeface="Courier New" panose="02070309020205020404" pitchFamily="49" charset="0"/>
                 <a:cs typeface="Courier New" panose="02070309020205020404" pitchFamily="49" charset="0"/>
               </a:rPr>
@@ -25171,7 +26245,7 @@
               <a:t>) + " == " + </a:t>
             </a:r>
             <a:r>
-              <a:rPr lang="de-AT" sz="1800" i="1" dirty="0" err="1" smtClean="0">
+              <a:rPr lang="de-AT" sz="1800" b="1" i="1" dirty="0" err="1" smtClean="0">
                 <a:latin typeface="Courier New" panose="02070309020205020404" pitchFamily="49" charset="0"/>
                 <a:cs typeface="Courier New" panose="02070309020205020404" pitchFamily="49" charset="0"/>
               </a:rPr>
@@ -25199,7 +26273,7 @@
               <a:t>) + " == " + </a:t>
             </a:r>
             <a:r>
-              <a:rPr lang="de-AT" sz="1800" i="1" dirty="0" err="1" smtClean="0">
+              <a:rPr lang="de-AT" sz="1800" b="1" i="1" dirty="0" err="1" smtClean="0">
                 <a:latin typeface="Courier New" panose="02070309020205020404" pitchFamily="49" charset="0"/>
                 <a:cs typeface="Courier New" panose="02070309020205020404" pitchFamily="49" charset="0"/>
               </a:rPr>
@@ -26042,7 +27116,7 @@
 </p:sld>
 </file>
 
-<file path=ppt/slides/slide36.xml><?xml version="1.0" encoding="utf-8"?>
+<file path=ppt/slides/slide37.xml><?xml version="1.0" encoding="utf-8"?>
 <p:sld xmlns:a="http://schemas.openxmlformats.org/drawingml/2006/main" xmlns:r="http://schemas.openxmlformats.org/officeDocument/2006/relationships" xmlns:p="http://schemas.openxmlformats.org/presentationml/2006/main">
   <p:cSld>
     <p:spTree>
@@ -26227,865 +27301,6 @@
 </p:sld>
 </file>
 
-<file path=ppt/slides/slide37.xml><?xml version="1.0" encoding="utf-8"?>
-<p:sld xmlns:a="http://schemas.openxmlformats.org/drawingml/2006/main" xmlns:r="http://schemas.openxmlformats.org/officeDocument/2006/relationships" xmlns:p="http://schemas.openxmlformats.org/presentationml/2006/main">
-  <p:cSld>
-    <p:spTree>
-      <p:nvGrpSpPr>
-        <p:cNvPr id="1" name=""/>
-        <p:cNvGrpSpPr/>
-        <p:nvPr/>
-      </p:nvGrpSpPr>
-      <p:grpSpPr>
-        <a:xfrm>
-          <a:off x="0" y="0"/>
-          <a:ext cx="0" cy="0"/>
-          <a:chOff x="0" y="0"/>
-          <a:chExt cx="0" cy="0"/>
-        </a:xfrm>
-      </p:grpSpPr>
-      <p:sp>
-        <p:nvSpPr>
-          <p:cNvPr id="2" name="Titel 1"/>
-          <p:cNvSpPr>
-            <a:spLocks noGrp="1"/>
-          </p:cNvSpPr>
-          <p:nvPr>
-            <p:ph type="title"/>
-          </p:nvPr>
-        </p:nvSpPr>
-        <p:spPr/>
-        <p:txBody>
-          <a:bodyPr/>
-          <a:lstStyle/>
-          <a:p>
-            <a:r>
-              <a:rPr lang="de-AT" dirty="0" smtClean="0"/>
-              <a:t>Open </a:t>
-            </a:r>
-            <a:r>
-              <a:rPr lang="de-AT" dirty="0" err="1" smtClean="0"/>
-              <a:t>Issues</a:t>
-            </a:r>
-            <a:r>
-              <a:rPr lang="de-AT" dirty="0" smtClean="0"/>
-              <a:t> (</a:t>
-            </a:r>
-            <a:r>
-              <a:rPr lang="de-AT" dirty="0" err="1" smtClean="0"/>
-              <a:t>for</a:t>
-            </a:r>
-            <a:r>
-              <a:rPr lang="de-AT" dirty="0" smtClean="0"/>
-              <a:t> </a:t>
-            </a:r>
-            <a:r>
-              <a:rPr lang="de-AT" dirty="0" err="1" smtClean="0"/>
-              <a:t>future</a:t>
-            </a:r>
-            <a:r>
-              <a:rPr lang="de-AT" dirty="0" smtClean="0"/>
-              <a:t> </a:t>
-            </a:r>
-            <a:r>
-              <a:rPr lang="de-AT" dirty="0" err="1" smtClean="0"/>
-              <a:t>versions</a:t>
-            </a:r>
-            <a:r>
-              <a:rPr lang="de-AT" dirty="0" smtClean="0"/>
-              <a:t>)</a:t>
-            </a:r>
-            <a:endParaRPr lang="de-AT" dirty="0"/>
-          </a:p>
-        </p:txBody>
-      </p:sp>
-      <p:sp>
-        <p:nvSpPr>
-          <p:cNvPr id="3" name="Inhaltsplatzhalter 2"/>
-          <p:cNvSpPr>
-            <a:spLocks noGrp="1"/>
-          </p:cNvSpPr>
-          <p:nvPr>
-            <p:ph idx="1"/>
-          </p:nvPr>
-        </p:nvSpPr>
-        <p:spPr/>
-        <p:txBody>
-          <a:bodyPr/>
-          <a:lstStyle/>
-          <a:p>
-            <a:r>
-              <a:rPr lang="de-AT" dirty="0" smtClean="0"/>
-              <a:t>This </a:t>
-            </a:r>
-            <a:r>
-              <a:rPr lang="de-AT" dirty="0" err="1" smtClean="0"/>
-              <a:t>is</a:t>
-            </a:r>
-            <a:r>
-              <a:rPr lang="de-AT" dirty="0" smtClean="0"/>
-              <a:t> an (</a:t>
-            </a:r>
-            <a:r>
-              <a:rPr lang="de-AT" dirty="0" err="1" smtClean="0"/>
-              <a:t>incomprehensive</a:t>
-            </a:r>
-            <a:r>
-              <a:rPr lang="de-AT" dirty="0" smtClean="0"/>
-              <a:t>) </a:t>
-            </a:r>
-            <a:r>
-              <a:rPr lang="de-AT" dirty="0" err="1" smtClean="0"/>
-              <a:t>list</a:t>
-            </a:r>
-            <a:r>
-              <a:rPr lang="de-AT" dirty="0" smtClean="0"/>
-              <a:t> </a:t>
-            </a:r>
-            <a:r>
-              <a:rPr lang="de-AT" dirty="0" err="1" smtClean="0"/>
-              <a:t>of</a:t>
-            </a:r>
-            <a:r>
-              <a:rPr lang="de-AT" dirty="0" smtClean="0"/>
-              <a:t> </a:t>
-            </a:r>
-            <a:r>
-              <a:rPr lang="de-AT" dirty="0" err="1" smtClean="0"/>
-              <a:t>features</a:t>
-            </a:r>
-            <a:r>
-              <a:rPr lang="de-AT" dirty="0" smtClean="0"/>
-              <a:t> </a:t>
-            </a:r>
-            <a:r>
-              <a:rPr lang="de-AT" dirty="0" err="1" smtClean="0"/>
-              <a:t>that</a:t>
-            </a:r>
-            <a:r>
-              <a:rPr lang="de-AT" dirty="0" smtClean="0"/>
-              <a:t> </a:t>
-            </a:r>
-            <a:r>
-              <a:rPr lang="de-AT" dirty="0" err="1" smtClean="0"/>
-              <a:t>would</a:t>
-            </a:r>
-            <a:r>
-              <a:rPr lang="de-AT" dirty="0" smtClean="0"/>
-              <a:t> </a:t>
-            </a:r>
-            <a:r>
-              <a:rPr lang="de-AT" dirty="0" err="1" smtClean="0"/>
-              <a:t>be</a:t>
-            </a:r>
-            <a:r>
-              <a:rPr lang="de-AT" dirty="0" smtClean="0"/>
-              <a:t> </a:t>
-            </a:r>
-            <a:r>
-              <a:rPr lang="de-AT" dirty="0" err="1" smtClean="0"/>
-              <a:t>nice</a:t>
-            </a:r>
-            <a:r>
-              <a:rPr lang="de-AT" dirty="0" smtClean="0"/>
-              <a:t> </a:t>
-            </a:r>
-            <a:r>
-              <a:rPr lang="de-AT" dirty="0" err="1" smtClean="0"/>
-              <a:t>to</a:t>
-            </a:r>
-            <a:r>
-              <a:rPr lang="de-AT" dirty="0" smtClean="0"/>
-              <a:t> </a:t>
-            </a:r>
-            <a:r>
-              <a:rPr lang="de-AT" dirty="0" err="1" smtClean="0"/>
-              <a:t>have</a:t>
-            </a:r>
-            <a:r>
-              <a:rPr lang="de-AT" dirty="0" smtClean="0"/>
-              <a:t> in </a:t>
-            </a:r>
-            <a:r>
-              <a:rPr lang="de-AT" dirty="0" err="1" smtClean="0"/>
-              <a:t>future</a:t>
-            </a:r>
-            <a:r>
-              <a:rPr lang="de-AT" dirty="0" smtClean="0"/>
-              <a:t> </a:t>
-            </a:r>
-            <a:r>
-              <a:rPr lang="de-AT" dirty="0" err="1" smtClean="0"/>
-              <a:t>versions</a:t>
-            </a:r>
-            <a:r>
-              <a:rPr lang="de-AT" dirty="0" smtClean="0"/>
-              <a:t>.</a:t>
-            </a:r>
-          </a:p>
-          <a:p>
-            <a:r>
-              <a:rPr lang="de-AT" dirty="0" smtClean="0"/>
-              <a:t>All </a:t>
-            </a:r>
-            <a:r>
-              <a:rPr lang="de-AT" dirty="0" err="1" smtClean="0"/>
-              <a:t>of</a:t>
-            </a:r>
-            <a:r>
-              <a:rPr lang="de-AT" dirty="0" smtClean="0"/>
-              <a:t> </a:t>
-            </a:r>
-            <a:r>
-              <a:rPr lang="de-AT" dirty="0" err="1" smtClean="0"/>
-              <a:t>these</a:t>
-            </a:r>
-            <a:r>
-              <a:rPr lang="de-AT" dirty="0" smtClean="0"/>
-              <a:t> </a:t>
-            </a:r>
-            <a:r>
-              <a:rPr lang="de-AT" dirty="0" err="1" smtClean="0"/>
-              <a:t>are</a:t>
-            </a:r>
-            <a:r>
-              <a:rPr lang="de-AT" dirty="0" smtClean="0"/>
-              <a:t> open </a:t>
-            </a:r>
-            <a:r>
-              <a:rPr lang="de-AT" dirty="0" err="1" smtClean="0"/>
-              <a:t>for</a:t>
-            </a:r>
-            <a:r>
-              <a:rPr lang="de-AT" dirty="0" smtClean="0"/>
-              <a:t> </a:t>
-            </a:r>
-            <a:r>
-              <a:rPr lang="de-AT" dirty="0" err="1" smtClean="0"/>
-              <a:t>implementation</a:t>
-            </a:r>
-            <a:r>
-              <a:rPr lang="de-AT" dirty="0" smtClean="0"/>
-              <a:t> in a </a:t>
-            </a:r>
-            <a:r>
-              <a:rPr lang="de-AT" dirty="0" err="1" smtClean="0"/>
-              <a:t>software</a:t>
-            </a:r>
-            <a:r>
-              <a:rPr lang="de-AT" dirty="0" smtClean="0"/>
-              <a:t> </a:t>
-            </a:r>
-            <a:r>
-              <a:rPr lang="de-AT" dirty="0" err="1" smtClean="0"/>
-              <a:t>practical</a:t>
-            </a:r>
-            <a:r>
-              <a:rPr lang="de-AT" dirty="0" smtClean="0"/>
-              <a:t>, </a:t>
-            </a:r>
-            <a:r>
-              <a:rPr lang="de-AT" dirty="0" err="1" smtClean="0"/>
-              <a:t>practice</a:t>
-            </a:r>
-            <a:r>
-              <a:rPr lang="de-AT" dirty="0" smtClean="0"/>
-              <a:t> </a:t>
-            </a:r>
-            <a:r>
-              <a:rPr lang="de-AT" dirty="0" err="1" smtClean="0"/>
-              <a:t>semester</a:t>
-            </a:r>
-            <a:r>
-              <a:rPr lang="de-AT" dirty="0" smtClean="0"/>
-              <a:t> </a:t>
-            </a:r>
-            <a:r>
-              <a:rPr lang="de-AT" dirty="0" err="1" smtClean="0"/>
-              <a:t>or</a:t>
-            </a:r>
-            <a:r>
-              <a:rPr lang="de-AT" dirty="0" smtClean="0"/>
-              <a:t> </a:t>
-            </a:r>
-            <a:r>
-              <a:rPr lang="de-AT" dirty="0" err="1" smtClean="0"/>
-              <a:t>master</a:t>
-            </a:r>
-            <a:r>
-              <a:rPr lang="de-AT" dirty="0" smtClean="0"/>
-              <a:t> </a:t>
-            </a:r>
-            <a:r>
-              <a:rPr lang="de-AT" dirty="0" err="1" smtClean="0"/>
-              <a:t>thesis</a:t>
-            </a:r>
-            <a:r>
-              <a:rPr lang="de-AT" dirty="0" smtClean="0"/>
-              <a:t> </a:t>
-            </a:r>
-            <a:br>
-              <a:rPr lang="de-AT" dirty="0" smtClean="0"/>
-            </a:br>
-            <a:r>
-              <a:rPr lang="de-AT" dirty="0" smtClean="0"/>
-              <a:t>(</a:t>
-            </a:r>
-            <a:r>
-              <a:rPr lang="de-AT" dirty="0" err="1" smtClean="0"/>
-              <a:t>please</a:t>
-            </a:r>
-            <a:r>
-              <a:rPr lang="de-AT" dirty="0"/>
-              <a:t> send </a:t>
-            </a:r>
-            <a:r>
-              <a:rPr lang="de-AT" dirty="0" err="1" smtClean="0"/>
-              <a:t>inquiries</a:t>
-            </a:r>
-            <a:r>
-              <a:rPr lang="de-AT" dirty="0" smtClean="0"/>
-              <a:t> </a:t>
-            </a:r>
-            <a:r>
-              <a:rPr lang="de-AT" dirty="0" err="1" smtClean="0"/>
-              <a:t>to</a:t>
-            </a:r>
-            <a:r>
-              <a:rPr lang="de-AT" dirty="0" smtClean="0"/>
-              <a:t> </a:t>
-            </a:r>
-            <a:r>
-              <a:rPr lang="de-AT" dirty="0" smtClean="0">
-                <a:hlinkClick r:id="rId2"/>
-              </a:rPr>
-              <a:t>stefan.rass@aau.at</a:t>
-            </a:r>
-            <a:r>
-              <a:rPr lang="de-AT" dirty="0" smtClean="0"/>
-              <a:t>) </a:t>
-            </a:r>
-          </a:p>
-          <a:p>
-            <a:endParaRPr lang="de-AT" dirty="0" smtClean="0"/>
-          </a:p>
-          <a:p>
-            <a:r>
-              <a:rPr lang="de-AT" dirty="0" smtClean="0"/>
-              <a:t>API </a:t>
-            </a:r>
-            <a:r>
-              <a:rPr lang="de-AT" dirty="0" err="1" smtClean="0"/>
-              <a:t>extensions</a:t>
-            </a:r>
-            <a:r>
-              <a:rPr lang="de-AT" dirty="0" smtClean="0"/>
-              <a:t> </a:t>
-            </a:r>
-            <a:r>
-              <a:rPr lang="de-AT" dirty="0" err="1" smtClean="0"/>
-              <a:t>to</a:t>
-            </a:r>
-            <a:r>
-              <a:rPr lang="de-AT" dirty="0" smtClean="0"/>
-              <a:t> </a:t>
-            </a:r>
-            <a:r>
-              <a:rPr lang="de-AT" cap="small" dirty="0" err="1" smtClean="0"/>
-              <a:t>FFapl</a:t>
-            </a:r>
-            <a:r>
-              <a:rPr lang="de-AT" dirty="0" smtClean="0"/>
-              <a:t>, </a:t>
-            </a:r>
-            <a:r>
-              <a:rPr lang="de-AT" dirty="0" err="1" smtClean="0"/>
-              <a:t>including</a:t>
-            </a:r>
-            <a:r>
-              <a:rPr lang="de-AT" dirty="0" smtClean="0"/>
-              <a:t> (but not limited </a:t>
-            </a:r>
-            <a:r>
-              <a:rPr lang="de-AT" dirty="0" err="1" smtClean="0"/>
-              <a:t>to</a:t>
-            </a:r>
-            <a:r>
-              <a:rPr lang="de-AT" dirty="0" smtClean="0"/>
-              <a:t>):</a:t>
-            </a:r>
-          </a:p>
-          <a:p>
-            <a:pPr lvl="1"/>
-            <a:r>
-              <a:rPr lang="de-AT" dirty="0" err="1" smtClean="0"/>
-              <a:t>built</a:t>
-            </a:r>
-            <a:r>
-              <a:rPr lang="de-AT" dirty="0" smtClean="0"/>
-              <a:t>-in </a:t>
-            </a:r>
-            <a:r>
-              <a:rPr lang="de-AT" dirty="0" err="1" smtClean="0"/>
-              <a:t>functions</a:t>
-            </a:r>
-            <a:r>
-              <a:rPr lang="de-AT" dirty="0" smtClean="0"/>
-              <a:t> </a:t>
-            </a:r>
-            <a:r>
-              <a:rPr lang="de-AT" dirty="0" err="1" smtClean="0"/>
-              <a:t>for</a:t>
-            </a:r>
-            <a:r>
-              <a:rPr lang="de-AT" dirty="0" smtClean="0"/>
-              <a:t> AES </a:t>
-            </a:r>
-            <a:r>
-              <a:rPr lang="de-AT" dirty="0" err="1" smtClean="0"/>
-              <a:t>encryption</a:t>
-            </a:r>
-            <a:r>
-              <a:rPr lang="de-AT" dirty="0" smtClean="0"/>
-              <a:t> </a:t>
-            </a:r>
-            <a:r>
-              <a:rPr lang="de-AT" dirty="0" err="1" smtClean="0"/>
-              <a:t>and</a:t>
-            </a:r>
-            <a:r>
-              <a:rPr lang="de-AT" dirty="0" smtClean="0"/>
-              <a:t> </a:t>
-            </a:r>
-            <a:r>
-              <a:rPr lang="de-AT" dirty="0" err="1" smtClean="0"/>
-              <a:t>decryption</a:t>
-            </a:r>
-            <a:endParaRPr lang="de-AT" dirty="0" smtClean="0"/>
-          </a:p>
-          <a:p>
-            <a:pPr lvl="1"/>
-            <a:r>
-              <a:rPr lang="de-AT" dirty="0" smtClean="0"/>
-              <a:t>a </a:t>
-            </a:r>
-            <a:r>
-              <a:rPr lang="de-AT" dirty="0" err="1" smtClean="0"/>
-              <a:t>way</a:t>
-            </a:r>
-            <a:r>
-              <a:rPr lang="de-AT" dirty="0" smtClean="0"/>
-              <a:t> </a:t>
-            </a:r>
-            <a:r>
-              <a:rPr lang="de-AT" dirty="0" err="1" smtClean="0"/>
-              <a:t>to</a:t>
-            </a:r>
-            <a:r>
-              <a:rPr lang="de-AT" dirty="0" smtClean="0"/>
-              <a:t> </a:t>
-            </a:r>
-            <a:r>
-              <a:rPr lang="de-AT" dirty="0" err="1" smtClean="0"/>
-              <a:t>define</a:t>
-            </a:r>
-            <a:r>
-              <a:rPr lang="de-AT" dirty="0" smtClean="0"/>
-              <a:t> </a:t>
-            </a:r>
-            <a:r>
-              <a:rPr lang="de-AT" b="1" dirty="0" err="1">
-                <a:solidFill>
-                  <a:srgbClr val="7030A0"/>
-                </a:solidFill>
-                <a:latin typeface="Courier New" panose="02070309020205020404" pitchFamily="49" charset="0"/>
-                <a:ea typeface="+mn-ea"/>
-                <a:cs typeface="Courier New" panose="02070309020205020404" pitchFamily="49" charset="0"/>
-              </a:rPr>
-              <a:t>Record</a:t>
-            </a:r>
-            <a:r>
-              <a:rPr lang="de-AT" dirty="0" smtClean="0"/>
-              <a:t> </a:t>
-            </a:r>
-            <a:r>
-              <a:rPr lang="de-AT" dirty="0" err="1" smtClean="0"/>
-              <a:t>as</a:t>
-            </a:r>
-            <a:r>
-              <a:rPr lang="de-AT" dirty="0" smtClean="0"/>
-              <a:t> </a:t>
-            </a:r>
-            <a:r>
-              <a:rPr lang="de-AT" dirty="0" err="1" smtClean="0"/>
-              <a:t>parameter</a:t>
-            </a:r>
-            <a:r>
-              <a:rPr lang="de-AT" dirty="0" smtClean="0"/>
-              <a:t> </a:t>
-            </a:r>
-            <a:r>
-              <a:rPr lang="de-AT" dirty="0" err="1" smtClean="0"/>
-              <a:t>and</a:t>
-            </a:r>
-            <a:r>
-              <a:rPr lang="de-AT" dirty="0" smtClean="0"/>
-              <a:t> </a:t>
-            </a:r>
-            <a:r>
-              <a:rPr lang="de-AT" dirty="0" err="1" smtClean="0"/>
-              <a:t>return</a:t>
-            </a:r>
-            <a:r>
-              <a:rPr lang="de-AT" dirty="0" smtClean="0"/>
-              <a:t> type </a:t>
-            </a:r>
-            <a:r>
-              <a:rPr lang="de-AT" dirty="0" err="1" smtClean="0"/>
-              <a:t>for</a:t>
-            </a:r>
-            <a:r>
-              <a:rPr lang="de-AT" dirty="0" smtClean="0"/>
-              <a:t> </a:t>
-            </a:r>
-            <a:r>
-              <a:rPr lang="de-AT" dirty="0" err="1" smtClean="0"/>
-              <a:t>functions</a:t>
-            </a:r>
-            <a:endParaRPr lang="de-AT" dirty="0" smtClean="0"/>
-          </a:p>
-          <a:p>
-            <a:pPr lvl="1"/>
-            <a:r>
-              <a:rPr lang="de-AT" dirty="0" smtClean="0">
-                <a:solidFill>
-                  <a:srgbClr val="0000FF"/>
-                </a:solidFill>
-              </a:rPr>
-              <a:t>…</a:t>
-            </a:r>
-            <a:r>
-              <a:rPr lang="de-AT" dirty="0" err="1" smtClean="0">
-                <a:solidFill>
-                  <a:srgbClr val="0000FF"/>
-                </a:solidFill>
-              </a:rPr>
-              <a:t>whatever</a:t>
-            </a:r>
-            <a:r>
-              <a:rPr lang="de-AT" dirty="0" smtClean="0">
-                <a:solidFill>
-                  <a:srgbClr val="0000FF"/>
-                </a:solidFill>
-              </a:rPr>
-              <a:t> </a:t>
-            </a:r>
-            <a:r>
-              <a:rPr lang="de-AT" dirty="0" err="1" smtClean="0">
-                <a:solidFill>
-                  <a:srgbClr val="0000FF"/>
-                </a:solidFill>
-              </a:rPr>
-              <a:t>else</a:t>
-            </a:r>
-            <a:r>
-              <a:rPr lang="de-AT" dirty="0" smtClean="0">
-                <a:solidFill>
-                  <a:srgbClr val="0000FF"/>
-                </a:solidFill>
-              </a:rPr>
-              <a:t> </a:t>
-            </a:r>
-            <a:r>
-              <a:rPr lang="de-AT" dirty="0" err="1" smtClean="0">
-                <a:solidFill>
-                  <a:srgbClr val="0000FF"/>
-                </a:solidFill>
-              </a:rPr>
-              <a:t>you</a:t>
-            </a:r>
-            <a:r>
-              <a:rPr lang="de-AT" dirty="0" smtClean="0">
-                <a:solidFill>
-                  <a:srgbClr val="0000FF"/>
-                </a:solidFill>
-              </a:rPr>
-              <a:t> </a:t>
-            </a:r>
-            <a:r>
-              <a:rPr lang="de-AT" dirty="0" err="1" smtClean="0">
-                <a:solidFill>
-                  <a:srgbClr val="0000FF"/>
-                </a:solidFill>
-              </a:rPr>
-              <a:t>may</a:t>
-            </a:r>
-            <a:r>
-              <a:rPr lang="de-AT" dirty="0" smtClean="0">
-                <a:solidFill>
-                  <a:srgbClr val="0000FF"/>
-                </a:solidFill>
-              </a:rPr>
-              <a:t> </a:t>
-            </a:r>
-            <a:r>
-              <a:rPr lang="de-AT" dirty="0" err="1" smtClean="0">
-                <a:solidFill>
-                  <a:srgbClr val="0000FF"/>
-                </a:solidFill>
-              </a:rPr>
-              <a:t>propose</a:t>
-            </a:r>
-            <a:r>
-              <a:rPr lang="de-AT" dirty="0" smtClean="0">
-                <a:solidFill>
-                  <a:srgbClr val="0000FF"/>
-                </a:solidFill>
-              </a:rPr>
-              <a:t> </a:t>
-            </a:r>
-            <a:r>
-              <a:rPr lang="de-AT" dirty="0" err="1" smtClean="0">
-                <a:solidFill>
-                  <a:srgbClr val="0000FF"/>
-                </a:solidFill>
-              </a:rPr>
-              <a:t>as</a:t>
-            </a:r>
-            <a:r>
-              <a:rPr lang="de-AT" dirty="0" smtClean="0">
-                <a:solidFill>
-                  <a:srgbClr val="0000FF"/>
-                </a:solidFill>
-              </a:rPr>
-              <a:t> </a:t>
-            </a:r>
-            <a:r>
-              <a:rPr lang="de-AT" dirty="0" err="1" smtClean="0">
-                <a:solidFill>
-                  <a:srgbClr val="0000FF"/>
-                </a:solidFill>
-              </a:rPr>
-              <a:t>useful</a:t>
-            </a:r>
-            <a:r>
-              <a:rPr lang="de-AT" dirty="0" smtClean="0">
-                <a:solidFill>
-                  <a:srgbClr val="0000FF"/>
-                </a:solidFill>
-              </a:rPr>
-              <a:t>…</a:t>
-            </a:r>
-          </a:p>
-          <a:p>
-            <a:r>
-              <a:rPr lang="de-AT" dirty="0" smtClean="0"/>
-              <a:t>IDE </a:t>
-            </a:r>
-            <a:r>
-              <a:rPr lang="de-AT" dirty="0" err="1" smtClean="0"/>
-              <a:t>extensions</a:t>
-            </a:r>
-            <a:r>
-              <a:rPr lang="de-AT" dirty="0" smtClean="0"/>
-              <a:t> </a:t>
-            </a:r>
-            <a:r>
-              <a:rPr lang="de-AT" dirty="0" err="1" smtClean="0"/>
-              <a:t>to</a:t>
-            </a:r>
-            <a:r>
-              <a:rPr lang="de-AT" dirty="0" smtClean="0"/>
-              <a:t> </a:t>
-            </a:r>
-            <a:r>
-              <a:rPr lang="de-AT" cap="small" dirty="0" err="1" smtClean="0"/>
-              <a:t>Sunset</a:t>
-            </a:r>
-            <a:endParaRPr lang="de-AT" cap="small" dirty="0" smtClean="0"/>
-          </a:p>
-          <a:p>
-            <a:pPr lvl="1"/>
-            <a:r>
-              <a:rPr lang="de-AT" dirty="0" smtClean="0"/>
-              <a:t>Digital </a:t>
-            </a:r>
-            <a:r>
-              <a:rPr lang="de-AT" dirty="0" err="1" smtClean="0"/>
-              <a:t>signatures</a:t>
-            </a:r>
-            <a:r>
-              <a:rPr lang="de-AT" dirty="0" smtClean="0"/>
-              <a:t> </a:t>
-            </a:r>
-            <a:r>
-              <a:rPr lang="de-AT" dirty="0" err="1" smtClean="0"/>
-              <a:t>for</a:t>
-            </a:r>
-            <a:r>
-              <a:rPr lang="de-AT" dirty="0" smtClean="0"/>
-              <a:t> </a:t>
-            </a:r>
-            <a:r>
-              <a:rPr lang="de-AT" dirty="0" err="1" smtClean="0"/>
-              <a:t>code</a:t>
-            </a:r>
-            <a:endParaRPr lang="de-AT" dirty="0" smtClean="0"/>
-          </a:p>
-          <a:p>
-            <a:pPr lvl="1"/>
-            <a:r>
-              <a:rPr lang="de-AT" dirty="0" err="1" smtClean="0"/>
-              <a:t>customizable</a:t>
-            </a:r>
-            <a:r>
-              <a:rPr lang="de-AT" dirty="0" smtClean="0"/>
-              <a:t> API </a:t>
-            </a:r>
-            <a:r>
-              <a:rPr lang="de-AT" dirty="0" err="1" smtClean="0"/>
-              <a:t>restrictions</a:t>
-            </a:r>
-            <a:endParaRPr lang="de-AT" dirty="0" smtClean="0"/>
-          </a:p>
-          <a:p>
-            <a:pPr lvl="1"/>
-            <a:r>
-              <a:rPr lang="de-AT" dirty="0">
-                <a:solidFill>
-                  <a:srgbClr val="0000FF"/>
-                </a:solidFill>
-              </a:rPr>
-              <a:t>…</a:t>
-            </a:r>
-            <a:r>
-              <a:rPr lang="de-AT" dirty="0" err="1">
-                <a:solidFill>
-                  <a:srgbClr val="0000FF"/>
-                </a:solidFill>
-              </a:rPr>
-              <a:t>whatever</a:t>
-            </a:r>
-            <a:r>
-              <a:rPr lang="de-AT" dirty="0">
-                <a:solidFill>
-                  <a:srgbClr val="0000FF"/>
-                </a:solidFill>
-              </a:rPr>
-              <a:t> </a:t>
-            </a:r>
-            <a:r>
-              <a:rPr lang="de-AT" dirty="0" err="1">
-                <a:solidFill>
-                  <a:srgbClr val="0000FF"/>
-                </a:solidFill>
-              </a:rPr>
-              <a:t>else</a:t>
-            </a:r>
-            <a:r>
-              <a:rPr lang="de-AT" dirty="0">
-                <a:solidFill>
-                  <a:srgbClr val="0000FF"/>
-                </a:solidFill>
-              </a:rPr>
-              <a:t> </a:t>
-            </a:r>
-            <a:r>
-              <a:rPr lang="de-AT" dirty="0" err="1">
-                <a:solidFill>
-                  <a:srgbClr val="0000FF"/>
-                </a:solidFill>
-              </a:rPr>
-              <a:t>you</a:t>
-            </a:r>
-            <a:r>
-              <a:rPr lang="de-AT" dirty="0">
-                <a:solidFill>
-                  <a:srgbClr val="0000FF"/>
-                </a:solidFill>
-              </a:rPr>
-              <a:t> </a:t>
-            </a:r>
-            <a:r>
-              <a:rPr lang="de-AT" dirty="0" err="1">
-                <a:solidFill>
-                  <a:srgbClr val="0000FF"/>
-                </a:solidFill>
-              </a:rPr>
-              <a:t>may</a:t>
-            </a:r>
-            <a:r>
-              <a:rPr lang="de-AT" dirty="0">
-                <a:solidFill>
-                  <a:srgbClr val="0000FF"/>
-                </a:solidFill>
-              </a:rPr>
-              <a:t> </a:t>
-            </a:r>
-            <a:r>
-              <a:rPr lang="de-AT" dirty="0" err="1">
-                <a:solidFill>
-                  <a:srgbClr val="0000FF"/>
-                </a:solidFill>
-              </a:rPr>
-              <a:t>propose</a:t>
-            </a:r>
-            <a:r>
-              <a:rPr lang="de-AT" dirty="0">
-                <a:solidFill>
-                  <a:srgbClr val="0000FF"/>
-                </a:solidFill>
-              </a:rPr>
-              <a:t> </a:t>
-            </a:r>
-            <a:r>
-              <a:rPr lang="de-AT" dirty="0" err="1">
-                <a:solidFill>
-                  <a:srgbClr val="0000FF"/>
-                </a:solidFill>
-              </a:rPr>
-              <a:t>as</a:t>
-            </a:r>
-            <a:r>
-              <a:rPr lang="de-AT" dirty="0">
-                <a:solidFill>
-                  <a:srgbClr val="0000FF"/>
-                </a:solidFill>
-              </a:rPr>
-              <a:t> </a:t>
-            </a:r>
-            <a:r>
-              <a:rPr lang="de-AT" dirty="0" err="1">
-                <a:solidFill>
-                  <a:srgbClr val="0000FF"/>
-                </a:solidFill>
-              </a:rPr>
-              <a:t>useful</a:t>
-            </a:r>
-            <a:r>
-              <a:rPr lang="de-AT" dirty="0">
-                <a:solidFill>
-                  <a:srgbClr val="0000FF"/>
-                </a:solidFill>
-              </a:rPr>
-              <a:t>…</a:t>
-            </a:r>
-          </a:p>
-        </p:txBody>
-      </p:sp>
-    </p:spTree>
-    <p:extLst>
-      <p:ext uri="{BB962C8B-B14F-4D97-AF65-F5344CB8AC3E}">
-        <p14:creationId xmlns:p14="http://schemas.microsoft.com/office/powerpoint/2010/main" val="322744439"/>
-      </p:ext>
-    </p:extLst>
-  </p:cSld>
-  <p:clrMapOvr>
-    <a:masterClrMapping/>
-  </p:clrMapOvr>
-</p:sld>
-</file>
-
 <file path=ppt/slides/slide38.xml><?xml version="1.0" encoding="utf-8"?>
 <p:sld xmlns:a="http://schemas.openxmlformats.org/drawingml/2006/main" xmlns:r="http://schemas.openxmlformats.org/officeDocument/2006/relationships" xmlns:p="http://schemas.openxmlformats.org/presentationml/2006/main">
   <p:cSld>
@@ -27119,16 +27334,20 @@
           <a:lstStyle/>
           <a:p>
             <a:r>
+              <a:rPr lang="de-AT" dirty="0" smtClean="0"/>
+              <a:t>Open </a:t>
+            </a:r>
+            <a:r>
               <a:rPr lang="de-AT" dirty="0" err="1" smtClean="0"/>
-              <a:t>Known</a:t>
+              <a:t>Issues</a:t>
             </a:r>
             <a:r>
               <a:rPr lang="de-AT" dirty="0" smtClean="0"/>
-              <a:t> Bugs </a:t>
+              <a:t> (</a:t>
             </a:r>
             <a:r>
               <a:rPr lang="de-AT" dirty="0" err="1" smtClean="0"/>
-              <a:t>and</a:t>
+              <a:t>for</a:t>
             </a:r>
             <a:r>
               <a:rPr lang="de-AT" dirty="0" smtClean="0"/>
@@ -27136,27 +27355,19 @@
             </a:r>
             <a:r>
               <a:rPr lang="de-AT" dirty="0" err="1" smtClean="0"/>
-              <a:t>Limitations</a:t>
+              <a:t>future</a:t>
             </a:r>
             <a:r>
               <a:rPr lang="de-AT" dirty="0" smtClean="0"/>
-              <a:t> (</a:t>
+              <a:t> </a:t>
             </a:r>
             <a:r>
               <a:rPr lang="de-AT" dirty="0" err="1" smtClean="0"/>
-              <a:t>as</a:t>
+              <a:t>versions</a:t>
             </a:r>
             <a:r>
               <a:rPr lang="de-AT" dirty="0" smtClean="0"/>
-              <a:t> of </a:t>
-            </a:r>
-            <a:r>
-              <a:rPr lang="de-AT" dirty="0" err="1" smtClean="0"/>
-              <a:t>version</a:t>
-            </a:r>
-            <a:r>
-              <a:rPr lang="de-AT" dirty="0" smtClean="0"/>
-              <a:t> 2.1)</a:t>
+              <a:t>)</a:t>
             </a:r>
             <a:endParaRPr lang="de-AT" dirty="0"/>
           </a:p>
@@ -27178,30 +27389,88 @@
           <a:lstStyle/>
           <a:p>
             <a:r>
+              <a:rPr lang="de-AT" dirty="0" smtClean="0"/>
+              <a:t>This </a:t>
+            </a:r>
+            <a:r>
               <a:rPr lang="de-AT" dirty="0" err="1" smtClean="0"/>
-              <a:t>Definitions</a:t>
+              <a:t>is</a:t>
             </a:r>
             <a:r>
               <a:rPr lang="de-AT" dirty="0" smtClean="0"/>
-              <a:t> of </a:t>
+              <a:t> an (</a:t>
             </a:r>
             <a:r>
               <a:rPr lang="de-AT" dirty="0" err="1" smtClean="0"/>
-              <a:t>arrays</a:t>
+              <a:t>incomprehensive</a:t>
             </a:r>
             <a:r>
               <a:rPr lang="de-AT" dirty="0" smtClean="0"/>
-              <a:t> of type </a:t>
-            </a:r>
-            <a:r>
-              <a:rPr lang="de-AT" sz="1800" b="1" dirty="0">
-                <a:solidFill>
-                  <a:srgbClr val="7030A0"/>
-                </a:solidFill>
-                <a:latin typeface="Courier" pitchFamily="49" charset="0"/>
-                <a:cs typeface="Courier New" panose="02070309020205020404" pitchFamily="49" charset="0"/>
-              </a:rPr>
-              <a:t>Z()[] </a:t>
+              <a:t>) </a:t>
+            </a:r>
+            <a:r>
+              <a:rPr lang="de-AT" dirty="0" err="1" smtClean="0"/>
+              <a:t>list</a:t>
+            </a:r>
+            <a:r>
+              <a:rPr lang="de-AT" dirty="0" smtClean="0"/>
+              <a:t> </a:t>
+            </a:r>
+            <a:r>
+              <a:rPr lang="de-AT" dirty="0" err="1" smtClean="0"/>
+              <a:t>of</a:t>
+            </a:r>
+            <a:r>
+              <a:rPr lang="de-AT" dirty="0" smtClean="0"/>
+              <a:t> </a:t>
+            </a:r>
+            <a:r>
+              <a:rPr lang="de-AT" dirty="0" err="1" smtClean="0"/>
+              <a:t>features</a:t>
+            </a:r>
+            <a:r>
+              <a:rPr lang="de-AT" dirty="0" smtClean="0"/>
+              <a:t> </a:t>
+            </a:r>
+            <a:r>
+              <a:rPr lang="de-AT" dirty="0" err="1" smtClean="0"/>
+              <a:t>that</a:t>
+            </a:r>
+            <a:r>
+              <a:rPr lang="de-AT" dirty="0" smtClean="0"/>
+              <a:t> </a:t>
+            </a:r>
+            <a:r>
+              <a:rPr lang="de-AT" dirty="0" err="1" smtClean="0"/>
+              <a:t>would</a:t>
+            </a:r>
+            <a:r>
+              <a:rPr lang="de-AT" dirty="0" smtClean="0"/>
+              <a:t> </a:t>
+            </a:r>
+            <a:r>
+              <a:rPr lang="de-AT" dirty="0" err="1" smtClean="0"/>
+              <a:t>be</a:t>
+            </a:r>
+            <a:r>
+              <a:rPr lang="de-AT" dirty="0" smtClean="0"/>
+              <a:t> </a:t>
+            </a:r>
+            <a:r>
+              <a:rPr lang="de-AT" dirty="0" err="1" smtClean="0"/>
+              <a:t>nice</a:t>
+            </a:r>
+            <a:r>
+              <a:rPr lang="de-AT" dirty="0" smtClean="0"/>
+              <a:t> </a:t>
+            </a:r>
+            <a:r>
+              <a:rPr lang="de-AT" dirty="0" err="1" smtClean="0"/>
+              <a:t>to</a:t>
+            </a:r>
+            <a:r>
+              <a:rPr lang="de-AT" dirty="0" smtClean="0"/>
+              <a:t> </a:t>
             </a:r>
             <a:r>
               <a:rPr lang="de-AT" dirty="0" err="1" smtClean="0"/>
@@ -27209,11 +27478,11 @@
             </a:r>
             <a:r>
               <a:rPr lang="de-AT" dirty="0" smtClean="0"/>
-              <a:t> </a:t>
+              <a:t> in </a:t>
             </a:r>
             <a:r>
               <a:rPr lang="de-AT" dirty="0" err="1" smtClean="0"/>
-              <a:t>parsing</a:t>
+              <a:t>future</a:t>
             </a:r>
             <a:r>
               <a:rPr lang="de-AT" dirty="0" smtClean="0"/>
@@ -27221,7 +27490,21 @@
             </a:r>
             <a:r>
               <a:rPr lang="de-AT" dirty="0" err="1" smtClean="0"/>
-              <a:t>issues</a:t>
+              <a:t>versions</a:t>
+            </a:r>
+            <a:r>
+              <a:rPr lang="de-AT" dirty="0" smtClean="0"/>
+              <a:t>.</a:t>
+            </a:r>
+          </a:p>
+          <a:p>
+            <a:r>
+              <a:rPr lang="de-AT" dirty="0" smtClean="0"/>
+              <a:t>All </a:t>
+            </a:r>
+            <a:r>
+              <a:rPr lang="de-AT" dirty="0" err="1" smtClean="0"/>
+              <a:t>of</a:t>
             </a:r>
             <a:r>
               <a:rPr lang="de-AT" dirty="0" smtClean="0"/>
@@ -27229,7 +27512,7 @@
             </a:r>
             <a:r>
               <a:rPr lang="de-AT" dirty="0" err="1" smtClean="0"/>
-              <a:t>if</a:t>
+              <a:t>these</a:t>
             </a:r>
             <a:r>
               <a:rPr lang="de-AT" dirty="0" smtClean="0"/>
@@ -27237,7 +27520,15 @@
             </a:r>
             <a:r>
               <a:rPr lang="de-AT" dirty="0" err="1" smtClean="0"/>
-              <a:t>the</a:t>
+              <a:t>are</a:t>
+            </a:r>
+            <a:r>
+              <a:rPr lang="de-AT" dirty="0" smtClean="0"/>
+              <a:t> open </a:t>
+            </a:r>
+            <a:r>
+              <a:rPr lang="de-AT" dirty="0" err="1" smtClean="0"/>
+              <a:t>for</a:t>
             </a:r>
             <a:r>
               <a:rPr lang="de-AT" dirty="0" smtClean="0"/>
@@ -27245,15 +27536,15 @@
             </a:r>
             <a:r>
               <a:rPr lang="de-AT" dirty="0" err="1" smtClean="0"/>
-              <a:t>number</a:t>
+              <a:t>implementation</a:t>
             </a:r>
             <a:r>
               <a:rPr lang="de-AT" dirty="0" smtClean="0"/>
-              <a:t> of </a:t>
+              <a:t> in a </a:t>
             </a:r>
             <a:r>
               <a:rPr lang="de-AT" dirty="0" err="1" smtClean="0"/>
-              <a:t>elements</a:t>
+              <a:t>software</a:t>
             </a:r>
             <a:r>
               <a:rPr lang="de-AT" dirty="0" smtClean="0"/>
@@ -27261,15 +27552,15 @@
             </a:r>
             <a:r>
               <a:rPr lang="de-AT" dirty="0" err="1" smtClean="0"/>
-              <a:t>is</a:t>
+              <a:t>practical</a:t>
             </a:r>
             <a:r>
               <a:rPr lang="de-AT" dirty="0" smtClean="0"/>
-              <a:t> not a </a:t>
+              <a:t>, </a:t>
             </a:r>
             <a:r>
               <a:rPr lang="de-AT" dirty="0" err="1" smtClean="0"/>
-              <a:t>numeric</a:t>
+              <a:t>practice</a:t>
             </a:r>
             <a:r>
               <a:rPr lang="de-AT" dirty="0" smtClean="0"/>
@@ -27277,27 +27568,810 @@
             </a:r>
             <a:r>
               <a:rPr lang="de-AT" dirty="0" err="1" smtClean="0"/>
-              <a:t>token</a:t>
+              <a:t>semester</a:t>
             </a:r>
             <a:r>
               <a:rPr lang="de-AT" dirty="0" smtClean="0"/>
-              <a:t>.</a:t>
+              <a:t> </a:t>
+            </a:r>
+            <a:r>
+              <a:rPr lang="de-AT" dirty="0" err="1" smtClean="0"/>
+              <a:t>or</a:t>
+            </a:r>
+            <a:r>
+              <a:rPr lang="de-AT" dirty="0" smtClean="0"/>
+              <a:t> </a:t>
+            </a:r>
+            <a:r>
+              <a:rPr lang="de-AT" dirty="0" err="1" smtClean="0"/>
+              <a:t>master</a:t>
+            </a:r>
+            <a:r>
+              <a:rPr lang="de-AT" dirty="0" smtClean="0"/>
+              <a:t> </a:t>
+            </a:r>
+            <a:r>
+              <a:rPr lang="de-AT" dirty="0" err="1" smtClean="0"/>
+              <a:t>thesis</a:t>
+            </a:r>
+            <a:r>
+              <a:rPr lang="de-AT" dirty="0" smtClean="0"/>
+              <a:t> </a:t>
             </a:r>
             <a:br>
               <a:rPr lang="de-AT" dirty="0" smtClean="0"/>
             </a:br>
             <a:r>
-              <a:rPr lang="de-AT" u="sng" dirty="0" err="1" smtClean="0"/>
-              <a:t>Example</a:t>
-            </a:r>
-            <a:r>
               <a:rPr lang="de-AT" dirty="0" smtClean="0"/>
-              <a:t>: </a:t>
+              <a:t>(</a:t>
+            </a:r>
+            <a:r>
+              <a:rPr lang="de-AT" dirty="0" err="1" smtClean="0"/>
+              <a:t>please</a:t>
+            </a:r>
+            <a:r>
+              <a:rPr lang="de-AT" dirty="0"/>
+              <a:t> send </a:t>
+            </a:r>
+            <a:r>
+              <a:rPr lang="de-AT" dirty="0" err="1" smtClean="0"/>
+              <a:t>inquiries</a:t>
+            </a:r>
+            <a:r>
+              <a:rPr lang="de-AT" dirty="0" smtClean="0"/>
+              <a:t> </a:t>
+            </a:r>
+            <a:r>
+              <a:rPr lang="de-AT" dirty="0" err="1" smtClean="0"/>
+              <a:t>to</a:t>
+            </a:r>
+            <a:r>
+              <a:rPr lang="de-AT" dirty="0" smtClean="0"/>
+              <a:t> </a:t>
+            </a:r>
+            <a:r>
+              <a:rPr lang="de-AT" dirty="0" smtClean="0">
+                <a:hlinkClick r:id="rId2"/>
+              </a:rPr>
+              <a:t>stefan.rass@aau.at</a:t>
+            </a:r>
+            <a:r>
+              <a:rPr lang="de-AT" dirty="0" smtClean="0"/>
+              <a:t>) </a:t>
+            </a:r>
+          </a:p>
+          <a:p>
+            <a:endParaRPr lang="de-AT" dirty="0" smtClean="0"/>
+          </a:p>
+          <a:p>
+            <a:r>
+              <a:rPr lang="de-AT" dirty="0" smtClean="0"/>
+              <a:t>API </a:t>
+            </a:r>
+            <a:r>
+              <a:rPr lang="de-AT" dirty="0" err="1" smtClean="0"/>
+              <a:t>extensions</a:t>
+            </a:r>
+            <a:r>
+              <a:rPr lang="de-AT" dirty="0" smtClean="0"/>
+              <a:t> </a:t>
+            </a:r>
+            <a:r>
+              <a:rPr lang="de-AT" dirty="0" err="1" smtClean="0"/>
+              <a:t>to</a:t>
+            </a:r>
+            <a:r>
+              <a:rPr lang="de-AT" dirty="0" smtClean="0"/>
+              <a:t> </a:t>
+            </a:r>
+            <a:r>
+              <a:rPr lang="de-AT" cap="small" dirty="0" err="1" smtClean="0"/>
+              <a:t>FFapl</a:t>
+            </a:r>
+            <a:r>
+              <a:rPr lang="de-AT" dirty="0" smtClean="0"/>
+              <a:t>, </a:t>
+            </a:r>
+            <a:r>
+              <a:rPr lang="de-AT" dirty="0" err="1" smtClean="0"/>
+              <a:t>including</a:t>
+            </a:r>
+            <a:r>
+              <a:rPr lang="de-AT" dirty="0" smtClean="0"/>
+              <a:t> (but not limited </a:t>
+            </a:r>
+            <a:r>
+              <a:rPr lang="de-AT" dirty="0" err="1" smtClean="0"/>
+              <a:t>to</a:t>
+            </a:r>
+            <a:r>
+              <a:rPr lang="de-AT" dirty="0" smtClean="0"/>
+              <a:t>):</a:t>
+            </a:r>
+          </a:p>
+          <a:p>
+            <a:pPr lvl="1"/>
+            <a:r>
+              <a:rPr lang="de-AT" dirty="0" err="1" smtClean="0"/>
+              <a:t>built</a:t>
+            </a:r>
+            <a:r>
+              <a:rPr lang="de-AT" dirty="0" smtClean="0"/>
+              <a:t>-in </a:t>
+            </a:r>
+            <a:r>
+              <a:rPr lang="de-AT" dirty="0" err="1" smtClean="0"/>
+              <a:t>functions</a:t>
+            </a:r>
+            <a:r>
+              <a:rPr lang="de-AT" dirty="0" smtClean="0"/>
+              <a:t> </a:t>
+            </a:r>
+            <a:r>
+              <a:rPr lang="de-AT" dirty="0" err="1" smtClean="0"/>
+              <a:t>for</a:t>
+            </a:r>
+            <a:r>
+              <a:rPr lang="de-AT" dirty="0" smtClean="0"/>
+              <a:t> AES </a:t>
+            </a:r>
+            <a:r>
+              <a:rPr lang="de-AT" dirty="0" err="1" smtClean="0"/>
+              <a:t>encryption</a:t>
+            </a:r>
+            <a:r>
+              <a:rPr lang="de-AT" dirty="0" smtClean="0"/>
+              <a:t> </a:t>
+            </a:r>
+            <a:r>
+              <a:rPr lang="de-AT" dirty="0" err="1" smtClean="0"/>
+              <a:t>and</a:t>
+            </a:r>
+            <a:r>
+              <a:rPr lang="de-AT" dirty="0" smtClean="0"/>
+              <a:t> </a:t>
+            </a:r>
+            <a:r>
+              <a:rPr lang="de-AT" dirty="0" err="1" smtClean="0"/>
+              <a:t>decryption</a:t>
+            </a:r>
+            <a:endParaRPr lang="de-AT" dirty="0" smtClean="0"/>
+          </a:p>
+          <a:p>
+            <a:pPr lvl="1"/>
+            <a:r>
+              <a:rPr lang="de-AT" dirty="0" smtClean="0"/>
+              <a:t>a </a:t>
+            </a:r>
+            <a:r>
+              <a:rPr lang="de-AT" dirty="0" err="1" smtClean="0"/>
+              <a:t>way</a:t>
+            </a:r>
+            <a:r>
+              <a:rPr lang="de-AT" dirty="0" smtClean="0"/>
+              <a:t> </a:t>
+            </a:r>
+            <a:r>
+              <a:rPr lang="de-AT" dirty="0" err="1" smtClean="0"/>
+              <a:t>to</a:t>
+            </a:r>
+            <a:r>
+              <a:rPr lang="de-AT" dirty="0" smtClean="0"/>
+              <a:t> </a:t>
+            </a:r>
+            <a:r>
+              <a:rPr lang="de-AT" dirty="0" err="1" smtClean="0"/>
+              <a:t>define</a:t>
+            </a:r>
+            <a:r>
+              <a:rPr lang="de-AT" dirty="0" smtClean="0"/>
+              <a:t> </a:t>
+            </a:r>
+            <a:r>
+              <a:rPr lang="de-AT" b="1" dirty="0" err="1">
+                <a:solidFill>
+                  <a:srgbClr val="7030A0"/>
+                </a:solidFill>
+                <a:latin typeface="Courier New" panose="02070309020205020404" pitchFamily="49" charset="0"/>
+                <a:ea typeface="+mn-ea"/>
+                <a:cs typeface="Courier New" panose="02070309020205020404" pitchFamily="49" charset="0"/>
+              </a:rPr>
+              <a:t>Record</a:t>
+            </a:r>
+            <a:r>
+              <a:rPr lang="de-AT" dirty="0" smtClean="0"/>
+              <a:t> </a:t>
+            </a:r>
+            <a:r>
+              <a:rPr lang="de-AT" dirty="0" err="1" smtClean="0"/>
+              <a:t>as</a:t>
+            </a:r>
+            <a:r>
+              <a:rPr lang="de-AT" dirty="0" smtClean="0"/>
+              <a:t> </a:t>
+            </a:r>
+            <a:r>
+              <a:rPr lang="de-AT" dirty="0" err="1" smtClean="0"/>
+              <a:t>parameter</a:t>
+            </a:r>
+            <a:r>
+              <a:rPr lang="de-AT" dirty="0" smtClean="0"/>
+              <a:t> </a:t>
+            </a:r>
+            <a:r>
+              <a:rPr lang="de-AT" dirty="0" err="1" smtClean="0"/>
+              <a:t>and</a:t>
+            </a:r>
+            <a:r>
+              <a:rPr lang="de-AT" dirty="0" smtClean="0"/>
+              <a:t> </a:t>
+            </a:r>
+            <a:r>
+              <a:rPr lang="de-AT" dirty="0" err="1" smtClean="0"/>
+              <a:t>return</a:t>
+            </a:r>
+            <a:r>
+              <a:rPr lang="de-AT" dirty="0" smtClean="0"/>
+              <a:t> type </a:t>
+            </a:r>
+            <a:r>
+              <a:rPr lang="de-AT" dirty="0" err="1" smtClean="0"/>
+              <a:t>for</a:t>
+            </a:r>
+            <a:r>
+              <a:rPr lang="de-AT" dirty="0" smtClean="0"/>
+              <a:t> </a:t>
+            </a:r>
+            <a:r>
+              <a:rPr lang="de-AT" dirty="0" err="1" smtClean="0"/>
+              <a:t>functions</a:t>
+            </a:r>
+            <a:endParaRPr lang="de-AT" dirty="0" smtClean="0"/>
+          </a:p>
+          <a:p>
+            <a:pPr lvl="1"/>
+            <a:r>
+              <a:rPr lang="de-AT" dirty="0" smtClean="0">
+                <a:solidFill>
+                  <a:srgbClr val="0000FF"/>
+                </a:solidFill>
+              </a:rPr>
+              <a:t>…</a:t>
+            </a:r>
+            <a:r>
+              <a:rPr lang="de-AT" dirty="0" err="1" smtClean="0">
+                <a:solidFill>
+                  <a:srgbClr val="0000FF"/>
+                </a:solidFill>
+              </a:rPr>
+              <a:t>whatever</a:t>
+            </a:r>
+            <a:r>
+              <a:rPr lang="de-AT" dirty="0" smtClean="0">
+                <a:solidFill>
+                  <a:srgbClr val="0000FF"/>
+                </a:solidFill>
+              </a:rPr>
+              <a:t> </a:t>
+            </a:r>
+            <a:r>
+              <a:rPr lang="de-AT" dirty="0" err="1" smtClean="0">
+                <a:solidFill>
+                  <a:srgbClr val="0000FF"/>
+                </a:solidFill>
+              </a:rPr>
+              <a:t>else</a:t>
+            </a:r>
+            <a:r>
+              <a:rPr lang="de-AT" dirty="0" smtClean="0">
+                <a:solidFill>
+                  <a:srgbClr val="0000FF"/>
+                </a:solidFill>
+              </a:rPr>
+              <a:t> </a:t>
+            </a:r>
+            <a:r>
+              <a:rPr lang="de-AT" dirty="0" err="1" smtClean="0">
+                <a:solidFill>
+                  <a:srgbClr val="0000FF"/>
+                </a:solidFill>
+              </a:rPr>
+              <a:t>you</a:t>
+            </a:r>
+            <a:r>
+              <a:rPr lang="de-AT" dirty="0" smtClean="0">
+                <a:solidFill>
+                  <a:srgbClr val="0000FF"/>
+                </a:solidFill>
+              </a:rPr>
+              <a:t> </a:t>
+            </a:r>
+            <a:r>
+              <a:rPr lang="de-AT" dirty="0" err="1" smtClean="0">
+                <a:solidFill>
+                  <a:srgbClr val="0000FF"/>
+                </a:solidFill>
+              </a:rPr>
+              <a:t>may</a:t>
+            </a:r>
+            <a:r>
+              <a:rPr lang="de-AT" dirty="0" smtClean="0">
+                <a:solidFill>
+                  <a:srgbClr val="0000FF"/>
+                </a:solidFill>
+              </a:rPr>
+              <a:t> </a:t>
+            </a:r>
+            <a:r>
+              <a:rPr lang="de-AT" dirty="0" err="1" smtClean="0">
+                <a:solidFill>
+                  <a:srgbClr val="0000FF"/>
+                </a:solidFill>
+              </a:rPr>
+              <a:t>propose</a:t>
+            </a:r>
+            <a:r>
+              <a:rPr lang="de-AT" dirty="0" smtClean="0">
+                <a:solidFill>
+                  <a:srgbClr val="0000FF"/>
+                </a:solidFill>
+              </a:rPr>
+              <a:t> </a:t>
+            </a:r>
+            <a:r>
+              <a:rPr lang="de-AT" dirty="0" err="1" smtClean="0">
+                <a:solidFill>
+                  <a:srgbClr val="0000FF"/>
+                </a:solidFill>
+              </a:rPr>
+              <a:t>as</a:t>
+            </a:r>
+            <a:r>
+              <a:rPr lang="de-AT" dirty="0" smtClean="0">
+                <a:solidFill>
+                  <a:srgbClr val="0000FF"/>
+                </a:solidFill>
+              </a:rPr>
+              <a:t> </a:t>
+            </a:r>
+            <a:r>
+              <a:rPr lang="de-AT" dirty="0" err="1" smtClean="0">
+                <a:solidFill>
+                  <a:srgbClr val="0000FF"/>
+                </a:solidFill>
+              </a:rPr>
+              <a:t>useful</a:t>
+            </a:r>
+            <a:r>
+              <a:rPr lang="de-AT" dirty="0" smtClean="0">
+                <a:solidFill>
+                  <a:srgbClr val="0000FF"/>
+                </a:solidFill>
+              </a:rPr>
+              <a:t>…</a:t>
+            </a:r>
+          </a:p>
+          <a:p>
+            <a:r>
+              <a:rPr lang="de-AT" dirty="0" smtClean="0"/>
+              <a:t>IDE </a:t>
+            </a:r>
+            <a:r>
+              <a:rPr lang="de-AT" dirty="0" err="1" smtClean="0"/>
+              <a:t>extensions</a:t>
+            </a:r>
+            <a:r>
+              <a:rPr lang="de-AT" dirty="0" smtClean="0"/>
+              <a:t> </a:t>
+            </a:r>
+            <a:r>
+              <a:rPr lang="de-AT" dirty="0" err="1" smtClean="0"/>
+              <a:t>to</a:t>
+            </a:r>
+            <a:r>
+              <a:rPr lang="de-AT" dirty="0" smtClean="0"/>
+              <a:t> </a:t>
+            </a:r>
+            <a:r>
+              <a:rPr lang="de-AT" cap="small" dirty="0" err="1" smtClean="0"/>
+              <a:t>Sunset</a:t>
+            </a:r>
+            <a:endParaRPr lang="de-AT" cap="small" dirty="0" smtClean="0"/>
+          </a:p>
+          <a:p>
+            <a:pPr lvl="1"/>
+            <a:r>
+              <a:rPr lang="de-AT" dirty="0" smtClean="0"/>
+              <a:t>Digital </a:t>
+            </a:r>
+            <a:r>
+              <a:rPr lang="de-AT" dirty="0" err="1" smtClean="0"/>
+              <a:t>signatures</a:t>
+            </a:r>
+            <a:r>
+              <a:rPr lang="de-AT" dirty="0" smtClean="0"/>
+              <a:t> </a:t>
+            </a:r>
+            <a:r>
+              <a:rPr lang="de-AT" dirty="0" err="1" smtClean="0"/>
+              <a:t>for</a:t>
+            </a:r>
+            <a:r>
+              <a:rPr lang="de-AT" dirty="0" smtClean="0"/>
+              <a:t> </a:t>
+            </a:r>
+            <a:r>
+              <a:rPr lang="de-AT" dirty="0" err="1" smtClean="0"/>
+              <a:t>code</a:t>
+            </a:r>
+            <a:endParaRPr lang="de-AT" dirty="0" smtClean="0"/>
+          </a:p>
+          <a:p>
+            <a:pPr lvl="1"/>
+            <a:r>
+              <a:rPr lang="de-AT" dirty="0" err="1" smtClean="0"/>
+              <a:t>customizable</a:t>
+            </a:r>
+            <a:r>
+              <a:rPr lang="de-AT" dirty="0" smtClean="0"/>
+              <a:t> API </a:t>
+            </a:r>
+            <a:r>
+              <a:rPr lang="de-AT" dirty="0" err="1" smtClean="0"/>
+              <a:t>restrictions</a:t>
+            </a:r>
+            <a:endParaRPr lang="de-AT" dirty="0" smtClean="0"/>
+          </a:p>
+          <a:p>
+            <a:pPr lvl="1"/>
+            <a:r>
+              <a:rPr lang="de-AT" dirty="0">
+                <a:solidFill>
+                  <a:srgbClr val="0000FF"/>
+                </a:solidFill>
+              </a:rPr>
+              <a:t>…</a:t>
+            </a:r>
+            <a:r>
+              <a:rPr lang="de-AT" dirty="0" err="1">
+                <a:solidFill>
+                  <a:srgbClr val="0000FF"/>
+                </a:solidFill>
+              </a:rPr>
+              <a:t>whatever</a:t>
+            </a:r>
+            <a:r>
+              <a:rPr lang="de-AT" dirty="0">
+                <a:solidFill>
+                  <a:srgbClr val="0000FF"/>
+                </a:solidFill>
+              </a:rPr>
+              <a:t> </a:t>
+            </a:r>
+            <a:r>
+              <a:rPr lang="de-AT" dirty="0" err="1">
+                <a:solidFill>
+                  <a:srgbClr val="0000FF"/>
+                </a:solidFill>
+              </a:rPr>
+              <a:t>else</a:t>
+            </a:r>
+            <a:r>
+              <a:rPr lang="de-AT" dirty="0">
+                <a:solidFill>
+                  <a:srgbClr val="0000FF"/>
+                </a:solidFill>
+              </a:rPr>
+              <a:t> </a:t>
+            </a:r>
+            <a:r>
+              <a:rPr lang="de-AT" dirty="0" err="1">
+                <a:solidFill>
+                  <a:srgbClr val="0000FF"/>
+                </a:solidFill>
+              </a:rPr>
+              <a:t>you</a:t>
+            </a:r>
+            <a:r>
+              <a:rPr lang="de-AT" dirty="0">
+                <a:solidFill>
+                  <a:srgbClr val="0000FF"/>
+                </a:solidFill>
+              </a:rPr>
+              <a:t> </a:t>
+            </a:r>
+            <a:r>
+              <a:rPr lang="de-AT" dirty="0" err="1">
+                <a:solidFill>
+                  <a:srgbClr val="0000FF"/>
+                </a:solidFill>
+              </a:rPr>
+              <a:t>may</a:t>
+            </a:r>
+            <a:r>
+              <a:rPr lang="de-AT" dirty="0">
+                <a:solidFill>
+                  <a:srgbClr val="0000FF"/>
+                </a:solidFill>
+              </a:rPr>
+              <a:t> </a:t>
+            </a:r>
+            <a:r>
+              <a:rPr lang="de-AT" dirty="0" err="1">
+                <a:solidFill>
+                  <a:srgbClr val="0000FF"/>
+                </a:solidFill>
+              </a:rPr>
+              <a:t>propose</a:t>
+            </a:r>
+            <a:r>
+              <a:rPr lang="de-AT" dirty="0">
+                <a:solidFill>
+                  <a:srgbClr val="0000FF"/>
+                </a:solidFill>
+              </a:rPr>
+              <a:t> </a:t>
+            </a:r>
+            <a:r>
+              <a:rPr lang="de-AT" dirty="0" err="1">
+                <a:solidFill>
+                  <a:srgbClr val="0000FF"/>
+                </a:solidFill>
+              </a:rPr>
+              <a:t>as</a:t>
+            </a:r>
+            <a:r>
+              <a:rPr lang="de-AT" dirty="0">
+                <a:solidFill>
+                  <a:srgbClr val="0000FF"/>
+                </a:solidFill>
+              </a:rPr>
+              <a:t> </a:t>
+            </a:r>
+            <a:r>
+              <a:rPr lang="de-AT" dirty="0" err="1">
+                <a:solidFill>
+                  <a:srgbClr val="0000FF"/>
+                </a:solidFill>
+              </a:rPr>
+              <a:t>useful</a:t>
+            </a:r>
+            <a:r>
+              <a:rPr lang="de-AT" dirty="0">
+                <a:solidFill>
+                  <a:srgbClr val="0000FF"/>
+                </a:solidFill>
+              </a:rPr>
+              <a:t>…</a:t>
+            </a:r>
+          </a:p>
+        </p:txBody>
+      </p:sp>
+    </p:spTree>
+    <p:extLst>
+      <p:ext uri="{BB962C8B-B14F-4D97-AF65-F5344CB8AC3E}">
+        <p14:creationId xmlns:p14="http://schemas.microsoft.com/office/powerpoint/2010/main" val="322744439"/>
+      </p:ext>
+    </p:extLst>
+  </p:cSld>
+  <p:clrMapOvr>
+    <a:masterClrMapping/>
+  </p:clrMapOvr>
+</p:sld>
+</file>
+
+<file path=ppt/slides/slide39.xml><?xml version="1.0" encoding="utf-8"?>
+<p:sld xmlns:a="http://schemas.openxmlformats.org/drawingml/2006/main" xmlns:r="http://schemas.openxmlformats.org/officeDocument/2006/relationships" xmlns:p="http://schemas.openxmlformats.org/presentationml/2006/main">
+  <p:cSld>
+    <p:spTree>
+      <p:nvGrpSpPr>
+        <p:cNvPr id="1" name=""/>
+        <p:cNvGrpSpPr/>
+        <p:nvPr/>
+      </p:nvGrpSpPr>
+      <p:grpSpPr>
+        <a:xfrm>
+          <a:off x="0" y="0"/>
+          <a:ext cx="0" cy="0"/>
+          <a:chOff x="0" y="0"/>
+          <a:chExt cx="0" cy="0"/>
+        </a:xfrm>
+      </p:grpSpPr>
+      <p:sp>
+        <p:nvSpPr>
+          <p:cNvPr id="2" name="Titel 1"/>
+          <p:cNvSpPr>
+            <a:spLocks noGrp="1"/>
+          </p:cNvSpPr>
+          <p:nvPr>
+            <p:ph type="title"/>
+          </p:nvPr>
+        </p:nvSpPr>
+        <p:spPr/>
+        <p:txBody>
+          <a:bodyPr/>
+          <a:lstStyle/>
+          <a:p>
+            <a:r>
+              <a:rPr lang="de-AT" dirty="0" err="1" smtClean="0"/>
+              <a:t>Known</a:t>
+            </a:r>
+            <a:r>
+              <a:rPr lang="de-AT" dirty="0" smtClean="0"/>
+              <a:t> Bugs </a:t>
+            </a:r>
+            <a:r>
+              <a:rPr lang="de-AT" dirty="0" err="1" smtClean="0"/>
+              <a:t>and</a:t>
+            </a:r>
+            <a:r>
+              <a:rPr lang="de-AT" dirty="0" smtClean="0"/>
+              <a:t> </a:t>
+            </a:r>
+            <a:r>
+              <a:rPr lang="de-AT" dirty="0" err="1" smtClean="0"/>
+              <a:t>Limitations</a:t>
+            </a:r>
+            <a:r>
+              <a:rPr lang="de-AT" dirty="0" smtClean="0"/>
+              <a:t> (</a:t>
+            </a:r>
+            <a:r>
+              <a:rPr lang="de-AT" dirty="0" err="1" smtClean="0"/>
+              <a:t>as</a:t>
+            </a:r>
+            <a:r>
+              <a:rPr lang="de-AT" dirty="0" smtClean="0"/>
+              <a:t> of </a:t>
+            </a:r>
+            <a:r>
+              <a:rPr lang="de-AT" dirty="0" err="1" smtClean="0"/>
+              <a:t>version</a:t>
+            </a:r>
+            <a:r>
+              <a:rPr lang="de-AT" dirty="0" smtClean="0"/>
+              <a:t> 2.1)</a:t>
+            </a:r>
+            <a:endParaRPr lang="de-AT" dirty="0"/>
+          </a:p>
+        </p:txBody>
+      </p:sp>
+      <p:sp>
+        <p:nvSpPr>
+          <p:cNvPr id="3" name="Inhaltsplatzhalter 2"/>
+          <p:cNvSpPr>
+            <a:spLocks noGrp="1"/>
+          </p:cNvSpPr>
+          <p:nvPr>
+            <p:ph idx="1"/>
+          </p:nvPr>
+        </p:nvSpPr>
+        <p:spPr/>
+        <p:txBody>
+          <a:bodyPr/>
+          <a:lstStyle/>
+          <a:p>
+            <a:r>
+              <a:rPr lang="de-AT" dirty="0" err="1" smtClean="0"/>
+              <a:t>Definitions</a:t>
+            </a:r>
+            <a:r>
+              <a:rPr lang="de-AT" dirty="0" smtClean="0"/>
+              <a:t> of </a:t>
+            </a:r>
+            <a:r>
+              <a:rPr lang="de-AT" dirty="0" err="1" smtClean="0"/>
+              <a:t>arrays</a:t>
+            </a:r>
+            <a:r>
+              <a:rPr lang="de-AT" dirty="0" smtClean="0"/>
+              <a:t> of type </a:t>
+            </a:r>
+            <a:r>
+              <a:rPr lang="de-AT" sz="1800" b="1" dirty="0">
+                <a:solidFill>
+                  <a:srgbClr val="7030A0"/>
+                </a:solidFill>
+                <a:latin typeface="Courier" pitchFamily="49" charset="0"/>
+                <a:cs typeface="Courier New" panose="02070309020205020404" pitchFamily="49" charset="0"/>
+              </a:rPr>
+              <a:t>Z()[] </a:t>
+            </a:r>
+            <a:r>
+              <a:rPr lang="de-AT" dirty="0" err="1" smtClean="0"/>
+              <a:t>have</a:t>
+            </a:r>
+            <a:r>
+              <a:rPr lang="de-AT" dirty="0" smtClean="0"/>
+              <a:t> </a:t>
+            </a:r>
+            <a:r>
+              <a:rPr lang="de-AT" dirty="0" err="1" smtClean="0"/>
+              <a:t>parsing</a:t>
+            </a:r>
+            <a:r>
+              <a:rPr lang="de-AT" dirty="0" smtClean="0"/>
+              <a:t> </a:t>
+            </a:r>
+            <a:r>
+              <a:rPr lang="de-AT" dirty="0" err="1" smtClean="0"/>
+              <a:t>issues</a:t>
+            </a:r>
+            <a:r>
+              <a:rPr lang="de-AT" dirty="0" smtClean="0"/>
+              <a:t> </a:t>
+            </a:r>
+            <a:r>
+              <a:rPr lang="de-AT" dirty="0" err="1" smtClean="0"/>
+              <a:t>if</a:t>
+            </a:r>
+            <a:r>
+              <a:rPr lang="de-AT" dirty="0" smtClean="0"/>
+              <a:t> </a:t>
+            </a:r>
+            <a:r>
+              <a:rPr lang="de-AT" dirty="0" err="1" smtClean="0"/>
+              <a:t>the</a:t>
+            </a:r>
+            <a:r>
+              <a:rPr lang="de-AT" dirty="0" smtClean="0"/>
+              <a:t> </a:t>
+            </a:r>
+            <a:r>
+              <a:rPr lang="de-AT" dirty="0" err="1" smtClean="0"/>
+              <a:t>number</a:t>
+            </a:r>
+            <a:r>
+              <a:rPr lang="de-AT" dirty="0" smtClean="0"/>
+              <a:t> of </a:t>
+            </a:r>
+            <a:r>
+              <a:rPr lang="de-AT" dirty="0" err="1" smtClean="0"/>
+              <a:t>elements</a:t>
+            </a:r>
+            <a:r>
+              <a:rPr lang="de-AT" dirty="0" smtClean="0"/>
+              <a:t> </a:t>
+            </a:r>
+            <a:r>
+              <a:rPr lang="de-AT" dirty="0" err="1" smtClean="0"/>
+              <a:t>is</a:t>
+            </a:r>
+            <a:r>
+              <a:rPr lang="de-AT" dirty="0" smtClean="0"/>
+              <a:t> not a </a:t>
+            </a:r>
+            <a:r>
+              <a:rPr lang="de-AT" dirty="0" err="1" smtClean="0"/>
+              <a:t>numeric</a:t>
+            </a:r>
+            <a:r>
+              <a:rPr lang="de-AT" dirty="0" smtClean="0"/>
+              <a:t> </a:t>
+            </a:r>
+            <a:r>
+              <a:rPr lang="de-AT" dirty="0" err="1" smtClean="0"/>
+              <a:t>token</a:t>
+            </a:r>
+            <a:r>
+              <a:rPr lang="de-AT" dirty="0" smtClean="0"/>
+              <a:t>.</a:t>
             </a:r>
             <a:br>
               <a:rPr lang="de-AT" dirty="0" smtClean="0"/>
             </a:br>
             <a:r>
+              <a:rPr lang="de-AT" u="sng" dirty="0" err="1" smtClean="0"/>
+              <a:t>Example</a:t>
+            </a:r>
+            <a:r>
+              <a:rPr lang="de-AT" dirty="0" smtClean="0"/>
+              <a:t>: </a:t>
+            </a:r>
+            <a:br>
+              <a:rPr lang="de-AT" dirty="0" smtClean="0"/>
+            </a:br>
+            <a:r>
               <a:rPr lang="de-AT" sz="1800" b="1" dirty="0" err="1">
                 <a:solidFill>
                   <a:srgbClr val="7030A0"/>
@@ -27572,13 +28646,7 @@
               <a:rPr lang="de-AT" sz="1800" dirty="0" smtClean="0">
                 <a:latin typeface="Courier" pitchFamily="49" charset="0"/>
               </a:rPr>
-              <a:t>(13)[n]</a:t>
-            </a:r>
-            <a:r>
-              <a:rPr lang="de-AT" sz="1800" dirty="0" smtClean="0">
-                <a:latin typeface="Courier" pitchFamily="49" charset="0"/>
-              </a:rPr>
-              <a:t> </a:t>
+              <a:t>(13)[n] </a:t>
             </a:r>
             <a:r>
               <a:rPr lang="de-AT" sz="1800" dirty="0">
@@ -28982,12 +30050,21 @@
                 <a:latin typeface="Courier New" panose="02070309020205020404" pitchFamily="49" charset="0"/>
                 <a:cs typeface="Courier New" panose="02070309020205020404" pitchFamily="49" charset="0"/>
               </a:rPr>
-              <a:t>Z(p)</a:t>
+              <a:t>Z(n)</a:t>
             </a:r>
             <a:r>
               <a:rPr lang="en-US" dirty="0" smtClean="0"/>
-              <a:t> 	... Residue class modulo p</a:t>
-            </a:r>
+              <a:t> </a:t>
+            </a:r>
+            <a:r>
+              <a:rPr lang="en-US" dirty="0" smtClean="0"/>
+              <a:t>	... Residue class modulo </a:t>
+            </a:r>
+            <a:r>
+              <a:rPr lang="en-US" dirty="0" smtClean="0"/>
+              <a:t>n</a:t>
+            </a:r>
+            <a:endParaRPr lang="en-US" dirty="0" smtClean="0"/>
           </a:p>
           <a:p>
             <a:pPr>
@@ -29003,12 +30080,27 @@
                 <a:latin typeface="Courier New" panose="02070309020205020404" pitchFamily="49" charset="0"/>
                 <a:cs typeface="Courier New" panose="02070309020205020404" pitchFamily="49" charset="0"/>
               </a:rPr>
-              <a:t>Z(p)[x] </a:t>
+              <a:t>Z(n)[</a:t>
+            </a:r>
+            <a:r>
+              <a:rPr lang="en-US" b="1" dirty="0" smtClean="0">
+                <a:solidFill>
+                  <a:srgbClr val="7030A0"/>
+                </a:solidFill>
+                <a:latin typeface="Courier New" panose="02070309020205020404" pitchFamily="49" charset="0"/>
+                <a:cs typeface="Courier New" panose="02070309020205020404" pitchFamily="49" charset="0"/>
+              </a:rPr>
+              <a:t>x] </a:t>
             </a:r>
             <a:r>
               <a:rPr lang="en-US" dirty="0" smtClean="0"/>
-              <a:t>	... Polynomial ring modulo p</a:t>
-            </a:r>
+              <a:t>	... Polynomial ring modulo </a:t>
+            </a:r>
+            <a:r>
+              <a:rPr lang="en-US" dirty="0" smtClean="0"/>
+              <a:t>n</a:t>
+            </a:r>
+            <a:endParaRPr lang="en-US" dirty="0" smtClean="0"/>
           </a:p>
           <a:p>
             <a:pPr>
@@ -29063,12 +30155,12 @@
               <a:t>irreducible </a:t>
             </a:r>
             <a:r>
-              <a:rPr lang="en-US" dirty="0" err="1" smtClean="0"/>
-              <a:t>Polynom</a:t>
-            </a:r>
-            <a:r>
               <a:rPr lang="en-US" dirty="0" smtClean="0"/>
-              <a:t> ply</a:t>
+              <a:t>polynomial </a:t>
+            </a:r>
+            <a:r>
+              <a:rPr lang="en-US" dirty="0" smtClean="0"/>
+              <a:t>ply</a:t>
             </a:r>
           </a:p>
           <a:p>
@@ -29092,12 +30184,12 @@
               <a:t>	… elliptic curve over the finite </a:t>
             </a:r>
             <a:r>
-              <a:rPr lang="en-US" dirty="0" err="1" smtClean="0"/>
-              <a:t>fild</a:t>
-            </a:r>
-            <a:r>
               <a:rPr lang="en-US" dirty="0" smtClean="0"/>
-              <a:t>  			</a:t>
+              <a:t>field  </a:t>
+            </a:r>
+            <a:r>
+              <a:rPr lang="en-US" dirty="0" smtClean="0"/>
+              <a:t>			</a:t>
             </a:r>
             <a:r>
               <a:rPr lang="en-US" dirty="0" smtClean="0">

--- a/manual (drafts)/Sunset_Slides_UniKlu.pptx
+++ b/manual (drafts)/Sunset_Slides_UniKlu.pptx
@@ -11426,7 +11426,7 @@
           <a:graphicData uri="http://schemas.openxmlformats.org/presentationml/2006/ole">
             <mc:AlternateContent xmlns:mc="http://schemas.openxmlformats.org/markup-compatibility/2006">
               <mc:Choice xmlns:v="urn:schemas-microsoft-com:vml" Requires="v">
-                <p:oleObj spid="_x0000_s2196" name="Visio" r:id="rId3" imgW="4276641" imgH="2038259" progId="Visio.Drawing.15">
+                <p:oleObj spid="_x0000_s2197" name="Visio" r:id="rId3" imgW="4276641" imgH="2038259" progId="Visio.Drawing.15">
                   <p:embed/>
                 </p:oleObj>
               </mc:Choice>
@@ -14312,7 +14312,7 @@
           <a:graphicData uri="http://schemas.openxmlformats.org/presentationml/2006/ole">
             <mc:AlternateContent xmlns:mc="http://schemas.openxmlformats.org/markup-compatibility/2006">
               <mc:Choice xmlns:v="urn:schemas-microsoft-com:vml" Requires="v">
-                <p:oleObj spid="_x0000_s3209" name="Formel" r:id="rId3" imgW="6832600" imgH="749300" progId="Equation.3">
+                <p:oleObj spid="_x0000_s3210" name="Formel" r:id="rId3" imgW="6832600" imgH="749300" progId="Equation.3">
                   <p:embed/>
                 </p:oleObj>
               </mc:Choice>
@@ -15343,7 +15343,7 @@
           <a:graphicData uri="http://schemas.openxmlformats.org/presentationml/2006/ole">
             <mc:AlternateContent xmlns:mc="http://schemas.openxmlformats.org/markup-compatibility/2006">
               <mc:Choice xmlns:v="urn:schemas-microsoft-com:vml" Requires="v">
-                <p:oleObj spid="_x0000_s4232" name="Visio" r:id="rId3" imgW="3202054" imgH="945155" progId="Visio.Drawing.11">
+                <p:oleObj spid="_x0000_s4233" name="Visio" r:id="rId3" imgW="3202054" imgH="945155" progId="Visio.Drawing.11">
                   <p:embed/>
                 </p:oleObj>
               </mc:Choice>
@@ -28738,49 +28738,55 @@
           <a:p>
             <a:r>
               <a:rPr lang="de-AT" dirty="0" err="1" smtClean="0"/>
-              <a:t>Definitions</a:t>
+              <a:t>Comparison</a:t>
             </a:r>
             <a:r>
               <a:rPr lang="de-AT" dirty="0" smtClean="0"/>
-              <a:t> of </a:t>
+              <a:t> </a:t>
             </a:r>
             <a:r>
               <a:rPr lang="de-AT" dirty="0" err="1" smtClean="0"/>
-              <a:t>arrays</a:t>
+              <a:t>to</a:t>
             </a:r>
             <a:r>
               <a:rPr lang="de-AT" dirty="0" smtClean="0"/>
-              <a:t> of type </a:t>
-            </a:r>
-            <a:r>
-              <a:rPr lang="de-AT" sz="1800" b="1" dirty="0">
-                <a:solidFill>
-                  <a:srgbClr val="7030A0"/>
-                </a:solidFill>
-                <a:latin typeface="Courier" pitchFamily="49" charset="0"/>
-                <a:cs typeface="Courier New" panose="02070309020205020404" pitchFamily="49" charset="0"/>
-              </a:rPr>
-              <a:t>Z()[] </a:t>
+              <a:t> </a:t>
             </a:r>
             <a:r>
               <a:rPr lang="de-AT" dirty="0" err="1" smtClean="0"/>
-              <a:t>have</a:t>
+              <a:t>point</a:t>
             </a:r>
             <a:r>
               <a:rPr lang="de-AT" dirty="0" smtClean="0"/>
-              <a:t> </a:t>
+              <a:t> at </a:t>
             </a:r>
             <a:r>
               <a:rPr lang="de-AT" dirty="0" err="1" smtClean="0"/>
-              <a:t>parsing</a:t>
+              <a:t>infinity</a:t>
             </a:r>
             <a:r>
               <a:rPr lang="de-AT" dirty="0" smtClean="0"/>
-              <a:t> </a:t>
+              <a:t> in </a:t>
             </a:r>
             <a:r>
               <a:rPr lang="de-AT" dirty="0" err="1" smtClean="0"/>
-              <a:t>issues</a:t>
+              <a:t>elliptic</a:t>
+            </a:r>
+            <a:r>
+              <a:rPr lang="de-AT" dirty="0" smtClean="0"/>
+              <a:t> </a:t>
+            </a:r>
+            <a:r>
+              <a:rPr lang="de-AT" dirty="0" err="1" smtClean="0"/>
+              <a:t>curves</a:t>
+            </a:r>
+            <a:r>
+              <a:rPr lang="de-AT" dirty="0" smtClean="0"/>
+              <a:t> </a:t>
+            </a:r>
+            <a:r>
+              <a:rPr lang="de-AT" dirty="0" err="1" smtClean="0"/>
+              <a:t>fails</a:t>
             </a:r>
             <a:r>
               <a:rPr lang="de-AT" dirty="0" smtClean="0"/>
@@ -28795,27 +28801,34 @@
               <a:t> </a:t>
             </a:r>
             <a:r>
-              <a:rPr lang="de-AT" dirty="0" err="1" smtClean="0"/>
-              <a:t>the</a:t>
-            </a:r>
-            <a:r>
-              <a:rPr lang="de-AT" dirty="0" smtClean="0"/>
-              <a:t> </a:t>
-            </a:r>
-            <a:r>
-              <a:rPr lang="de-AT" dirty="0" err="1" smtClean="0"/>
-              <a:t>number</a:t>
-            </a:r>
-            <a:r>
-              <a:rPr lang="de-AT" dirty="0" smtClean="0"/>
-              <a:t> of </a:t>
-            </a:r>
-            <a:r>
-              <a:rPr lang="de-AT" dirty="0" err="1" smtClean="0"/>
-              <a:t>elements</a:t>
-            </a:r>
-            <a:r>
-              <a:rPr lang="de-AT" dirty="0" smtClean="0"/>
+              <a:rPr lang="de-AT" sz="1800" dirty="0">
+                <a:latin typeface="Courier New" panose="02070309020205020404" pitchFamily="49" charset="0"/>
+                <a:cs typeface="Courier New" panose="02070309020205020404" pitchFamily="49" charset="0"/>
+              </a:rPr>
+              <a:t>&lt;&lt;</a:t>
+            </a:r>
+            <a:r>
+              <a:rPr lang="de-AT" sz="1800" b="1" dirty="0">
+                <a:solidFill>
+                  <a:srgbClr val="7030A0"/>
+                </a:solidFill>
+                <a:latin typeface="Courier New" panose="02070309020205020404" pitchFamily="49" charset="0"/>
+                <a:cs typeface="Courier New" panose="02070309020205020404" pitchFamily="49" charset="0"/>
+              </a:rPr>
+              <a:t>PAI</a:t>
+            </a:r>
+            <a:r>
+              <a:rPr lang="de-AT" sz="1800" dirty="0" smtClean="0">
+                <a:latin typeface="Courier New" panose="02070309020205020404" pitchFamily="49" charset="0"/>
+                <a:cs typeface="Courier New" panose="02070309020205020404" pitchFamily="49" charset="0"/>
+              </a:rPr>
+              <a:t>&gt;&gt;</a:t>
+            </a:r>
+            <a:r>
+              <a:rPr lang="de-AT" sz="2400" dirty="0" smtClean="0">
+                <a:latin typeface="+mj-lt"/>
+                <a:cs typeface="Courier New" panose="02070309020205020404" pitchFamily="49" charset="0"/>
+              </a:rPr>
               <a:t> </a:t>
             </a:r>
             <a:r>
@@ -28824,11 +28837,11 @@
             </a:r>
             <a:r>
               <a:rPr lang="de-AT" dirty="0" smtClean="0"/>
-              <a:t> not a </a:t>
+              <a:t> </a:t>
             </a:r>
             <a:r>
               <a:rPr lang="de-AT" dirty="0" err="1" smtClean="0"/>
-              <a:t>numeric</a:t>
+              <a:t>used</a:t>
             </a:r>
             <a:r>
               <a:rPr lang="de-AT" dirty="0" smtClean="0"/>
@@ -28836,379 +28849,15 @@
             </a:r>
             <a:r>
               <a:rPr lang="de-AT" dirty="0" err="1" smtClean="0"/>
-              <a:t>token</a:t>
+              <a:t>directly</a:t>
             </a:r>
             <a:r>
               <a:rPr lang="de-AT" dirty="0" smtClean="0"/>
-              <a:t>.</a:t>
-            </a:r>
-            <a:br>
-              <a:rPr lang="de-AT" dirty="0" smtClean="0"/>
-            </a:br>
-            <a:r>
-              <a:rPr lang="de-AT" u="sng" dirty="0" err="1" smtClean="0"/>
-              <a:t>Example</a:t>
-            </a:r>
-            <a:r>
-              <a:rPr lang="de-AT" dirty="0" smtClean="0"/>
-              <a:t>: </a:t>
-            </a:r>
-            <a:br>
-              <a:rPr lang="de-AT" dirty="0" smtClean="0"/>
-            </a:br>
-            <a:r>
-              <a:rPr lang="de-AT" sz="1800" b="1" dirty="0" err="1">
-                <a:solidFill>
-                  <a:srgbClr val="7030A0"/>
-                </a:solidFill>
-                <a:latin typeface="Courier" pitchFamily="49" charset="0"/>
-                <a:cs typeface="Courier New" panose="02070309020205020404" pitchFamily="49" charset="0"/>
-              </a:rPr>
-              <a:t>const</a:t>
-            </a:r>
-            <a:r>
-              <a:rPr lang="de-AT" sz="1800" dirty="0" smtClean="0">
-                <a:latin typeface="Courier" pitchFamily="49" charset="0"/>
-              </a:rPr>
-              <a:t> n: </a:t>
-            </a:r>
-            <a:r>
-              <a:rPr lang="de-AT" sz="1800" b="1" dirty="0">
-                <a:solidFill>
-                  <a:srgbClr val="7030A0"/>
-                </a:solidFill>
-                <a:latin typeface="Courier" pitchFamily="49" charset="0"/>
-                <a:cs typeface="Courier New" panose="02070309020205020404" pitchFamily="49" charset="0"/>
-              </a:rPr>
-              <a:t>Integer</a:t>
-            </a:r>
-            <a:r>
-              <a:rPr lang="de-AT" sz="1800" dirty="0" smtClean="0">
-                <a:latin typeface="Courier" pitchFamily="49" charset="0"/>
-              </a:rPr>
-              <a:t> := 10;</a:t>
-            </a:r>
-            <a:br>
-              <a:rPr lang="de-AT" sz="1800" dirty="0" smtClean="0">
-                <a:latin typeface="Courier" pitchFamily="49" charset="0"/>
-              </a:rPr>
-            </a:br>
-            <a:r>
-              <a:rPr lang="de-AT" sz="1800" dirty="0" smtClean="0">
-                <a:latin typeface="Courier" pitchFamily="49" charset="0"/>
-              </a:rPr>
-              <a:t>A: </a:t>
-            </a:r>
-            <a:r>
-              <a:rPr lang="de-AT" sz="1800" b="1" dirty="0">
-                <a:solidFill>
-                  <a:srgbClr val="7030A0"/>
-                </a:solidFill>
-                <a:latin typeface="Courier" pitchFamily="49" charset="0"/>
-                <a:cs typeface="Courier New" panose="02070309020205020404" pitchFamily="49" charset="0"/>
-              </a:rPr>
-              <a:t>Z</a:t>
-            </a:r>
-            <a:r>
-              <a:rPr lang="de-AT" sz="1800" dirty="0" smtClean="0">
-                <a:latin typeface="Courier" pitchFamily="49" charset="0"/>
-              </a:rPr>
-              <a:t>(13)[]; </a:t>
-            </a:r>
-            <a:r>
-              <a:rPr lang="de-AT" sz="1800" dirty="0">
-                <a:solidFill>
-                  <a:srgbClr val="339933"/>
-                </a:solidFill>
-                <a:latin typeface="Courier New" panose="02070309020205020404" pitchFamily="49" charset="0"/>
-                <a:cs typeface="Courier New" panose="02070309020205020404" pitchFamily="49" charset="0"/>
-              </a:rPr>
-              <a:t>// </a:t>
-            </a:r>
-            <a:r>
-              <a:rPr lang="de-AT" sz="1800" dirty="0" err="1">
-                <a:solidFill>
-                  <a:srgbClr val="339933"/>
-                </a:solidFill>
-                <a:latin typeface="Courier New" panose="02070309020205020404" pitchFamily="49" charset="0"/>
-                <a:cs typeface="Courier New" panose="02070309020205020404" pitchFamily="49" charset="0"/>
-              </a:rPr>
-              <a:t>array</a:t>
-            </a:r>
-            <a:r>
-              <a:rPr lang="de-AT" sz="1800" dirty="0">
-                <a:solidFill>
-                  <a:srgbClr val="339933"/>
-                </a:solidFill>
-                <a:latin typeface="Courier New" panose="02070309020205020404" pitchFamily="49" charset="0"/>
-                <a:cs typeface="Courier New" panose="02070309020205020404" pitchFamily="49" charset="0"/>
-              </a:rPr>
-              <a:t> </a:t>
-            </a:r>
-            <a:r>
-              <a:rPr lang="de-AT" sz="1800" dirty="0" err="1">
-                <a:solidFill>
-                  <a:srgbClr val="339933"/>
-                </a:solidFill>
-                <a:latin typeface="Courier New" panose="02070309020205020404" pitchFamily="49" charset="0"/>
-                <a:cs typeface="Courier New" panose="02070309020205020404" pitchFamily="49" charset="0"/>
-              </a:rPr>
-              <a:t>over</a:t>
-            </a:r>
-            <a:r>
-              <a:rPr lang="de-AT" sz="1800" dirty="0">
-                <a:solidFill>
-                  <a:srgbClr val="339933"/>
-                </a:solidFill>
-                <a:latin typeface="Courier New" panose="02070309020205020404" pitchFamily="49" charset="0"/>
-                <a:cs typeface="Courier New" panose="02070309020205020404" pitchFamily="49" charset="0"/>
-              </a:rPr>
-              <a:t> a </a:t>
-            </a:r>
-            <a:r>
-              <a:rPr lang="de-AT" sz="1800" dirty="0" err="1">
-                <a:solidFill>
-                  <a:srgbClr val="339933"/>
-                </a:solidFill>
-                <a:latin typeface="Courier New" panose="02070309020205020404" pitchFamily="49" charset="0"/>
-                <a:cs typeface="Courier New" panose="02070309020205020404" pitchFamily="49" charset="0"/>
-              </a:rPr>
-              <a:t>polynomial</a:t>
-            </a:r>
-            <a:r>
-              <a:rPr lang="de-AT" sz="1800" dirty="0">
-                <a:solidFill>
-                  <a:srgbClr val="339933"/>
-                </a:solidFill>
-                <a:latin typeface="Courier New" panose="02070309020205020404" pitchFamily="49" charset="0"/>
-                <a:cs typeface="Courier New" panose="02070309020205020404" pitchFamily="49" charset="0"/>
-              </a:rPr>
-              <a:t> ring</a:t>
-            </a:r>
-            <a:r>
-              <a:rPr lang="de-AT" sz="1800" dirty="0" smtClean="0">
-                <a:latin typeface="Courier" pitchFamily="49" charset="0"/>
-              </a:rPr>
-              <a:t/>
-            </a:r>
-            <a:br>
-              <a:rPr lang="de-AT" sz="1800" dirty="0" smtClean="0">
-                <a:latin typeface="Courier" pitchFamily="49" charset="0"/>
-              </a:rPr>
-            </a:br>
-            <a:r>
-              <a:rPr lang="de-AT" sz="1800" dirty="0">
-                <a:solidFill>
-                  <a:srgbClr val="339933"/>
-                </a:solidFill>
-                <a:latin typeface="Courier New" panose="02070309020205020404" pitchFamily="49" charset="0"/>
-                <a:cs typeface="Courier New" panose="02070309020205020404" pitchFamily="49" charset="0"/>
-              </a:rPr>
-              <a:t>// </a:t>
-            </a:r>
-            <a:r>
-              <a:rPr lang="de-AT" sz="1800" dirty="0" err="1">
-                <a:solidFill>
-                  <a:srgbClr val="339933"/>
-                </a:solidFill>
-                <a:latin typeface="Courier New" panose="02070309020205020404" pitchFamily="49" charset="0"/>
-                <a:cs typeface="Courier New" panose="02070309020205020404" pitchFamily="49" charset="0"/>
-              </a:rPr>
-              <a:t>Instantiation</a:t>
-            </a:r>
-            <a:r>
-              <a:rPr lang="de-AT" sz="1800" dirty="0">
-                <a:solidFill>
-                  <a:srgbClr val="339933"/>
-                </a:solidFill>
-                <a:latin typeface="Courier New" panose="02070309020205020404" pitchFamily="49" charset="0"/>
-                <a:cs typeface="Courier New" panose="02070309020205020404" pitchFamily="49" charset="0"/>
-              </a:rPr>
-              <a:t> </a:t>
-            </a:r>
-            <a:r>
-              <a:rPr lang="de-AT" sz="1800" dirty="0" err="1">
-                <a:solidFill>
-                  <a:srgbClr val="339933"/>
-                </a:solidFill>
-                <a:latin typeface="Courier New" panose="02070309020205020404" pitchFamily="49" charset="0"/>
-                <a:cs typeface="Courier New" panose="02070309020205020404" pitchFamily="49" charset="0"/>
-              </a:rPr>
-              <a:t>with</a:t>
-            </a:r>
-            <a:r>
-              <a:rPr lang="de-AT" sz="1800" dirty="0">
-                <a:solidFill>
-                  <a:srgbClr val="339933"/>
-                </a:solidFill>
-                <a:latin typeface="Courier New" panose="02070309020205020404" pitchFamily="49" charset="0"/>
-                <a:cs typeface="Courier New" panose="02070309020205020404" pitchFamily="49" charset="0"/>
-              </a:rPr>
-              <a:t> </a:t>
-            </a:r>
-            <a:r>
-              <a:rPr lang="de-AT" sz="1800" dirty="0" err="1" smtClean="0">
-                <a:solidFill>
-                  <a:srgbClr val="339933"/>
-                </a:solidFill>
-                <a:latin typeface="Courier New" panose="02070309020205020404" pitchFamily="49" charset="0"/>
-                <a:cs typeface="Courier New" panose="02070309020205020404" pitchFamily="49" charset="0"/>
-              </a:rPr>
-              <a:t>new</a:t>
-            </a:r>
-            <a:r>
-              <a:rPr lang="de-AT" sz="1800" dirty="0" smtClean="0">
-                <a:solidFill>
-                  <a:srgbClr val="339933"/>
-                </a:solidFill>
-                <a:latin typeface="Courier New" panose="02070309020205020404" pitchFamily="49" charset="0"/>
-                <a:cs typeface="Courier New" panose="02070309020205020404" pitchFamily="49" charset="0"/>
-              </a:rPr>
-              <a:t> </a:t>
-            </a:r>
-            <a:r>
-              <a:rPr lang="de-AT" sz="1800" dirty="0" err="1" smtClean="0">
-                <a:solidFill>
-                  <a:srgbClr val="339933"/>
-                </a:solidFill>
-                <a:latin typeface="Courier New" panose="02070309020205020404" pitchFamily="49" charset="0"/>
-                <a:cs typeface="Courier New" panose="02070309020205020404" pitchFamily="49" charset="0"/>
-              </a:rPr>
-              <a:t>operator</a:t>
-            </a:r>
-            <a:r>
-              <a:rPr lang="de-AT" sz="1800" dirty="0">
-                <a:solidFill>
-                  <a:srgbClr val="339933"/>
-                </a:solidFill>
-                <a:latin typeface="Courier New" panose="02070309020205020404" pitchFamily="49" charset="0"/>
-                <a:cs typeface="Courier New" panose="02070309020205020404" pitchFamily="49" charset="0"/>
-              </a:rPr>
-              <a:t/>
-            </a:r>
-            <a:br>
-              <a:rPr lang="de-AT" sz="1800" dirty="0">
-                <a:solidFill>
-                  <a:srgbClr val="339933"/>
-                </a:solidFill>
-                <a:latin typeface="Courier New" panose="02070309020205020404" pitchFamily="49" charset="0"/>
-                <a:cs typeface="Courier New" panose="02070309020205020404" pitchFamily="49" charset="0"/>
-              </a:rPr>
-            </a:br>
-            <a:r>
-              <a:rPr lang="de-AT" sz="1800" dirty="0" smtClean="0">
-                <a:latin typeface="Courier" pitchFamily="49" charset="0"/>
-              </a:rPr>
-              <a:t>A := </a:t>
-            </a:r>
-            <a:r>
-              <a:rPr lang="de-AT" sz="1800" b="1" dirty="0" err="1">
-                <a:solidFill>
-                  <a:srgbClr val="7030A0"/>
-                </a:solidFill>
-                <a:latin typeface="Courier" pitchFamily="49" charset="0"/>
-                <a:cs typeface="Courier New" panose="02070309020205020404" pitchFamily="49" charset="0"/>
-              </a:rPr>
-              <a:t>new</a:t>
-            </a:r>
-            <a:r>
-              <a:rPr lang="de-AT" sz="1800" dirty="0" smtClean="0">
-                <a:latin typeface="Courier" pitchFamily="49" charset="0"/>
-              </a:rPr>
-              <a:t> </a:t>
-            </a:r>
-            <a:r>
-              <a:rPr lang="de-AT" sz="1800" b="1" dirty="0">
-                <a:solidFill>
-                  <a:srgbClr val="7030A0"/>
-                </a:solidFill>
-                <a:latin typeface="Courier" pitchFamily="49" charset="0"/>
-                <a:cs typeface="Courier New" panose="02070309020205020404" pitchFamily="49" charset="0"/>
-              </a:rPr>
-              <a:t>Z</a:t>
-            </a:r>
-            <a:r>
-              <a:rPr lang="de-AT" sz="1800" dirty="0" smtClean="0">
-                <a:latin typeface="Courier" pitchFamily="49" charset="0"/>
-              </a:rPr>
-              <a:t>(13)[n] </a:t>
-            </a:r>
-            <a:r>
-              <a:rPr lang="de-AT" sz="1800" dirty="0">
-                <a:solidFill>
-                  <a:srgbClr val="339933"/>
-                </a:solidFill>
-                <a:latin typeface="Courier New" panose="02070309020205020404" pitchFamily="49" charset="0"/>
-                <a:cs typeface="Courier New" panose="02070309020205020404" pitchFamily="49" charset="0"/>
-              </a:rPr>
-              <a:t>// </a:t>
-            </a:r>
-            <a:r>
-              <a:rPr lang="de-AT" sz="1800" dirty="0" err="1">
-                <a:solidFill>
-                  <a:srgbClr val="339933"/>
-                </a:solidFill>
-                <a:latin typeface="Courier New" panose="02070309020205020404" pitchFamily="49" charset="0"/>
-                <a:cs typeface="Courier New" panose="02070309020205020404" pitchFamily="49" charset="0"/>
-              </a:rPr>
-              <a:t>this</a:t>
-            </a:r>
-            <a:r>
-              <a:rPr lang="de-AT" sz="1800" dirty="0">
-                <a:solidFill>
-                  <a:srgbClr val="339933"/>
-                </a:solidFill>
-                <a:latin typeface="Courier New" panose="02070309020205020404" pitchFamily="49" charset="0"/>
-                <a:cs typeface="Courier New" panose="02070309020205020404" pitchFamily="49" charset="0"/>
-              </a:rPr>
-              <a:t> will not parse (BUG</a:t>
-            </a:r>
-            <a:r>
-              <a:rPr lang="de-AT" sz="1800" dirty="0" smtClean="0">
-                <a:solidFill>
-                  <a:srgbClr val="339933"/>
-                </a:solidFill>
-                <a:latin typeface="Courier New" panose="02070309020205020404" pitchFamily="49" charset="0"/>
-                <a:cs typeface="Courier New" panose="02070309020205020404" pitchFamily="49" charset="0"/>
-              </a:rPr>
-              <a:t>)</a:t>
-            </a:r>
-            <a:br>
-              <a:rPr lang="de-AT" sz="1800" dirty="0" smtClean="0">
-                <a:solidFill>
-                  <a:srgbClr val="339933"/>
-                </a:solidFill>
-                <a:latin typeface="Courier New" panose="02070309020205020404" pitchFamily="49" charset="0"/>
-                <a:cs typeface="Courier New" panose="02070309020205020404" pitchFamily="49" charset="0"/>
-              </a:rPr>
-            </a:br>
-            <a:r>
-              <a:rPr lang="de-AT" u="sng" dirty="0"/>
-              <a:t>Workaround</a:t>
-            </a:r>
-            <a:r>
-              <a:rPr lang="de-AT" dirty="0" smtClean="0"/>
-              <a:t>: </a:t>
+              <a:t> </a:t>
             </a:r>
             <a:r>
               <a:rPr lang="de-AT" dirty="0" err="1" smtClean="0"/>
-              <a:t>first</a:t>
-            </a:r>
-            <a:r>
-              <a:rPr lang="de-AT" dirty="0" smtClean="0"/>
-              <a:t> </a:t>
-            </a:r>
-            <a:r>
-              <a:rPr lang="de-AT" dirty="0" err="1" smtClean="0"/>
-              <a:t>token</a:t>
-            </a:r>
-            <a:r>
-              <a:rPr lang="de-AT" dirty="0" smtClean="0"/>
-              <a:t> must </a:t>
-            </a:r>
-            <a:r>
-              <a:rPr lang="de-AT" dirty="0" err="1" smtClean="0"/>
-              <a:t>be</a:t>
+              <a:t>as</a:t>
             </a:r>
             <a:r>
               <a:rPr lang="de-AT" dirty="0" smtClean="0"/>
@@ -29216,153 +28865,498 @@
             </a:r>
             <a:r>
               <a:rPr lang="de-AT" dirty="0" err="1" smtClean="0"/>
-              <a:t>number</a:t>
+              <a:t>literal</a:t>
             </a:r>
             <a:r>
               <a:rPr lang="de-AT" dirty="0" smtClean="0"/>
-              <a:t>; </a:t>
-            </a:r>
-            <a:r>
-              <a:rPr lang="de-AT" dirty="0" err="1" smtClean="0"/>
-              <a:t>add</a:t>
-            </a:r>
+              <a:t>:</a:t>
+            </a:r>
+          </a:p>
+          <a:p>
+            <a:pPr lvl="1"/>
+            <a:r>
+              <a:rPr lang="de-AT" sz="1600" b="1" dirty="0" err="1">
+                <a:solidFill>
+                  <a:srgbClr val="7030A0"/>
+                </a:solidFill>
+                <a:latin typeface="Courier New" panose="02070309020205020404" pitchFamily="49" charset="0"/>
+                <a:ea typeface="+mn-ea"/>
+                <a:cs typeface="Courier New" panose="02070309020205020404" pitchFamily="49" charset="0"/>
+              </a:rPr>
+              <a:t>if</a:t>
+            </a:r>
+            <a:r>
+              <a:rPr lang="de-AT" sz="1400" dirty="0" smtClean="0">
+                <a:solidFill>
+                  <a:srgbClr val="339933"/>
+                </a:solidFill>
+                <a:latin typeface="Courier New" panose="02070309020205020404" pitchFamily="49" charset="0"/>
+                <a:cs typeface="Courier New" panose="02070309020205020404" pitchFamily="49" charset="0"/>
+              </a:rPr>
+              <a:t> </a:t>
+            </a:r>
+            <a:r>
+              <a:rPr lang="de-AT" sz="1400" dirty="0" smtClean="0">
+                <a:latin typeface="Courier New" panose="02070309020205020404" pitchFamily="49" charset="0"/>
+                <a:cs typeface="Courier New" panose="02070309020205020404" pitchFamily="49" charset="0"/>
+              </a:rPr>
+              <a:t>(P == &lt;&lt;</a:t>
+            </a:r>
+            <a:r>
+              <a:rPr lang="de-AT" sz="1600" b="1" dirty="0">
+                <a:solidFill>
+                  <a:srgbClr val="7030A0"/>
+                </a:solidFill>
+                <a:latin typeface="Courier New" panose="02070309020205020404" pitchFamily="49" charset="0"/>
+                <a:ea typeface="+mn-ea"/>
+                <a:cs typeface="Courier New" panose="02070309020205020404" pitchFamily="49" charset="0"/>
+              </a:rPr>
+              <a:t>PAI</a:t>
+            </a:r>
+            <a:r>
+              <a:rPr lang="de-AT" sz="1400" dirty="0" smtClean="0">
+                <a:latin typeface="Courier New" panose="02070309020205020404" pitchFamily="49" charset="0"/>
+                <a:cs typeface="Courier New" panose="02070309020205020404" pitchFamily="49" charset="0"/>
+              </a:rPr>
+              <a:t>&gt;&gt;)  </a:t>
+            </a:r>
+            <a:r>
+              <a:rPr lang="de-AT" sz="1400" dirty="0" smtClean="0">
+                <a:solidFill>
+                  <a:srgbClr val="339933"/>
+                </a:solidFill>
+                <a:latin typeface="Courier New" panose="02070309020205020404" pitchFamily="49" charset="0"/>
+                <a:cs typeface="Courier New" panose="02070309020205020404" pitchFamily="49" charset="0"/>
+              </a:rPr>
+              <a:t>// </a:t>
+            </a:r>
+            <a:r>
+              <a:rPr lang="de-AT" sz="1400" dirty="0" err="1" smtClean="0">
+                <a:solidFill>
+                  <a:srgbClr val="339933"/>
+                </a:solidFill>
+                <a:latin typeface="Courier New" panose="02070309020205020404" pitchFamily="49" charset="0"/>
+                <a:cs typeface="Courier New" panose="02070309020205020404" pitchFamily="49" charset="0"/>
+              </a:rPr>
+              <a:t>this</a:t>
+            </a:r>
+            <a:r>
+              <a:rPr lang="de-AT" sz="1400" dirty="0" smtClean="0">
+                <a:solidFill>
+                  <a:srgbClr val="339933"/>
+                </a:solidFill>
+                <a:latin typeface="Courier New" panose="02070309020205020404" pitchFamily="49" charset="0"/>
+                <a:cs typeface="Courier New" panose="02070309020205020404" pitchFamily="49" charset="0"/>
+              </a:rPr>
+              <a:t> </a:t>
+            </a:r>
+            <a:r>
+              <a:rPr lang="de-AT" sz="1400" dirty="0" err="1" smtClean="0">
+                <a:solidFill>
+                  <a:srgbClr val="339933"/>
+                </a:solidFill>
+                <a:latin typeface="Courier New" panose="02070309020205020404" pitchFamily="49" charset="0"/>
+                <a:cs typeface="Courier New" panose="02070309020205020404" pitchFamily="49" charset="0"/>
+              </a:rPr>
+              <a:t>fails</a:t>
+            </a:r>
+            <a:r>
+              <a:rPr lang="de-AT" sz="1400" dirty="0" smtClean="0">
+                <a:solidFill>
+                  <a:srgbClr val="339933"/>
+                </a:solidFill>
+                <a:latin typeface="Courier New" panose="02070309020205020404" pitchFamily="49" charset="0"/>
+                <a:cs typeface="Courier New" panose="02070309020205020404" pitchFamily="49" charset="0"/>
+              </a:rPr>
+              <a:t> (</a:t>
+            </a:r>
+            <a:r>
+              <a:rPr lang="de-AT" sz="1400" dirty="0" err="1" smtClean="0">
+                <a:solidFill>
+                  <a:srgbClr val="339933"/>
+                </a:solidFill>
+                <a:latin typeface="Courier New" panose="02070309020205020404" pitchFamily="49" charset="0"/>
+                <a:cs typeface="Courier New" panose="02070309020205020404" pitchFamily="49" charset="0"/>
+              </a:rPr>
+              <a:t>without</a:t>
+            </a:r>
+            <a:r>
+              <a:rPr lang="de-AT" sz="1400" dirty="0" smtClean="0">
+                <a:solidFill>
+                  <a:srgbClr val="339933"/>
+                </a:solidFill>
+                <a:latin typeface="Courier New" panose="02070309020205020404" pitchFamily="49" charset="0"/>
+                <a:cs typeface="Courier New" panose="02070309020205020404" pitchFamily="49" charset="0"/>
+              </a:rPr>
+              <a:t> </a:t>
+            </a:r>
+            <a:r>
+              <a:rPr lang="de-AT" sz="1400" dirty="0" err="1" smtClean="0">
+                <a:solidFill>
+                  <a:srgbClr val="339933"/>
+                </a:solidFill>
+                <a:latin typeface="Courier New" panose="02070309020205020404" pitchFamily="49" charset="0"/>
+                <a:cs typeface="Courier New" panose="02070309020205020404" pitchFamily="49" charset="0"/>
+              </a:rPr>
+              <a:t>error</a:t>
+            </a:r>
+            <a:r>
+              <a:rPr lang="de-AT" sz="1400" dirty="0" smtClean="0">
+                <a:solidFill>
+                  <a:srgbClr val="339933"/>
+                </a:solidFill>
+                <a:latin typeface="Courier New" panose="02070309020205020404" pitchFamily="49" charset="0"/>
+                <a:cs typeface="Courier New" panose="02070309020205020404" pitchFamily="49" charset="0"/>
+              </a:rPr>
+              <a:t> </a:t>
+            </a:r>
+            <a:r>
+              <a:rPr lang="de-AT" sz="1400" dirty="0" err="1" smtClean="0">
+                <a:solidFill>
+                  <a:srgbClr val="339933"/>
+                </a:solidFill>
+                <a:latin typeface="Courier New" panose="02070309020205020404" pitchFamily="49" charset="0"/>
+                <a:cs typeface="Courier New" panose="02070309020205020404" pitchFamily="49" charset="0"/>
+              </a:rPr>
+              <a:t>msg</a:t>
+            </a:r>
+            <a:r>
+              <a:rPr lang="de-AT" sz="1400" dirty="0" smtClean="0">
+                <a:solidFill>
+                  <a:srgbClr val="339933"/>
+                </a:solidFill>
+                <a:latin typeface="Courier New" panose="02070309020205020404" pitchFamily="49" charset="0"/>
+                <a:cs typeface="Courier New" panose="02070309020205020404" pitchFamily="49" charset="0"/>
+              </a:rPr>
+              <a:t>; internal </a:t>
+            </a:r>
+            <a:r>
+              <a:rPr lang="de-AT" sz="1400" dirty="0" err="1" smtClean="0">
+                <a:solidFill>
+                  <a:srgbClr val="339933"/>
+                </a:solidFill>
+                <a:latin typeface="Courier New" panose="02070309020205020404" pitchFamily="49" charset="0"/>
+                <a:cs typeface="Courier New" panose="02070309020205020404" pitchFamily="49" charset="0"/>
+              </a:rPr>
+              <a:t>exception</a:t>
+            </a:r>
+            <a:r>
+              <a:rPr lang="de-AT" sz="1400" dirty="0" smtClean="0">
+                <a:solidFill>
+                  <a:srgbClr val="339933"/>
+                </a:solidFill>
+                <a:latin typeface="Courier New" panose="02070309020205020404" pitchFamily="49" charset="0"/>
+                <a:cs typeface="Courier New" panose="02070309020205020404" pitchFamily="49" charset="0"/>
+              </a:rPr>
+              <a:t>)</a:t>
+            </a:r>
+          </a:p>
+          <a:p>
+            <a:pPr lvl="1"/>
             <a:r>
               <a:rPr lang="de-AT" dirty="0" smtClean="0"/>
-              <a:t> </a:t>
-            </a:r>
-            <a:r>
-              <a:rPr lang="de-AT" dirty="0" err="1" smtClean="0"/>
-              <a:t>zero</a:t>
-            </a:r>
-            <a:r>
-              <a:rPr lang="de-AT" dirty="0" smtClean="0"/>
-              <a:t>: </a:t>
-            </a:r>
-            <a:r>
-              <a:rPr lang="de-AT" sz="2000" dirty="0" smtClean="0">
-                <a:latin typeface="Courier" pitchFamily="49" charset="0"/>
-              </a:rPr>
-              <a:t>0+…</a:t>
-            </a:r>
-            <a:r>
-              <a:rPr lang="de-AT" sz="1800" dirty="0">
+              <a:t>Workaround: </a:t>
+            </a:r>
+            <a:r>
+              <a:rPr lang="de-AT" dirty="0" err="1">
+                <a:solidFill>
+                  <a:srgbClr val="0000FF"/>
+                </a:solidFill>
+              </a:rPr>
+              <a:t>use</a:t>
+            </a:r>
+            <a:r>
+              <a:rPr lang="de-AT" dirty="0">
+                <a:solidFill>
+                  <a:srgbClr val="0000FF"/>
+                </a:solidFill>
+              </a:rPr>
+              <a:t> a variable </a:t>
+            </a:r>
+            <a:r>
+              <a:rPr lang="de-AT" dirty="0"/>
+              <a:t>of </a:t>
+            </a:r>
+            <a:r>
+              <a:rPr lang="de-AT" dirty="0" err="1"/>
+              <a:t>the</a:t>
+            </a:r>
+            <a:r>
+              <a:rPr lang="de-AT" dirty="0"/>
+              <a:t> same type </a:t>
+            </a:r>
+            <a:r>
+              <a:rPr lang="de-AT" dirty="0" err="1"/>
+              <a:t>as</a:t>
+            </a:r>
+            <a:r>
+              <a:rPr lang="de-AT" dirty="0"/>
+              <a:t> </a:t>
+            </a:r>
+            <a:r>
+              <a:rPr lang="de-AT" sz="2000" dirty="0">
+                <a:latin typeface="Courier New" panose="02070309020205020404" pitchFamily="49" charset="0"/>
+                <a:cs typeface="Courier New" panose="02070309020205020404" pitchFamily="49" charset="0"/>
+              </a:rPr>
+              <a:t>P</a:t>
+            </a:r>
+            <a:r>
+              <a:rPr lang="de-AT" dirty="0"/>
+              <a:t> </a:t>
+            </a:r>
+            <a:r>
+              <a:rPr lang="de-AT" dirty="0" err="1"/>
+              <a:t>and</a:t>
+            </a:r>
+            <a:r>
+              <a:rPr lang="de-AT" dirty="0"/>
+              <a:t> </a:t>
+            </a:r>
+            <a:r>
+              <a:rPr lang="de-AT" dirty="0" err="1">
+                <a:solidFill>
+                  <a:srgbClr val="0000FF"/>
+                </a:solidFill>
+              </a:rPr>
+              <a:t>assign</a:t>
+            </a:r>
+            <a:r>
+              <a:rPr lang="de-AT" dirty="0">
+                <a:solidFill>
+                  <a:srgbClr val="0000FF"/>
+                </a:solidFill>
+              </a:rPr>
+              <a:t> </a:t>
+            </a:r>
+            <a:r>
+              <a:rPr lang="de-AT" dirty="0" err="1">
+                <a:solidFill>
+                  <a:srgbClr val="0000FF"/>
+                </a:solidFill>
+              </a:rPr>
+              <a:t>it</a:t>
+            </a:r>
+            <a:r>
+              <a:rPr lang="de-AT" dirty="0">
+                <a:solidFill>
+                  <a:srgbClr val="0000FF"/>
+                </a:solidFill>
+              </a:rPr>
+              <a:t> </a:t>
+            </a:r>
+            <a:r>
+              <a:rPr lang="de-AT" dirty="0" err="1">
+                <a:solidFill>
+                  <a:srgbClr val="0000FF"/>
+                </a:solidFill>
+              </a:rPr>
+              <a:t>the</a:t>
+            </a:r>
+            <a:r>
+              <a:rPr lang="de-AT" dirty="0">
+                <a:solidFill>
+                  <a:srgbClr val="0000FF"/>
+                </a:solidFill>
+              </a:rPr>
+              <a:t> </a:t>
+            </a:r>
+            <a:r>
+              <a:rPr lang="de-AT" dirty="0" err="1">
+                <a:solidFill>
+                  <a:srgbClr val="0000FF"/>
+                </a:solidFill>
+              </a:rPr>
+              <a:t>point</a:t>
+            </a:r>
+            <a:r>
+              <a:rPr lang="de-AT" dirty="0">
+                <a:solidFill>
+                  <a:srgbClr val="0000FF"/>
+                </a:solidFill>
+              </a:rPr>
+              <a:t> at </a:t>
+            </a:r>
+            <a:r>
+              <a:rPr lang="de-AT" dirty="0" err="1">
+                <a:solidFill>
+                  <a:srgbClr val="0000FF"/>
+                </a:solidFill>
+              </a:rPr>
+              <a:t>infinity</a:t>
+            </a:r>
+            <a:r>
+              <a:rPr lang="de-AT" dirty="0">
+                <a:solidFill>
+                  <a:srgbClr val="0000FF"/>
+                </a:solidFill>
+              </a:rPr>
+              <a:t> </a:t>
+            </a:r>
+            <a:r>
+              <a:rPr lang="de-AT" dirty="0" err="1">
+                <a:solidFill>
+                  <a:srgbClr val="0000FF"/>
+                </a:solidFill>
+              </a:rPr>
+              <a:t>as</a:t>
+            </a:r>
+            <a:r>
+              <a:rPr lang="de-AT" dirty="0">
+                <a:solidFill>
+                  <a:srgbClr val="0000FF"/>
+                </a:solidFill>
+              </a:rPr>
+              <a:t> a </a:t>
+            </a:r>
+            <a:r>
+              <a:rPr lang="de-AT" dirty="0" err="1">
+                <a:solidFill>
+                  <a:srgbClr val="0000FF"/>
+                </a:solidFill>
+              </a:rPr>
+              <a:t>value</a:t>
+            </a:r>
+            <a:r>
+              <a:rPr lang="de-AT" dirty="0"/>
+              <a:t>:</a:t>
+            </a:r>
+            <a:br>
+              <a:rPr lang="de-AT" dirty="0"/>
+            </a:br>
+            <a:r>
+              <a:rPr lang="de-AT" sz="1400" dirty="0" err="1" smtClean="0">
+                <a:latin typeface="Courier New" panose="02070309020205020404" pitchFamily="49" charset="0"/>
+                <a:cs typeface="Courier New" panose="02070309020205020404" pitchFamily="49" charset="0"/>
+              </a:rPr>
+              <a:t>neutral_element</a:t>
+            </a:r>
+            <a:r>
+              <a:rPr lang="de-AT" sz="1400" dirty="0" smtClean="0">
+                <a:latin typeface="Courier New" panose="02070309020205020404" pitchFamily="49" charset="0"/>
+                <a:cs typeface="Courier New" panose="02070309020205020404" pitchFamily="49" charset="0"/>
+              </a:rPr>
+              <a:t> := &lt;&lt;</a:t>
+            </a:r>
+            <a:r>
+              <a:rPr lang="de-AT" sz="1600" b="1">
+                <a:solidFill>
+                  <a:srgbClr val="7030A0"/>
+                </a:solidFill>
+                <a:latin typeface="Courier New" panose="02070309020205020404" pitchFamily="49" charset="0"/>
+                <a:ea typeface="+mn-ea"/>
+                <a:cs typeface="Courier New" panose="02070309020205020404" pitchFamily="49" charset="0"/>
+              </a:rPr>
+              <a:t>PAI</a:t>
+            </a:r>
+            <a:r>
+              <a:rPr lang="de-AT" sz="1400" smtClean="0">
+                <a:latin typeface="Courier New" panose="02070309020205020404" pitchFamily="49" charset="0"/>
+                <a:cs typeface="Courier New" panose="02070309020205020404" pitchFamily="49" charset="0"/>
+              </a:rPr>
+              <a:t>&gt;&gt;;</a:t>
+            </a:r>
+            <a:r>
+              <a:rPr lang="de-AT" sz="1400" dirty="0" smtClean="0">
+                <a:latin typeface="Courier New" panose="02070309020205020404" pitchFamily="49" charset="0"/>
+                <a:cs typeface="Courier New" panose="02070309020205020404" pitchFamily="49" charset="0"/>
+              </a:rPr>
+              <a:t/>
+            </a:r>
+            <a:br>
+              <a:rPr lang="de-AT" sz="1400" dirty="0" smtClean="0">
+                <a:latin typeface="Courier New" panose="02070309020205020404" pitchFamily="49" charset="0"/>
+                <a:cs typeface="Courier New" panose="02070309020205020404" pitchFamily="49" charset="0"/>
+              </a:rPr>
+            </a:br>
+            <a:r>
+              <a:rPr lang="de-AT" sz="1600" b="1" dirty="0" err="1">
+                <a:solidFill>
+                  <a:srgbClr val="7030A0"/>
+                </a:solidFill>
+                <a:latin typeface="Courier New" panose="02070309020205020404" pitchFamily="49" charset="0"/>
+                <a:ea typeface="+mn-ea"/>
+                <a:cs typeface="Courier New" panose="02070309020205020404" pitchFamily="49" charset="0"/>
+              </a:rPr>
+              <a:t>if</a:t>
+            </a:r>
+            <a:r>
+              <a:rPr lang="de-AT" sz="1400" dirty="0" smtClean="0">
                 <a:solidFill>
                   <a:srgbClr val="339933"/>
                 </a:solidFill>
                 <a:latin typeface="Courier New" panose="02070309020205020404" pitchFamily="49" charset="0"/>
                 <a:cs typeface="Courier New" panose="02070309020205020404" pitchFamily="49" charset="0"/>
               </a:rPr>
-              <a:t/>
-            </a:r>
-            <a:br>
-              <a:rPr lang="de-AT" sz="1800" dirty="0">
+              <a:t> </a:t>
+            </a:r>
+            <a:r>
+              <a:rPr lang="de-AT" sz="1400" dirty="0" smtClean="0">
+                <a:latin typeface="Courier New" panose="02070309020205020404" pitchFamily="49" charset="0"/>
+                <a:cs typeface="Courier New" panose="02070309020205020404" pitchFamily="49" charset="0"/>
+              </a:rPr>
+              <a:t>(P == </a:t>
+            </a:r>
+            <a:r>
+              <a:rPr lang="de-AT" sz="1400" dirty="0" err="1" smtClean="0">
+                <a:latin typeface="Courier New" panose="02070309020205020404" pitchFamily="49" charset="0"/>
+                <a:cs typeface="Courier New" panose="02070309020205020404" pitchFamily="49" charset="0"/>
+              </a:rPr>
+              <a:t>neutral_element</a:t>
+            </a:r>
+            <a:r>
+              <a:rPr lang="de-AT" sz="1400" dirty="0" smtClean="0">
+                <a:latin typeface="Courier New" panose="02070309020205020404" pitchFamily="49" charset="0"/>
+                <a:cs typeface="Courier New" panose="02070309020205020404" pitchFamily="49" charset="0"/>
+              </a:rPr>
+              <a:t>) </a:t>
+            </a:r>
+            <a:r>
+              <a:rPr lang="de-AT" sz="1400" dirty="0" smtClean="0">
                 <a:solidFill>
                   <a:srgbClr val="339933"/>
                 </a:solidFill>
                 <a:latin typeface="Courier New" panose="02070309020205020404" pitchFamily="49" charset="0"/>
                 <a:cs typeface="Courier New" panose="02070309020205020404" pitchFamily="49" charset="0"/>
               </a:rPr>
-            </a:br>
-            <a:r>
-              <a:rPr lang="de-AT" sz="1800" dirty="0">
-                <a:latin typeface="Courier" pitchFamily="49" charset="0"/>
-              </a:rPr>
-              <a:t>A := </a:t>
-            </a:r>
-            <a:r>
-              <a:rPr lang="de-AT" sz="1800" b="1" dirty="0" err="1">
-                <a:solidFill>
-                  <a:srgbClr val="7030A0"/>
-                </a:solidFill>
-                <a:latin typeface="Courier" pitchFamily="49" charset="0"/>
-                <a:cs typeface="Courier New" panose="02070309020205020404" pitchFamily="49" charset="0"/>
-              </a:rPr>
-              <a:t>new</a:t>
-            </a:r>
-            <a:r>
-              <a:rPr lang="de-AT" sz="1800" dirty="0">
-                <a:latin typeface="Courier" pitchFamily="49" charset="0"/>
-              </a:rPr>
-              <a:t> </a:t>
-            </a:r>
-            <a:r>
-              <a:rPr lang="de-AT" sz="1800" b="1" dirty="0">
-                <a:solidFill>
-                  <a:srgbClr val="7030A0"/>
-                </a:solidFill>
-                <a:latin typeface="Courier" pitchFamily="49" charset="0"/>
-                <a:cs typeface="Courier New" panose="02070309020205020404" pitchFamily="49" charset="0"/>
-              </a:rPr>
-              <a:t>Z</a:t>
-            </a:r>
-            <a:r>
-              <a:rPr lang="de-AT" sz="1800" dirty="0">
-                <a:latin typeface="Courier" pitchFamily="49" charset="0"/>
-              </a:rPr>
-              <a:t>(13</a:t>
-            </a:r>
-            <a:r>
-              <a:rPr lang="de-AT" sz="1800" dirty="0" smtClean="0">
-                <a:latin typeface="Courier" pitchFamily="49" charset="0"/>
-              </a:rPr>
-              <a:t>)[0+n</a:t>
-            </a:r>
-            <a:r>
-              <a:rPr lang="de-AT" sz="1800" dirty="0">
-                <a:latin typeface="Courier" pitchFamily="49" charset="0"/>
-              </a:rPr>
-              <a:t>] </a:t>
-            </a:r>
-            <a:r>
-              <a:rPr lang="de-AT" sz="1800" dirty="0">
+              <a:t>// </a:t>
+            </a:r>
+            <a:r>
+              <a:rPr lang="de-AT" sz="1400" dirty="0" err="1" smtClean="0">
                 <a:solidFill>
                   <a:srgbClr val="339933"/>
                 </a:solidFill>
                 <a:latin typeface="Courier New" panose="02070309020205020404" pitchFamily="49" charset="0"/>
                 <a:cs typeface="Courier New" panose="02070309020205020404" pitchFamily="49" charset="0"/>
               </a:rPr>
-              <a:t>// </a:t>
-            </a:r>
-            <a:r>
-              <a:rPr lang="de-AT" sz="1800" dirty="0" err="1">
+              <a:t>this</a:t>
+            </a:r>
+            <a:r>
+              <a:rPr lang="de-AT" sz="1400" dirty="0" smtClean="0">
                 <a:solidFill>
                   <a:srgbClr val="339933"/>
                 </a:solidFill>
                 <a:latin typeface="Courier New" panose="02070309020205020404" pitchFamily="49" charset="0"/>
                 <a:cs typeface="Courier New" panose="02070309020205020404" pitchFamily="49" charset="0"/>
               </a:rPr>
-              <a:t>this</a:t>
-            </a:r>
-            <a:r>
-              <a:rPr lang="de-AT" sz="1800" dirty="0">
+              <a:t> </a:t>
+            </a:r>
+            <a:r>
+              <a:rPr lang="de-AT" sz="1400" dirty="0" err="1" smtClean="0">
                 <a:solidFill>
                   <a:srgbClr val="339933"/>
                 </a:solidFill>
                 <a:latin typeface="Courier New" panose="02070309020205020404" pitchFamily="49" charset="0"/>
                 <a:cs typeface="Courier New" panose="02070309020205020404" pitchFamily="49" charset="0"/>
               </a:rPr>
-              <a:t> will </a:t>
-            </a:r>
-            <a:r>
-              <a:rPr lang="de-AT" sz="1800" dirty="0" err="1" smtClean="0">
-                <a:solidFill>
-                  <a:srgbClr val="339933"/>
-                </a:solidFill>
-                <a:latin typeface="Courier New" panose="02070309020205020404" pitchFamily="49" charset="0"/>
-                <a:cs typeface="Courier New" panose="02070309020205020404" pitchFamily="49" charset="0"/>
-              </a:rPr>
-              <a:t>work</a:t>
-            </a:r>
-            <a:r>
-              <a:rPr lang="de-AT" sz="1800" dirty="0" smtClean="0">
-                <a:solidFill>
-                  <a:srgbClr val="339933"/>
-                </a:solidFill>
-                <a:latin typeface="Courier New" panose="02070309020205020404" pitchFamily="49" charset="0"/>
-                <a:cs typeface="Courier New" panose="02070309020205020404" pitchFamily="49" charset="0"/>
-              </a:rPr>
-              <a:t> (but not „[n+0]“!)</a:t>
-            </a:r>
+              <a:t>works</a:t>
+            </a:r>
+            <a:endParaRPr lang="de-AT" sz="1400" dirty="0" smtClean="0">
+              <a:solidFill>
+                <a:srgbClr val="339933"/>
+              </a:solidFill>
+              <a:latin typeface="Courier New" panose="02070309020205020404" pitchFamily="49" charset="0"/>
+              <a:cs typeface="Courier New" panose="02070309020205020404" pitchFamily="49" charset="0"/>
+            </a:endParaRPr>
           </a:p>
           <a:p>
             <a:r>

--- a/manual (drafts)/Sunset_Slides_UniKlu.pptx
+++ b/manual (drafts)/Sunset_Slides_UniKlu.pptx
@@ -11426,7 +11426,7 @@
           <a:graphicData uri="http://schemas.openxmlformats.org/presentationml/2006/ole">
             <mc:AlternateContent xmlns:mc="http://schemas.openxmlformats.org/markup-compatibility/2006">
               <mc:Choice xmlns:v="urn:schemas-microsoft-com:vml" Requires="v">
-                <p:oleObj spid="_x0000_s2197" name="Visio" r:id="rId3" imgW="4276641" imgH="2038259" progId="Visio.Drawing.15">
+                <p:oleObj spid="_x0000_s2199" name="Visio" r:id="rId3" imgW="4276641" imgH="2038259" progId="Visio.Drawing.15">
                   <p:embed/>
                 </p:oleObj>
               </mc:Choice>
@@ -14312,7 +14312,7 @@
           <a:graphicData uri="http://schemas.openxmlformats.org/presentationml/2006/ole">
             <mc:AlternateContent xmlns:mc="http://schemas.openxmlformats.org/markup-compatibility/2006">
               <mc:Choice xmlns:v="urn:schemas-microsoft-com:vml" Requires="v">
-                <p:oleObj spid="_x0000_s3210" name="Formel" r:id="rId3" imgW="6832600" imgH="749300" progId="Equation.3">
+                <p:oleObj spid="_x0000_s3212" name="Formel" r:id="rId3" imgW="6832600" imgH="749300" progId="Equation.3">
                   <p:embed/>
                 </p:oleObj>
               </mc:Choice>
@@ -15343,7 +15343,7 @@
           <a:graphicData uri="http://schemas.openxmlformats.org/presentationml/2006/ole">
             <mc:AlternateContent xmlns:mc="http://schemas.openxmlformats.org/markup-compatibility/2006">
               <mc:Choice xmlns:v="urn:schemas-microsoft-com:vml" Requires="v">
-                <p:oleObj spid="_x0000_s4233" name="Visio" r:id="rId3" imgW="3202054" imgH="945155" progId="Visio.Drawing.11">
+                <p:oleObj spid="_x0000_s4235" name="Visio" r:id="rId3" imgW="3202054" imgH="945155" progId="Visio.Drawing.11">
                   <p:embed/>
                 </p:oleObj>
               </mc:Choice>
@@ -28714,8 +28714,12 @@
               <a:t>version</a:t>
             </a:r>
             <a:r>
-              <a:rPr lang="de-AT" dirty="0" smtClean="0"/>
-              <a:t> 2.1)</a:t>
+              <a:rPr lang="de-AT" smtClean="0"/>
+              <a:t> </a:t>
+            </a:r>
+            <a:r>
+              <a:rPr lang="de-AT" smtClean="0"/>
+              <a:t>2.1.3)</a:t>
             </a:r>
             <a:endParaRPr lang="de-AT" dirty="0"/>
           </a:p>
@@ -28735,629 +28739,6 @@
         <p:txBody>
           <a:bodyPr/>
           <a:lstStyle/>
-          <a:p>
-            <a:r>
-              <a:rPr lang="de-AT" dirty="0" err="1" smtClean="0"/>
-              <a:t>Comparison</a:t>
-            </a:r>
-            <a:r>
-              <a:rPr lang="de-AT" dirty="0" smtClean="0"/>
-              <a:t> </a:t>
-            </a:r>
-            <a:r>
-              <a:rPr lang="de-AT" dirty="0" err="1" smtClean="0"/>
-              <a:t>to</a:t>
-            </a:r>
-            <a:r>
-              <a:rPr lang="de-AT" dirty="0" smtClean="0"/>
-              <a:t> </a:t>
-            </a:r>
-            <a:r>
-              <a:rPr lang="de-AT" dirty="0" err="1" smtClean="0"/>
-              <a:t>point</a:t>
-            </a:r>
-            <a:r>
-              <a:rPr lang="de-AT" dirty="0" smtClean="0"/>
-              <a:t> at </a:t>
-            </a:r>
-            <a:r>
-              <a:rPr lang="de-AT" dirty="0" err="1" smtClean="0"/>
-              <a:t>infinity</a:t>
-            </a:r>
-            <a:r>
-              <a:rPr lang="de-AT" dirty="0" smtClean="0"/>
-              <a:t> in </a:t>
-            </a:r>
-            <a:r>
-              <a:rPr lang="de-AT" dirty="0" err="1" smtClean="0"/>
-              <a:t>elliptic</a:t>
-            </a:r>
-            <a:r>
-              <a:rPr lang="de-AT" dirty="0" smtClean="0"/>
-              <a:t> </a:t>
-            </a:r>
-            <a:r>
-              <a:rPr lang="de-AT" dirty="0" err="1" smtClean="0"/>
-              <a:t>curves</a:t>
-            </a:r>
-            <a:r>
-              <a:rPr lang="de-AT" dirty="0" smtClean="0"/>
-              <a:t> </a:t>
-            </a:r>
-            <a:r>
-              <a:rPr lang="de-AT" dirty="0" err="1" smtClean="0"/>
-              <a:t>fails</a:t>
-            </a:r>
-            <a:r>
-              <a:rPr lang="de-AT" dirty="0" smtClean="0"/>
-              <a:t> </a:t>
-            </a:r>
-            <a:r>
-              <a:rPr lang="de-AT" dirty="0" err="1" smtClean="0"/>
-              <a:t>if</a:t>
-            </a:r>
-            <a:r>
-              <a:rPr lang="de-AT" dirty="0" smtClean="0"/>
-              <a:t> </a:t>
-            </a:r>
-            <a:r>
-              <a:rPr lang="de-AT" sz="1800" dirty="0">
-                <a:latin typeface="Courier New" panose="02070309020205020404" pitchFamily="49" charset="0"/>
-                <a:cs typeface="Courier New" panose="02070309020205020404" pitchFamily="49" charset="0"/>
-              </a:rPr>
-              <a:t>&lt;&lt;</a:t>
-            </a:r>
-            <a:r>
-              <a:rPr lang="de-AT" sz="1800" b="1" dirty="0">
-                <a:solidFill>
-                  <a:srgbClr val="7030A0"/>
-                </a:solidFill>
-                <a:latin typeface="Courier New" panose="02070309020205020404" pitchFamily="49" charset="0"/>
-                <a:cs typeface="Courier New" panose="02070309020205020404" pitchFamily="49" charset="0"/>
-              </a:rPr>
-              <a:t>PAI</a:t>
-            </a:r>
-            <a:r>
-              <a:rPr lang="de-AT" sz="1800" dirty="0" smtClean="0">
-                <a:latin typeface="Courier New" panose="02070309020205020404" pitchFamily="49" charset="0"/>
-                <a:cs typeface="Courier New" panose="02070309020205020404" pitchFamily="49" charset="0"/>
-              </a:rPr>
-              <a:t>&gt;&gt;</a:t>
-            </a:r>
-            <a:r>
-              <a:rPr lang="de-AT" sz="2400" dirty="0" smtClean="0">
-                <a:latin typeface="+mj-lt"/>
-                <a:cs typeface="Courier New" panose="02070309020205020404" pitchFamily="49" charset="0"/>
-              </a:rPr>
-              <a:t> </a:t>
-            </a:r>
-            <a:r>
-              <a:rPr lang="de-AT" dirty="0" err="1" smtClean="0"/>
-              <a:t>is</a:t>
-            </a:r>
-            <a:r>
-              <a:rPr lang="de-AT" dirty="0" smtClean="0"/>
-              <a:t> </a:t>
-            </a:r>
-            <a:r>
-              <a:rPr lang="de-AT" dirty="0" err="1" smtClean="0"/>
-              <a:t>used</a:t>
-            </a:r>
-            <a:r>
-              <a:rPr lang="de-AT" dirty="0" smtClean="0"/>
-              <a:t> </a:t>
-            </a:r>
-            <a:r>
-              <a:rPr lang="de-AT" dirty="0" err="1" smtClean="0"/>
-              <a:t>directly</a:t>
-            </a:r>
-            <a:r>
-              <a:rPr lang="de-AT" dirty="0" smtClean="0"/>
-              <a:t> </a:t>
-            </a:r>
-            <a:r>
-              <a:rPr lang="de-AT" dirty="0" err="1" smtClean="0"/>
-              <a:t>as</a:t>
-            </a:r>
-            <a:r>
-              <a:rPr lang="de-AT" dirty="0" smtClean="0"/>
-              <a:t> a </a:t>
-            </a:r>
-            <a:r>
-              <a:rPr lang="de-AT" dirty="0" err="1" smtClean="0"/>
-              <a:t>literal</a:t>
-            </a:r>
-            <a:r>
-              <a:rPr lang="de-AT" dirty="0" smtClean="0"/>
-              <a:t>:</a:t>
-            </a:r>
-          </a:p>
-          <a:p>
-            <a:pPr lvl="1"/>
-            <a:r>
-              <a:rPr lang="de-AT" sz="1600" b="1" dirty="0" err="1">
-                <a:solidFill>
-                  <a:srgbClr val="7030A0"/>
-                </a:solidFill>
-                <a:latin typeface="Courier New" panose="02070309020205020404" pitchFamily="49" charset="0"/>
-                <a:ea typeface="+mn-ea"/>
-                <a:cs typeface="Courier New" panose="02070309020205020404" pitchFamily="49" charset="0"/>
-              </a:rPr>
-              <a:t>if</a:t>
-            </a:r>
-            <a:r>
-              <a:rPr lang="de-AT" sz="1400" dirty="0" smtClean="0">
-                <a:solidFill>
-                  <a:srgbClr val="339933"/>
-                </a:solidFill>
-                <a:latin typeface="Courier New" panose="02070309020205020404" pitchFamily="49" charset="0"/>
-                <a:cs typeface="Courier New" panose="02070309020205020404" pitchFamily="49" charset="0"/>
-              </a:rPr>
-              <a:t> </a:t>
-            </a:r>
-            <a:r>
-              <a:rPr lang="de-AT" sz="1400" dirty="0" smtClean="0">
-                <a:latin typeface="Courier New" panose="02070309020205020404" pitchFamily="49" charset="0"/>
-                <a:cs typeface="Courier New" panose="02070309020205020404" pitchFamily="49" charset="0"/>
-              </a:rPr>
-              <a:t>(P == &lt;&lt;</a:t>
-            </a:r>
-            <a:r>
-              <a:rPr lang="de-AT" sz="1600" b="1" dirty="0">
-                <a:solidFill>
-                  <a:srgbClr val="7030A0"/>
-                </a:solidFill>
-                <a:latin typeface="Courier New" panose="02070309020205020404" pitchFamily="49" charset="0"/>
-                <a:ea typeface="+mn-ea"/>
-                <a:cs typeface="Courier New" panose="02070309020205020404" pitchFamily="49" charset="0"/>
-              </a:rPr>
-              <a:t>PAI</a:t>
-            </a:r>
-            <a:r>
-              <a:rPr lang="de-AT" sz="1400" dirty="0" smtClean="0">
-                <a:latin typeface="Courier New" panose="02070309020205020404" pitchFamily="49" charset="0"/>
-                <a:cs typeface="Courier New" panose="02070309020205020404" pitchFamily="49" charset="0"/>
-              </a:rPr>
-              <a:t>&gt;&gt;)  </a:t>
-            </a:r>
-            <a:r>
-              <a:rPr lang="de-AT" sz="1400" dirty="0" smtClean="0">
-                <a:solidFill>
-                  <a:srgbClr val="339933"/>
-                </a:solidFill>
-                <a:latin typeface="Courier New" panose="02070309020205020404" pitchFamily="49" charset="0"/>
-                <a:cs typeface="Courier New" panose="02070309020205020404" pitchFamily="49" charset="0"/>
-              </a:rPr>
-              <a:t>// </a:t>
-            </a:r>
-            <a:r>
-              <a:rPr lang="de-AT" sz="1400" dirty="0" err="1" smtClean="0">
-                <a:solidFill>
-                  <a:srgbClr val="339933"/>
-                </a:solidFill>
-                <a:latin typeface="Courier New" panose="02070309020205020404" pitchFamily="49" charset="0"/>
-                <a:cs typeface="Courier New" panose="02070309020205020404" pitchFamily="49" charset="0"/>
-              </a:rPr>
-              <a:t>this</a:t>
-            </a:r>
-            <a:r>
-              <a:rPr lang="de-AT" sz="1400" dirty="0" smtClean="0">
-                <a:solidFill>
-                  <a:srgbClr val="339933"/>
-                </a:solidFill>
-                <a:latin typeface="Courier New" panose="02070309020205020404" pitchFamily="49" charset="0"/>
-                <a:cs typeface="Courier New" panose="02070309020205020404" pitchFamily="49" charset="0"/>
-              </a:rPr>
-              <a:t> </a:t>
-            </a:r>
-            <a:r>
-              <a:rPr lang="de-AT" sz="1400" dirty="0" err="1" smtClean="0">
-                <a:solidFill>
-                  <a:srgbClr val="339933"/>
-                </a:solidFill>
-                <a:latin typeface="Courier New" panose="02070309020205020404" pitchFamily="49" charset="0"/>
-                <a:cs typeface="Courier New" panose="02070309020205020404" pitchFamily="49" charset="0"/>
-              </a:rPr>
-              <a:t>fails</a:t>
-            </a:r>
-            <a:r>
-              <a:rPr lang="de-AT" sz="1400" dirty="0" smtClean="0">
-                <a:solidFill>
-                  <a:srgbClr val="339933"/>
-                </a:solidFill>
-                <a:latin typeface="Courier New" panose="02070309020205020404" pitchFamily="49" charset="0"/>
-                <a:cs typeface="Courier New" panose="02070309020205020404" pitchFamily="49" charset="0"/>
-              </a:rPr>
-              <a:t> (</a:t>
-            </a:r>
-            <a:r>
-              <a:rPr lang="de-AT" sz="1400" dirty="0" err="1" smtClean="0">
-                <a:solidFill>
-                  <a:srgbClr val="339933"/>
-                </a:solidFill>
-                <a:latin typeface="Courier New" panose="02070309020205020404" pitchFamily="49" charset="0"/>
-                <a:cs typeface="Courier New" panose="02070309020205020404" pitchFamily="49" charset="0"/>
-              </a:rPr>
-              <a:t>without</a:t>
-            </a:r>
-            <a:r>
-              <a:rPr lang="de-AT" sz="1400" dirty="0" smtClean="0">
-                <a:solidFill>
-                  <a:srgbClr val="339933"/>
-                </a:solidFill>
-                <a:latin typeface="Courier New" panose="02070309020205020404" pitchFamily="49" charset="0"/>
-                <a:cs typeface="Courier New" panose="02070309020205020404" pitchFamily="49" charset="0"/>
-              </a:rPr>
-              <a:t> </a:t>
-            </a:r>
-            <a:r>
-              <a:rPr lang="de-AT" sz="1400" dirty="0" err="1" smtClean="0">
-                <a:solidFill>
-                  <a:srgbClr val="339933"/>
-                </a:solidFill>
-                <a:latin typeface="Courier New" panose="02070309020205020404" pitchFamily="49" charset="0"/>
-                <a:cs typeface="Courier New" panose="02070309020205020404" pitchFamily="49" charset="0"/>
-              </a:rPr>
-              <a:t>error</a:t>
-            </a:r>
-            <a:r>
-              <a:rPr lang="de-AT" sz="1400" dirty="0" smtClean="0">
-                <a:solidFill>
-                  <a:srgbClr val="339933"/>
-                </a:solidFill>
-                <a:latin typeface="Courier New" panose="02070309020205020404" pitchFamily="49" charset="0"/>
-                <a:cs typeface="Courier New" panose="02070309020205020404" pitchFamily="49" charset="0"/>
-              </a:rPr>
-              <a:t> </a:t>
-            </a:r>
-            <a:r>
-              <a:rPr lang="de-AT" sz="1400" dirty="0" err="1" smtClean="0">
-                <a:solidFill>
-                  <a:srgbClr val="339933"/>
-                </a:solidFill>
-                <a:latin typeface="Courier New" panose="02070309020205020404" pitchFamily="49" charset="0"/>
-                <a:cs typeface="Courier New" panose="02070309020205020404" pitchFamily="49" charset="0"/>
-              </a:rPr>
-              <a:t>msg</a:t>
-            </a:r>
-            <a:r>
-              <a:rPr lang="de-AT" sz="1400" dirty="0" smtClean="0">
-                <a:solidFill>
-                  <a:srgbClr val="339933"/>
-                </a:solidFill>
-                <a:latin typeface="Courier New" panose="02070309020205020404" pitchFamily="49" charset="0"/>
-                <a:cs typeface="Courier New" panose="02070309020205020404" pitchFamily="49" charset="0"/>
-              </a:rPr>
-              <a:t>; internal </a:t>
-            </a:r>
-            <a:r>
-              <a:rPr lang="de-AT" sz="1400" dirty="0" err="1" smtClean="0">
-                <a:solidFill>
-                  <a:srgbClr val="339933"/>
-                </a:solidFill>
-                <a:latin typeface="Courier New" panose="02070309020205020404" pitchFamily="49" charset="0"/>
-                <a:cs typeface="Courier New" panose="02070309020205020404" pitchFamily="49" charset="0"/>
-              </a:rPr>
-              <a:t>exception</a:t>
-            </a:r>
-            <a:r>
-              <a:rPr lang="de-AT" sz="1400" dirty="0" smtClean="0">
-                <a:solidFill>
-                  <a:srgbClr val="339933"/>
-                </a:solidFill>
-                <a:latin typeface="Courier New" panose="02070309020205020404" pitchFamily="49" charset="0"/>
-                <a:cs typeface="Courier New" panose="02070309020205020404" pitchFamily="49" charset="0"/>
-              </a:rPr>
-              <a:t>)</a:t>
-            </a:r>
-          </a:p>
-          <a:p>
-            <a:pPr lvl="1"/>
-            <a:r>
-              <a:rPr lang="de-AT" dirty="0" smtClean="0"/>
-              <a:t>Workaround: </a:t>
-            </a:r>
-            <a:r>
-              <a:rPr lang="de-AT" dirty="0" err="1">
-                <a:solidFill>
-                  <a:srgbClr val="0000FF"/>
-                </a:solidFill>
-              </a:rPr>
-              <a:t>use</a:t>
-            </a:r>
-            <a:r>
-              <a:rPr lang="de-AT" dirty="0">
-                <a:solidFill>
-                  <a:srgbClr val="0000FF"/>
-                </a:solidFill>
-              </a:rPr>
-              <a:t> a variable </a:t>
-            </a:r>
-            <a:r>
-              <a:rPr lang="de-AT" dirty="0"/>
-              <a:t>of </a:t>
-            </a:r>
-            <a:r>
-              <a:rPr lang="de-AT" dirty="0" err="1"/>
-              <a:t>the</a:t>
-            </a:r>
-            <a:r>
-              <a:rPr lang="de-AT" dirty="0"/>
-              <a:t> same type </a:t>
-            </a:r>
-            <a:r>
-              <a:rPr lang="de-AT" dirty="0" err="1"/>
-              <a:t>as</a:t>
-            </a:r>
-            <a:r>
-              <a:rPr lang="de-AT" dirty="0"/>
-              <a:t> </a:t>
-            </a:r>
-            <a:r>
-              <a:rPr lang="de-AT" sz="2000" dirty="0">
-                <a:latin typeface="Courier New" panose="02070309020205020404" pitchFamily="49" charset="0"/>
-                <a:cs typeface="Courier New" panose="02070309020205020404" pitchFamily="49" charset="0"/>
-              </a:rPr>
-              <a:t>P</a:t>
-            </a:r>
-            <a:r>
-              <a:rPr lang="de-AT" dirty="0"/>
-              <a:t> </a:t>
-            </a:r>
-            <a:r>
-              <a:rPr lang="de-AT" dirty="0" err="1"/>
-              <a:t>and</a:t>
-            </a:r>
-            <a:r>
-              <a:rPr lang="de-AT" dirty="0"/>
-              <a:t> </a:t>
-            </a:r>
-            <a:r>
-              <a:rPr lang="de-AT" dirty="0" err="1">
-                <a:solidFill>
-                  <a:srgbClr val="0000FF"/>
-                </a:solidFill>
-              </a:rPr>
-              <a:t>assign</a:t>
-            </a:r>
-            <a:r>
-              <a:rPr lang="de-AT" dirty="0">
-                <a:solidFill>
-                  <a:srgbClr val="0000FF"/>
-                </a:solidFill>
-              </a:rPr>
-              <a:t> </a:t>
-            </a:r>
-            <a:r>
-              <a:rPr lang="de-AT" dirty="0" err="1">
-                <a:solidFill>
-                  <a:srgbClr val="0000FF"/>
-                </a:solidFill>
-              </a:rPr>
-              <a:t>it</a:t>
-            </a:r>
-            <a:r>
-              <a:rPr lang="de-AT" dirty="0">
-                <a:solidFill>
-                  <a:srgbClr val="0000FF"/>
-                </a:solidFill>
-              </a:rPr>
-              <a:t> </a:t>
-            </a:r>
-            <a:r>
-              <a:rPr lang="de-AT" dirty="0" err="1">
-                <a:solidFill>
-                  <a:srgbClr val="0000FF"/>
-                </a:solidFill>
-              </a:rPr>
-              <a:t>the</a:t>
-            </a:r>
-            <a:r>
-              <a:rPr lang="de-AT" dirty="0">
-                <a:solidFill>
-                  <a:srgbClr val="0000FF"/>
-                </a:solidFill>
-              </a:rPr>
-              <a:t> </a:t>
-            </a:r>
-            <a:r>
-              <a:rPr lang="de-AT" dirty="0" err="1">
-                <a:solidFill>
-                  <a:srgbClr val="0000FF"/>
-                </a:solidFill>
-              </a:rPr>
-              <a:t>point</a:t>
-            </a:r>
-            <a:r>
-              <a:rPr lang="de-AT" dirty="0">
-                <a:solidFill>
-                  <a:srgbClr val="0000FF"/>
-                </a:solidFill>
-              </a:rPr>
-              <a:t> at </a:t>
-            </a:r>
-            <a:r>
-              <a:rPr lang="de-AT" dirty="0" err="1">
-                <a:solidFill>
-                  <a:srgbClr val="0000FF"/>
-                </a:solidFill>
-              </a:rPr>
-              <a:t>infinity</a:t>
-            </a:r>
-            <a:r>
-              <a:rPr lang="de-AT" dirty="0">
-                <a:solidFill>
-                  <a:srgbClr val="0000FF"/>
-                </a:solidFill>
-              </a:rPr>
-              <a:t> </a:t>
-            </a:r>
-            <a:r>
-              <a:rPr lang="de-AT" dirty="0" err="1">
-                <a:solidFill>
-                  <a:srgbClr val="0000FF"/>
-                </a:solidFill>
-              </a:rPr>
-              <a:t>as</a:t>
-            </a:r>
-            <a:r>
-              <a:rPr lang="de-AT" dirty="0">
-                <a:solidFill>
-                  <a:srgbClr val="0000FF"/>
-                </a:solidFill>
-              </a:rPr>
-              <a:t> a </a:t>
-            </a:r>
-            <a:r>
-              <a:rPr lang="de-AT" dirty="0" err="1">
-                <a:solidFill>
-                  <a:srgbClr val="0000FF"/>
-                </a:solidFill>
-              </a:rPr>
-              <a:t>value</a:t>
-            </a:r>
-            <a:r>
-              <a:rPr lang="de-AT" dirty="0"/>
-              <a:t>:</a:t>
-            </a:r>
-            <a:br>
-              <a:rPr lang="de-AT" dirty="0"/>
-            </a:br>
-            <a:r>
-              <a:rPr lang="de-AT" sz="1400" dirty="0" err="1" smtClean="0">
-                <a:latin typeface="Courier New" panose="02070309020205020404" pitchFamily="49" charset="0"/>
-                <a:cs typeface="Courier New" panose="02070309020205020404" pitchFamily="49" charset="0"/>
-              </a:rPr>
-              <a:t>neutral_element</a:t>
-            </a:r>
-            <a:r>
-              <a:rPr lang="de-AT" sz="1400" dirty="0" smtClean="0">
-                <a:latin typeface="Courier New" panose="02070309020205020404" pitchFamily="49" charset="0"/>
-                <a:cs typeface="Courier New" panose="02070309020205020404" pitchFamily="49" charset="0"/>
-              </a:rPr>
-              <a:t> := &lt;&lt;</a:t>
-            </a:r>
-            <a:r>
-              <a:rPr lang="de-AT" sz="1600" b="1">
-                <a:solidFill>
-                  <a:srgbClr val="7030A0"/>
-                </a:solidFill>
-                <a:latin typeface="Courier New" panose="02070309020205020404" pitchFamily="49" charset="0"/>
-                <a:ea typeface="+mn-ea"/>
-                <a:cs typeface="Courier New" panose="02070309020205020404" pitchFamily="49" charset="0"/>
-              </a:rPr>
-              <a:t>PAI</a:t>
-            </a:r>
-            <a:r>
-              <a:rPr lang="de-AT" sz="1400" smtClean="0">
-                <a:latin typeface="Courier New" panose="02070309020205020404" pitchFamily="49" charset="0"/>
-                <a:cs typeface="Courier New" panose="02070309020205020404" pitchFamily="49" charset="0"/>
-              </a:rPr>
-              <a:t>&gt;&gt;;</a:t>
-            </a:r>
-            <a:r>
-              <a:rPr lang="de-AT" sz="1400" dirty="0" smtClean="0">
-                <a:latin typeface="Courier New" panose="02070309020205020404" pitchFamily="49" charset="0"/>
-                <a:cs typeface="Courier New" panose="02070309020205020404" pitchFamily="49" charset="0"/>
-              </a:rPr>
-              <a:t/>
-            </a:r>
-            <a:br>
-              <a:rPr lang="de-AT" sz="1400" dirty="0" smtClean="0">
-                <a:latin typeface="Courier New" panose="02070309020205020404" pitchFamily="49" charset="0"/>
-                <a:cs typeface="Courier New" panose="02070309020205020404" pitchFamily="49" charset="0"/>
-              </a:rPr>
-            </a:br>
-            <a:r>
-              <a:rPr lang="de-AT" sz="1600" b="1" dirty="0" err="1">
-                <a:solidFill>
-                  <a:srgbClr val="7030A0"/>
-                </a:solidFill>
-                <a:latin typeface="Courier New" panose="02070309020205020404" pitchFamily="49" charset="0"/>
-                <a:ea typeface="+mn-ea"/>
-                <a:cs typeface="Courier New" panose="02070309020205020404" pitchFamily="49" charset="0"/>
-              </a:rPr>
-              <a:t>if</a:t>
-            </a:r>
-            <a:r>
-              <a:rPr lang="de-AT" sz="1400" dirty="0" smtClean="0">
-                <a:solidFill>
-                  <a:srgbClr val="339933"/>
-                </a:solidFill>
-                <a:latin typeface="Courier New" panose="02070309020205020404" pitchFamily="49" charset="0"/>
-                <a:cs typeface="Courier New" panose="02070309020205020404" pitchFamily="49" charset="0"/>
-              </a:rPr>
-              <a:t> </a:t>
-            </a:r>
-            <a:r>
-              <a:rPr lang="de-AT" sz="1400" dirty="0" smtClean="0">
-                <a:latin typeface="Courier New" panose="02070309020205020404" pitchFamily="49" charset="0"/>
-                <a:cs typeface="Courier New" panose="02070309020205020404" pitchFamily="49" charset="0"/>
-              </a:rPr>
-              <a:t>(P == </a:t>
-            </a:r>
-            <a:r>
-              <a:rPr lang="de-AT" sz="1400" dirty="0" err="1" smtClean="0">
-                <a:latin typeface="Courier New" panose="02070309020205020404" pitchFamily="49" charset="0"/>
-                <a:cs typeface="Courier New" panose="02070309020205020404" pitchFamily="49" charset="0"/>
-              </a:rPr>
-              <a:t>neutral_element</a:t>
-            </a:r>
-            <a:r>
-              <a:rPr lang="de-AT" sz="1400" dirty="0" smtClean="0">
-                <a:latin typeface="Courier New" panose="02070309020205020404" pitchFamily="49" charset="0"/>
-                <a:cs typeface="Courier New" panose="02070309020205020404" pitchFamily="49" charset="0"/>
-              </a:rPr>
-              <a:t>) </a:t>
-            </a:r>
-            <a:r>
-              <a:rPr lang="de-AT" sz="1400" dirty="0" smtClean="0">
-                <a:solidFill>
-                  <a:srgbClr val="339933"/>
-                </a:solidFill>
-                <a:latin typeface="Courier New" panose="02070309020205020404" pitchFamily="49" charset="0"/>
-                <a:cs typeface="Courier New" panose="02070309020205020404" pitchFamily="49" charset="0"/>
-              </a:rPr>
-              <a:t>// </a:t>
-            </a:r>
-            <a:r>
-              <a:rPr lang="de-AT" sz="1400" dirty="0" err="1" smtClean="0">
-                <a:solidFill>
-                  <a:srgbClr val="339933"/>
-                </a:solidFill>
-                <a:latin typeface="Courier New" panose="02070309020205020404" pitchFamily="49" charset="0"/>
-                <a:cs typeface="Courier New" panose="02070309020205020404" pitchFamily="49" charset="0"/>
-              </a:rPr>
-              <a:t>this</a:t>
-            </a:r>
-            <a:r>
-              <a:rPr lang="de-AT" sz="1400" dirty="0" smtClean="0">
-                <a:solidFill>
-                  <a:srgbClr val="339933"/>
-                </a:solidFill>
-                <a:latin typeface="Courier New" panose="02070309020205020404" pitchFamily="49" charset="0"/>
-                <a:cs typeface="Courier New" panose="02070309020205020404" pitchFamily="49" charset="0"/>
-              </a:rPr>
-              <a:t> </a:t>
-            </a:r>
-            <a:r>
-              <a:rPr lang="de-AT" sz="1400" dirty="0" err="1" smtClean="0">
-                <a:solidFill>
-                  <a:srgbClr val="339933"/>
-                </a:solidFill>
-                <a:latin typeface="Courier New" panose="02070309020205020404" pitchFamily="49" charset="0"/>
-                <a:cs typeface="Courier New" panose="02070309020205020404" pitchFamily="49" charset="0"/>
-              </a:rPr>
-              <a:t>works</a:t>
-            </a:r>
-            <a:endParaRPr lang="de-AT" sz="1400" dirty="0" smtClean="0">
-              <a:solidFill>
-                <a:srgbClr val="339933"/>
-              </a:solidFill>
-              <a:latin typeface="Courier New" panose="02070309020205020404" pitchFamily="49" charset="0"/>
-              <a:cs typeface="Courier New" panose="02070309020205020404" pitchFamily="49" charset="0"/>
-            </a:endParaRPr>
-          </a:p>
           <a:p>
             <a:r>
               <a:rPr lang="de-AT" dirty="0" err="1" smtClean="0"/>
